--- a/TabMaker_compact.pptx
+++ b/TabMaker_compact.pptx
@@ -2153,7 +2153,7 @@
         <a:lstStyle/>
         <a:p>
           <a:r>
-            <a:rPr lang="en-US"/>
+            <a:rPr lang="en-US" dirty="0"/>
             <a:t>Chord sequences are playable and enjoyable from a musical perspective</a:t>
           </a:r>
         </a:p>
@@ -2225,8 +2225,12 @@
         <a:lstStyle/>
         <a:p>
           <a:r>
-            <a:rPr lang="en-US"/>
-            <a:t>Implement more interesting voicing rules</a:t>
+            <a:rPr lang="en-US" dirty="0"/>
+            <a:t>Implement </a:t>
+          </a:r>
+          <a:r>
+            <a:rPr lang="en-US" b="1" dirty="0"/>
+            <a:t>more interesting voicing rules</a:t>
           </a:r>
         </a:p>
       </dgm:t>
@@ -2261,8 +2265,16 @@
         <a:lstStyle/>
         <a:p>
           <a:r>
-            <a:rPr lang="en-US"/>
-            <a:t>Add more user options (e.g. interacting with the resulting sequence)</a:t>
+            <a:rPr lang="en-US" dirty="0"/>
+            <a:t>Add more user options (e.g. </a:t>
+          </a:r>
+          <a:r>
+            <a:rPr lang="en-US" b="1" dirty="0"/>
+            <a:t>interacting</a:t>
+          </a:r>
+          <a:r>
+            <a:rPr lang="en-US" dirty="0"/>
+            <a:t> with the resulting sequence)</a:t>
           </a:r>
         </a:p>
       </dgm:t>
@@ -2297,8 +2309,16 @@
         <a:lstStyle/>
         <a:p>
           <a:r>
-            <a:rPr lang="en-US"/>
-            <a:t>Add MIDI capabilities for chord recognition and selection</a:t>
+            <a:rPr lang="en-US" dirty="0"/>
+            <a:t>Add </a:t>
+          </a:r>
+          <a:r>
+            <a:rPr lang="en-US" b="1" dirty="0"/>
+            <a:t>MIDI capabilities </a:t>
+          </a:r>
+          <a:r>
+            <a:rPr lang="en-US" dirty="0"/>
+            <a:t>for chord recognition and selection</a:t>
           </a:r>
         </a:p>
       </dgm:t>
@@ -2333,8 +2353,16 @@
         <a:lstStyle/>
         <a:p>
           <a:r>
-            <a:rPr lang="en-US"/>
-            <a:t>Add musical staff notation for chord input/visualization</a:t>
+            <a:rPr lang="en-US" dirty="0"/>
+            <a:t>Add </a:t>
+          </a:r>
+          <a:r>
+            <a:rPr lang="en-US" b="1" dirty="0"/>
+            <a:t>musical staff notation </a:t>
+          </a:r>
+          <a:r>
+            <a:rPr lang="en-US" dirty="0"/>
+            <a:t>for chord input/visualization</a:t>
           </a:r>
         </a:p>
       </dgm:t>
@@ -3104,7 +3132,7 @@
             <a:buNone/>
           </a:pPr>
           <a:r>
-            <a:rPr lang="en-US" sz="2000" kern="1200"/>
+            <a:rPr lang="en-US" sz="2000" kern="1200" dirty="0"/>
             <a:t>Chord sequences are playable and enjoyable from a musical perspective</a:t>
           </a:r>
         </a:p>
@@ -3322,8 +3350,12 @@
             <a:buNone/>
           </a:pPr>
           <a:r>
-            <a:rPr lang="en-US" sz="2000" kern="1200"/>
-            <a:t>Implement more interesting voicing rules</a:t>
+            <a:rPr lang="en-US" sz="2000" kern="1200" dirty="0"/>
+            <a:t>Implement </a:t>
+          </a:r>
+          <a:r>
+            <a:rPr lang="en-US" sz="2000" b="1" kern="1200" dirty="0"/>
+            <a:t>more interesting voicing rules</a:t>
           </a:r>
         </a:p>
       </dsp:txBody>
@@ -3431,8 +3463,16 @@
             <a:buNone/>
           </a:pPr>
           <a:r>
-            <a:rPr lang="en-US" sz="2000" kern="1200"/>
-            <a:t>Add more user options (e.g. interacting with the resulting sequence)</a:t>
+            <a:rPr lang="en-US" sz="2000" kern="1200" dirty="0"/>
+            <a:t>Add more user options (e.g. </a:t>
+          </a:r>
+          <a:r>
+            <a:rPr lang="en-US" sz="2000" b="1" kern="1200" dirty="0"/>
+            <a:t>interacting</a:t>
+          </a:r>
+          <a:r>
+            <a:rPr lang="en-US" sz="2000" kern="1200" dirty="0"/>
+            <a:t> with the resulting sequence)</a:t>
           </a:r>
         </a:p>
       </dsp:txBody>
@@ -3540,8 +3580,16 @@
             <a:buNone/>
           </a:pPr>
           <a:r>
-            <a:rPr lang="en-US" sz="2000" kern="1200"/>
-            <a:t>Add MIDI capabilities for chord recognition and selection</a:t>
+            <a:rPr lang="en-US" sz="2000" kern="1200" dirty="0"/>
+            <a:t>Add </a:t>
+          </a:r>
+          <a:r>
+            <a:rPr lang="en-US" sz="2000" b="1" kern="1200" dirty="0"/>
+            <a:t>MIDI capabilities </a:t>
+          </a:r>
+          <a:r>
+            <a:rPr lang="en-US" sz="2000" kern="1200" dirty="0"/>
+            <a:t>for chord recognition and selection</a:t>
           </a:r>
         </a:p>
       </dsp:txBody>
@@ -3649,8 +3697,16 @@
             <a:buNone/>
           </a:pPr>
           <a:r>
-            <a:rPr lang="en-US" sz="2000" kern="1200"/>
-            <a:t>Add musical staff notation for chord input/visualization</a:t>
+            <a:rPr lang="en-US" sz="2000" kern="1200" dirty="0"/>
+            <a:t>Add </a:t>
+          </a:r>
+          <a:r>
+            <a:rPr lang="en-US" sz="2000" b="1" kern="1200" dirty="0"/>
+            <a:t>musical staff notation </a:t>
+          </a:r>
+          <a:r>
+            <a:rPr lang="en-US" sz="2000" kern="1200" dirty="0"/>
+            <a:t>for chord input/visualization</a:t>
           </a:r>
         </a:p>
       </dsp:txBody>
@@ -6573,7 +6629,7 @@
           <a:p>
             <a:fld id="{CC10EBF3-E11F-43AE-AC99-C596FBC7B14D}" type="datetimeFigureOut">
               <a:rPr lang="it-IT" smtClean="0"/>
-              <a:t>09/07/2023</a:t>
+              <a:t>11/07/2023</a:t>
             </a:fld>
             <a:endParaRPr lang="it-IT"/>
           </a:p>
@@ -8189,7 +8245,39 @@
             </a:r>
             <a:r>
               <a:rPr lang="it-IT" dirty="0"/>
-              <a:t>. But </a:t>
+              <a:t>, and </a:t>
+            </a:r>
+            <a:r>
+              <a:rPr lang="it-IT" dirty="0" err="1"/>
+              <a:t>it</a:t>
+            </a:r>
+            <a:r>
+              <a:rPr lang="it-IT" dirty="0"/>
+              <a:t> </a:t>
+            </a:r>
+            <a:r>
+              <a:rPr lang="it-IT" dirty="0" err="1"/>
+              <a:t>doesn’t</a:t>
+            </a:r>
+            <a:r>
+              <a:rPr lang="it-IT" dirty="0"/>
+              <a:t> take </a:t>
+            </a:r>
+            <a:r>
+              <a:rPr lang="it-IT" dirty="0" err="1"/>
+              <a:t>into</a:t>
+            </a:r>
+            <a:r>
+              <a:rPr lang="it-IT" dirty="0"/>
+              <a:t> account a </a:t>
+            </a:r>
+            <a:r>
+              <a:rPr lang="it-IT" dirty="0" err="1"/>
+              <a:t>reference</a:t>
+            </a:r>
+            <a:r>
+              <a:rPr lang="it-IT" dirty="0"/>
+              <a:t> key. But </a:t>
             </a:r>
             <a:r>
               <a:rPr lang="it-IT" dirty="0" err="1"/>
@@ -8672,6 +8760,64 @@
             <a:endParaRPr lang="it-IT" dirty="0"/>
           </a:p>
           <a:p>
+            <a:pPr marL="0" indent="0">
+              <a:buFontTx/>
+              <a:buNone/>
+            </a:pPr>
+            <a:r>
+              <a:rPr lang="it-IT" dirty="0"/>
+              <a:t>(Last </a:t>
+            </a:r>
+            <a:r>
+              <a:rPr lang="it-IT" dirty="0" err="1"/>
+              <a:t>block</a:t>
+            </a:r>
+            <a:r>
+              <a:rPr lang="it-IT" dirty="0"/>
+              <a:t> </a:t>
+            </a:r>
+            <a:r>
+              <a:rPr lang="it-IT" dirty="0" err="1"/>
+              <a:t>is</a:t>
+            </a:r>
+            <a:r>
+              <a:rPr lang="it-IT" dirty="0"/>
+              <a:t> </a:t>
+            </a:r>
+            <a:r>
+              <a:rPr lang="it-IT" dirty="0" err="1"/>
+              <a:t>around</a:t>
+            </a:r>
+            <a:r>
+              <a:rPr lang="it-IT" dirty="0"/>
+              <a:t> 4:26 minutes, a bit </a:t>
+            </a:r>
+            <a:r>
+              <a:rPr lang="it-IT" dirty="0" err="1"/>
+              <a:t>longer</a:t>
+            </a:r>
+            <a:r>
+              <a:rPr lang="it-IT" dirty="0"/>
+              <a:t> </a:t>
+            </a:r>
+            <a:r>
+              <a:rPr lang="it-IT" dirty="0" err="1"/>
+              <a:t>then</a:t>
+            </a:r>
+            <a:r>
+              <a:rPr lang="it-IT" dirty="0"/>
+              <a:t> </a:t>
+            </a:r>
+            <a:r>
+              <a:rPr lang="it-IT" dirty="0" err="1"/>
+              <a:t>others</a:t>
+            </a:r>
+            <a:r>
+              <a:rPr lang="it-IT" dirty="0"/>
+              <a:t>)</a:t>
+            </a:r>
+          </a:p>
+          <a:p>
             <a:pPr marL="171450" indent="-171450">
               <a:buFontTx/>
               <a:buChar char="-"/>
@@ -8686,6 +8832,13 @@
             <a:endParaRPr lang="it-IT" dirty="0"/>
           </a:p>
           <a:p>
+            <a:pPr marL="171450" indent="-171450">
+              <a:buFontTx/>
+              <a:buChar char="-"/>
+            </a:pPr>
+            <a:endParaRPr lang="it-IT" dirty="0"/>
+          </a:p>
+          <a:p>
             <a:pPr marL="0" indent="0">
               <a:buFontTx/>
               <a:buNone/>
@@ -8700,7 +8853,7 @@
             </a:r>
             <a:r>
               <a:rPr lang="it-IT" dirty="0"/>
-              <a:t> 11 minutes</a:t>
+              <a:t> 12 minutes</a:t>
             </a:r>
           </a:p>
         </p:txBody>
@@ -9439,6 +9592,103 @@
             </a:r>
             <a:r>
               <a:rPr lang="it-IT" dirty="0"/>
+              <a:t> are </a:t>
+            </a:r>
+            <a:r>
+              <a:rPr lang="it-IT" dirty="0" err="1"/>
+              <a:t>only</a:t>
+            </a:r>
+            <a:r>
+              <a:rPr lang="it-IT" dirty="0"/>
+              <a:t> a </a:t>
+            </a:r>
+            <a:r>
+              <a:rPr lang="it-IT" dirty="0" err="1"/>
+              <a:t>couple</a:t>
+            </a:r>
+            <a:r>
+              <a:rPr lang="it-IT" dirty="0"/>
+              <a:t> of options </a:t>
+            </a:r>
+            <a:r>
+              <a:rPr lang="it-IT" dirty="0" err="1"/>
+              <a:t>supported</a:t>
+            </a:r>
+            <a:r>
+              <a:rPr lang="it-IT" dirty="0"/>
+              <a:t>;</a:t>
+            </a:r>
+          </a:p>
+          <a:p>
+            <a:r>
+              <a:rPr lang="it-IT" dirty="0"/>
+              <a:t>-one </a:t>
+            </a:r>
+            <a:r>
+              <a:rPr lang="it-IT" dirty="0" err="1"/>
+              <a:t>allows</a:t>
+            </a:r>
+            <a:r>
+              <a:rPr lang="it-IT" dirty="0"/>
+              <a:t> to switch </a:t>
+            </a:r>
+            <a:r>
+              <a:rPr lang="it-IT" dirty="0" err="1"/>
+              <a:t>between</a:t>
+            </a:r>
+            <a:r>
+              <a:rPr lang="it-IT" dirty="0"/>
+              <a:t> easy and </a:t>
+            </a:r>
+            <a:r>
+              <a:rPr lang="it-IT" dirty="0" err="1"/>
+              <a:t>difficult</a:t>
+            </a:r>
+            <a:r>
+              <a:rPr lang="it-IT" dirty="0"/>
+              <a:t> mode, </a:t>
+            </a:r>
+            <a:r>
+              <a:rPr lang="it-IT" dirty="0" err="1"/>
+              <a:t>depending</a:t>
+            </a:r>
+            <a:r>
+              <a:rPr lang="it-IT" dirty="0"/>
+              <a:t> on the </a:t>
+            </a:r>
+            <a:r>
+              <a:rPr lang="it-IT" dirty="0" err="1"/>
+              <a:t>desired</a:t>
+            </a:r>
+            <a:r>
+              <a:rPr lang="it-IT" dirty="0"/>
+              <a:t> technical </a:t>
+            </a:r>
+            <a:r>
+              <a:rPr lang="it-IT" dirty="0" err="1"/>
+              <a:t>complexity</a:t>
+            </a:r>
+            <a:r>
+              <a:rPr lang="it-IT" dirty="0"/>
+              <a:t> of the </a:t>
+            </a:r>
+            <a:r>
+              <a:rPr lang="it-IT" dirty="0" err="1"/>
+              <a:t>voicing</a:t>
+            </a:r>
+            <a:endParaRPr lang="it-IT" dirty="0"/>
+          </a:p>
+          <a:p>
+            <a:r>
+              <a:rPr lang="it-IT" dirty="0"/>
+              <a:t>-the </a:t>
+            </a:r>
+            <a:r>
+              <a:rPr lang="it-IT" dirty="0" err="1"/>
+              <a:t>other</a:t>
+            </a:r>
+            <a:r>
+              <a:rPr lang="it-IT" dirty="0"/>
               <a:t> </a:t>
             </a:r>
             <a:r>
@@ -9447,96 +9697,53 @@
             </a:r>
             <a:r>
               <a:rPr lang="it-IT" dirty="0"/>
-              <a:t> </a:t>
-            </a:r>
-            <a:r>
-              <a:rPr lang="it-IT" dirty="0" err="1"/>
-              <a:t>only</a:t>
-            </a:r>
-            <a:r>
-              <a:rPr lang="it-IT" dirty="0"/>
-              <a:t> one option </a:t>
-            </a:r>
-            <a:r>
-              <a:rPr lang="it-IT" dirty="0" err="1"/>
-              <a:t>supported</a:t>
-            </a:r>
-            <a:r>
-              <a:rPr lang="it-IT" dirty="0"/>
-              <a:t>, </a:t>
-            </a:r>
-            <a:r>
-              <a:rPr lang="it-IT" dirty="0" err="1"/>
-              <a:t>which</a:t>
-            </a:r>
-            <a:r>
-              <a:rPr lang="it-IT" dirty="0"/>
-              <a:t> </a:t>
-            </a:r>
-            <a:r>
-              <a:rPr lang="it-IT" dirty="0" err="1"/>
-              <a:t>allows</a:t>
-            </a:r>
-            <a:r>
-              <a:rPr lang="it-IT" dirty="0"/>
-              <a:t> the user to switch </a:t>
-            </a:r>
-            <a:r>
-              <a:rPr lang="it-IT" dirty="0" err="1"/>
-              <a:t>between</a:t>
-            </a:r>
-            <a:r>
-              <a:rPr lang="it-IT" dirty="0"/>
-              <a:t> easy and </a:t>
-            </a:r>
-            <a:r>
-              <a:rPr lang="it-IT" dirty="0" err="1"/>
-              <a:t>difficult</a:t>
-            </a:r>
-            <a:r>
-              <a:rPr lang="it-IT" dirty="0"/>
-              <a:t> mode, </a:t>
-            </a:r>
-            <a:r>
-              <a:rPr lang="it-IT" dirty="0" err="1"/>
-              <a:t>depending</a:t>
-            </a:r>
-            <a:r>
-              <a:rPr lang="it-IT" dirty="0"/>
-              <a:t> on the </a:t>
-            </a:r>
-            <a:r>
-              <a:rPr lang="it-IT" dirty="0" err="1"/>
-              <a:t>desired</a:t>
-            </a:r>
-            <a:r>
-              <a:rPr lang="it-IT" dirty="0"/>
-              <a:t> technical </a:t>
-            </a:r>
-            <a:r>
-              <a:rPr lang="it-IT" dirty="0" err="1"/>
-              <a:t>complexity</a:t>
-            </a:r>
-            <a:r>
-              <a:rPr lang="it-IT" dirty="0"/>
-              <a:t> of the </a:t>
-            </a:r>
-            <a:r>
-              <a:rPr lang="it-IT" dirty="0" err="1"/>
-              <a:t>generated</a:t>
-            </a:r>
-            <a:r>
-              <a:rPr lang="it-IT" dirty="0"/>
-              <a:t> </a:t>
-            </a:r>
-            <a:r>
-              <a:rPr lang="it-IT" dirty="0" err="1"/>
-              <a:t>voicing</a:t>
-            </a:r>
-            <a:r>
-              <a:rPr lang="it-IT" dirty="0"/>
-              <a:t>.</a:t>
-            </a:r>
+              <a:t> to </a:t>
+            </a:r>
+            <a:r>
+              <a:rPr lang="it-IT" dirty="0" err="1"/>
+              <a:t>allow</a:t>
+            </a:r>
+            <a:r>
+              <a:rPr lang="it-IT" dirty="0"/>
+              <a:t> the use of </a:t>
+            </a:r>
+            <a:r>
+              <a:rPr lang="it-IT" dirty="0" err="1"/>
+              <a:t>chord</a:t>
+            </a:r>
+            <a:r>
+              <a:rPr lang="it-IT" dirty="0"/>
+              <a:t> </a:t>
+            </a:r>
+            <a:r>
+              <a:rPr lang="it-IT" dirty="0" err="1"/>
+              <a:t>inversions</a:t>
+            </a:r>
+            <a:r>
+              <a:rPr lang="it-IT" dirty="0"/>
+              <a:t> </a:t>
+            </a:r>
+            <a:r>
+              <a:rPr lang="it-IT" dirty="0" err="1"/>
+              <a:t>when</a:t>
+            </a:r>
+            <a:r>
+              <a:rPr lang="it-IT" dirty="0"/>
+              <a:t> </a:t>
+            </a:r>
+            <a:r>
+              <a:rPr lang="it-IT" dirty="0" err="1"/>
+              <a:t>generating</a:t>
+            </a:r>
+            <a:r>
+              <a:rPr lang="it-IT" dirty="0"/>
+              <a:t> the </a:t>
+            </a:r>
+            <a:r>
+              <a:rPr lang="it-IT" dirty="0" err="1"/>
+              <a:t>voicings</a:t>
+            </a:r>
+            <a:endParaRPr lang="it-IT" dirty="0"/>
           </a:p>
           <a:p>
             <a:r>
@@ -10200,7 +10407,7 @@
             </a:r>
             <a:r>
               <a:rPr lang="it-IT" dirty="0"/>
-              <a:t>. 3 minutes </a:t>
+              <a:t>. 3 minutes and 15 seconds </a:t>
             </a:r>
             <a:r>
               <a:rPr lang="it-IT" dirty="0" err="1"/>
@@ -10516,6 +10723,56 @@
             </a:r>
             <a:r>
               <a:rPr lang="it-IT" dirty="0"/>
+              <a:t>.</a:t>
+            </a:r>
+          </a:p>
+          <a:p>
+            <a:r>
+              <a:rPr lang="it-IT" dirty="0" err="1"/>
+              <a:t>Then</a:t>
+            </a:r>
+            <a:r>
+              <a:rPr lang="it-IT" dirty="0"/>
+              <a:t> </a:t>
+            </a:r>
+            <a:r>
+              <a:rPr lang="it-IT" dirty="0" err="1"/>
+              <a:t>there</a:t>
+            </a:r>
+            <a:r>
+              <a:rPr lang="it-IT" dirty="0"/>
+              <a:t> </a:t>
+            </a:r>
+            <a:r>
+              <a:rPr lang="it-IT" dirty="0" err="1"/>
+              <a:t>is</a:t>
+            </a:r>
+            <a:r>
+              <a:rPr lang="it-IT" dirty="0"/>
+              <a:t> an in-</a:t>
+            </a:r>
+            <a:r>
+              <a:rPr lang="it-IT" dirty="0" err="1"/>
+              <a:t>depth</a:t>
+            </a:r>
+            <a:r>
+              <a:rPr lang="it-IT" dirty="0"/>
+              <a:t> </a:t>
+            </a:r>
+            <a:r>
+              <a:rPr lang="it-IT" dirty="0" err="1"/>
+              <a:t>feasibility</a:t>
+            </a:r>
+            <a:r>
+              <a:rPr lang="it-IT" dirty="0"/>
+              <a:t> check for the </a:t>
+            </a:r>
+            <a:r>
+              <a:rPr lang="it-IT" dirty="0" err="1"/>
+              <a:t>voicings</a:t>
+            </a:r>
+            <a:r>
+              <a:rPr lang="it-IT" dirty="0"/>
               <a:t>, </a:t>
             </a:r>
             <a:r>
@@ -10524,35 +10781,67 @@
             </a:r>
             <a:r>
               <a:rPr lang="it-IT" dirty="0"/>
-              <a:t> </a:t>
-            </a:r>
-            <a:r>
-              <a:rPr lang="it-IT" dirty="0" err="1"/>
-              <a:t>we</a:t>
-            </a:r>
-            <a:r>
-              <a:rPr lang="it-IT" dirty="0"/>
-              <a:t> </a:t>
-            </a:r>
-            <a:r>
-              <a:rPr lang="it-IT" dirty="0" err="1"/>
-              <a:t>will</a:t>
-            </a:r>
-            <a:r>
-              <a:rPr lang="it-IT" dirty="0"/>
-              <a:t> </a:t>
-            </a:r>
-            <a:r>
-              <a:rPr lang="it-IT" dirty="0" err="1"/>
-              <a:t>detail</a:t>
-            </a:r>
-            <a:r>
-              <a:rPr lang="it-IT" dirty="0"/>
-              <a:t> </a:t>
-            </a:r>
-            <a:r>
-              <a:rPr lang="it-IT" dirty="0" err="1"/>
-              <a:t>later</a:t>
+              <a:t> filters out </a:t>
+            </a:r>
+            <a:r>
+              <a:rPr lang="it-IT" dirty="0" err="1"/>
+              <a:t>any</a:t>
+            </a:r>
+            <a:r>
+              <a:rPr lang="it-IT" dirty="0"/>
+              <a:t> </a:t>
+            </a:r>
+            <a:r>
+              <a:rPr lang="it-IT" dirty="0" err="1"/>
+              <a:t>voicing</a:t>
+            </a:r>
+            <a:r>
+              <a:rPr lang="it-IT" dirty="0"/>
+              <a:t> </a:t>
+            </a:r>
+            <a:r>
+              <a:rPr lang="it-IT" dirty="0" err="1"/>
+              <a:t>which</a:t>
+            </a:r>
+            <a:r>
+              <a:rPr lang="it-IT" dirty="0"/>
+              <a:t> </a:t>
+            </a:r>
+            <a:r>
+              <a:rPr lang="it-IT" dirty="0" err="1"/>
+              <a:t>is</a:t>
+            </a:r>
+            <a:r>
+              <a:rPr lang="it-IT" dirty="0"/>
+              <a:t> </a:t>
+            </a:r>
+            <a:r>
+              <a:rPr lang="it-IT" dirty="0" err="1"/>
+              <a:t>not</a:t>
+            </a:r>
+            <a:r>
+              <a:rPr lang="it-IT" dirty="0"/>
+              <a:t> </a:t>
+            </a:r>
+            <a:r>
+              <a:rPr lang="it-IT" dirty="0" err="1"/>
+              <a:t>deemed</a:t>
+            </a:r>
+            <a:r>
+              <a:rPr lang="it-IT" dirty="0"/>
+              <a:t> </a:t>
+            </a:r>
+            <a:r>
+              <a:rPr lang="it-IT" dirty="0" err="1"/>
+              <a:t>physically</a:t>
+            </a:r>
+            <a:r>
+              <a:rPr lang="it-IT" dirty="0"/>
+              <a:t> </a:t>
+            </a:r>
+            <a:r>
+              <a:rPr lang="it-IT" dirty="0" err="1"/>
+              <a:t>playable</a:t>
             </a:r>
             <a:r>
               <a:rPr lang="it-IT" dirty="0"/>
@@ -10561,16 +10850,12 @@
           </a:p>
           <a:p>
             <a:r>
-              <a:rPr lang="it-IT" dirty="0" err="1"/>
-              <a:t>Then</a:t>
-            </a:r>
-            <a:r>
-              <a:rPr lang="it-IT" dirty="0"/>
-              <a:t> </a:t>
-            </a:r>
-            <a:r>
-              <a:rPr lang="it-IT" dirty="0" err="1"/>
-              <a:t>there</a:t>
+              <a:rPr lang="it-IT" dirty="0"/>
+              <a:t>The </a:t>
+            </a:r>
+            <a:r>
+              <a:rPr lang="it-IT" dirty="0" err="1"/>
+              <a:t>process</a:t>
             </a:r>
             <a:r>
               <a:rPr lang="it-IT" dirty="0"/>
@@ -10582,47 +10867,62 @@
             </a:r>
             <a:r>
               <a:rPr lang="it-IT" dirty="0"/>
-              <a:t> an in-</a:t>
-            </a:r>
-            <a:r>
-              <a:rPr lang="it-IT" dirty="0" err="1"/>
-              <a:t>depth</a:t>
-            </a:r>
-            <a:r>
-              <a:rPr lang="it-IT" dirty="0"/>
-              <a:t> </a:t>
-            </a:r>
-            <a:r>
-              <a:rPr lang="it-IT" dirty="0" err="1"/>
-              <a:t>feasibility</a:t>
-            </a:r>
-            <a:r>
-              <a:rPr lang="it-IT" dirty="0"/>
-              <a:t> check for the </a:t>
-            </a:r>
-            <a:r>
-              <a:rPr lang="it-IT" dirty="0" err="1"/>
-              <a:t>voicings</a:t>
-            </a:r>
-            <a:r>
-              <a:rPr lang="it-IT" dirty="0"/>
-              <a:t>, </a:t>
-            </a:r>
-            <a:r>
-              <a:rPr lang="it-IT" dirty="0" err="1"/>
-              <a:t>which</a:t>
-            </a:r>
-            <a:r>
-              <a:rPr lang="it-IT" dirty="0"/>
-              <a:t> filters out </a:t>
-            </a:r>
-            <a:r>
-              <a:rPr lang="it-IT" dirty="0" err="1"/>
-              <a:t>any</a:t>
-            </a:r>
-            <a:r>
-              <a:rPr lang="it-IT" dirty="0"/>
-              <a:t> </a:t>
+              <a:t> </a:t>
+            </a:r>
+            <a:r>
+              <a:rPr lang="it-IT" dirty="0" err="1"/>
+              <a:t>repeated</a:t>
+            </a:r>
+            <a:r>
+              <a:rPr lang="it-IT" dirty="0"/>
+              <a:t> for </a:t>
+            </a:r>
+            <a:r>
+              <a:rPr lang="it-IT" dirty="0" err="1"/>
+              <a:t>all</a:t>
+            </a:r>
+            <a:r>
+              <a:rPr lang="it-IT" dirty="0"/>
+              <a:t> the </a:t>
+            </a:r>
+            <a:r>
+              <a:rPr lang="it-IT" dirty="0" err="1"/>
+              <a:t>chords</a:t>
+            </a:r>
+            <a:r>
+              <a:rPr lang="it-IT" dirty="0"/>
+              <a:t> in the </a:t>
+            </a:r>
+            <a:r>
+              <a:rPr lang="it-IT" dirty="0" err="1"/>
+              <a:t>sequence</a:t>
+            </a:r>
+            <a:endParaRPr lang="it-IT" dirty="0"/>
+          </a:p>
+          <a:p>
+            <a:r>
+              <a:rPr lang="it-IT" dirty="0" err="1"/>
+              <a:t>Finally,we</a:t>
+            </a:r>
+            <a:r>
+              <a:rPr lang="it-IT" dirty="0"/>
+              <a:t> build the </a:t>
+            </a:r>
+            <a:r>
+              <a:rPr lang="it-IT" dirty="0" err="1"/>
+              <a:t>sequence</a:t>
+            </a:r>
+            <a:r>
+              <a:rPr lang="it-IT" dirty="0"/>
+              <a:t> by </a:t>
+            </a:r>
+            <a:r>
+              <a:rPr lang="it-IT" dirty="0" err="1"/>
+              <a:t>choosing</a:t>
+            </a:r>
+            <a:r>
+              <a:rPr lang="it-IT" dirty="0"/>
+              <a:t> the best fitting </a:t>
             </a:r>
             <a:r>
               <a:rPr lang="it-IT" dirty="0" err="1"/>
@@ -10630,51 +10930,19 @@
             </a:r>
             <a:r>
               <a:rPr lang="it-IT" dirty="0"/>
-              <a:t> </a:t>
-            </a:r>
-            <a:r>
-              <a:rPr lang="it-IT" dirty="0" err="1"/>
-              <a:t>which</a:t>
-            </a:r>
-            <a:r>
-              <a:rPr lang="it-IT" dirty="0"/>
-              <a:t> </a:t>
-            </a:r>
-            <a:r>
-              <a:rPr lang="it-IT" dirty="0" err="1"/>
-              <a:t>is</a:t>
-            </a:r>
-            <a:r>
-              <a:rPr lang="it-IT" dirty="0"/>
-              <a:t> </a:t>
-            </a:r>
-            <a:r>
-              <a:rPr lang="it-IT" dirty="0" err="1"/>
-              <a:t>not</a:t>
-            </a:r>
-            <a:r>
-              <a:rPr lang="it-IT" dirty="0"/>
-              <a:t> </a:t>
-            </a:r>
-            <a:r>
-              <a:rPr lang="it-IT" dirty="0" err="1"/>
-              <a:t>deemed</a:t>
-            </a:r>
-            <a:r>
-              <a:rPr lang="it-IT" dirty="0"/>
-              <a:t> </a:t>
-            </a:r>
-            <a:r>
-              <a:rPr lang="it-IT" dirty="0" err="1"/>
-              <a:t>physically</a:t>
-            </a:r>
-            <a:r>
-              <a:rPr lang="it-IT" dirty="0"/>
-              <a:t> </a:t>
-            </a:r>
-            <a:r>
-              <a:rPr lang="it-IT" dirty="0" err="1"/>
-              <a:t>playable</a:t>
+              <a:t> for </a:t>
+            </a:r>
+            <a:r>
+              <a:rPr lang="it-IT" dirty="0" err="1"/>
+              <a:t>each</a:t>
+            </a:r>
+            <a:r>
+              <a:rPr lang="it-IT" dirty="0"/>
+              <a:t> </a:t>
+            </a:r>
+            <a:r>
+              <a:rPr lang="it-IT" dirty="0" err="1"/>
+              <a:t>chord</a:t>
             </a:r>
             <a:r>
               <a:rPr lang="it-IT" dirty="0"/>
@@ -10682,104 +10950,32 @@
             </a:r>
           </a:p>
           <a:p>
-            <a:r>
-              <a:rPr lang="it-IT" dirty="0"/>
-              <a:t>The </a:t>
-            </a:r>
-            <a:r>
-              <a:rPr lang="it-IT" dirty="0" err="1"/>
-              <a:t>process</a:t>
-            </a:r>
-            <a:r>
-              <a:rPr lang="it-IT" dirty="0"/>
-              <a:t> </a:t>
-            </a:r>
-            <a:r>
-              <a:rPr lang="it-IT" dirty="0" err="1"/>
-              <a:t>is</a:t>
-            </a:r>
-            <a:r>
-              <a:rPr lang="it-IT" dirty="0"/>
-              <a:t> </a:t>
-            </a:r>
-            <a:r>
-              <a:rPr lang="it-IT" dirty="0" err="1"/>
-              <a:t>repeated</a:t>
-            </a:r>
-            <a:r>
-              <a:rPr lang="it-IT" dirty="0"/>
-              <a:t> for </a:t>
-            </a:r>
-            <a:r>
-              <a:rPr lang="it-IT" dirty="0" err="1"/>
-              <a:t>all</a:t>
-            </a:r>
-            <a:r>
-              <a:rPr lang="it-IT" dirty="0"/>
-              <a:t> the </a:t>
-            </a:r>
-            <a:r>
-              <a:rPr lang="it-IT" dirty="0" err="1"/>
-              <a:t>chords</a:t>
-            </a:r>
-            <a:r>
-              <a:rPr lang="it-IT" dirty="0"/>
-              <a:t> in the </a:t>
-            </a:r>
-            <a:r>
-              <a:rPr lang="it-IT" dirty="0" err="1"/>
-              <a:t>sequence</a:t>
-            </a:r>
             <a:endParaRPr lang="it-IT" dirty="0"/>
           </a:p>
           <a:p>
             <a:r>
               <a:rPr lang="it-IT" dirty="0" err="1"/>
-              <a:t>Finally,we</a:t>
-            </a:r>
-            <a:r>
-              <a:rPr lang="it-IT" dirty="0"/>
-              <a:t> build the </a:t>
-            </a:r>
-            <a:r>
-              <a:rPr lang="it-IT" dirty="0" err="1"/>
-              <a:t>sequence</a:t>
-            </a:r>
-            <a:r>
-              <a:rPr lang="it-IT" dirty="0"/>
-              <a:t> by </a:t>
-            </a:r>
-            <a:r>
-              <a:rPr lang="it-IT" dirty="0" err="1"/>
-              <a:t>choosing</a:t>
-            </a:r>
-            <a:r>
-              <a:rPr lang="it-IT" dirty="0"/>
-              <a:t> the best fitting </a:t>
-            </a:r>
-            <a:r>
-              <a:rPr lang="it-IT" dirty="0" err="1"/>
-              <a:t>voicing</a:t>
-            </a:r>
-            <a:r>
-              <a:rPr lang="it-IT" dirty="0"/>
-              <a:t> for </a:t>
-            </a:r>
-            <a:r>
-              <a:rPr lang="it-IT" dirty="0" err="1"/>
-              <a:t>each</a:t>
-            </a:r>
-            <a:r>
-              <a:rPr lang="it-IT" dirty="0"/>
-              <a:t> </a:t>
-            </a:r>
-            <a:r>
-              <a:rPr lang="it-IT" dirty="0" err="1"/>
-              <a:t>chord</a:t>
-            </a:r>
-            <a:r>
-              <a:rPr lang="it-IT" dirty="0"/>
-              <a:t>.</a:t>
+              <a:t>Approx</a:t>
+            </a:r>
+            <a:r>
+              <a:rPr lang="it-IT" dirty="0"/>
+              <a:t> 4 minutes and 8 seconds. </a:t>
+            </a:r>
+            <a:r>
+              <a:rPr lang="it-IT" dirty="0" err="1"/>
+              <a:t>This</a:t>
+            </a:r>
+            <a:r>
+              <a:rPr lang="it-IT" dirty="0"/>
+              <a:t> </a:t>
+            </a:r>
+            <a:r>
+              <a:rPr lang="it-IT" dirty="0" err="1"/>
+              <a:t>could</a:t>
+            </a:r>
+            <a:r>
+              <a:rPr lang="it-IT" dirty="0"/>
+              <a:t> be the end of the first slot</a:t>
             </a:r>
           </a:p>
           <a:p>
@@ -11217,6 +11413,152 @@
             </a:r>
             <a:r>
               <a:rPr lang="it-IT" dirty="0" err="1"/>
+              <a:t>allow</a:t>
+            </a:r>
+            <a:r>
+              <a:rPr lang="it-IT" dirty="0"/>
+              <a:t> for </a:t>
+            </a:r>
+            <a:r>
+              <a:rPr lang="it-IT" dirty="0" err="1"/>
+              <a:t>doubling</a:t>
+            </a:r>
+            <a:r>
+              <a:rPr lang="it-IT" dirty="0"/>
+              <a:t> </a:t>
+            </a:r>
+            <a:r>
+              <a:rPr lang="it-IT" dirty="0" err="1"/>
+              <a:t>chord</a:t>
+            </a:r>
+            <a:r>
+              <a:rPr lang="it-IT" dirty="0"/>
+              <a:t> </a:t>
+            </a:r>
+            <a:r>
+              <a:rPr lang="it-IT" dirty="0" err="1"/>
+              <a:t>tones</a:t>
+            </a:r>
+            <a:r>
+              <a:rPr lang="it-IT" dirty="0"/>
+              <a:t>, </a:t>
+            </a:r>
+            <a:r>
+              <a:rPr lang="it-IT" dirty="0" err="1"/>
+              <a:t>but</a:t>
+            </a:r>
+            <a:r>
+              <a:rPr lang="it-IT" dirty="0"/>
+              <a:t> </a:t>
+            </a:r>
+            <a:r>
+              <a:rPr lang="it-IT" dirty="0" err="1"/>
+              <a:t>not</a:t>
+            </a:r>
+            <a:r>
+              <a:rPr lang="it-IT" dirty="0"/>
+              <a:t> </a:t>
+            </a:r>
+            <a:r>
+              <a:rPr lang="it-IT" dirty="0" err="1"/>
+              <a:t>tripling</a:t>
+            </a:r>
+            <a:r>
+              <a:rPr lang="it-IT" dirty="0"/>
+              <a:t> </a:t>
+            </a:r>
+            <a:r>
+              <a:rPr lang="it-IT" dirty="0" err="1"/>
+              <a:t>them</a:t>
+            </a:r>
+            <a:r>
+              <a:rPr lang="it-IT" dirty="0"/>
+              <a:t>, </a:t>
+            </a:r>
+            <a:r>
+              <a:rPr lang="it-IT" dirty="0" err="1"/>
+              <a:t>as</a:t>
+            </a:r>
+            <a:r>
+              <a:rPr lang="it-IT" dirty="0"/>
+              <a:t> </a:t>
+            </a:r>
+            <a:r>
+              <a:rPr lang="it-IT" dirty="0" err="1"/>
+              <a:t>this</a:t>
+            </a:r>
+            <a:r>
+              <a:rPr lang="it-IT" dirty="0"/>
+              <a:t> </a:t>
+            </a:r>
+            <a:r>
+              <a:rPr lang="it-IT" dirty="0" err="1"/>
+              <a:t>usually</a:t>
+            </a:r>
+            <a:r>
+              <a:rPr lang="it-IT" dirty="0"/>
+              <a:t> </a:t>
+            </a:r>
+            <a:r>
+              <a:rPr lang="it-IT" dirty="0" err="1"/>
+              <a:t>creates</a:t>
+            </a:r>
+            <a:r>
+              <a:rPr lang="it-IT" dirty="0"/>
+              <a:t> some «</a:t>
+            </a:r>
+            <a:r>
+              <a:rPr lang="it-IT" dirty="0" err="1"/>
+              <a:t>imbalance</a:t>
+            </a:r>
+            <a:r>
+              <a:rPr lang="it-IT" dirty="0"/>
+              <a:t>» in the </a:t>
+            </a:r>
+            <a:r>
+              <a:rPr lang="it-IT" dirty="0" err="1"/>
+              <a:t>final</a:t>
+            </a:r>
+            <a:r>
+              <a:rPr lang="it-IT" dirty="0"/>
+              <a:t> sound, by </a:t>
+            </a:r>
+            <a:r>
+              <a:rPr lang="it-IT" dirty="0" err="1"/>
+              <a:t>overemphasizing</a:t>
+            </a:r>
+            <a:r>
+              <a:rPr lang="it-IT" dirty="0"/>
+              <a:t> a </a:t>
+            </a:r>
+            <a:r>
+              <a:rPr lang="it-IT" dirty="0" err="1"/>
+              <a:t>certain</a:t>
+            </a:r>
+            <a:r>
+              <a:rPr lang="it-IT" dirty="0"/>
+              <a:t> </a:t>
+            </a:r>
+            <a:r>
+              <a:rPr lang="it-IT" dirty="0" err="1"/>
+              <a:t>tone</a:t>
+            </a:r>
+            <a:r>
+              <a:rPr lang="it-IT" dirty="0"/>
+              <a:t>.</a:t>
+            </a:r>
+          </a:p>
+          <a:p>
+            <a:r>
+              <a:rPr lang="it-IT" dirty="0" err="1"/>
+              <a:t>We</a:t>
+            </a:r>
+            <a:r>
+              <a:rPr lang="it-IT" dirty="0"/>
+              <a:t> </a:t>
+            </a:r>
+            <a:r>
+              <a:rPr lang="it-IT" dirty="0" err="1"/>
               <a:t>also</a:t>
             </a:r>
             <a:r>
@@ -11752,6 +12094,30 @@
             </a:r>
             <a:r>
               <a:rPr lang="it-IT" dirty="0"/>
+              <a:t>, </a:t>
+            </a:r>
+            <a:r>
+              <a:rPr lang="it-IT" dirty="0" err="1"/>
+              <a:t>which</a:t>
+            </a:r>
+            <a:r>
+              <a:rPr lang="it-IT" dirty="0"/>
+              <a:t> are </a:t>
+            </a:r>
+            <a:r>
+              <a:rPr lang="it-IT" dirty="0" err="1"/>
+              <a:t>usually</a:t>
+            </a:r>
+            <a:r>
+              <a:rPr lang="it-IT" dirty="0"/>
+              <a:t> </a:t>
+            </a:r>
+            <a:r>
+              <a:rPr lang="it-IT" dirty="0" err="1"/>
+              <a:t>reasonable</a:t>
+            </a:r>
+            <a:r>
+              <a:rPr lang="it-IT" dirty="0"/>
               <a:t>:</a:t>
             </a:r>
           </a:p>
@@ -11766,7 +12132,7 @@
             </a:r>
             <a:r>
               <a:rPr lang="it-IT" dirty="0"/>
-              <a:t> the finger </a:t>
+              <a:t> the fingers </a:t>
             </a:r>
             <a:r>
               <a:rPr lang="it-IT" dirty="0" err="1"/>
@@ -12448,7 +12814,15 @@
             </a:r>
             <a:r>
               <a:rPr lang="it-IT" dirty="0"/>
-              <a:t> case.</a:t>
+              <a:t> case </a:t>
+            </a:r>
+            <a:r>
+              <a:rPr lang="it-IT" dirty="0" err="1"/>
+              <a:t>too</a:t>
+            </a:r>
+            <a:r>
+              <a:rPr lang="it-IT" dirty="0"/>
+              <a:t>.</a:t>
             </a:r>
           </a:p>
           <a:p>
@@ -12981,7 +13355,7 @@
             </a:r>
             <a:r>
               <a:rPr lang="it-IT" dirty="0"/>
-              <a:t> the G7 </a:t>
+              <a:t> the G </a:t>
             </a:r>
             <a:r>
               <a:rPr lang="it-IT" dirty="0" err="1"/>
@@ -13139,6 +13513,99 @@
             </a:r>
           </a:p>
           <a:p>
+            <a:pPr marL="228600" indent="-228600">
+              <a:buAutoNum type="arabicParenR"/>
+            </a:pPr>
+            <a:r>
+              <a:rPr lang="it-IT" dirty="0" err="1"/>
+              <a:t>We</a:t>
+            </a:r>
+            <a:r>
+              <a:rPr lang="it-IT" dirty="0"/>
+              <a:t> </a:t>
+            </a:r>
+            <a:r>
+              <a:rPr lang="it-IT" dirty="0" err="1"/>
+              <a:t>avoid</a:t>
+            </a:r>
+            <a:r>
+              <a:rPr lang="it-IT" dirty="0"/>
+              <a:t> the </a:t>
+            </a:r>
+            <a:r>
+              <a:rPr lang="it-IT" dirty="0" err="1"/>
+              <a:t>presence</a:t>
+            </a:r>
+            <a:r>
+              <a:rPr lang="it-IT" dirty="0"/>
+              <a:t> of </a:t>
+            </a:r>
+            <a:r>
+              <a:rPr lang="it-IT" dirty="0" err="1"/>
+              <a:t>two</a:t>
+            </a:r>
+            <a:r>
+              <a:rPr lang="it-IT" dirty="0"/>
+              <a:t> </a:t>
+            </a:r>
+            <a:r>
+              <a:rPr lang="it-IT" dirty="0" err="1"/>
+              <a:t>stacked</a:t>
+            </a:r>
+            <a:r>
+              <a:rPr lang="it-IT" dirty="0"/>
+              <a:t> tritone </a:t>
+            </a:r>
+            <a:r>
+              <a:rPr lang="it-IT" dirty="0" err="1"/>
+              <a:t>intervals</a:t>
+            </a:r>
+            <a:r>
+              <a:rPr lang="it-IT" dirty="0"/>
+              <a:t>, </a:t>
+            </a:r>
+            <a:r>
+              <a:rPr lang="it-IT" dirty="0" err="1"/>
+              <a:t>as</a:t>
+            </a:r>
+            <a:r>
+              <a:rPr lang="it-IT" dirty="0"/>
+              <a:t> </a:t>
+            </a:r>
+            <a:r>
+              <a:rPr lang="it-IT" dirty="0" err="1"/>
+              <a:t>this</a:t>
+            </a:r>
+            <a:r>
+              <a:rPr lang="it-IT" dirty="0"/>
+              <a:t> </a:t>
+            </a:r>
+            <a:r>
+              <a:rPr lang="it-IT" dirty="0" err="1"/>
+              <a:t>often</a:t>
+            </a:r>
+            <a:r>
+              <a:rPr lang="it-IT" dirty="0"/>
+              <a:t> </a:t>
+            </a:r>
+            <a:r>
+              <a:rPr lang="it-IT" dirty="0" err="1"/>
+              <a:t>creates</a:t>
+            </a:r>
+            <a:r>
+              <a:rPr lang="it-IT" dirty="0"/>
+              <a:t> a strong </a:t>
+            </a:r>
+            <a:r>
+              <a:rPr lang="it-IT" dirty="0" err="1"/>
+              <a:t>dissonance</a:t>
+            </a:r>
+            <a:r>
+              <a:rPr lang="it-IT" dirty="0"/>
+              <a:t>.</a:t>
+            </a:r>
+          </a:p>
+          <a:p>
             <a:pPr marL="0" indent="0">
               <a:buNone/>
             </a:pPr>
@@ -13347,25 +13814,28 @@
               <a:rPr lang="it-IT" dirty="0"/>
               <a:t>. </a:t>
             </a:r>
-            <a:r>
-              <a:rPr lang="it-IT" dirty="0" err="1"/>
-              <a:t>As</a:t>
-            </a:r>
-            <a:r>
-              <a:rPr lang="it-IT" dirty="0"/>
-              <a:t> </a:t>
-            </a:r>
-            <a:r>
-              <a:rPr lang="it-IT" dirty="0" err="1"/>
-              <a:t>mentioned</a:t>
-            </a:r>
-            <a:r>
-              <a:rPr lang="it-IT" dirty="0"/>
-              <a:t> </a:t>
-            </a:r>
-            <a:r>
-              <a:rPr lang="it-IT" dirty="0" err="1"/>
-              <a:t>before</a:t>
+          </a:p>
+          <a:p>
+            <a:pPr marL="0" indent="0">
+              <a:buNone/>
+            </a:pPr>
+            <a:endParaRPr lang="it-IT" dirty="0"/>
+          </a:p>
+          <a:p>
+            <a:pPr marL="0" indent="0">
+              <a:buNone/>
+            </a:pPr>
+            <a:r>
+              <a:rPr lang="it-IT" dirty="0" err="1"/>
+              <a:t>Approx</a:t>
+            </a:r>
+            <a:r>
+              <a:rPr lang="it-IT" dirty="0"/>
+              <a:t> 8 minutes </a:t>
+            </a:r>
+            <a:r>
+              <a:rPr lang="it-IT" dirty="0" err="1"/>
+              <a:t>here</a:t>
             </a:r>
             <a:r>
               <a:rPr lang="it-IT" dirty="0"/>
@@ -13381,44 +13851,29 @@
             </a:r>
             <a:r>
               <a:rPr lang="it-IT" dirty="0" err="1"/>
-              <a:t>is</a:t>
-            </a:r>
-            <a:r>
-              <a:rPr lang="it-IT" dirty="0"/>
-              <a:t> </a:t>
-            </a:r>
-            <a:r>
-              <a:rPr lang="it-IT" dirty="0" err="1"/>
-              <a:t>done</a:t>
-            </a:r>
-            <a:r>
-              <a:rPr lang="it-IT" dirty="0"/>
-              <a:t> by </a:t>
-            </a:r>
-            <a:r>
-              <a:rPr lang="it-IT" dirty="0" err="1"/>
-              <a:t>sorting</a:t>
-            </a:r>
-            <a:r>
-              <a:rPr lang="it-IT" dirty="0"/>
-              <a:t> the </a:t>
-            </a:r>
-            <a:r>
-              <a:rPr lang="it-IT" dirty="0" err="1"/>
-              <a:t>voicings</a:t>
-            </a:r>
-            <a:r>
-              <a:rPr lang="it-IT" dirty="0"/>
-              <a:t> by </a:t>
-            </a:r>
-            <a:r>
-              <a:rPr lang="it-IT" dirty="0" err="1"/>
-              <a:t>priority</a:t>
-            </a:r>
-            <a:r>
-              <a:rPr lang="it-IT" dirty="0"/>
-              <a:t>.</a:t>
-            </a:r>
+              <a:t>could</a:t>
+            </a:r>
+            <a:r>
+              <a:rPr lang="it-IT" dirty="0"/>
+              <a:t> be the second </a:t>
+            </a:r>
+            <a:r>
+              <a:rPr lang="it-IT" dirty="0" err="1"/>
+              <a:t>block</a:t>
+            </a:r>
+            <a:endParaRPr lang="it-IT" dirty="0"/>
+          </a:p>
+          <a:p>
+            <a:pPr marL="0" indent="0">
+              <a:buNone/>
+            </a:pPr>
+            <a:endParaRPr lang="it-IT" dirty="0"/>
+          </a:p>
+          <a:p>
+            <a:pPr marL="0" indent="0">
+              <a:buNone/>
+            </a:pPr>
+            <a:endParaRPr lang="it-IT" dirty="0"/>
           </a:p>
         </p:txBody>
       </p:sp>
@@ -13504,6 +13959,27 @@
           <a:p>
             <a:r>
               <a:rPr lang="it-IT" dirty="0" err="1"/>
+              <a:t>Final</a:t>
+            </a:r>
+            <a:r>
+              <a:rPr lang="it-IT" dirty="0"/>
+              <a:t> 3d </a:t>
+            </a:r>
+            <a:r>
+              <a:rPr lang="it-IT" dirty="0" err="1"/>
+              <a:t>block</a:t>
+            </a:r>
+            <a:endParaRPr lang="it-IT" dirty="0"/>
+          </a:p>
+          <a:p>
+            <a:endParaRPr lang="it-IT" dirty="0"/>
+          </a:p>
+          <a:p>
+            <a:endParaRPr lang="it-IT" dirty="0"/>
+          </a:p>
+          <a:p>
+            <a:r>
+              <a:rPr lang="it-IT" dirty="0" err="1"/>
               <a:t>Now</a:t>
             </a:r>
             <a:r>
@@ -13836,9 +14312,84 @@
             </a:r>
             <a:r>
               <a:rPr lang="it-IT" dirty="0" err="1"/>
-              <a:t>has</a:t>
-            </a:r>
-            <a:endParaRPr lang="it-IT" dirty="0"/>
+              <a:t>is</a:t>
+            </a:r>
+            <a:r>
+              <a:rPr lang="it-IT" dirty="0"/>
+              <a:t> </a:t>
+            </a:r>
+            <a:r>
+              <a:rPr lang="it-IT" dirty="0" err="1"/>
+              <a:t>considered</a:t>
+            </a:r>
+            <a:r>
+              <a:rPr lang="it-IT" dirty="0"/>
+              <a:t> </a:t>
+            </a:r>
+            <a:r>
+              <a:rPr lang="it-IT" dirty="0" err="1"/>
+              <a:t>optimal</a:t>
+            </a:r>
+            <a:r>
+              <a:rPr lang="it-IT" dirty="0"/>
+              <a:t>. </a:t>
+            </a:r>
+            <a:r>
+              <a:rPr lang="it-IT" dirty="0" err="1"/>
+              <a:t>We</a:t>
+            </a:r>
+            <a:r>
+              <a:rPr lang="it-IT" dirty="0"/>
+              <a:t> </a:t>
+            </a:r>
+            <a:r>
+              <a:rPr lang="it-IT" dirty="0" err="1"/>
+              <a:t>measure</a:t>
+            </a:r>
+            <a:r>
+              <a:rPr lang="it-IT" dirty="0"/>
+              <a:t> a </a:t>
+            </a:r>
+            <a:r>
+              <a:rPr lang="it-IT" dirty="0" err="1"/>
+              <a:t>sequence</a:t>
+            </a:r>
+            <a:r>
+              <a:rPr lang="it-IT" dirty="0"/>
+              <a:t> </a:t>
+            </a:r>
+            <a:r>
+              <a:rPr lang="it-IT" dirty="0" err="1"/>
+              <a:t>quality</a:t>
+            </a:r>
+            <a:r>
+              <a:rPr lang="it-IT" dirty="0"/>
+              <a:t> </a:t>
+            </a:r>
+            <a:r>
+              <a:rPr lang="it-IT" dirty="0" err="1"/>
+              <a:t>using</a:t>
+            </a:r>
+            <a:r>
+              <a:rPr lang="it-IT" dirty="0"/>
+              <a:t> </a:t>
+            </a:r>
+            <a:r>
+              <a:rPr lang="it-IT" dirty="0" err="1"/>
+              <a:t>two</a:t>
+            </a:r>
+            <a:r>
+              <a:rPr lang="it-IT" dirty="0"/>
+              <a:t> </a:t>
+            </a:r>
+            <a:r>
+              <a:rPr lang="it-IT" dirty="0" err="1"/>
+              <a:t>criteria</a:t>
+            </a:r>
+            <a:r>
+              <a:rPr lang="it-IT" dirty="0"/>
+              <a:t>:</a:t>
+            </a:r>
           </a:p>
           <a:p>
             <a:pPr rtl="0" fontAlgn="ctr">
@@ -14289,35 +14840,231 @@
                 <a:effectLst/>
                 <a:latin typeface="Calibri" panose="020F0502020204030204" pitchFamily="34" charset="0"/>
               </a:rPr>
-              <a:t>only</a:t>
+              <a:t>played</a:t>
             </a:r>
             <a:r>
               <a:rPr lang="it-IT" sz="1200" b="0" i="0" dirty="0">
                 <a:effectLst/>
                 <a:latin typeface="Calibri" panose="020F0502020204030204" pitchFamily="34" charset="0"/>
               </a:rPr>
-              <a:t> </a:t>
+              <a:t> in one </a:t>
             </a:r>
             <a:r>
               <a:rPr lang="it-IT" sz="1200" b="0" i="0" dirty="0" err="1">
                 <a:effectLst/>
                 <a:latin typeface="Calibri" panose="020F0502020204030204" pitchFamily="34" charset="0"/>
               </a:rPr>
-              <a:t>played</a:t>
+              <a:t>chord</a:t>
             </a:r>
             <a:r>
               <a:rPr lang="it-IT" sz="1200" b="0" i="0" dirty="0">
                 <a:effectLst/>
                 <a:latin typeface="Calibri" panose="020F0502020204030204" pitchFamily="34" charset="0"/>
               </a:rPr>
-              <a:t> in one of the </a:t>
+              <a:t> </a:t>
             </a:r>
             <a:r>
               <a:rPr lang="it-IT" sz="1200" b="0" i="0" dirty="0" err="1">
                 <a:effectLst/>
                 <a:latin typeface="Calibri" panose="020F0502020204030204" pitchFamily="34" charset="0"/>
               </a:rPr>
-              <a:t>two</a:t>
+              <a:t>but</a:t>
+            </a:r>
+            <a:r>
+              <a:rPr lang="it-IT" sz="1200" b="0" i="0" dirty="0">
+                <a:effectLst/>
+                <a:latin typeface="Calibri" panose="020F0502020204030204" pitchFamily="34" charset="0"/>
+              </a:rPr>
+              <a:t> </a:t>
+            </a:r>
+            <a:r>
+              <a:rPr lang="it-IT" sz="1200" b="0" i="0" dirty="0" err="1">
+                <a:effectLst/>
+                <a:latin typeface="Calibri" panose="020F0502020204030204" pitchFamily="34" charset="0"/>
+              </a:rPr>
+              <a:t>not</a:t>
+            </a:r>
+            <a:r>
+              <a:rPr lang="it-IT" sz="1200" b="0" i="0" dirty="0">
+                <a:effectLst/>
+                <a:latin typeface="Calibri" panose="020F0502020204030204" pitchFamily="34" charset="0"/>
+              </a:rPr>
+              <a:t> in the </a:t>
+            </a:r>
+            <a:r>
+              <a:rPr lang="it-IT" sz="1200" b="0" i="0" dirty="0" err="1">
+                <a:effectLst/>
+                <a:latin typeface="Calibri" panose="020F0502020204030204" pitchFamily="34" charset="0"/>
+              </a:rPr>
+              <a:t>next</a:t>
+            </a:r>
+            <a:r>
+              <a:rPr lang="it-IT" sz="1200" b="0" i="0" dirty="0">
+                <a:effectLst/>
+                <a:latin typeface="Calibri" panose="020F0502020204030204" pitchFamily="34" charset="0"/>
+              </a:rPr>
+              <a:t>, </a:t>
+            </a:r>
+            <a:r>
+              <a:rPr lang="it-IT" sz="1200" b="0" i="0" dirty="0" err="1">
+                <a:effectLst/>
+                <a:latin typeface="Calibri" panose="020F0502020204030204" pitchFamily="34" charset="0"/>
+              </a:rPr>
+              <a:t>we</a:t>
+            </a:r>
+            <a:r>
+              <a:rPr lang="it-IT" sz="1200" b="0" i="0" dirty="0">
+                <a:effectLst/>
+                <a:latin typeface="Calibri" panose="020F0502020204030204" pitchFamily="34" charset="0"/>
+              </a:rPr>
+              <a:t> </a:t>
+            </a:r>
+            <a:r>
+              <a:rPr lang="it-IT" sz="1200" b="0" i="0" dirty="0" err="1">
+                <a:effectLst/>
+                <a:latin typeface="Calibri" panose="020F0502020204030204" pitchFamily="34" charset="0"/>
+              </a:rPr>
+              <a:t>consider</a:t>
+            </a:r>
+            <a:r>
+              <a:rPr lang="it-IT" sz="1200" b="0" i="0" dirty="0">
+                <a:effectLst/>
+                <a:latin typeface="Calibri" panose="020F0502020204030204" pitchFamily="34" charset="0"/>
+              </a:rPr>
+              <a:t> </a:t>
+            </a:r>
+            <a:r>
+              <a:rPr lang="it-IT" sz="1200" b="0" i="0" dirty="0" err="1">
+                <a:effectLst/>
+                <a:latin typeface="Calibri" panose="020F0502020204030204" pitchFamily="34" charset="0"/>
+              </a:rPr>
+              <a:t>this</a:t>
+            </a:r>
+            <a:r>
+              <a:rPr lang="it-IT" sz="1200" b="0" i="0" dirty="0">
+                <a:effectLst/>
+                <a:latin typeface="Calibri" panose="020F0502020204030204" pitchFamily="34" charset="0"/>
+              </a:rPr>
+              <a:t> </a:t>
+            </a:r>
+            <a:r>
+              <a:rPr lang="it-IT" sz="1200" b="0" i="0" dirty="0" err="1">
+                <a:effectLst/>
+                <a:latin typeface="Calibri" panose="020F0502020204030204" pitchFamily="34" charset="0"/>
+              </a:rPr>
+              <a:t>as</a:t>
+            </a:r>
+            <a:r>
+              <a:rPr lang="it-IT" sz="1200" b="0" i="0" dirty="0">
+                <a:effectLst/>
+                <a:latin typeface="Calibri" panose="020F0502020204030204" pitchFamily="34" charset="0"/>
+              </a:rPr>
+              <a:t> a </a:t>
+            </a:r>
+            <a:r>
+              <a:rPr lang="it-IT" sz="1200" b="0" i="0" dirty="0" err="1">
+                <a:effectLst/>
+                <a:latin typeface="Calibri" panose="020F0502020204030204" pitchFamily="34" charset="0"/>
+              </a:rPr>
+              <a:t>distance</a:t>
+            </a:r>
+            <a:r>
+              <a:rPr lang="it-IT" sz="1200" b="0" i="0" dirty="0">
+                <a:effectLst/>
+                <a:latin typeface="Calibri" panose="020F0502020204030204" pitchFamily="34" charset="0"/>
+              </a:rPr>
+              <a:t> of 4 </a:t>
+            </a:r>
+            <a:r>
+              <a:rPr lang="it-IT" sz="1200" b="0" i="0" dirty="0" err="1">
+                <a:effectLst/>
+                <a:latin typeface="Calibri" panose="020F0502020204030204" pitchFamily="34" charset="0"/>
+              </a:rPr>
+              <a:t>frets</a:t>
+            </a:r>
+            <a:r>
+              <a:rPr lang="it-IT" sz="1200" b="0" i="0" dirty="0">
+                <a:effectLst/>
+                <a:latin typeface="Calibri" panose="020F0502020204030204" pitchFamily="34" charset="0"/>
+              </a:rPr>
+              <a:t>. </a:t>
+            </a:r>
+            <a:r>
+              <a:rPr lang="it-IT" sz="1200" b="0" i="0" dirty="0" err="1">
+                <a:effectLst/>
+                <a:latin typeface="Calibri" panose="020F0502020204030204" pitchFamily="34" charset="0"/>
+              </a:rPr>
+              <a:t>This</a:t>
+            </a:r>
+            <a:r>
+              <a:rPr lang="it-IT" sz="1200" b="0" i="0" dirty="0">
+                <a:effectLst/>
+                <a:latin typeface="Calibri" panose="020F0502020204030204" pitchFamily="34" charset="0"/>
+              </a:rPr>
+              <a:t> </a:t>
+            </a:r>
+            <a:r>
+              <a:rPr lang="it-IT" sz="1200" b="0" i="0" dirty="0" err="1">
+                <a:effectLst/>
+                <a:latin typeface="Calibri" panose="020F0502020204030204" pitchFamily="34" charset="0"/>
+              </a:rPr>
+              <a:t>is</a:t>
+            </a:r>
+            <a:r>
+              <a:rPr lang="it-IT" sz="1200" b="0" i="0" dirty="0">
+                <a:effectLst/>
+                <a:latin typeface="Calibri" panose="020F0502020204030204" pitchFamily="34" charset="0"/>
+              </a:rPr>
+              <a:t> </a:t>
+            </a:r>
+            <a:r>
+              <a:rPr lang="it-IT" sz="1200" b="0" i="0" dirty="0" err="1">
+                <a:effectLst/>
+                <a:latin typeface="Calibri" panose="020F0502020204030204" pitchFamily="34" charset="0"/>
+              </a:rPr>
+              <a:t>done</a:t>
+            </a:r>
+            <a:r>
+              <a:rPr lang="it-IT" sz="1200" b="0" i="0" dirty="0">
+                <a:effectLst/>
+                <a:latin typeface="Calibri" panose="020F0502020204030204" pitchFamily="34" charset="0"/>
+              </a:rPr>
+              <a:t> to </a:t>
+            </a:r>
+            <a:r>
+              <a:rPr lang="it-IT" sz="1200" b="0" i="0" dirty="0" err="1">
+                <a:effectLst/>
+                <a:latin typeface="Calibri" panose="020F0502020204030204" pitchFamily="34" charset="0"/>
+              </a:rPr>
+              <a:t>avoid</a:t>
+            </a:r>
+            <a:r>
+              <a:rPr lang="it-IT" sz="1200" b="0" i="0" dirty="0">
+                <a:effectLst/>
+                <a:latin typeface="Calibri" panose="020F0502020204030204" pitchFamily="34" charset="0"/>
+              </a:rPr>
+              <a:t> a </a:t>
+            </a:r>
+            <a:r>
+              <a:rPr lang="it-IT" sz="1200" b="0" i="0" dirty="0" err="1">
+                <a:effectLst/>
+                <a:latin typeface="Calibri" panose="020F0502020204030204" pitchFamily="34" charset="0"/>
+              </a:rPr>
+              <a:t>bias</a:t>
+            </a:r>
+            <a:r>
+              <a:rPr lang="it-IT" sz="1200" b="0" i="0" dirty="0">
+                <a:effectLst/>
+                <a:latin typeface="Calibri" panose="020F0502020204030204" pitchFamily="34" charset="0"/>
+              </a:rPr>
+              <a:t> </a:t>
+            </a:r>
+            <a:r>
+              <a:rPr lang="it-IT" sz="1200" b="0" i="0" dirty="0" err="1">
+                <a:effectLst/>
+                <a:latin typeface="Calibri" panose="020F0502020204030204" pitchFamily="34" charset="0"/>
+              </a:rPr>
+              <a:t>towards</a:t>
             </a:r>
             <a:r>
               <a:rPr lang="it-IT" sz="1200" b="0" i="0" dirty="0">
@@ -14338,174 +15085,6 @@
                 <a:effectLst/>
                 <a:latin typeface="Calibri" panose="020F0502020204030204" pitchFamily="34" charset="0"/>
               </a:rPr>
-              <a:t>, </a:t>
-            </a:r>
-            <a:r>
-              <a:rPr lang="it-IT" sz="1200" b="0" i="0" dirty="0" err="1">
-                <a:effectLst/>
-                <a:latin typeface="Calibri" panose="020F0502020204030204" pitchFamily="34" charset="0"/>
-              </a:rPr>
-              <a:t>we</a:t>
-            </a:r>
-            <a:r>
-              <a:rPr lang="it-IT" sz="1200" b="0" i="0" dirty="0">
-                <a:effectLst/>
-                <a:latin typeface="Calibri" panose="020F0502020204030204" pitchFamily="34" charset="0"/>
-              </a:rPr>
-              <a:t> </a:t>
-            </a:r>
-            <a:r>
-              <a:rPr lang="it-IT" sz="1200" b="0" i="0" dirty="0" err="1">
-                <a:effectLst/>
-                <a:latin typeface="Calibri" panose="020F0502020204030204" pitchFamily="34" charset="0"/>
-              </a:rPr>
-              <a:t>count</a:t>
-            </a:r>
-            <a:r>
-              <a:rPr lang="it-IT" sz="1200" b="0" i="0" dirty="0">
-                <a:effectLst/>
-                <a:latin typeface="Calibri" panose="020F0502020204030204" pitchFamily="34" charset="0"/>
-              </a:rPr>
-              <a:t> </a:t>
-            </a:r>
-            <a:r>
-              <a:rPr lang="it-IT" sz="1200" b="0" i="0" dirty="0" err="1">
-                <a:effectLst/>
-                <a:latin typeface="Calibri" panose="020F0502020204030204" pitchFamily="34" charset="0"/>
-              </a:rPr>
-              <a:t>this</a:t>
-            </a:r>
-            <a:r>
-              <a:rPr lang="it-IT" sz="1200" b="0" i="0" dirty="0">
-                <a:effectLst/>
-                <a:latin typeface="Calibri" panose="020F0502020204030204" pitchFamily="34" charset="0"/>
-              </a:rPr>
-              <a:t> </a:t>
-            </a:r>
-            <a:r>
-              <a:rPr lang="it-IT" sz="1200" b="0" i="0" dirty="0" err="1">
-                <a:effectLst/>
-                <a:latin typeface="Calibri" panose="020F0502020204030204" pitchFamily="34" charset="0"/>
-              </a:rPr>
-              <a:t>is</a:t>
-            </a:r>
-            <a:r>
-              <a:rPr lang="it-IT" sz="1200" b="0" i="0" dirty="0">
-                <a:effectLst/>
-                <a:latin typeface="Calibri" panose="020F0502020204030204" pitchFamily="34" charset="0"/>
-              </a:rPr>
-              <a:t> a </a:t>
-            </a:r>
-            <a:r>
-              <a:rPr lang="it-IT" sz="1200" b="0" i="0" dirty="0" err="1">
-                <a:effectLst/>
-                <a:latin typeface="Calibri" panose="020F0502020204030204" pitchFamily="34" charset="0"/>
-              </a:rPr>
-              <a:t>distance</a:t>
-            </a:r>
-            <a:r>
-              <a:rPr lang="it-IT" sz="1200" b="0" i="0" dirty="0">
-                <a:effectLst/>
-                <a:latin typeface="Calibri" panose="020F0502020204030204" pitchFamily="34" charset="0"/>
-              </a:rPr>
-              <a:t> of 4 </a:t>
-            </a:r>
-            <a:r>
-              <a:rPr lang="it-IT" sz="1200" b="0" i="0" dirty="0" err="1">
-                <a:effectLst/>
-                <a:latin typeface="Calibri" panose="020F0502020204030204" pitchFamily="34" charset="0"/>
-              </a:rPr>
-              <a:t>frets</a:t>
-            </a:r>
-            <a:r>
-              <a:rPr lang="it-IT" sz="1200" b="0" i="0" dirty="0">
-                <a:effectLst/>
-                <a:latin typeface="Calibri" panose="020F0502020204030204" pitchFamily="34" charset="0"/>
-              </a:rPr>
-              <a:t>. </a:t>
-            </a:r>
-            <a:r>
-              <a:rPr lang="it-IT" sz="1200" b="0" i="0" dirty="0" err="1">
-                <a:effectLst/>
-                <a:latin typeface="Calibri" panose="020F0502020204030204" pitchFamily="34" charset="0"/>
-              </a:rPr>
-              <a:t>This</a:t>
-            </a:r>
-            <a:r>
-              <a:rPr lang="it-IT" sz="1200" b="0" i="0" dirty="0">
-                <a:effectLst/>
-                <a:latin typeface="Calibri" panose="020F0502020204030204" pitchFamily="34" charset="0"/>
-              </a:rPr>
-              <a:t> </a:t>
-            </a:r>
-            <a:r>
-              <a:rPr lang="it-IT" sz="1200" b="0" i="0" dirty="0" err="1">
-                <a:effectLst/>
-                <a:latin typeface="Calibri" panose="020F0502020204030204" pitchFamily="34" charset="0"/>
-              </a:rPr>
-              <a:t>is</a:t>
-            </a:r>
-            <a:r>
-              <a:rPr lang="it-IT" sz="1200" b="0" i="0" dirty="0">
-                <a:effectLst/>
-                <a:latin typeface="Calibri" panose="020F0502020204030204" pitchFamily="34" charset="0"/>
-              </a:rPr>
-              <a:t> </a:t>
-            </a:r>
-            <a:r>
-              <a:rPr lang="it-IT" sz="1200" b="0" i="0" dirty="0" err="1">
-                <a:effectLst/>
-                <a:latin typeface="Calibri" panose="020F0502020204030204" pitchFamily="34" charset="0"/>
-              </a:rPr>
-              <a:t>done</a:t>
-            </a:r>
-            <a:r>
-              <a:rPr lang="it-IT" sz="1200" b="0" i="0" dirty="0">
-                <a:effectLst/>
-                <a:latin typeface="Calibri" panose="020F0502020204030204" pitchFamily="34" charset="0"/>
-              </a:rPr>
-              <a:t> to </a:t>
-            </a:r>
-            <a:r>
-              <a:rPr lang="it-IT" sz="1200" b="0" i="0" dirty="0" err="1">
-                <a:effectLst/>
-                <a:latin typeface="Calibri" panose="020F0502020204030204" pitchFamily="34" charset="0"/>
-              </a:rPr>
-              <a:t>avoid</a:t>
-            </a:r>
-            <a:r>
-              <a:rPr lang="it-IT" sz="1200" b="0" i="0" dirty="0">
-                <a:effectLst/>
-                <a:latin typeface="Calibri" panose="020F0502020204030204" pitchFamily="34" charset="0"/>
-              </a:rPr>
-              <a:t> </a:t>
-            </a:r>
-            <a:r>
-              <a:rPr lang="it-IT" sz="1200" b="0" i="0" dirty="0" err="1">
-                <a:effectLst/>
-                <a:latin typeface="Calibri" panose="020F0502020204030204" pitchFamily="34" charset="0"/>
-              </a:rPr>
-              <a:t>prioritizing</a:t>
-            </a:r>
-            <a:r>
-              <a:rPr lang="it-IT" sz="1200" b="0" i="0" dirty="0">
-                <a:effectLst/>
-                <a:latin typeface="Calibri" panose="020F0502020204030204" pitchFamily="34" charset="0"/>
-              </a:rPr>
-              <a:t> </a:t>
-            </a:r>
-            <a:r>
-              <a:rPr lang="it-IT" sz="1200" b="0" i="0" dirty="0" err="1">
-                <a:effectLst/>
-                <a:latin typeface="Calibri" panose="020F0502020204030204" pitchFamily="34" charset="0"/>
-              </a:rPr>
-              <a:t>chords</a:t>
-            </a:r>
-            <a:r>
-              <a:rPr lang="it-IT" sz="1200" b="0" i="0" dirty="0">
-                <a:effectLst/>
-                <a:latin typeface="Calibri" panose="020F0502020204030204" pitchFamily="34" charset="0"/>
-              </a:rPr>
               <a:t> with </a:t>
             </a:r>
             <a:r>
@@ -14520,8 +15099,61 @@
                 <a:effectLst/>
                 <a:latin typeface="Calibri" panose="020F0502020204030204" pitchFamily="34" charset="0"/>
               </a:rPr>
-              <a:t> notes</a:t>
-            </a:r>
+              <a:t> </a:t>
+            </a:r>
+            <a:r>
+              <a:rPr lang="it-IT" sz="1200" b="0" i="0" dirty="0" err="1">
+                <a:effectLst/>
+                <a:latin typeface="Calibri" panose="020F0502020204030204" pitchFamily="34" charset="0"/>
+              </a:rPr>
+              <a:t>strings</a:t>
+            </a:r>
+            <a:r>
+              <a:rPr lang="it-IT" sz="1200" b="0" i="0" dirty="0">
+                <a:effectLst/>
+                <a:latin typeface="Calibri" panose="020F0502020204030204" pitchFamily="34" charset="0"/>
+              </a:rPr>
+              <a:t> </a:t>
+            </a:r>
+            <a:r>
+              <a:rPr lang="it-IT" sz="1200" b="0" i="0" dirty="0" err="1">
+                <a:effectLst/>
+                <a:latin typeface="Calibri" panose="020F0502020204030204" pitchFamily="34" charset="0"/>
+              </a:rPr>
+              <a:t>when</a:t>
+            </a:r>
+            <a:r>
+              <a:rPr lang="it-IT" sz="1200" b="0" i="0" dirty="0">
+                <a:effectLst/>
+                <a:latin typeface="Calibri" panose="020F0502020204030204" pitchFamily="34" charset="0"/>
+              </a:rPr>
+              <a:t> </a:t>
+            </a:r>
+            <a:r>
+              <a:rPr lang="it-IT" sz="1200" b="0" i="0" dirty="0" err="1">
+                <a:effectLst/>
+                <a:latin typeface="Calibri" panose="020F0502020204030204" pitchFamily="34" charset="0"/>
+              </a:rPr>
+              <a:t>progressing</a:t>
+            </a:r>
+            <a:r>
+              <a:rPr lang="it-IT" sz="1200" b="0" i="0" dirty="0">
+                <a:effectLst/>
+                <a:latin typeface="Calibri" panose="020F0502020204030204" pitchFamily="34" charset="0"/>
+              </a:rPr>
+              <a:t> in the </a:t>
+            </a:r>
+            <a:r>
+              <a:rPr lang="it-IT" sz="1200" b="0" i="0" dirty="0" err="1">
+                <a:effectLst/>
+                <a:latin typeface="Calibri" panose="020F0502020204030204" pitchFamily="34" charset="0"/>
+              </a:rPr>
+              <a:t>sequence</a:t>
+            </a:r>
+            <a:endParaRPr lang="it-IT" sz="1200" b="0" i="0" dirty="0">
+              <a:effectLst/>
+              <a:latin typeface="Calibri" panose="020F0502020204030204" pitchFamily="34" charset="0"/>
+            </a:endParaRPr>
           </a:p>
           <a:p>
             <a:pPr marL="742950" lvl="1" indent="-285750" rtl="0" fontAlgn="ctr">
@@ -16308,7 +16940,7 @@
           <a:p>
             <a:fld id="{02AC24A9-CCB6-4F8D-B8DB-C2F3692CFA5A}" type="datetimeFigureOut">
               <a:rPr lang="en-US" smtClean="0"/>
-              <a:t>7/9/2023</a:t>
+              <a:t>7/11/2023</a:t>
             </a:fld>
             <a:endParaRPr lang="en-US"/>
           </a:p>
@@ -16583,7 +17215,7 @@
           <a:p>
             <a:fld id="{02AC24A9-CCB6-4F8D-B8DB-C2F3692CFA5A}" type="datetimeFigureOut">
               <a:rPr lang="en-US" smtClean="0"/>
-              <a:t>7/9/2023</a:t>
+              <a:t>7/11/2023</a:t>
             </a:fld>
             <a:endParaRPr lang="en-US"/>
           </a:p>
@@ -16777,7 +17409,7 @@
           <a:p>
             <a:fld id="{02AC24A9-CCB6-4F8D-B8DB-C2F3692CFA5A}" type="datetimeFigureOut">
               <a:rPr lang="en-US" smtClean="0"/>
-              <a:t>7/9/2023</a:t>
+              <a:t>7/11/2023</a:t>
             </a:fld>
             <a:endParaRPr lang="en-US"/>
           </a:p>
@@ -17050,7 +17682,7 @@
           <a:p>
             <a:fld id="{02AC24A9-CCB6-4F8D-B8DB-C2F3692CFA5A}" type="datetimeFigureOut">
               <a:rPr lang="en-US" smtClean="0"/>
-              <a:t>7/9/2023</a:t>
+              <a:t>7/11/2023</a:t>
             </a:fld>
             <a:endParaRPr lang="en-US"/>
           </a:p>
@@ -17391,7 +18023,7 @@
           <a:p>
             <a:fld id="{02AC24A9-CCB6-4F8D-B8DB-C2F3692CFA5A}" type="datetimeFigureOut">
               <a:rPr lang="en-US" smtClean="0"/>
-              <a:t>7/9/2023</a:t>
+              <a:t>7/11/2023</a:t>
             </a:fld>
             <a:endParaRPr lang="en-US"/>
           </a:p>
@@ -18014,7 +18646,7 @@
           <a:p>
             <a:fld id="{02AC24A9-CCB6-4F8D-B8DB-C2F3692CFA5A}" type="datetimeFigureOut">
               <a:rPr lang="en-US" smtClean="0"/>
-              <a:t>7/9/2023</a:t>
+              <a:t>7/11/2023</a:t>
             </a:fld>
             <a:endParaRPr lang="en-US"/>
           </a:p>
@@ -18874,7 +19506,7 @@
           <a:p>
             <a:fld id="{02AC24A9-CCB6-4F8D-B8DB-C2F3692CFA5A}" type="datetimeFigureOut">
               <a:rPr lang="en-US" smtClean="0"/>
-              <a:t>7/9/2023</a:t>
+              <a:t>7/11/2023</a:t>
             </a:fld>
             <a:endParaRPr lang="en-US"/>
           </a:p>
@@ -19044,7 +19676,7 @@
           <a:p>
             <a:fld id="{02AC24A9-CCB6-4F8D-B8DB-C2F3692CFA5A}" type="datetimeFigureOut">
               <a:rPr lang="en-US" smtClean="0"/>
-              <a:t>7/9/2023</a:t>
+              <a:t>7/11/2023</a:t>
             </a:fld>
             <a:endParaRPr lang="en-US"/>
           </a:p>
@@ -19224,7 +19856,7 @@
           <a:p>
             <a:fld id="{02AC24A9-CCB6-4F8D-B8DB-C2F3692CFA5A}" type="datetimeFigureOut">
               <a:rPr lang="en-US" smtClean="0"/>
-              <a:t>7/9/2023</a:t>
+              <a:t>7/11/2023</a:t>
             </a:fld>
             <a:endParaRPr lang="en-US"/>
           </a:p>
@@ -19394,7 +20026,7 @@
           <a:p>
             <a:fld id="{02AC24A9-CCB6-4F8D-B8DB-C2F3692CFA5A}" type="datetimeFigureOut">
               <a:rPr lang="en-US" smtClean="0"/>
-              <a:t>7/9/2023</a:t>
+              <a:t>7/11/2023</a:t>
             </a:fld>
             <a:endParaRPr lang="en-US"/>
           </a:p>
@@ -19641,7 +20273,7 @@
           <a:p>
             <a:fld id="{02AC24A9-CCB6-4F8D-B8DB-C2F3692CFA5A}" type="datetimeFigureOut">
               <a:rPr lang="en-US" smtClean="0"/>
-              <a:t>7/9/2023</a:t>
+              <a:t>7/11/2023</a:t>
             </a:fld>
             <a:endParaRPr lang="en-US"/>
           </a:p>
@@ -19933,7 +20565,7 @@
           <a:p>
             <a:fld id="{02AC24A9-CCB6-4F8D-B8DB-C2F3692CFA5A}" type="datetimeFigureOut">
               <a:rPr lang="en-US" smtClean="0"/>
-              <a:t>7/9/2023</a:t>
+              <a:t>7/11/2023</a:t>
             </a:fld>
             <a:endParaRPr lang="en-US"/>
           </a:p>
@@ -20377,7 +21009,7 @@
           <a:p>
             <a:fld id="{02AC24A9-CCB6-4F8D-B8DB-C2F3692CFA5A}" type="datetimeFigureOut">
               <a:rPr lang="en-US" smtClean="0"/>
-              <a:t>7/9/2023</a:t>
+              <a:t>7/11/2023</a:t>
             </a:fld>
             <a:endParaRPr lang="en-US"/>
           </a:p>
@@ -20495,7 +21127,7 @@
           <a:p>
             <a:fld id="{02AC24A9-CCB6-4F8D-B8DB-C2F3692CFA5A}" type="datetimeFigureOut">
               <a:rPr lang="en-US" smtClean="0"/>
-              <a:t>7/9/2023</a:t>
+              <a:t>7/11/2023</a:t>
             </a:fld>
             <a:endParaRPr lang="en-US"/>
           </a:p>
@@ -20590,7 +21222,7 @@
           <a:p>
             <a:fld id="{02AC24A9-CCB6-4F8D-B8DB-C2F3692CFA5A}" type="datetimeFigureOut">
               <a:rPr lang="en-US" smtClean="0"/>
-              <a:t>7/9/2023</a:t>
+              <a:t>7/11/2023</a:t>
             </a:fld>
             <a:endParaRPr lang="en-US"/>
           </a:p>
@@ -20869,7 +21501,7 @@
           <a:p>
             <a:fld id="{02AC24A9-CCB6-4F8D-B8DB-C2F3692CFA5A}" type="datetimeFigureOut">
               <a:rPr lang="en-US" smtClean="0"/>
-              <a:t>7/9/2023</a:t>
+              <a:t>7/11/2023</a:t>
             </a:fld>
             <a:endParaRPr lang="en-US"/>
           </a:p>
@@ -21144,7 +21776,7 @@
           <a:p>
             <a:fld id="{02AC24A9-CCB6-4F8D-B8DB-C2F3692CFA5A}" type="datetimeFigureOut">
               <a:rPr lang="en-US" smtClean="0"/>
-              <a:t>7/9/2023</a:t>
+              <a:t>7/11/2023</a:t>
             </a:fld>
             <a:endParaRPr lang="en-US"/>
           </a:p>
@@ -21573,7 +22205,7 @@
           <a:p>
             <a:fld id="{02AC24A9-CCB6-4F8D-B8DB-C2F3692CFA5A}" type="datetimeFigureOut">
               <a:rPr lang="en-US" smtClean="0"/>
-              <a:t>7/9/2023</a:t>
+              <a:t>7/11/2023</a:t>
             </a:fld>
             <a:endParaRPr lang="en-US"/>
           </a:p>
@@ -23636,8 +24268,8 @@
         </p:nvSpPr>
         <p:spPr>
           <a:xfrm>
-            <a:off x="5204109" y="1645920"/>
-            <a:ext cx="5919503" cy="4470821"/>
+            <a:off x="5204108" y="1415845"/>
+            <a:ext cx="6520859" cy="5029199"/>
           </a:xfrm>
           <a:prstGeom prst="rect">
             <a:avLst/>
@@ -23876,34 +24508,66 @@
           </a:lstStyle>
           <a:p>
             <a:r>
-              <a:rPr lang="en-US"/>
+              <a:rPr lang="en-US" sz="2800" dirty="0"/>
               <a:t>First chord can not be inverted (generally unpleasant results)</a:t>
             </a:r>
           </a:p>
           <a:p>
-            <a:endParaRPr lang="en-US"/>
-          </a:p>
-          <a:p>
-            <a:r>
-              <a:rPr lang="en-US"/>
-              <a:t>Distance between consecutive chords is minimized</a:t>
-            </a:r>
-          </a:p>
-          <a:p>
-            <a:endParaRPr lang="en-US"/>
-          </a:p>
-          <a:p>
-            <a:r>
-              <a:rPr lang="en-US"/>
-              <a:t>Number of tritone resolutions between consecutive chords is maximized</a:t>
+            <a:endParaRPr lang="en-US" sz="2800" dirty="0"/>
+          </a:p>
+          <a:p>
+            <a:r>
+              <a:rPr lang="en-US" sz="2800" dirty="0"/>
+              <a:t>Find “optimal” sequence:</a:t>
+            </a:r>
+          </a:p>
+          <a:p>
+            <a:pPr lvl="1"/>
+            <a:r>
+              <a:rPr lang="en-US" sz="2400" b="1" dirty="0"/>
+              <a:t>Distance</a:t>
+            </a:r>
+            <a:r>
+              <a:rPr lang="en-US" sz="2400" dirty="0"/>
+              <a:t> between consecutive chords is minimized</a:t>
+            </a:r>
+          </a:p>
+          <a:p>
+            <a:pPr lvl="1"/>
+            <a:r>
+              <a:rPr lang="en-US" sz="2400" dirty="0"/>
+              <a:t>Number of </a:t>
+            </a:r>
+            <a:r>
+              <a:rPr lang="en-US" sz="2400" b="1" dirty="0"/>
+              <a:t>tritone resolutions </a:t>
+            </a:r>
+            <a:r>
+              <a:rPr lang="en-US" sz="2400" dirty="0"/>
+              <a:t>between consecutive chords is maximized</a:t>
+            </a:r>
+          </a:p>
+          <a:p>
+            <a:pPr lvl="1"/>
+            <a:r>
+              <a:rPr lang="en-US" sz="2400" dirty="0"/>
+              <a:t>Only a local </a:t>
+            </a:r>
+            <a:r>
+              <a:rPr lang="en-US" sz="2400" b="1" dirty="0"/>
+              <a:t>short “window”</a:t>
+            </a:r>
+            <a:r>
+              <a:rPr lang="en-US" sz="2400" dirty="0"/>
+              <a:t> of chords is considered (4 chords)</a:t>
             </a:r>
           </a:p>
           <a:p>
             <a:pPr marL="0" indent="0"/>
-            <a:endParaRPr lang="en-US"/>
-          </a:p>
-          <a:p>
-            <a:endParaRPr lang="en-US"/>
+            <a:endParaRPr lang="en-US" sz="2800" dirty="0"/>
+          </a:p>
+          <a:p>
+            <a:endParaRPr lang="en-US" sz="2800" dirty="0"/>
           </a:p>
         </p:txBody>
       </p:sp>
@@ -25026,7 +25690,13 @@
             </a:extLst>
           </p:cNvPr>
           <p:cNvGraphicFramePr/>
-          <p:nvPr/>
+          <p:nvPr>
+            <p:extLst>
+              <p:ext uri="{D42A27DB-BD31-4B8C-83A1-F6EECF244321}">
+                <p14:modId xmlns:p14="http://schemas.microsoft.com/office/powerpoint/2010/main" val="1816731960"/>
+              </p:ext>
+            </p:extLst>
+          </p:nvPr>
         </p:nvGraphicFramePr>
         <p:xfrm>
           <a:off x="5204109" y="1645920"/>
@@ -25282,7 +25952,7 @@
         </p:nvSpPr>
         <p:spPr>
           <a:xfrm>
-            <a:off x="648930" y="2438400"/>
+            <a:off x="648931" y="1761413"/>
             <a:ext cx="6188189" cy="3785419"/>
           </a:xfrm>
           <a:prstGeom prst="rect">
@@ -25291,7 +25961,7 @@
         </p:spPr>
         <p:txBody>
           <a:bodyPr vert="horz" lIns="91440" tIns="45720" rIns="91440" bIns="45720" rtlCol="0">
-            <a:normAutofit/>
+            <a:normAutofit lnSpcReduction="10000"/>
           </a:bodyPr>
           <a:lstStyle/>
           <a:p>
@@ -25310,7 +25980,7 @@
               <a:buChar char=""/>
             </a:pPr>
             <a:r>
-              <a:rPr lang="en-US">
+              <a:rPr lang="en-US" sz="2800" dirty="0">
                 <a:solidFill>
                   <a:srgbClr val="FFFFFF"/>
                 </a:solidFill>
@@ -25337,7 +26007,7 @@
               <a:buChar char=""/>
             </a:pPr>
             <a:r>
-              <a:rPr lang="en-US">
+              <a:rPr lang="en-US" sz="2800" dirty="0">
                 <a:solidFill>
                   <a:srgbClr val="FFFFFF"/>
                 </a:solidFill>
@@ -25364,7 +26034,7 @@
               <a:buChar char=""/>
             </a:pPr>
             <a:r>
-              <a:rPr lang="en-US">
+              <a:rPr lang="en-US" sz="2800" dirty="0">
                 <a:solidFill>
                   <a:srgbClr val="FFFFFF"/>
                 </a:solidFill>
@@ -25391,7 +26061,7 @@
               <a:buChar char=""/>
             </a:pPr>
             <a:r>
-              <a:rPr lang="en-US">
+              <a:rPr lang="en-US" sz="2800" dirty="0">
                 <a:solidFill>
                   <a:srgbClr val="FFFFFF"/>
                 </a:solidFill>
@@ -25418,7 +26088,7 @@
               <a:buChar char=""/>
             </a:pPr>
             <a:r>
-              <a:rPr lang="en-US">
+              <a:rPr lang="en-US" sz="2800" dirty="0">
                 <a:solidFill>
                   <a:srgbClr val="FFFFFF"/>
                 </a:solidFill>
@@ -25444,7 +26114,7 @@
               <a:buFont typeface="Wingdings 3" charset="2"/>
               <a:buChar char=""/>
             </a:pPr>
-            <a:endParaRPr lang="en-US">
+            <a:endParaRPr lang="en-US" sz="2800" dirty="0">
               <a:solidFill>
                 <a:srgbClr val="FFFFFF"/>
               </a:solidFill>
@@ -25468,7 +26138,7 @@
               <a:buFont typeface="Wingdings 3" charset="2"/>
               <a:buChar char=""/>
             </a:pPr>
-            <a:endParaRPr lang="en-US">
+            <a:endParaRPr lang="en-US" sz="2800" dirty="0">
               <a:solidFill>
                 <a:srgbClr val="FFFFFF"/>
               </a:solidFill>
@@ -28308,7 +28978,7 @@
         </p:nvSpPr>
         <p:spPr>
           <a:xfrm>
-            <a:off x="648931" y="2438400"/>
+            <a:off x="720911" y="1669447"/>
             <a:ext cx="4166509" cy="3785419"/>
           </a:xfrm>
           <a:prstGeom prst="rect">
@@ -28551,9 +29221,10 @@
               <a:lnSpc>
                 <a:spcPct val="90000"/>
               </a:lnSpc>
+              <a:buNone/>
             </a:pPr>
             <a:r>
-              <a:rPr lang="en-US" sz="1700">
+              <a:rPr lang="en-US" dirty="0">
                 <a:solidFill>
                   <a:srgbClr val="EBEBEB"/>
                 </a:solidFill>
@@ -28567,7 +29238,7 @@
                 <a:spcPct val="90000"/>
               </a:lnSpc>
             </a:pPr>
-            <a:endParaRPr lang="en-US" sz="1700">
+            <a:endParaRPr lang="en-US" dirty="0">
               <a:solidFill>
                 <a:srgbClr val="EBEBEB"/>
               </a:solidFill>
@@ -28580,7 +29251,7 @@
               </a:lnSpc>
             </a:pPr>
             <a:r>
-              <a:rPr lang="en-US" sz="1700">
+              <a:rPr lang="en-US" dirty="0">
                 <a:solidFill>
                   <a:srgbClr val="EBEBEB"/>
                 </a:solidFill>
@@ -28595,12 +29266,36 @@
               </a:lnSpc>
             </a:pPr>
             <a:r>
-              <a:rPr lang="en-US" sz="1700">
+              <a:rPr lang="en-US" sz="2000" dirty="0">
                 <a:solidFill>
                   <a:srgbClr val="EBEBEB"/>
                 </a:solidFill>
               </a:rPr>
-              <a:t>Specify root  and type</a:t>
+              <a:t>Specify </a:t>
+            </a:r>
+            <a:r>
+              <a:rPr lang="en-US" sz="2000" b="1" dirty="0">
+                <a:solidFill>
+                  <a:srgbClr val="EBEBEB"/>
+                </a:solidFill>
+              </a:rPr>
+              <a:t>root </a:t>
+            </a:r>
+            <a:r>
+              <a:rPr lang="en-US" sz="2000" dirty="0">
+                <a:solidFill>
+                  <a:srgbClr val="EBEBEB"/>
+                </a:solidFill>
+              </a:rPr>
+              <a:t>and </a:t>
+            </a:r>
+            <a:r>
+              <a:rPr lang="en-US" sz="2000" b="1" dirty="0">
+                <a:solidFill>
+                  <a:srgbClr val="EBEBEB"/>
+                </a:solidFill>
+              </a:rPr>
+              <a:t>type</a:t>
             </a:r>
           </a:p>
           <a:p>
@@ -28609,7 +29304,7 @@
                 <a:spcPct val="90000"/>
               </a:lnSpc>
             </a:pPr>
-            <a:endParaRPr lang="en-US" sz="1700">
+            <a:endParaRPr lang="en-US" dirty="0">
               <a:solidFill>
                 <a:srgbClr val="EBEBEB"/>
               </a:solidFill>
@@ -28622,12 +29317,20 @@
               </a:lnSpc>
             </a:pPr>
             <a:r>
-              <a:rPr lang="en-US" sz="1700">
+              <a:rPr lang="en-US" b="1" dirty="0">
                 <a:solidFill>
                   <a:srgbClr val="EBEBEB"/>
                 </a:solidFill>
               </a:rPr>
-              <a:t>Submit button generates the voicing sequence</a:t>
+              <a:t>Submit</a:t>
+            </a:r>
+            <a:r>
+              <a:rPr lang="en-US" dirty="0">
+                <a:solidFill>
+                  <a:srgbClr val="EBEBEB"/>
+                </a:solidFill>
+              </a:rPr>
+              <a:t> button generates the voicing sequence</a:t>
             </a:r>
           </a:p>
           <a:p>
@@ -28636,7 +29339,7 @@
                 <a:spcPct val="90000"/>
               </a:lnSpc>
             </a:pPr>
-            <a:endParaRPr lang="en-US" sz="1700">
+            <a:endParaRPr lang="en-US" dirty="0">
               <a:solidFill>
                 <a:srgbClr val="EBEBEB"/>
               </a:solidFill>
@@ -28649,12 +29352,20 @@
               </a:lnSpc>
             </a:pPr>
             <a:r>
-              <a:rPr lang="en-US" sz="1700">
+              <a:rPr lang="en-US" b="1" dirty="0">
                 <a:solidFill>
                   <a:srgbClr val="EBEBEB"/>
                 </a:solidFill>
               </a:rPr>
-              <a:t>Options button</a:t>
+              <a:t>Options</a:t>
+            </a:r>
+            <a:r>
+              <a:rPr lang="en-US" dirty="0">
+                <a:solidFill>
+                  <a:srgbClr val="EBEBEB"/>
+                </a:solidFill>
+              </a:rPr>
+              <a:t> button</a:t>
             </a:r>
           </a:p>
         </p:txBody>
@@ -29654,7 +30365,7 @@
           <a:p>
             <a:pPr marL="0" indent="0"/>
             <a:r>
-              <a:rPr lang="en-US">
+              <a:rPr lang="en-US" dirty="0">
                 <a:solidFill>
                   <a:srgbClr val="FFFFFF"/>
                 </a:solidFill>
@@ -29663,7 +30374,7 @@
             </a:r>
           </a:p>
           <a:p>
-            <a:endParaRPr lang="en-US">
+            <a:endParaRPr lang="en-US" dirty="0">
               <a:solidFill>
                 <a:srgbClr val="FFFFFF"/>
               </a:solidFill>
@@ -29671,16 +30382,24 @@
           </a:p>
           <a:p>
             <a:r>
-              <a:rPr lang="en-US">
+              <a:rPr lang="en-US" b="1" dirty="0">
                 <a:solidFill>
                   <a:srgbClr val="FFFFFF"/>
                 </a:solidFill>
               </a:rPr>
-              <a:t>Play/forward/backward buttons to listen to the sequence</a:t>
-            </a:r>
-          </a:p>
-          <a:p>
-            <a:endParaRPr lang="en-US">
+              <a:t>Play/forward/backward </a:t>
+            </a:r>
+            <a:r>
+              <a:rPr lang="en-US" dirty="0">
+                <a:solidFill>
+                  <a:srgbClr val="FFFFFF"/>
+                </a:solidFill>
+              </a:rPr>
+              <a:t>buttons to listen to the sequence</a:t>
+            </a:r>
+          </a:p>
+          <a:p>
+            <a:endParaRPr lang="en-US" dirty="0">
               <a:solidFill>
                 <a:srgbClr val="FFFFFF"/>
               </a:solidFill>
@@ -29688,16 +30407,40 @@
           </a:p>
           <a:p>
             <a:r>
-              <a:rPr lang="en-US">
+              <a:rPr lang="en-US" dirty="0">
                 <a:solidFill>
                   <a:srgbClr val="FFFFFF"/>
                 </a:solidFill>
               </a:rPr>
-              <a:t>Change view between fretboard or TAB</a:t>
-            </a:r>
-          </a:p>
-          <a:p>
-            <a:endParaRPr lang="en-US">
+              <a:t>Change view between </a:t>
+            </a:r>
+            <a:r>
+              <a:rPr lang="en-US" b="1" dirty="0">
+                <a:solidFill>
+                  <a:srgbClr val="FFFFFF"/>
+                </a:solidFill>
+              </a:rPr>
+              <a:t>fretboard</a:t>
+            </a:r>
+            <a:r>
+              <a:rPr lang="en-US" dirty="0">
+                <a:solidFill>
+                  <a:srgbClr val="FFFFFF"/>
+                </a:solidFill>
+              </a:rPr>
+              <a:t> or </a:t>
+            </a:r>
+            <a:r>
+              <a:rPr lang="en-US" b="1" dirty="0">
+                <a:solidFill>
+                  <a:srgbClr val="FFFFFF"/>
+                </a:solidFill>
+              </a:rPr>
+              <a:t>TAB</a:t>
+            </a:r>
+          </a:p>
+          <a:p>
+            <a:endParaRPr lang="en-US" dirty="0">
               <a:solidFill>
                 <a:srgbClr val="FFFFFF"/>
               </a:solidFill>
@@ -29705,16 +30448,24 @@
           </a:p>
           <a:p>
             <a:r>
-              <a:rPr lang="en-US">
+              <a:rPr lang="en-US" b="1" dirty="0">
                 <a:solidFill>
                   <a:srgbClr val="FFFFFF"/>
                 </a:solidFill>
               </a:rPr>
-              <a:t>Tuning menu</a:t>
-            </a:r>
-          </a:p>
-          <a:p>
-            <a:endParaRPr lang="en-US">
+              <a:t>Tuning</a:t>
+            </a:r>
+            <a:r>
+              <a:rPr lang="en-US" dirty="0">
+                <a:solidFill>
+                  <a:srgbClr val="FFFFFF"/>
+                </a:solidFill>
+              </a:rPr>
+              <a:t> menu</a:t>
+            </a:r>
+          </a:p>
+          <a:p>
+            <a:endParaRPr lang="en-US" dirty="0">
               <a:solidFill>
                 <a:srgbClr val="FFFFFF"/>
               </a:solidFill>
@@ -32968,43 +33719,119 @@
         </p:spPr>
         <p:txBody>
           <a:bodyPr>
-            <a:normAutofit/>
+            <a:normAutofit lnSpcReduction="10000"/>
           </a:bodyPr>
           <a:lstStyle/>
           <a:p>
             <a:r>
-              <a:rPr lang="it-IT"/>
-              <a:t>A triad must contain all the tones</a:t>
-            </a:r>
-          </a:p>
-          <a:p>
-            <a:endParaRPr lang="it-IT"/>
-          </a:p>
-          <a:p>
-            <a:r>
-              <a:rPr lang="it-IT"/>
+              <a:rPr lang="it-IT" dirty="0"/>
+              <a:t>A </a:t>
+            </a:r>
+            <a:r>
+              <a:rPr lang="it-IT" dirty="0" err="1"/>
+              <a:t>triad</a:t>
+            </a:r>
+            <a:r>
+              <a:rPr lang="it-IT" dirty="0"/>
+              <a:t> must </a:t>
+            </a:r>
+            <a:r>
+              <a:rPr lang="it-IT" dirty="0" err="1"/>
+              <a:t>contain</a:t>
+            </a:r>
+            <a:r>
+              <a:rPr lang="it-IT" dirty="0"/>
+              <a:t> </a:t>
+            </a:r>
+            <a:r>
+              <a:rPr lang="it-IT" dirty="0" err="1"/>
+              <a:t>all</a:t>
+            </a:r>
+            <a:r>
+              <a:rPr lang="it-IT" dirty="0"/>
+              <a:t> the </a:t>
+            </a:r>
+            <a:r>
+              <a:rPr lang="it-IT" dirty="0" err="1"/>
+              <a:t>tones</a:t>
+            </a:r>
+            <a:endParaRPr lang="it-IT" dirty="0"/>
+          </a:p>
+          <a:p>
+            <a:endParaRPr lang="it-IT" dirty="0"/>
+          </a:p>
+          <a:p>
+            <a:r>
+              <a:rPr lang="it-IT" dirty="0"/>
               <a:t>In a tetrade the </a:t>
             </a:r>
             <a:r>
-              <a:rPr lang="it-IT" b="1"/>
-              <a:t>5th can be skipped</a:t>
-            </a:r>
-          </a:p>
-          <a:p>
-            <a:endParaRPr lang="it-IT"/>
-          </a:p>
-          <a:p>
-            <a:r>
-              <a:rPr lang="it-IT"/>
-              <a:t>Only 1st and 2nd </a:t>
-            </a:r>
-            <a:r>
-              <a:rPr lang="it-IT" b="1"/>
+              <a:rPr lang="it-IT" b="1" dirty="0"/>
+              <a:t>5th can be </a:t>
+            </a:r>
+            <a:r>
+              <a:rPr lang="it-IT" b="1" dirty="0" err="1"/>
+              <a:t>skipped</a:t>
+            </a:r>
+            <a:endParaRPr lang="it-IT" b="1" dirty="0"/>
+          </a:p>
+          <a:p>
+            <a:endParaRPr lang="it-IT" b="1" dirty="0"/>
+          </a:p>
+          <a:p>
+            <a:r>
+              <a:rPr lang="it-IT" dirty="0"/>
+              <a:t>No triple </a:t>
+            </a:r>
+            <a:r>
+              <a:rPr lang="it-IT" dirty="0" err="1"/>
+              <a:t>tones</a:t>
+            </a:r>
+            <a:endParaRPr lang="it-IT" dirty="0"/>
+          </a:p>
+          <a:p>
+            <a:endParaRPr lang="it-IT" dirty="0"/>
+          </a:p>
+          <a:p>
+            <a:r>
+              <a:rPr lang="it-IT" dirty="0" err="1"/>
+              <a:t>Only</a:t>
+            </a:r>
+            <a:r>
+              <a:rPr lang="it-IT" dirty="0"/>
+              <a:t> 1st and 2nd </a:t>
+            </a:r>
+            <a:r>
+              <a:rPr lang="it-IT" b="1" dirty="0" err="1"/>
               <a:t>inversions</a:t>
             </a:r>
             <a:r>
-              <a:rPr lang="it-IT"/>
-              <a:t> are allowed (7th can not be in bass) </a:t>
+              <a:rPr lang="it-IT" dirty="0"/>
+              <a:t> are </a:t>
+            </a:r>
+            <a:r>
+              <a:rPr lang="it-IT" dirty="0" err="1"/>
+              <a:t>allowed</a:t>
+            </a:r>
+            <a:r>
+              <a:rPr lang="it-IT" dirty="0"/>
+              <a:t> (7th can </a:t>
+            </a:r>
+            <a:r>
+              <a:rPr lang="it-IT" dirty="0" err="1"/>
+              <a:t>not</a:t>
+            </a:r>
+            <a:r>
+              <a:rPr lang="it-IT" dirty="0"/>
+              <a:t> be in </a:t>
+            </a:r>
+            <a:r>
+              <a:rPr lang="it-IT" dirty="0" err="1"/>
+              <a:t>bass</a:t>
+            </a:r>
+            <a:r>
+              <a:rPr lang="it-IT" dirty="0"/>
+              <a:t>) </a:t>
             </a:r>
           </a:p>
           <a:p>
@@ -33758,7 +34585,7 @@
         </p:spPr>
         <p:txBody>
           <a:bodyPr>
-            <a:normAutofit/>
+            <a:normAutofit lnSpcReduction="10000"/>
           </a:bodyPr>
           <a:lstStyle/>
           <a:p>
@@ -33768,7 +34595,7 @@
               </a:lnSpc>
             </a:pPr>
             <a:r>
-              <a:rPr lang="it-IT" sz="1600">
+              <a:rPr lang="it-IT" sz="1800" dirty="0">
                 <a:solidFill>
                   <a:srgbClr val="FFFFFF"/>
                 </a:solidFill>
@@ -33776,12 +34603,20 @@
               <a:t>Fingers can </a:t>
             </a:r>
             <a:r>
-              <a:rPr lang="it-IT" sz="1600" b="1">
+              <a:rPr lang="it-IT" sz="1800" b="1" dirty="0" err="1">
                 <a:solidFill>
                   <a:srgbClr val="FFFFFF"/>
                 </a:solidFill>
               </a:rPr>
-              <a:t>not cross</a:t>
+              <a:t>not</a:t>
+            </a:r>
+            <a:r>
+              <a:rPr lang="it-IT" sz="1800" b="1" dirty="0">
+                <a:solidFill>
+                  <a:srgbClr val="FFFFFF"/>
+                </a:solidFill>
+              </a:rPr>
+              <a:t> cross</a:t>
             </a:r>
           </a:p>
           <a:p>
@@ -33790,7 +34625,7 @@
                 <a:spcPct val="90000"/>
               </a:lnSpc>
             </a:pPr>
-            <a:endParaRPr lang="it-IT" sz="1600">
+            <a:endParaRPr lang="it-IT" sz="1800" dirty="0">
               <a:solidFill>
                 <a:srgbClr val="FFFFFF"/>
               </a:solidFill>
@@ -33803,23 +34638,95 @@
               </a:lnSpc>
             </a:pPr>
             <a:r>
-              <a:rPr lang="it-IT" sz="1600" b="1">
+              <a:rPr lang="it-IT" sz="1800" b="1" dirty="0">
                 <a:solidFill>
                   <a:srgbClr val="FFFFFF"/>
                 </a:solidFill>
               </a:rPr>
-              <a:t>Left-most fret </a:t>
-            </a:r>
-            <a:r>
-              <a:rPr lang="it-IT" sz="1600">
+              <a:t>Left-</a:t>
+            </a:r>
+            <a:r>
+              <a:rPr lang="it-IT" sz="1800" b="1" dirty="0" err="1">
                 <a:solidFill>
                   <a:srgbClr val="FFFFFF"/>
                 </a:solidFill>
               </a:rPr>
-              <a:t>will always be assigned to the </a:t>
-            </a:r>
-            <a:r>
-              <a:rPr lang="it-IT" sz="1600" b="1">
+              <a:t>most</a:t>
+            </a:r>
+            <a:r>
+              <a:rPr lang="it-IT" sz="1800" b="1" dirty="0">
+                <a:solidFill>
+                  <a:srgbClr val="FFFFFF"/>
+                </a:solidFill>
+              </a:rPr>
+              <a:t> </a:t>
+            </a:r>
+            <a:r>
+              <a:rPr lang="it-IT" sz="1800" b="1" dirty="0" err="1">
+                <a:solidFill>
+                  <a:srgbClr val="FFFFFF"/>
+                </a:solidFill>
+              </a:rPr>
+              <a:t>fret</a:t>
+            </a:r>
+            <a:r>
+              <a:rPr lang="it-IT" sz="1800" b="1" dirty="0">
+                <a:solidFill>
+                  <a:srgbClr val="FFFFFF"/>
+                </a:solidFill>
+              </a:rPr>
+              <a:t> </a:t>
+            </a:r>
+            <a:r>
+              <a:rPr lang="it-IT" sz="1800" dirty="0" err="1">
+                <a:solidFill>
+                  <a:srgbClr val="FFFFFF"/>
+                </a:solidFill>
+              </a:rPr>
+              <a:t>will</a:t>
+            </a:r>
+            <a:r>
+              <a:rPr lang="it-IT" sz="1800" dirty="0">
+                <a:solidFill>
+                  <a:srgbClr val="FFFFFF"/>
+                </a:solidFill>
+              </a:rPr>
+              <a:t> </a:t>
+            </a:r>
+            <a:r>
+              <a:rPr lang="it-IT" sz="1800" dirty="0" err="1">
+                <a:solidFill>
+                  <a:srgbClr val="FFFFFF"/>
+                </a:solidFill>
+              </a:rPr>
+              <a:t>always</a:t>
+            </a:r>
+            <a:r>
+              <a:rPr lang="it-IT" sz="1800" dirty="0">
+                <a:solidFill>
+                  <a:srgbClr val="FFFFFF"/>
+                </a:solidFill>
+              </a:rPr>
+              <a:t> be </a:t>
+            </a:r>
+            <a:r>
+              <a:rPr lang="it-IT" sz="1800" dirty="0" err="1">
+                <a:solidFill>
+                  <a:srgbClr val="FFFFFF"/>
+                </a:solidFill>
+              </a:rPr>
+              <a:t>assigned</a:t>
+            </a:r>
+            <a:r>
+              <a:rPr lang="it-IT" sz="1800" dirty="0">
+                <a:solidFill>
+                  <a:srgbClr val="FFFFFF"/>
+                </a:solidFill>
+              </a:rPr>
+              <a:t> to the </a:t>
+            </a:r>
+            <a:r>
+              <a:rPr lang="it-IT" sz="1800" b="1" dirty="0">
                 <a:solidFill>
                   <a:srgbClr val="FFFFFF"/>
                 </a:solidFill>
@@ -33827,12 +34734,76 @@
               <a:t>index finger </a:t>
             </a:r>
             <a:r>
-              <a:rPr lang="it-IT" sz="1600">
+              <a:rPr lang="it-IT" sz="1800" dirty="0">
                 <a:solidFill>
                   <a:srgbClr val="FFFFFF"/>
                 </a:solidFill>
               </a:rPr>
-              <a:t>(always possible to find a voicing)</a:t>
+              <a:t>(</a:t>
+            </a:r>
+            <a:r>
+              <a:rPr lang="it-IT" sz="1800" dirty="0" err="1">
+                <a:solidFill>
+                  <a:srgbClr val="FFFFFF"/>
+                </a:solidFill>
+              </a:rPr>
+              <a:t>always</a:t>
+            </a:r>
+            <a:r>
+              <a:rPr lang="it-IT" sz="1800" dirty="0">
+                <a:solidFill>
+                  <a:srgbClr val="FFFFFF"/>
+                </a:solidFill>
+              </a:rPr>
+              <a:t> </a:t>
+            </a:r>
+            <a:r>
+              <a:rPr lang="it-IT" sz="1800" dirty="0" err="1">
+                <a:solidFill>
+                  <a:srgbClr val="FFFFFF"/>
+                </a:solidFill>
+              </a:rPr>
+              <a:t>possible</a:t>
+            </a:r>
+            <a:r>
+              <a:rPr lang="it-IT" sz="1800" dirty="0">
+                <a:solidFill>
+                  <a:srgbClr val="FFFFFF"/>
+                </a:solidFill>
+              </a:rPr>
+              <a:t> to </a:t>
+            </a:r>
+            <a:r>
+              <a:rPr lang="it-IT" sz="1800" dirty="0" err="1">
+                <a:solidFill>
+                  <a:srgbClr val="FFFFFF"/>
+                </a:solidFill>
+              </a:rPr>
+              <a:t>find</a:t>
+            </a:r>
+            <a:r>
+              <a:rPr lang="it-IT" sz="1800" dirty="0">
+                <a:solidFill>
+                  <a:srgbClr val="FFFFFF"/>
+                </a:solidFill>
+              </a:rPr>
+              <a:t> a </a:t>
+            </a:r>
+            <a:r>
+              <a:rPr lang="it-IT" sz="1800" dirty="0" err="1">
+                <a:solidFill>
+                  <a:srgbClr val="FFFFFF"/>
+                </a:solidFill>
+              </a:rPr>
+              <a:t>voicing</a:t>
+            </a:r>
+            <a:r>
+              <a:rPr lang="it-IT" sz="1800" dirty="0">
+                <a:solidFill>
+                  <a:srgbClr val="FFFFFF"/>
+                </a:solidFill>
+              </a:rPr>
+              <a:t>)</a:t>
             </a:r>
           </a:p>
           <a:p>
@@ -33841,7 +34812,7 @@
                 <a:spcPct val="90000"/>
               </a:lnSpc>
             </a:pPr>
-            <a:endParaRPr lang="it-IT" sz="1600">
+            <a:endParaRPr lang="it-IT" sz="1800" dirty="0">
               <a:solidFill>
                 <a:srgbClr val="FFFFFF"/>
               </a:solidFill>
@@ -33854,12 +34825,84 @@
               </a:lnSpc>
             </a:pPr>
             <a:r>
-              <a:rPr lang="it-IT" sz="1600">
+              <a:rPr lang="it-IT" sz="1800" dirty="0" err="1">
                 <a:solidFill>
                   <a:srgbClr val="FFFFFF"/>
                 </a:solidFill>
               </a:rPr>
-              <a:t>Adjacent fingers must press adjacent frets (+1 stretch allowed in difficult mode)</a:t>
+              <a:t>Adjacent</a:t>
+            </a:r>
+            <a:r>
+              <a:rPr lang="it-IT" sz="1800" dirty="0">
+                <a:solidFill>
+                  <a:srgbClr val="FFFFFF"/>
+                </a:solidFill>
+              </a:rPr>
+              <a:t> fingers must press </a:t>
+            </a:r>
+            <a:r>
+              <a:rPr lang="it-IT" sz="1800" dirty="0" err="1">
+                <a:solidFill>
+                  <a:srgbClr val="FFFFFF"/>
+                </a:solidFill>
+              </a:rPr>
+              <a:t>adjacent</a:t>
+            </a:r>
+            <a:r>
+              <a:rPr lang="it-IT" sz="1800" dirty="0">
+                <a:solidFill>
+                  <a:srgbClr val="FFFFFF"/>
+                </a:solidFill>
+              </a:rPr>
+              <a:t> </a:t>
+            </a:r>
+            <a:r>
+              <a:rPr lang="it-IT" sz="1800" dirty="0" err="1">
+                <a:solidFill>
+                  <a:srgbClr val="FFFFFF"/>
+                </a:solidFill>
+              </a:rPr>
+              <a:t>frets</a:t>
+            </a:r>
+            <a:r>
+              <a:rPr lang="it-IT" sz="1800" dirty="0">
+                <a:solidFill>
+                  <a:srgbClr val="FFFFFF"/>
+                </a:solidFill>
+              </a:rPr>
+              <a:t> (+1 stretch </a:t>
+            </a:r>
+            <a:r>
+              <a:rPr lang="it-IT" sz="1800" dirty="0" err="1">
+                <a:solidFill>
+                  <a:srgbClr val="FFFFFF"/>
+                </a:solidFill>
+              </a:rPr>
+              <a:t>allowed</a:t>
+            </a:r>
+            <a:r>
+              <a:rPr lang="it-IT" sz="1800" dirty="0">
+                <a:solidFill>
+                  <a:srgbClr val="FFFFFF"/>
+                </a:solidFill>
+              </a:rPr>
+              <a:t> in </a:t>
+            </a:r>
+            <a:r>
+              <a:rPr lang="it-IT" sz="1800" dirty="0" err="1">
+                <a:solidFill>
+                  <a:srgbClr val="FFFFFF"/>
+                </a:solidFill>
+              </a:rPr>
+              <a:t>difficult</a:t>
+            </a:r>
+            <a:r>
+              <a:rPr lang="it-IT" sz="1800" dirty="0">
+                <a:solidFill>
+                  <a:srgbClr val="FFFFFF"/>
+                </a:solidFill>
+              </a:rPr>
+              <a:t> mode)</a:t>
             </a:r>
           </a:p>
           <a:p>
@@ -33868,7 +34911,7 @@
                 <a:spcPct val="90000"/>
               </a:lnSpc>
             </a:pPr>
-            <a:endParaRPr lang="it-IT" sz="1600">
+            <a:endParaRPr lang="it-IT" sz="1800" dirty="0">
               <a:solidFill>
                 <a:srgbClr val="FFFFFF"/>
               </a:solidFill>
@@ -33881,15 +34924,31 @@
               </a:lnSpc>
             </a:pPr>
             <a:r>
-              <a:rPr lang="it-IT" sz="1600">
+              <a:rPr lang="it-IT" sz="1800" dirty="0">
                 <a:solidFill>
                   <a:srgbClr val="FFFFFF"/>
                 </a:solidFill>
               </a:rPr>
-              <a:t>Maximum chord </a:t>
-            </a:r>
-            <a:r>
-              <a:rPr lang="it-IT" sz="1600" b="1">
+              <a:t>Maximum </a:t>
+            </a:r>
+            <a:r>
+              <a:rPr lang="it-IT" sz="1800" dirty="0" err="1">
+                <a:solidFill>
+                  <a:srgbClr val="FFFFFF"/>
+                </a:solidFill>
+              </a:rPr>
+              <a:t>chord</a:t>
+            </a:r>
+            <a:r>
+              <a:rPr lang="it-IT" sz="1800" dirty="0">
+                <a:solidFill>
+                  <a:srgbClr val="FFFFFF"/>
+                </a:solidFill>
+              </a:rPr>
+              <a:t> </a:t>
+            </a:r>
+            <a:r>
+              <a:rPr lang="it-IT" sz="1800" b="1" dirty="0" err="1">
                 <a:solidFill>
                   <a:srgbClr val="FFFFFF"/>
                 </a:solidFill>
@@ -33897,28 +34956,92 @@
               <a:t>width</a:t>
             </a:r>
             <a:r>
-              <a:rPr lang="it-IT" sz="1600">
+              <a:rPr lang="it-IT" sz="1800" dirty="0">
                 <a:solidFill>
                   <a:srgbClr val="FFFFFF"/>
                 </a:solidFill>
               </a:rPr>
-              <a:t> must not exceed </a:t>
-            </a:r>
-            <a:r>
-              <a:rPr lang="it-IT" sz="1600" b="1">
+              <a:t> must </a:t>
+            </a:r>
+            <a:r>
+              <a:rPr lang="it-IT" sz="1800" dirty="0" err="1">
                 <a:solidFill>
                   <a:srgbClr val="FFFFFF"/>
                 </a:solidFill>
               </a:rPr>
-              <a:t>4 frets </a:t>
-            </a:r>
-            <a:r>
-              <a:rPr lang="it-IT" sz="1600">
+              <a:t>not</a:t>
+            </a:r>
+            <a:r>
+              <a:rPr lang="it-IT" sz="1800" dirty="0">
                 <a:solidFill>
                   <a:srgbClr val="FFFFFF"/>
                 </a:solidFill>
               </a:rPr>
-              <a:t>(5 in difficult mode)</a:t>
+              <a:t> </a:t>
+            </a:r>
+            <a:r>
+              <a:rPr lang="it-IT" sz="1800" dirty="0" err="1">
+                <a:solidFill>
+                  <a:srgbClr val="FFFFFF"/>
+                </a:solidFill>
+              </a:rPr>
+              <a:t>exceed</a:t>
+            </a:r>
+            <a:r>
+              <a:rPr lang="it-IT" sz="1800" dirty="0">
+                <a:solidFill>
+                  <a:srgbClr val="FFFFFF"/>
+                </a:solidFill>
+              </a:rPr>
+              <a:t> </a:t>
+            </a:r>
+            <a:r>
+              <a:rPr lang="it-IT" sz="1800" b="1" dirty="0">
+                <a:solidFill>
+                  <a:srgbClr val="FFFFFF"/>
+                </a:solidFill>
+              </a:rPr>
+              <a:t>4 </a:t>
+            </a:r>
+            <a:r>
+              <a:rPr lang="it-IT" sz="1800" b="1" dirty="0" err="1">
+                <a:solidFill>
+                  <a:srgbClr val="FFFFFF"/>
+                </a:solidFill>
+              </a:rPr>
+              <a:t>frets</a:t>
+            </a:r>
+            <a:r>
+              <a:rPr lang="it-IT" sz="1800" b="1" dirty="0">
+                <a:solidFill>
+                  <a:srgbClr val="FFFFFF"/>
+                </a:solidFill>
+              </a:rPr>
+              <a:t> </a:t>
+            </a:r>
+            <a:r>
+              <a:rPr lang="it-IT" sz="1800" dirty="0">
+                <a:solidFill>
+                  <a:srgbClr val="FFFFFF"/>
+                </a:solidFill>
+              </a:rPr>
+              <a:t>(5 in </a:t>
+            </a:r>
+            <a:r>
+              <a:rPr lang="it-IT" sz="1800" dirty="0" err="1">
+                <a:solidFill>
+                  <a:srgbClr val="FFFFFF"/>
+                </a:solidFill>
+              </a:rPr>
+              <a:t>difficult</a:t>
+            </a:r>
+            <a:r>
+              <a:rPr lang="it-IT" sz="1800" dirty="0">
+                <a:solidFill>
+                  <a:srgbClr val="FFFFFF"/>
+                </a:solidFill>
+              </a:rPr>
+              <a:t> mode)</a:t>
             </a:r>
           </a:p>
           <a:p>
@@ -33927,7 +35050,7 @@
                 <a:spcPct val="90000"/>
               </a:lnSpc>
             </a:pPr>
-            <a:endParaRPr lang="it-IT" sz="1600">
+            <a:endParaRPr lang="it-IT" sz="1800" dirty="0">
               <a:solidFill>
                 <a:srgbClr val="FFFFFF"/>
               </a:solidFill>
@@ -33940,15 +35063,31 @@
               </a:lnSpc>
             </a:pPr>
             <a:r>
-              <a:rPr lang="it-IT" sz="1600">
+              <a:rPr lang="it-IT" sz="1800" dirty="0">
                 <a:solidFill>
                   <a:srgbClr val="FFFFFF"/>
                 </a:solidFill>
               </a:rPr>
-              <a:t>Check if </a:t>
-            </a:r>
-            <a:r>
-              <a:rPr lang="it-IT" sz="1600" b="1">
+              <a:t>Check </a:t>
+            </a:r>
+            <a:r>
+              <a:rPr lang="it-IT" sz="1800" dirty="0" err="1">
+                <a:solidFill>
+                  <a:srgbClr val="FFFFFF"/>
+                </a:solidFill>
+              </a:rPr>
+              <a:t>if</a:t>
+            </a:r>
+            <a:r>
+              <a:rPr lang="it-IT" sz="1800" dirty="0">
+                <a:solidFill>
+                  <a:srgbClr val="FFFFFF"/>
+                </a:solidFill>
+              </a:rPr>
+              <a:t> </a:t>
+            </a:r>
+            <a:r>
+              <a:rPr lang="it-IT" sz="1800" b="1" dirty="0">
                 <a:solidFill>
                   <a:srgbClr val="FFFFFF"/>
                 </a:solidFill>
@@ -33956,13 +35095,26 @@
               <a:t>barre</a:t>
             </a:r>
             <a:r>
-              <a:rPr lang="it-IT" sz="1600">
+              <a:rPr lang="it-IT" sz="1800" dirty="0">
                 <a:solidFill>
                   <a:srgbClr val="FFFFFF"/>
                 </a:solidFill>
               </a:rPr>
-              <a:t> can be used</a:t>
-            </a:r>
+              <a:t> can be </a:t>
+            </a:r>
+            <a:r>
+              <a:rPr lang="it-IT" sz="1800" dirty="0" err="1">
+                <a:solidFill>
+                  <a:srgbClr val="FFFFFF"/>
+                </a:solidFill>
+              </a:rPr>
+              <a:t>used</a:t>
+            </a:r>
+            <a:endParaRPr lang="it-IT" sz="1800" dirty="0">
+              <a:solidFill>
+                <a:srgbClr val="FFFFFF"/>
+              </a:solidFill>
+            </a:endParaRPr>
           </a:p>
           <a:p>
             <a:pPr>
@@ -33970,7 +35122,7 @@
                 <a:spcPct val="90000"/>
               </a:lnSpc>
             </a:pPr>
-            <a:endParaRPr lang="it-IT" sz="1600">
+            <a:endParaRPr lang="it-IT" sz="1800" dirty="0">
               <a:solidFill>
                 <a:srgbClr val="FFFFFF"/>
               </a:solidFill>
@@ -35327,7 +36479,7 @@
         </p:spPr>
         <p:txBody>
           <a:bodyPr vert="horz" lIns="91440" tIns="45720" rIns="91440" bIns="45720" rtlCol="0">
-            <a:normAutofit/>
+            <a:normAutofit lnSpcReduction="10000"/>
           </a:bodyPr>
           <a:lstStyle>
             <a:lvl1pPr marL="342900" indent="-342900" algn="l" defTabSz="457200" rtl="0" eaLnBrk="1" latinLnBrk="0" hangingPunct="1">
@@ -35558,39 +36710,80 @@
           </a:lstStyle>
           <a:p>
             <a:r>
-              <a:rPr lang="en-US"/>
-              <a:t>The doubling of the 3rd is avoided if the chord has a dominant function</a:t>
-            </a:r>
-          </a:p>
-          <a:p>
-            <a:endParaRPr lang="en-US"/>
-          </a:p>
-          <a:p>
-            <a:r>
-              <a:rPr lang="en-US"/>
-              <a:t>Having two perfect 4th intervals is avoided when chords are inverted</a:t>
-            </a:r>
-          </a:p>
-          <a:p>
-            <a:endParaRPr lang="en-US"/>
-          </a:p>
-          <a:p>
-            <a:r>
-              <a:rPr lang="en-US"/>
-              <a:t>Open chords (at least one unfretted open string) are preferred whenever possible</a:t>
-            </a:r>
-          </a:p>
-          <a:p>
-            <a:endParaRPr lang="en-US"/>
-          </a:p>
-          <a:p>
-            <a:r>
-              <a:rPr lang="en-US"/>
-              <a:t>Chord with more notes are preferred</a:t>
-            </a:r>
-          </a:p>
-          <a:p>
-            <a:endParaRPr lang="en-US"/>
+              <a:rPr lang="en-US" dirty="0"/>
+              <a:t>The </a:t>
+            </a:r>
+            <a:r>
+              <a:rPr lang="en-US" b="1" dirty="0"/>
+              <a:t>doubling of the 3rd</a:t>
+            </a:r>
+            <a:r>
+              <a:rPr lang="en-US" dirty="0"/>
+              <a:t> is avoided if the chord has a dominant function</a:t>
+            </a:r>
+          </a:p>
+          <a:p>
+            <a:endParaRPr lang="en-US" dirty="0"/>
+          </a:p>
+          <a:p>
+            <a:r>
+              <a:rPr lang="en-US" dirty="0"/>
+              <a:t>Having </a:t>
+            </a:r>
+            <a:r>
+              <a:rPr lang="en-US" b="1" dirty="0"/>
+              <a:t>two perfect 4th </a:t>
+            </a:r>
+            <a:r>
+              <a:rPr lang="en-US" dirty="0"/>
+              <a:t>intervals is avoided when chords are inverted</a:t>
+            </a:r>
+          </a:p>
+          <a:p>
+            <a:endParaRPr lang="en-US" dirty="0"/>
+          </a:p>
+          <a:p>
+            <a:r>
+              <a:rPr lang="en-US" dirty="0"/>
+              <a:t>Avoid two </a:t>
+            </a:r>
+            <a:r>
+              <a:rPr lang="en-US" b="1" dirty="0"/>
+              <a:t>stacked tritones</a:t>
+            </a:r>
+          </a:p>
+          <a:p>
+            <a:endParaRPr lang="en-US" dirty="0"/>
+          </a:p>
+          <a:p>
+            <a:r>
+              <a:rPr lang="en-US" b="1" dirty="0"/>
+              <a:t>Open chords </a:t>
+            </a:r>
+            <a:r>
+              <a:rPr lang="en-US" dirty="0"/>
+              <a:t>(at least one unfretted open string) are preferred whenever possible</a:t>
+            </a:r>
+          </a:p>
+          <a:p>
+            <a:endParaRPr lang="en-US" dirty="0"/>
+          </a:p>
+          <a:p>
+            <a:r>
+              <a:rPr lang="en-US" dirty="0"/>
+              <a:t>Chord with </a:t>
+            </a:r>
+            <a:r>
+              <a:rPr lang="en-US" b="1" dirty="0"/>
+              <a:t>more notes </a:t>
+            </a:r>
+            <a:r>
+              <a:rPr lang="en-US" dirty="0"/>
+              <a:t>are preferred</a:t>
+            </a:r>
+          </a:p>
+          <a:p>
+            <a:endParaRPr lang="en-US" dirty="0"/>
           </a:p>
         </p:txBody>
       </p:sp>

--- a/TabMaker_compact.pptx
+++ b/TabMaker_compact.pptx
@@ -6629,7 +6629,7 @@
           <a:p>
             <a:fld id="{CC10EBF3-E11F-43AE-AC99-C596FBC7B14D}" type="datetimeFigureOut">
               <a:rPr lang="it-IT" smtClean="0"/>
-              <a:t>11/07/2023</a:t>
+              <a:t>12/07/2023</a:t>
             </a:fld>
             <a:endParaRPr lang="it-IT"/>
           </a:p>
@@ -6787,7 +6787,7 @@
           <a:p>
             <a:fld id="{B9177E53-FA8F-42AF-9113-372B0C83F087}" type="slidenum">
               <a:rPr lang="it-IT" smtClean="0"/>
-              <a:t>‹N›</a:t>
+              <a:t>‹#›</a:t>
             </a:fld>
             <a:endParaRPr lang="it-IT"/>
           </a:p>
@@ -16940,7 +16940,7 @@
           <a:p>
             <a:fld id="{02AC24A9-CCB6-4F8D-B8DB-C2F3692CFA5A}" type="datetimeFigureOut">
               <a:rPr lang="en-US" smtClean="0"/>
-              <a:t>7/11/2023</a:t>
+              <a:t>7/12/2023</a:t>
             </a:fld>
             <a:endParaRPr lang="en-US"/>
           </a:p>
@@ -16982,7 +16982,7 @@
           <a:p>
             <a:fld id="{B2DC25EE-239B-4C5F-AAD1-255A7D5F1EE2}" type="slidenum">
               <a:rPr lang="en-US" smtClean="0"/>
-              <a:t>‹N›</a:t>
+              <a:t>‹#›</a:t>
             </a:fld>
             <a:endParaRPr lang="en-US"/>
           </a:p>
@@ -17215,7 +17215,7 @@
           <a:p>
             <a:fld id="{02AC24A9-CCB6-4F8D-B8DB-C2F3692CFA5A}" type="datetimeFigureOut">
               <a:rPr lang="en-US" smtClean="0"/>
-              <a:t>7/11/2023</a:t>
+              <a:t>7/12/2023</a:t>
             </a:fld>
             <a:endParaRPr lang="en-US"/>
           </a:p>
@@ -17257,7 +17257,7 @@
           <a:p>
             <a:fld id="{B2DC25EE-239B-4C5F-AAD1-255A7D5F1EE2}" type="slidenum">
               <a:rPr lang="en-US" smtClean="0"/>
-              <a:t>‹N›</a:t>
+              <a:t>‹#›</a:t>
             </a:fld>
             <a:endParaRPr lang="en-US"/>
           </a:p>
@@ -17409,7 +17409,7 @@
           <a:p>
             <a:fld id="{02AC24A9-CCB6-4F8D-B8DB-C2F3692CFA5A}" type="datetimeFigureOut">
               <a:rPr lang="en-US" smtClean="0"/>
-              <a:t>7/11/2023</a:t>
+              <a:t>7/12/2023</a:t>
             </a:fld>
             <a:endParaRPr lang="en-US"/>
           </a:p>
@@ -17451,7 +17451,7 @@
           <a:p>
             <a:fld id="{B2DC25EE-239B-4C5F-AAD1-255A7D5F1EE2}" type="slidenum">
               <a:rPr lang="en-US" smtClean="0"/>
-              <a:t>‹N›</a:t>
+              <a:t>‹#›</a:t>
             </a:fld>
             <a:endParaRPr lang="en-US"/>
           </a:p>
@@ -17682,7 +17682,7 @@
           <a:p>
             <a:fld id="{02AC24A9-CCB6-4F8D-B8DB-C2F3692CFA5A}" type="datetimeFigureOut">
               <a:rPr lang="en-US" smtClean="0"/>
-              <a:t>7/11/2023</a:t>
+              <a:t>7/12/2023</a:t>
             </a:fld>
             <a:endParaRPr lang="en-US"/>
           </a:p>
@@ -17724,7 +17724,7 @@
           <a:p>
             <a:fld id="{B2DC25EE-239B-4C5F-AAD1-255A7D5F1EE2}" type="slidenum">
               <a:rPr lang="en-US" smtClean="0"/>
-              <a:t>‹N›</a:t>
+              <a:t>‹#›</a:t>
             </a:fld>
             <a:endParaRPr lang="en-US"/>
           </a:p>
@@ -18023,7 +18023,7 @@
           <a:p>
             <a:fld id="{02AC24A9-CCB6-4F8D-B8DB-C2F3692CFA5A}" type="datetimeFigureOut">
               <a:rPr lang="en-US" smtClean="0"/>
-              <a:t>7/11/2023</a:t>
+              <a:t>7/12/2023</a:t>
             </a:fld>
             <a:endParaRPr lang="en-US"/>
           </a:p>
@@ -18065,7 +18065,7 @@
           <a:p>
             <a:fld id="{B2DC25EE-239B-4C5F-AAD1-255A7D5F1EE2}" type="slidenum">
               <a:rPr lang="en-US" smtClean="0"/>
-              <a:t>‹N›</a:t>
+              <a:t>‹#›</a:t>
             </a:fld>
             <a:endParaRPr lang="en-US"/>
           </a:p>
@@ -18646,7 +18646,7 @@
           <a:p>
             <a:fld id="{02AC24A9-CCB6-4F8D-B8DB-C2F3692CFA5A}" type="datetimeFigureOut">
               <a:rPr lang="en-US" smtClean="0"/>
-              <a:t>7/11/2023</a:t>
+              <a:t>7/12/2023</a:t>
             </a:fld>
             <a:endParaRPr lang="en-US"/>
           </a:p>
@@ -18688,7 +18688,7 @@
           <a:p>
             <a:fld id="{B2DC25EE-239B-4C5F-AAD1-255A7D5F1EE2}" type="slidenum">
               <a:rPr lang="en-US" smtClean="0"/>
-              <a:t>‹N›</a:t>
+              <a:t>‹#›</a:t>
             </a:fld>
             <a:endParaRPr lang="en-US"/>
           </a:p>
@@ -19506,7 +19506,7 @@
           <a:p>
             <a:fld id="{02AC24A9-CCB6-4F8D-B8DB-C2F3692CFA5A}" type="datetimeFigureOut">
               <a:rPr lang="en-US" smtClean="0"/>
-              <a:t>7/11/2023</a:t>
+              <a:t>7/12/2023</a:t>
             </a:fld>
             <a:endParaRPr lang="en-US"/>
           </a:p>
@@ -19548,7 +19548,7 @@
           <a:p>
             <a:fld id="{B2DC25EE-239B-4C5F-AAD1-255A7D5F1EE2}" type="slidenum">
               <a:rPr lang="en-US" smtClean="0"/>
-              <a:t>‹N›</a:t>
+              <a:t>‹#›</a:t>
             </a:fld>
             <a:endParaRPr lang="en-US"/>
           </a:p>
@@ -19676,7 +19676,7 @@
           <a:p>
             <a:fld id="{02AC24A9-CCB6-4F8D-B8DB-C2F3692CFA5A}" type="datetimeFigureOut">
               <a:rPr lang="en-US" smtClean="0"/>
-              <a:t>7/11/2023</a:t>
+              <a:t>7/12/2023</a:t>
             </a:fld>
             <a:endParaRPr lang="en-US"/>
           </a:p>
@@ -19718,7 +19718,7 @@
           <a:p>
             <a:fld id="{B2DC25EE-239B-4C5F-AAD1-255A7D5F1EE2}" type="slidenum">
               <a:rPr lang="en-US" smtClean="0"/>
-              <a:t>‹N›</a:t>
+              <a:t>‹#›</a:t>
             </a:fld>
             <a:endParaRPr lang="en-US"/>
           </a:p>
@@ -19856,7 +19856,7 @@
           <a:p>
             <a:fld id="{02AC24A9-CCB6-4F8D-B8DB-C2F3692CFA5A}" type="datetimeFigureOut">
               <a:rPr lang="en-US" smtClean="0"/>
-              <a:t>7/11/2023</a:t>
+              <a:t>7/12/2023</a:t>
             </a:fld>
             <a:endParaRPr lang="en-US"/>
           </a:p>
@@ -19898,7 +19898,7 @@
           <a:p>
             <a:fld id="{B2DC25EE-239B-4C5F-AAD1-255A7D5F1EE2}" type="slidenum">
               <a:rPr lang="en-US" smtClean="0"/>
-              <a:t>‹N›</a:t>
+              <a:t>‹#›</a:t>
             </a:fld>
             <a:endParaRPr lang="en-US"/>
           </a:p>
@@ -20026,7 +20026,7 @@
           <a:p>
             <a:fld id="{02AC24A9-CCB6-4F8D-B8DB-C2F3692CFA5A}" type="datetimeFigureOut">
               <a:rPr lang="en-US" smtClean="0"/>
-              <a:t>7/11/2023</a:t>
+              <a:t>7/12/2023</a:t>
             </a:fld>
             <a:endParaRPr lang="en-US"/>
           </a:p>
@@ -20068,7 +20068,7 @@
           <a:p>
             <a:fld id="{B2DC25EE-239B-4C5F-AAD1-255A7D5F1EE2}" type="slidenum">
               <a:rPr lang="en-US" smtClean="0"/>
-              <a:t>‹N›</a:t>
+              <a:t>‹#›</a:t>
             </a:fld>
             <a:endParaRPr lang="en-US"/>
           </a:p>
@@ -20273,7 +20273,7 @@
           <a:p>
             <a:fld id="{02AC24A9-CCB6-4F8D-B8DB-C2F3692CFA5A}" type="datetimeFigureOut">
               <a:rPr lang="en-US" smtClean="0"/>
-              <a:t>7/11/2023</a:t>
+              <a:t>7/12/2023</a:t>
             </a:fld>
             <a:endParaRPr lang="en-US"/>
           </a:p>
@@ -20315,7 +20315,7 @@
           <a:p>
             <a:fld id="{B2DC25EE-239B-4C5F-AAD1-255A7D5F1EE2}" type="slidenum">
               <a:rPr lang="en-US" smtClean="0"/>
-              <a:t>‹N›</a:t>
+              <a:t>‹#›</a:t>
             </a:fld>
             <a:endParaRPr lang="en-US"/>
           </a:p>
@@ -20565,7 +20565,7 @@
           <a:p>
             <a:fld id="{02AC24A9-CCB6-4F8D-B8DB-C2F3692CFA5A}" type="datetimeFigureOut">
               <a:rPr lang="en-US" smtClean="0"/>
-              <a:t>7/11/2023</a:t>
+              <a:t>7/12/2023</a:t>
             </a:fld>
             <a:endParaRPr lang="en-US"/>
           </a:p>
@@ -20607,7 +20607,7 @@
           <a:p>
             <a:fld id="{B2DC25EE-239B-4C5F-AAD1-255A7D5F1EE2}" type="slidenum">
               <a:rPr lang="en-US" smtClean="0"/>
-              <a:t>‹N›</a:t>
+              <a:t>‹#›</a:t>
             </a:fld>
             <a:endParaRPr lang="en-US"/>
           </a:p>
@@ -21009,7 +21009,7 @@
           <a:p>
             <a:fld id="{02AC24A9-CCB6-4F8D-B8DB-C2F3692CFA5A}" type="datetimeFigureOut">
               <a:rPr lang="en-US" smtClean="0"/>
-              <a:t>7/11/2023</a:t>
+              <a:t>7/12/2023</a:t>
             </a:fld>
             <a:endParaRPr lang="en-US"/>
           </a:p>
@@ -21051,7 +21051,7 @@
           <a:p>
             <a:fld id="{B2DC25EE-239B-4C5F-AAD1-255A7D5F1EE2}" type="slidenum">
               <a:rPr lang="en-US" smtClean="0"/>
-              <a:t>‹N›</a:t>
+              <a:t>‹#›</a:t>
             </a:fld>
             <a:endParaRPr lang="en-US"/>
           </a:p>
@@ -21127,7 +21127,7 @@
           <a:p>
             <a:fld id="{02AC24A9-CCB6-4F8D-B8DB-C2F3692CFA5A}" type="datetimeFigureOut">
               <a:rPr lang="en-US" smtClean="0"/>
-              <a:t>7/11/2023</a:t>
+              <a:t>7/12/2023</a:t>
             </a:fld>
             <a:endParaRPr lang="en-US"/>
           </a:p>
@@ -21169,7 +21169,7 @@
           <a:p>
             <a:fld id="{B2DC25EE-239B-4C5F-AAD1-255A7D5F1EE2}" type="slidenum">
               <a:rPr lang="en-US" smtClean="0"/>
-              <a:t>‹N›</a:t>
+              <a:t>‹#›</a:t>
             </a:fld>
             <a:endParaRPr lang="en-US"/>
           </a:p>
@@ -21222,7 +21222,7 @@
           <a:p>
             <a:fld id="{02AC24A9-CCB6-4F8D-B8DB-C2F3692CFA5A}" type="datetimeFigureOut">
               <a:rPr lang="en-US" smtClean="0"/>
-              <a:t>7/11/2023</a:t>
+              <a:t>7/12/2023</a:t>
             </a:fld>
             <a:endParaRPr lang="en-US"/>
           </a:p>
@@ -21264,7 +21264,7 @@
           <a:p>
             <a:fld id="{B2DC25EE-239B-4C5F-AAD1-255A7D5F1EE2}" type="slidenum">
               <a:rPr lang="en-US" smtClean="0"/>
-              <a:t>‹N›</a:t>
+              <a:t>‹#›</a:t>
             </a:fld>
             <a:endParaRPr lang="en-US"/>
           </a:p>
@@ -21501,7 +21501,7 @@
           <a:p>
             <a:fld id="{02AC24A9-CCB6-4F8D-B8DB-C2F3692CFA5A}" type="datetimeFigureOut">
               <a:rPr lang="en-US" smtClean="0"/>
-              <a:t>7/11/2023</a:t>
+              <a:t>7/12/2023</a:t>
             </a:fld>
             <a:endParaRPr lang="en-US"/>
           </a:p>
@@ -21543,7 +21543,7 @@
           <a:p>
             <a:fld id="{B2DC25EE-239B-4C5F-AAD1-255A7D5F1EE2}" type="slidenum">
               <a:rPr lang="en-US" smtClean="0"/>
-              <a:t>‹N›</a:t>
+              <a:t>‹#›</a:t>
             </a:fld>
             <a:endParaRPr lang="en-US"/>
           </a:p>
@@ -21776,7 +21776,7 @@
           <a:p>
             <a:fld id="{02AC24A9-CCB6-4F8D-B8DB-C2F3692CFA5A}" type="datetimeFigureOut">
               <a:rPr lang="en-US" smtClean="0"/>
-              <a:t>7/11/2023</a:t>
+              <a:t>7/12/2023</a:t>
             </a:fld>
             <a:endParaRPr lang="en-US"/>
           </a:p>
@@ -21818,7 +21818,7 @@
           <a:p>
             <a:fld id="{B2DC25EE-239B-4C5F-AAD1-255A7D5F1EE2}" type="slidenum">
               <a:rPr lang="en-US" smtClean="0"/>
-              <a:t>‹N›</a:t>
+              <a:t>‹#›</a:t>
             </a:fld>
             <a:endParaRPr lang="en-US"/>
           </a:p>
@@ -22205,7 +22205,7 @@
           <a:p>
             <a:fld id="{02AC24A9-CCB6-4F8D-B8DB-C2F3692CFA5A}" type="datetimeFigureOut">
               <a:rPr lang="en-US" smtClean="0"/>
-              <a:t>7/11/2023</a:t>
+              <a:t>7/12/2023</a:t>
             </a:fld>
             <a:endParaRPr lang="en-US"/>
           </a:p>
@@ -22284,7 +22284,7 @@
           <a:p>
             <a:fld id="{B2DC25EE-239B-4C5F-AAD1-255A7D5F1EE2}" type="slidenum">
               <a:rPr lang="en-US" smtClean="0"/>
-              <a:t>‹N›</a:t>
+              <a:t>‹#›</a:t>
             </a:fld>
             <a:endParaRPr lang="en-US"/>
           </a:p>
@@ -22842,10 +22842,10 @@
                 </a:solidFill>
                 <a:latin typeface="+mn-lt"/>
               </a:rPr>
-              <a:t>Group </a:t>
-            </a:r>
-            <a:r>
-              <a:rPr lang="it-IT" sz="1500" cap="none" dirty="0" err="1">
+              <a:t>Group members: Riccardo Di Bella, Stefano Ravasi, Yan Zh</a:t>
+            </a:r>
+            <a:r>
+              <a:rPr lang="en-US" altLang="zh-CN" sz="1500" cap="none">
                 <a:solidFill>
                   <a:schemeClr val="tx2">
                     <a:lumMod val="40000"/>
@@ -22854,10 +22854,10 @@
                 </a:solidFill>
                 <a:latin typeface="+mn-lt"/>
               </a:rPr>
-              <a:t>members</a:t>
-            </a:r>
-            <a:r>
-              <a:rPr lang="it-IT" sz="1500" cap="none" dirty="0">
+              <a:t>u</a:t>
+            </a:r>
+            <a:r>
+              <a:rPr lang="it-IT" sz="1500" cap="none">
                 <a:solidFill>
                   <a:schemeClr val="tx2">
                     <a:lumMod val="40000"/>
@@ -22866,43 +22866,7 @@
                 </a:solidFill>
                 <a:latin typeface="+mn-lt"/>
               </a:rPr>
-              <a:t>: Riccardo Di Bella, Stefano Ravasi, </a:t>
-            </a:r>
-            <a:r>
-              <a:rPr lang="it-IT" sz="1500" cap="none" dirty="0" err="1">
-                <a:solidFill>
-                  <a:schemeClr val="tx2">
-                    <a:lumMod val="40000"/>
-                    <a:lumOff val="60000"/>
-                  </a:schemeClr>
-                </a:solidFill>
-                <a:latin typeface="+mn-lt"/>
-              </a:rPr>
-              <a:t>Yan</a:t>
-            </a:r>
-            <a:r>
-              <a:rPr lang="it-IT" sz="1500" cap="none" dirty="0">
-                <a:solidFill>
-                  <a:schemeClr val="tx2">
-                    <a:lumMod val="40000"/>
-                    <a:lumOff val="60000"/>
-                  </a:schemeClr>
-                </a:solidFill>
-                <a:latin typeface="+mn-lt"/>
-              </a:rPr>
-              <a:t> </a:t>
-            </a:r>
-            <a:r>
-              <a:rPr lang="it-IT" sz="1500" cap="none" dirty="0" err="1">
-                <a:solidFill>
-                  <a:schemeClr val="tx2">
-                    <a:lumMod val="40000"/>
-                    <a:lumOff val="60000"/>
-                  </a:schemeClr>
-                </a:solidFill>
-                <a:latin typeface="+mn-lt"/>
-              </a:rPr>
-              <a:t>Zuhang</a:t>
+              <a:t>ang</a:t>
             </a:r>
             <a:endParaRPr lang="it-IT" sz="1500" cap="none" dirty="0">
               <a:solidFill>

--- a/TabMaker_compact.pptx
+++ b/TabMaker_compact.pptx
@@ -5,7 +5,7 @@
     <p:sldMasterId id="2147483700" r:id="rId1"/>
   </p:sldMasterIdLst>
   <p:notesMasterIdLst>
-    <p:notesMasterId r:id="rId14"/>
+    <p:notesMasterId r:id="rId15"/>
   </p:notesMasterIdLst>
   <p:sldIdLst>
     <p:sldId id="256" r:id="rId2"/>
@@ -14,12 +14,13 @@
     <p:sldId id="270" r:id="rId5"/>
     <p:sldId id="273" r:id="rId6"/>
     <p:sldId id="281" r:id="rId7"/>
-    <p:sldId id="278" r:id="rId8"/>
-    <p:sldId id="261" r:id="rId9"/>
-    <p:sldId id="260" r:id="rId10"/>
-    <p:sldId id="274" r:id="rId11"/>
-    <p:sldId id="275" r:id="rId12"/>
-    <p:sldId id="276" r:id="rId13"/>
+    <p:sldId id="282" r:id="rId8"/>
+    <p:sldId id="278" r:id="rId9"/>
+    <p:sldId id="261" r:id="rId10"/>
+    <p:sldId id="260" r:id="rId11"/>
+    <p:sldId id="274" r:id="rId12"/>
+    <p:sldId id="275" r:id="rId13"/>
+    <p:sldId id="276" r:id="rId14"/>
   </p:sldIdLst>
   <p:sldSz cx="12192000" cy="6858000"/>
   <p:notesSz cx="6858000" cy="9144000"/>
@@ -10572,7 +10573,7 @@
           <a:p>
             <a:fld id="{B9177E53-FA8F-42AF-9113-372B0C83F087}" type="slidenum">
               <a:rPr lang="it-IT" smtClean="0"/>
-              <a:t>11</a:t>
+              <a:t>12</a:t>
             </a:fld>
             <a:endParaRPr lang="it-IT"/>
           </a:p>
@@ -11717,7 +11718,7 @@
           <a:p>
             <a:fld id="{B9177E53-FA8F-42AF-9113-372B0C83F087}" type="slidenum">
               <a:rPr lang="it-IT" smtClean="0"/>
-              <a:t>12</a:t>
+              <a:t>13</a:t>
             </a:fld>
             <a:endParaRPr lang="it-IT"/>
           </a:p>
@@ -14550,7 +14551,7 @@
           <a:p>
             <a:fld id="{B9177E53-FA8F-42AF-9113-372B0C83F087}" type="slidenum">
               <a:rPr lang="it-IT" smtClean="0"/>
-              <a:t>7</a:t>
+              <a:t>8</a:t>
             </a:fld>
             <a:endParaRPr lang="it-IT"/>
           </a:p>
@@ -15215,7 +15216,7 @@
           <a:p>
             <a:fld id="{B9177E53-FA8F-42AF-9113-372B0C83F087}" type="slidenum">
               <a:rPr lang="it-IT" smtClean="0"/>
-              <a:t>8</a:t>
+              <a:t>9</a:t>
             </a:fld>
             <a:endParaRPr lang="it-IT"/>
           </a:p>
@@ -16481,7 +16482,7 @@
           <a:p>
             <a:fld id="{B9177E53-FA8F-42AF-9113-372B0C83F087}" type="slidenum">
               <a:rPr lang="it-IT" smtClean="0"/>
-              <a:t>9</a:t>
+              <a:t>10</a:t>
             </a:fld>
             <a:endParaRPr lang="it-IT"/>
           </a:p>
@@ -17438,7 +17439,7 @@
           <a:p>
             <a:fld id="{B9177E53-FA8F-42AF-9113-372B0C83F087}" type="slidenum">
               <a:rPr lang="it-IT" smtClean="0"/>
-              <a:t>10</a:t>
+              <a:t>11</a:t>
             </a:fld>
             <a:endParaRPr lang="it-IT"/>
           </a:p>
@@ -23828,6 +23829,1457 @@
   <p:cSld>
     <p:bg>
       <p:bgPr>
+        <a:blipFill rotWithShape="1">
+          <a:blip r:embed="rId3">
+            <a:duotone>
+              <a:schemeClr val="bg2">
+                <a:shade val="69000"/>
+                <a:hueMod val="108000"/>
+                <a:satMod val="164000"/>
+                <a:lumMod val="74000"/>
+              </a:schemeClr>
+              <a:schemeClr val="bg2">
+                <a:tint val="96000"/>
+                <a:hueMod val="88000"/>
+                <a:satMod val="140000"/>
+                <a:lumMod val="132000"/>
+              </a:schemeClr>
+            </a:duotone>
+          </a:blip>
+          <a:stretch/>
+        </a:blipFill>
+        <a:effectLst/>
+      </p:bgPr>
+    </p:bg>
+    <p:spTree>
+      <p:nvGrpSpPr>
+        <p:cNvPr id="1" name=""/>
+        <p:cNvGrpSpPr/>
+        <p:nvPr/>
+      </p:nvGrpSpPr>
+      <p:grpSpPr>
+        <a:xfrm>
+          <a:off x="0" y="0"/>
+          <a:ext cx="0" cy="0"/>
+          <a:chOff x="0" y="0"/>
+          <a:chExt cx="0" cy="0"/>
+        </a:xfrm>
+      </p:grpSpPr>
+      <p:sp>
+        <p:nvSpPr>
+          <p:cNvPr id="1033" name="Rectangle 1032">
+            <a:extLst>
+              <a:ext uri="{FF2B5EF4-FFF2-40B4-BE49-F238E27FC236}">
+                <a16:creationId xmlns:a16="http://schemas.microsoft.com/office/drawing/2014/main" id="{C8A3C342-1D03-412F-8DD3-BF519E8E0AE9}"/>
+              </a:ext>
+              <a:ext uri="{C183D7F6-B498-43B3-948B-1728B52AA6E4}">
+                <adec:decorative xmlns:adec="http://schemas.microsoft.com/office/drawing/2017/decorative" val="1"/>
+              </a:ext>
+            </a:extLst>
+          </p:cNvPr>
+          <p:cNvSpPr>
+            <a:spLocks noGrp="1" noRot="1" noChangeAspect="1" noMove="1" noResize="1" noEditPoints="1" noAdjustHandles="1" noChangeArrowheads="1" noChangeShapeType="1" noTextEdit="1"/>
+          </p:cNvSpPr>
+          <p:nvPr>
+            <p:extLst>
+              <p:ext uri="{386F3935-93C4-4BCD-93E2-E3B085C9AB24}">
+                <p16:designElem xmlns:p16="http://schemas.microsoft.com/office/powerpoint/2015/main" val="1"/>
+              </p:ext>
+            </p:extLst>
+          </p:nvPr>
+        </p:nvSpPr>
+        <p:spPr>
+          <a:xfrm>
+            <a:off x="0" y="0"/>
+            <a:ext cx="12192000" cy="6858000"/>
+          </a:xfrm>
+          <a:prstGeom prst="rect">
+            <a:avLst/>
+          </a:prstGeom>
+          <a:ln>
+            <a:noFill/>
+          </a:ln>
+        </p:spPr>
+        <p:style>
+          <a:lnRef idx="2">
+            <a:schemeClr val="accent1">
+              <a:shade val="50000"/>
+            </a:schemeClr>
+          </a:lnRef>
+          <a:fillRef idx="1003">
+            <a:schemeClr val="dk2"/>
+          </a:fillRef>
+          <a:effectRef idx="0">
+            <a:schemeClr val="accent1"/>
+          </a:effectRef>
+          <a:fontRef idx="minor">
+            <a:schemeClr val="lt1"/>
+          </a:fontRef>
+        </p:style>
+        <p:txBody>
+          <a:bodyPr rtlCol="0" anchor="ctr"/>
+          <a:lstStyle/>
+          <a:p>
+            <a:pPr marL="0" marR="0" lvl="0" indent="0" algn="ctr" defTabSz="914400" rtl="0" eaLnBrk="1" fontAlgn="auto" latinLnBrk="0" hangingPunct="1">
+              <a:lnSpc>
+                <a:spcPct val="100000"/>
+              </a:lnSpc>
+              <a:spcBef>
+                <a:spcPts val="0"/>
+              </a:spcBef>
+              <a:spcAft>
+                <a:spcPts val="0"/>
+              </a:spcAft>
+              <a:buClrTx/>
+              <a:buSzTx/>
+              <a:buFontTx/>
+              <a:buNone/>
+              <a:tabLst/>
+              <a:defRPr/>
+            </a:pPr>
+            <a:endParaRPr kumimoji="0" lang="en-US" sz="1800" b="0" i="0" u="none" strike="noStrike" kern="1200" cap="none" spc="0" normalizeH="0" baseline="0" noProof="0">
+              <a:ln>
+                <a:noFill/>
+              </a:ln>
+              <a:solidFill>
+                <a:prstClr val="white"/>
+              </a:solidFill>
+              <a:effectLst/>
+              <a:uLnTx/>
+              <a:uFillTx/>
+              <a:latin typeface="Century Gothic" panose="020B0502020202020204"/>
+              <a:ea typeface="+mn-ea"/>
+              <a:cs typeface="+mn-cs"/>
+            </a:endParaRPr>
+          </a:p>
+        </p:txBody>
+      </p:sp>
+      <p:sp>
+        <p:nvSpPr>
+          <p:cNvPr id="2" name="Titolo 1">
+            <a:extLst>
+              <a:ext uri="{FF2B5EF4-FFF2-40B4-BE49-F238E27FC236}">
+                <a16:creationId xmlns:a16="http://schemas.microsoft.com/office/drawing/2014/main" id="{E24CF92A-E7B9-76DA-23C0-51A0B6EB071A}"/>
+              </a:ext>
+            </a:extLst>
+          </p:cNvPr>
+          <p:cNvSpPr>
+            <a:spLocks noGrp="1"/>
+          </p:cNvSpPr>
+          <p:nvPr>
+            <p:ph type="title"/>
+          </p:nvPr>
+        </p:nvSpPr>
+        <p:spPr>
+          <a:xfrm>
+            <a:off x="648930" y="629266"/>
+            <a:ext cx="6188190" cy="1622321"/>
+          </a:xfrm>
+        </p:spPr>
+        <p:txBody>
+          <a:bodyPr>
+            <a:normAutofit/>
+          </a:bodyPr>
+          <a:lstStyle/>
+          <a:p>
+            <a:r>
+              <a:rPr lang="it-IT">
+                <a:solidFill>
+                  <a:srgbClr val="EBEBEB"/>
+                </a:solidFill>
+              </a:rPr>
+              <a:t>FEASIBILITY CONSTRAINTS</a:t>
+            </a:r>
+          </a:p>
+        </p:txBody>
+      </p:sp>
+      <p:sp>
+        <p:nvSpPr>
+          <p:cNvPr id="1035" name="Freeform 31">
+            <a:extLst>
+              <a:ext uri="{FF2B5EF4-FFF2-40B4-BE49-F238E27FC236}">
+                <a16:creationId xmlns:a16="http://schemas.microsoft.com/office/drawing/2014/main" id="{81CC9B02-E087-4350-AEBD-2C3CF001AF01}"/>
+              </a:ext>
+              <a:ext uri="{C183D7F6-B498-43B3-948B-1728B52AA6E4}">
+                <adec:decorative xmlns:adec="http://schemas.microsoft.com/office/drawing/2017/decorative" val="1"/>
+              </a:ext>
+            </a:extLst>
+          </p:cNvPr>
+          <p:cNvSpPr>
+            <a:spLocks noGrp="1" noRot="1" noChangeAspect="1" noMove="1" noResize="1" noEditPoints="1" noAdjustHandles="1" noChangeArrowheads="1" noChangeShapeType="1" noTextEdit="1"/>
+          </p:cNvSpPr>
+          <p:nvPr>
+            <p:extLst>
+              <p:ext uri="{386F3935-93C4-4BCD-93E2-E3B085C9AB24}">
+                <p16:designElem xmlns:p16="http://schemas.microsoft.com/office/powerpoint/2015/main" val="1"/>
+              </p:ext>
+            </p:extLst>
+          </p:nvPr>
+        </p:nvSpPr>
+        <p:spPr>
+          <a:xfrm>
+            <a:off x="7015974" y="-1"/>
+            <a:ext cx="559472" cy="3709642"/>
+          </a:xfrm>
+          <a:custGeom>
+            <a:avLst/>
+            <a:gdLst>
+              <a:gd name="connsiteX0" fmla="*/ 0 w 559472"/>
+              <a:gd name="connsiteY0" fmla="*/ 0 h 3709642"/>
+              <a:gd name="connsiteX1" fmla="*/ 473952 w 559472"/>
+              <a:gd name="connsiteY1" fmla="*/ 0 h 3709642"/>
+              <a:gd name="connsiteX2" fmla="*/ 485840 w 559472"/>
+              <a:gd name="connsiteY2" fmla="*/ 161194 h 3709642"/>
+              <a:gd name="connsiteX3" fmla="*/ 523949 w 559472"/>
+              <a:gd name="connsiteY3" fmla="*/ 3672197 h 3709642"/>
+              <a:gd name="connsiteX4" fmla="*/ 454748 w 559472"/>
+              <a:gd name="connsiteY4" fmla="*/ 3709642 h 3709642"/>
+              <a:gd name="connsiteX5" fmla="*/ 448224 w 559472"/>
+              <a:gd name="connsiteY5" fmla="*/ 3510471 h 3709642"/>
+              <a:gd name="connsiteX6" fmla="*/ 443564 w 559472"/>
+              <a:gd name="connsiteY6" fmla="*/ 3408563 h 3709642"/>
+              <a:gd name="connsiteX7" fmla="*/ 438902 w 559472"/>
+              <a:gd name="connsiteY7" fmla="*/ 3304407 h 3709642"/>
+              <a:gd name="connsiteX8" fmla="*/ 433941 w 559472"/>
+              <a:gd name="connsiteY8" fmla="*/ 3198777 h 3709642"/>
+              <a:gd name="connsiteX9" fmla="*/ 427584 w 559472"/>
+              <a:gd name="connsiteY9" fmla="*/ 3092510 h 3709642"/>
+              <a:gd name="connsiteX10" fmla="*/ 420988 w 559472"/>
+              <a:gd name="connsiteY10" fmla="*/ 2984390 h 3709642"/>
+              <a:gd name="connsiteX11" fmla="*/ 414330 w 559472"/>
+              <a:gd name="connsiteY11" fmla="*/ 2874401 h 3709642"/>
+              <a:gd name="connsiteX12" fmla="*/ 406840 w 559472"/>
+              <a:gd name="connsiteY12" fmla="*/ 2762980 h 3709642"/>
+              <a:gd name="connsiteX13" fmla="*/ 397745 w 559472"/>
+              <a:gd name="connsiteY13" fmla="*/ 2650566 h 3709642"/>
+              <a:gd name="connsiteX14" fmla="*/ 389154 w 559472"/>
+              <a:gd name="connsiteY14" fmla="*/ 2536612 h 3709642"/>
+              <a:gd name="connsiteX15" fmla="*/ 379225 w 559472"/>
+              <a:gd name="connsiteY15" fmla="*/ 2421642 h 3709642"/>
+              <a:gd name="connsiteX16" fmla="*/ 368316 w 559472"/>
+              <a:gd name="connsiteY16" fmla="*/ 2305627 h 3709642"/>
+              <a:gd name="connsiteX17" fmla="*/ 357466 w 559472"/>
+              <a:gd name="connsiteY17" fmla="*/ 2189233 h 3709642"/>
+              <a:gd name="connsiteX18" fmla="*/ 344982 w 559472"/>
+              <a:gd name="connsiteY18" fmla="*/ 2071473 h 3709642"/>
+              <a:gd name="connsiteX19" fmla="*/ 332466 w 559472"/>
+              <a:gd name="connsiteY19" fmla="*/ 1952216 h 3709642"/>
+              <a:gd name="connsiteX20" fmla="*/ 319121 w 559472"/>
+              <a:gd name="connsiteY20" fmla="*/ 1833776 h 3709642"/>
+              <a:gd name="connsiteX21" fmla="*/ 304408 w 559472"/>
+              <a:gd name="connsiteY21" fmla="*/ 1713948 h 3709642"/>
+              <a:gd name="connsiteX22" fmla="*/ 288685 w 559472"/>
+              <a:gd name="connsiteY22" fmla="*/ 1592703 h 3709642"/>
+              <a:gd name="connsiteX23" fmla="*/ 273050 w 559472"/>
+              <a:gd name="connsiteY23" fmla="*/ 1471451 h 3709642"/>
+              <a:gd name="connsiteX24" fmla="*/ 255813 w 559472"/>
+              <a:gd name="connsiteY24" fmla="*/ 1350328 h 3709642"/>
+              <a:gd name="connsiteX25" fmla="*/ 237060 w 559472"/>
+              <a:gd name="connsiteY25" fmla="*/ 1227080 h 3709642"/>
+              <a:gd name="connsiteX26" fmla="*/ 218488 w 559472"/>
+              <a:gd name="connsiteY26" fmla="*/ 1106065 h 3709642"/>
+              <a:gd name="connsiteX27" fmla="*/ 198221 w 559472"/>
+              <a:gd name="connsiteY27" fmla="*/ 982940 h 3709642"/>
+              <a:gd name="connsiteX28" fmla="*/ 177152 w 559472"/>
+              <a:gd name="connsiteY28" fmla="*/ 858755 h 3709642"/>
+              <a:gd name="connsiteX29" fmla="*/ 155551 w 559472"/>
+              <a:gd name="connsiteY29" fmla="*/ 736861 h 3709642"/>
+              <a:gd name="connsiteX30" fmla="*/ 131782 w 559472"/>
+              <a:gd name="connsiteY30" fmla="*/ 613645 h 3709642"/>
+              <a:gd name="connsiteX31" fmla="*/ 107123 w 559472"/>
+              <a:gd name="connsiteY31" fmla="*/ 490500 h 3709642"/>
+              <a:gd name="connsiteX32" fmla="*/ 82552 w 559472"/>
+              <a:gd name="connsiteY32" fmla="*/ 367348 h 3709642"/>
+              <a:gd name="connsiteX33" fmla="*/ 55608 w 559472"/>
+              <a:gd name="connsiteY33" fmla="*/ 244762 h 3709642"/>
+              <a:gd name="connsiteX34" fmla="*/ 28130 w 559472"/>
+              <a:gd name="connsiteY34" fmla="*/ 122220 h 3709642"/>
+              <a:gd name="connsiteX35" fmla="*/ 0 w 559472"/>
+              <a:gd name="connsiteY35" fmla="*/ 0 h 3709642"/>
+            </a:gdLst>
+            <a:ahLst/>
+            <a:cxnLst>
+              <a:cxn ang="0">
+                <a:pos x="connsiteX0" y="connsiteY0"/>
+              </a:cxn>
+              <a:cxn ang="0">
+                <a:pos x="connsiteX1" y="connsiteY1"/>
+              </a:cxn>
+              <a:cxn ang="0">
+                <a:pos x="connsiteX2" y="connsiteY2"/>
+              </a:cxn>
+              <a:cxn ang="0">
+                <a:pos x="connsiteX3" y="connsiteY3"/>
+              </a:cxn>
+              <a:cxn ang="0">
+                <a:pos x="connsiteX4" y="connsiteY4"/>
+              </a:cxn>
+              <a:cxn ang="0">
+                <a:pos x="connsiteX5" y="connsiteY5"/>
+              </a:cxn>
+              <a:cxn ang="0">
+                <a:pos x="connsiteX6" y="connsiteY6"/>
+              </a:cxn>
+              <a:cxn ang="0">
+                <a:pos x="connsiteX7" y="connsiteY7"/>
+              </a:cxn>
+              <a:cxn ang="0">
+                <a:pos x="connsiteX8" y="connsiteY8"/>
+              </a:cxn>
+              <a:cxn ang="0">
+                <a:pos x="connsiteX9" y="connsiteY9"/>
+              </a:cxn>
+              <a:cxn ang="0">
+                <a:pos x="connsiteX10" y="connsiteY10"/>
+              </a:cxn>
+              <a:cxn ang="0">
+                <a:pos x="connsiteX11" y="connsiteY11"/>
+              </a:cxn>
+              <a:cxn ang="0">
+                <a:pos x="connsiteX12" y="connsiteY12"/>
+              </a:cxn>
+              <a:cxn ang="0">
+                <a:pos x="connsiteX13" y="connsiteY13"/>
+              </a:cxn>
+              <a:cxn ang="0">
+                <a:pos x="connsiteX14" y="connsiteY14"/>
+              </a:cxn>
+              <a:cxn ang="0">
+                <a:pos x="connsiteX15" y="connsiteY15"/>
+              </a:cxn>
+              <a:cxn ang="0">
+                <a:pos x="connsiteX16" y="connsiteY16"/>
+              </a:cxn>
+              <a:cxn ang="0">
+                <a:pos x="connsiteX17" y="connsiteY17"/>
+              </a:cxn>
+              <a:cxn ang="0">
+                <a:pos x="connsiteX18" y="connsiteY18"/>
+              </a:cxn>
+              <a:cxn ang="0">
+                <a:pos x="connsiteX19" y="connsiteY19"/>
+              </a:cxn>
+              <a:cxn ang="0">
+                <a:pos x="connsiteX20" y="connsiteY20"/>
+              </a:cxn>
+              <a:cxn ang="0">
+                <a:pos x="connsiteX21" y="connsiteY21"/>
+              </a:cxn>
+              <a:cxn ang="0">
+                <a:pos x="connsiteX22" y="connsiteY22"/>
+              </a:cxn>
+              <a:cxn ang="0">
+                <a:pos x="connsiteX23" y="connsiteY23"/>
+              </a:cxn>
+              <a:cxn ang="0">
+                <a:pos x="connsiteX24" y="connsiteY24"/>
+              </a:cxn>
+              <a:cxn ang="0">
+                <a:pos x="connsiteX25" y="connsiteY25"/>
+              </a:cxn>
+              <a:cxn ang="0">
+                <a:pos x="connsiteX26" y="connsiteY26"/>
+              </a:cxn>
+              <a:cxn ang="0">
+                <a:pos x="connsiteX27" y="connsiteY27"/>
+              </a:cxn>
+              <a:cxn ang="0">
+                <a:pos x="connsiteX28" y="connsiteY28"/>
+              </a:cxn>
+              <a:cxn ang="0">
+                <a:pos x="connsiteX29" y="connsiteY29"/>
+              </a:cxn>
+              <a:cxn ang="0">
+                <a:pos x="connsiteX30" y="connsiteY30"/>
+              </a:cxn>
+              <a:cxn ang="0">
+                <a:pos x="connsiteX31" y="connsiteY31"/>
+              </a:cxn>
+              <a:cxn ang="0">
+                <a:pos x="connsiteX32" y="connsiteY32"/>
+              </a:cxn>
+              <a:cxn ang="0">
+                <a:pos x="connsiteX33" y="connsiteY33"/>
+              </a:cxn>
+              <a:cxn ang="0">
+                <a:pos x="connsiteX34" y="connsiteY34"/>
+              </a:cxn>
+              <a:cxn ang="0">
+                <a:pos x="connsiteX35" y="connsiteY35"/>
+              </a:cxn>
+            </a:cxnLst>
+            <a:rect l="l" t="t" r="r" b="b"/>
+            <a:pathLst>
+              <a:path w="559472" h="3709642">
+                <a:moveTo>
+                  <a:pt x="0" y="0"/>
+                </a:moveTo>
+                <a:lnTo>
+                  <a:pt x="473952" y="0"/>
+                </a:lnTo>
+                <a:lnTo>
+                  <a:pt x="485840" y="161194"/>
+                </a:lnTo>
+                <a:cubicBezTo>
+                  <a:pt x="552063" y="1147770"/>
+                  <a:pt x="592441" y="3086737"/>
+                  <a:pt x="523949" y="3672197"/>
+                </a:cubicBezTo>
+                <a:cubicBezTo>
+                  <a:pt x="500842" y="3684557"/>
+                  <a:pt x="477855" y="3697282"/>
+                  <a:pt x="454748" y="3709642"/>
+                </a:cubicBezTo>
+                <a:lnTo>
+                  <a:pt x="448224" y="3510471"/>
+                </a:lnTo>
+                <a:lnTo>
+                  <a:pt x="443564" y="3408563"/>
+                </a:lnTo>
+                <a:lnTo>
+                  <a:pt x="438902" y="3304407"/>
+                </a:lnTo>
+                <a:lnTo>
+                  <a:pt x="433941" y="3198777"/>
+                </a:lnTo>
+                <a:lnTo>
+                  <a:pt x="427584" y="3092510"/>
+                </a:lnTo>
+                <a:lnTo>
+                  <a:pt x="420988" y="2984390"/>
+                </a:lnTo>
+                <a:lnTo>
+                  <a:pt x="414330" y="2874401"/>
+                </a:lnTo>
+                <a:lnTo>
+                  <a:pt x="406840" y="2762980"/>
+                </a:lnTo>
+                <a:lnTo>
+                  <a:pt x="397745" y="2650566"/>
+                </a:lnTo>
+                <a:lnTo>
+                  <a:pt x="389154" y="2536612"/>
+                </a:lnTo>
+                <a:lnTo>
+                  <a:pt x="379225" y="2421642"/>
+                </a:lnTo>
+                <a:lnTo>
+                  <a:pt x="368316" y="2305627"/>
+                </a:lnTo>
+                <a:lnTo>
+                  <a:pt x="357466" y="2189233"/>
+                </a:lnTo>
+                <a:lnTo>
+                  <a:pt x="344982" y="2071473"/>
+                </a:lnTo>
+                <a:lnTo>
+                  <a:pt x="332466" y="1952216"/>
+                </a:lnTo>
+                <a:lnTo>
+                  <a:pt x="319121" y="1833776"/>
+                </a:lnTo>
+                <a:lnTo>
+                  <a:pt x="304408" y="1713948"/>
+                </a:lnTo>
+                <a:lnTo>
+                  <a:pt x="288685" y="1592703"/>
+                </a:lnTo>
+                <a:lnTo>
+                  <a:pt x="273050" y="1471451"/>
+                </a:lnTo>
+                <a:lnTo>
+                  <a:pt x="255813" y="1350328"/>
+                </a:lnTo>
+                <a:lnTo>
+                  <a:pt x="237060" y="1227080"/>
+                </a:lnTo>
+                <a:lnTo>
+                  <a:pt x="218488" y="1106065"/>
+                </a:lnTo>
+                <a:lnTo>
+                  <a:pt x="198221" y="982940"/>
+                </a:lnTo>
+                <a:lnTo>
+                  <a:pt x="177152" y="858755"/>
+                </a:lnTo>
+                <a:lnTo>
+                  <a:pt x="155551" y="736861"/>
+                </a:lnTo>
+                <a:lnTo>
+                  <a:pt x="131782" y="613645"/>
+                </a:lnTo>
+                <a:lnTo>
+                  <a:pt x="107123" y="490500"/>
+                </a:lnTo>
+                <a:lnTo>
+                  <a:pt x="82552" y="367348"/>
+                </a:lnTo>
+                <a:lnTo>
+                  <a:pt x="55608" y="244762"/>
+                </a:lnTo>
+                <a:lnTo>
+                  <a:pt x="28130" y="122220"/>
+                </a:lnTo>
+                <a:lnTo>
+                  <a:pt x="0" y="0"/>
+                </a:lnTo>
+                <a:close/>
+              </a:path>
+            </a:pathLst>
+          </a:custGeom>
+          <a:solidFill>
+            <a:schemeClr val="tx1">
+              <a:alpha val="20000"/>
+            </a:schemeClr>
+          </a:solidFill>
+          <a:ln>
+            <a:noFill/>
+          </a:ln>
+        </p:spPr>
+        <p:txBody>
+          <a:bodyPr rtlCol="0" anchor="ctr"/>
+          <a:lstStyle/>
+          <a:p>
+            <a:pPr marL="0" marR="0" lvl="0" indent="0" algn="ctr" defTabSz="914400" rtl="0" eaLnBrk="1" fontAlgn="auto" latinLnBrk="0" hangingPunct="1">
+              <a:lnSpc>
+                <a:spcPct val="100000"/>
+              </a:lnSpc>
+              <a:spcBef>
+                <a:spcPts val="0"/>
+              </a:spcBef>
+              <a:spcAft>
+                <a:spcPts val="0"/>
+              </a:spcAft>
+              <a:buClrTx/>
+              <a:buSzTx/>
+              <a:buFontTx/>
+              <a:buNone/>
+              <a:tabLst/>
+              <a:defRPr/>
+            </a:pPr>
+            <a:endParaRPr kumimoji="0" lang="en-US" sz="1800" b="0" i="0" u="none" strike="noStrike" kern="1200" cap="none" spc="0" normalizeH="0" baseline="0" noProof="0">
+              <a:ln>
+                <a:noFill/>
+              </a:ln>
+              <a:solidFill>
+                <a:prstClr val="white"/>
+              </a:solidFill>
+              <a:effectLst/>
+              <a:uLnTx/>
+              <a:uFillTx/>
+              <a:latin typeface="Century Gothic" panose="020B0502020202020204"/>
+              <a:ea typeface="+mn-ea"/>
+              <a:cs typeface="+mn-cs"/>
+            </a:endParaRPr>
+          </a:p>
+        </p:txBody>
+      </p:sp>
+      <p:pic>
+        <p:nvPicPr>
+          <p:cNvPr id="7" name="Immagine 6" descr="Immagine che contiene musica, Strumento musicale, chitarra, persona&#10;&#10;Descrizione generata automaticamente">
+            <a:extLst>
+              <a:ext uri="{FF2B5EF4-FFF2-40B4-BE49-F238E27FC236}">
+                <a16:creationId xmlns:a16="http://schemas.microsoft.com/office/drawing/2014/main" id="{2DEC5DF2-251F-32F3-FCE3-584EA11801DD}"/>
+              </a:ext>
+            </a:extLst>
+          </p:cNvPr>
+          <p:cNvPicPr>
+            <a:picLocks noChangeAspect="1"/>
+          </p:cNvPicPr>
+          <p:nvPr/>
+        </p:nvPicPr>
+        <p:blipFill rotWithShape="1">
+          <a:blip r:embed="rId4">
+            <a:extLst>
+              <a:ext uri="{28A0092B-C50C-407E-A947-70E740481C1C}">
+                <a14:useLocalDpi xmlns:a14="http://schemas.microsoft.com/office/drawing/2010/main" val="0"/>
+              </a:ext>
+            </a:extLst>
+          </a:blip>
+          <a:srcRect t="22661" r="2" b="20401"/>
+          <a:stretch/>
+        </p:blipFill>
+        <p:spPr>
+          <a:xfrm>
+            <a:off x="7220078" y="10"/>
+            <a:ext cx="4971922" cy="2285990"/>
+          </a:xfrm>
+          <a:custGeom>
+            <a:avLst/>
+            <a:gdLst/>
+            <a:ahLst/>
+            <a:cxnLst/>
+            <a:rect l="l" t="t" r="r" b="b"/>
+            <a:pathLst>
+              <a:path w="4971922" h="2286000">
+                <a:moveTo>
+                  <a:pt x="0" y="0"/>
+                </a:moveTo>
+                <a:lnTo>
+                  <a:pt x="1343538" y="0"/>
+                </a:lnTo>
+                <a:lnTo>
+                  <a:pt x="1343538" y="1"/>
+                </a:lnTo>
+                <a:lnTo>
+                  <a:pt x="4971922" y="1"/>
+                </a:lnTo>
+                <a:lnTo>
+                  <a:pt x="4971922" y="2286000"/>
+                </a:lnTo>
+                <a:lnTo>
+                  <a:pt x="232518" y="2286000"/>
+                </a:lnTo>
+                <a:lnTo>
+                  <a:pt x="227089" y="2167128"/>
+                </a:lnTo>
+                <a:lnTo>
+                  <a:pt x="218852" y="2014881"/>
+                </a:lnTo>
+                <a:lnTo>
+                  <a:pt x="210952" y="1861947"/>
+                </a:lnTo>
+                <a:lnTo>
+                  <a:pt x="200867" y="1709014"/>
+                </a:lnTo>
+                <a:lnTo>
+                  <a:pt x="188764" y="1554023"/>
+                </a:lnTo>
+                <a:lnTo>
+                  <a:pt x="176662" y="1401090"/>
+                </a:lnTo>
+                <a:lnTo>
+                  <a:pt x="162710" y="1245413"/>
+                </a:lnTo>
+                <a:lnTo>
+                  <a:pt x="147414" y="1089051"/>
+                </a:lnTo>
+                <a:lnTo>
+                  <a:pt x="131278" y="934746"/>
+                </a:lnTo>
+                <a:lnTo>
+                  <a:pt x="112452" y="778383"/>
+                </a:lnTo>
+                <a:lnTo>
+                  <a:pt x="92281" y="622707"/>
+                </a:lnTo>
+                <a:lnTo>
+                  <a:pt x="72278" y="466344"/>
+                </a:lnTo>
+                <a:lnTo>
+                  <a:pt x="48914" y="310668"/>
+                </a:lnTo>
+                <a:lnTo>
+                  <a:pt x="25045" y="155677"/>
+                </a:lnTo>
+                <a:close/>
+              </a:path>
+            </a:pathLst>
+          </a:custGeom>
+        </p:spPr>
+      </p:pic>
+      <p:sp>
+        <p:nvSpPr>
+          <p:cNvPr id="3" name="Segnaposto contenuto 2">
+            <a:extLst>
+              <a:ext uri="{FF2B5EF4-FFF2-40B4-BE49-F238E27FC236}">
+                <a16:creationId xmlns:a16="http://schemas.microsoft.com/office/drawing/2014/main" id="{C9198737-DD02-151D-6D99-55011682B3C7}"/>
+              </a:ext>
+            </a:extLst>
+          </p:cNvPr>
+          <p:cNvSpPr>
+            <a:spLocks noGrp="1"/>
+          </p:cNvSpPr>
+          <p:nvPr>
+            <p:ph idx="1"/>
+          </p:nvPr>
+        </p:nvSpPr>
+        <p:spPr>
+          <a:xfrm>
+            <a:off x="648930" y="2438400"/>
+            <a:ext cx="6188189" cy="3785419"/>
+          </a:xfrm>
+        </p:spPr>
+        <p:txBody>
+          <a:bodyPr>
+            <a:normAutofit lnSpcReduction="10000"/>
+          </a:bodyPr>
+          <a:lstStyle/>
+          <a:p>
+            <a:pPr>
+              <a:lnSpc>
+                <a:spcPct val="90000"/>
+              </a:lnSpc>
+            </a:pPr>
+            <a:r>
+              <a:rPr lang="it-IT" sz="1800" dirty="0">
+                <a:solidFill>
+                  <a:srgbClr val="FFFFFF"/>
+                </a:solidFill>
+              </a:rPr>
+              <a:t>Fingers can </a:t>
+            </a:r>
+            <a:r>
+              <a:rPr lang="it-IT" sz="1800" b="1" dirty="0" err="1">
+                <a:solidFill>
+                  <a:srgbClr val="FFFFFF"/>
+                </a:solidFill>
+              </a:rPr>
+              <a:t>not</a:t>
+            </a:r>
+            <a:r>
+              <a:rPr lang="it-IT" sz="1800" b="1" dirty="0">
+                <a:solidFill>
+                  <a:srgbClr val="FFFFFF"/>
+                </a:solidFill>
+              </a:rPr>
+              <a:t> cross</a:t>
+            </a:r>
+          </a:p>
+          <a:p>
+            <a:pPr>
+              <a:lnSpc>
+                <a:spcPct val="90000"/>
+              </a:lnSpc>
+            </a:pPr>
+            <a:endParaRPr lang="it-IT" sz="1800" dirty="0">
+              <a:solidFill>
+                <a:srgbClr val="FFFFFF"/>
+              </a:solidFill>
+            </a:endParaRPr>
+          </a:p>
+          <a:p>
+            <a:pPr>
+              <a:lnSpc>
+                <a:spcPct val="90000"/>
+              </a:lnSpc>
+            </a:pPr>
+            <a:r>
+              <a:rPr lang="it-IT" sz="1800" b="1" dirty="0">
+                <a:solidFill>
+                  <a:srgbClr val="FFFFFF"/>
+                </a:solidFill>
+              </a:rPr>
+              <a:t>Left-</a:t>
+            </a:r>
+            <a:r>
+              <a:rPr lang="it-IT" sz="1800" b="1" dirty="0" err="1">
+                <a:solidFill>
+                  <a:srgbClr val="FFFFFF"/>
+                </a:solidFill>
+              </a:rPr>
+              <a:t>most</a:t>
+            </a:r>
+            <a:r>
+              <a:rPr lang="it-IT" sz="1800" b="1" dirty="0">
+                <a:solidFill>
+                  <a:srgbClr val="FFFFFF"/>
+                </a:solidFill>
+              </a:rPr>
+              <a:t> </a:t>
+            </a:r>
+            <a:r>
+              <a:rPr lang="it-IT" sz="1800" b="1" dirty="0" err="1">
+                <a:solidFill>
+                  <a:srgbClr val="FFFFFF"/>
+                </a:solidFill>
+              </a:rPr>
+              <a:t>fret</a:t>
+            </a:r>
+            <a:r>
+              <a:rPr lang="it-IT" sz="1800" b="1" dirty="0">
+                <a:solidFill>
+                  <a:srgbClr val="FFFFFF"/>
+                </a:solidFill>
+              </a:rPr>
+              <a:t> </a:t>
+            </a:r>
+            <a:r>
+              <a:rPr lang="it-IT" sz="1800" dirty="0" err="1">
+                <a:solidFill>
+                  <a:srgbClr val="FFFFFF"/>
+                </a:solidFill>
+              </a:rPr>
+              <a:t>will</a:t>
+            </a:r>
+            <a:r>
+              <a:rPr lang="it-IT" sz="1800" dirty="0">
+                <a:solidFill>
+                  <a:srgbClr val="FFFFFF"/>
+                </a:solidFill>
+              </a:rPr>
+              <a:t> </a:t>
+            </a:r>
+            <a:r>
+              <a:rPr lang="it-IT" sz="1800" dirty="0" err="1">
+                <a:solidFill>
+                  <a:srgbClr val="FFFFFF"/>
+                </a:solidFill>
+              </a:rPr>
+              <a:t>always</a:t>
+            </a:r>
+            <a:r>
+              <a:rPr lang="it-IT" sz="1800" dirty="0">
+                <a:solidFill>
+                  <a:srgbClr val="FFFFFF"/>
+                </a:solidFill>
+              </a:rPr>
+              <a:t> be </a:t>
+            </a:r>
+            <a:r>
+              <a:rPr lang="it-IT" sz="1800" dirty="0" err="1">
+                <a:solidFill>
+                  <a:srgbClr val="FFFFFF"/>
+                </a:solidFill>
+              </a:rPr>
+              <a:t>assigned</a:t>
+            </a:r>
+            <a:r>
+              <a:rPr lang="it-IT" sz="1800" dirty="0">
+                <a:solidFill>
+                  <a:srgbClr val="FFFFFF"/>
+                </a:solidFill>
+              </a:rPr>
+              <a:t> to the </a:t>
+            </a:r>
+            <a:r>
+              <a:rPr lang="it-IT" sz="1800" b="1" dirty="0">
+                <a:solidFill>
+                  <a:srgbClr val="FFFFFF"/>
+                </a:solidFill>
+              </a:rPr>
+              <a:t>index finger </a:t>
+            </a:r>
+            <a:r>
+              <a:rPr lang="it-IT" sz="1800" dirty="0">
+                <a:solidFill>
+                  <a:srgbClr val="FFFFFF"/>
+                </a:solidFill>
+              </a:rPr>
+              <a:t>(</a:t>
+            </a:r>
+            <a:r>
+              <a:rPr lang="it-IT" sz="1800" dirty="0" err="1">
+                <a:solidFill>
+                  <a:srgbClr val="FFFFFF"/>
+                </a:solidFill>
+              </a:rPr>
+              <a:t>always</a:t>
+            </a:r>
+            <a:r>
+              <a:rPr lang="it-IT" sz="1800" dirty="0">
+                <a:solidFill>
+                  <a:srgbClr val="FFFFFF"/>
+                </a:solidFill>
+              </a:rPr>
+              <a:t> </a:t>
+            </a:r>
+            <a:r>
+              <a:rPr lang="it-IT" sz="1800" dirty="0" err="1">
+                <a:solidFill>
+                  <a:srgbClr val="FFFFFF"/>
+                </a:solidFill>
+              </a:rPr>
+              <a:t>possible</a:t>
+            </a:r>
+            <a:r>
+              <a:rPr lang="it-IT" sz="1800" dirty="0">
+                <a:solidFill>
+                  <a:srgbClr val="FFFFFF"/>
+                </a:solidFill>
+              </a:rPr>
+              <a:t> to </a:t>
+            </a:r>
+            <a:r>
+              <a:rPr lang="it-IT" sz="1800" dirty="0" err="1">
+                <a:solidFill>
+                  <a:srgbClr val="FFFFFF"/>
+                </a:solidFill>
+              </a:rPr>
+              <a:t>find</a:t>
+            </a:r>
+            <a:r>
+              <a:rPr lang="it-IT" sz="1800" dirty="0">
+                <a:solidFill>
+                  <a:srgbClr val="FFFFFF"/>
+                </a:solidFill>
+              </a:rPr>
+              <a:t> a </a:t>
+            </a:r>
+            <a:r>
+              <a:rPr lang="it-IT" sz="1800" dirty="0" err="1">
+                <a:solidFill>
+                  <a:srgbClr val="FFFFFF"/>
+                </a:solidFill>
+              </a:rPr>
+              <a:t>voicing</a:t>
+            </a:r>
+            <a:r>
+              <a:rPr lang="it-IT" sz="1800" dirty="0">
+                <a:solidFill>
+                  <a:srgbClr val="FFFFFF"/>
+                </a:solidFill>
+              </a:rPr>
+              <a:t>)</a:t>
+            </a:r>
+          </a:p>
+          <a:p>
+            <a:pPr>
+              <a:lnSpc>
+                <a:spcPct val="90000"/>
+              </a:lnSpc>
+            </a:pPr>
+            <a:endParaRPr lang="it-IT" sz="1800" dirty="0">
+              <a:solidFill>
+                <a:srgbClr val="FFFFFF"/>
+              </a:solidFill>
+            </a:endParaRPr>
+          </a:p>
+          <a:p>
+            <a:pPr>
+              <a:lnSpc>
+                <a:spcPct val="90000"/>
+              </a:lnSpc>
+            </a:pPr>
+            <a:r>
+              <a:rPr lang="it-IT" sz="1800" dirty="0" err="1">
+                <a:solidFill>
+                  <a:srgbClr val="FFFFFF"/>
+                </a:solidFill>
+              </a:rPr>
+              <a:t>Adjacent</a:t>
+            </a:r>
+            <a:r>
+              <a:rPr lang="it-IT" sz="1800" dirty="0">
+                <a:solidFill>
+                  <a:srgbClr val="FFFFFF"/>
+                </a:solidFill>
+              </a:rPr>
+              <a:t> fingers must press </a:t>
+            </a:r>
+            <a:r>
+              <a:rPr lang="it-IT" sz="1800" dirty="0" err="1">
+                <a:solidFill>
+                  <a:srgbClr val="FFFFFF"/>
+                </a:solidFill>
+              </a:rPr>
+              <a:t>adjacent</a:t>
+            </a:r>
+            <a:r>
+              <a:rPr lang="it-IT" sz="1800" dirty="0">
+                <a:solidFill>
+                  <a:srgbClr val="FFFFFF"/>
+                </a:solidFill>
+              </a:rPr>
+              <a:t> </a:t>
+            </a:r>
+            <a:r>
+              <a:rPr lang="it-IT" sz="1800" dirty="0" err="1">
+                <a:solidFill>
+                  <a:srgbClr val="FFFFFF"/>
+                </a:solidFill>
+              </a:rPr>
+              <a:t>frets</a:t>
+            </a:r>
+            <a:r>
+              <a:rPr lang="it-IT" sz="1800" dirty="0">
+                <a:solidFill>
+                  <a:srgbClr val="FFFFFF"/>
+                </a:solidFill>
+              </a:rPr>
+              <a:t> (+1 stretch </a:t>
+            </a:r>
+            <a:r>
+              <a:rPr lang="it-IT" sz="1800" dirty="0" err="1">
+                <a:solidFill>
+                  <a:srgbClr val="FFFFFF"/>
+                </a:solidFill>
+              </a:rPr>
+              <a:t>allowed</a:t>
+            </a:r>
+            <a:r>
+              <a:rPr lang="it-IT" sz="1800" dirty="0">
+                <a:solidFill>
+                  <a:srgbClr val="FFFFFF"/>
+                </a:solidFill>
+              </a:rPr>
+              <a:t> in </a:t>
+            </a:r>
+            <a:r>
+              <a:rPr lang="it-IT" sz="1800" dirty="0" err="1">
+                <a:solidFill>
+                  <a:srgbClr val="FFFFFF"/>
+                </a:solidFill>
+              </a:rPr>
+              <a:t>difficult</a:t>
+            </a:r>
+            <a:r>
+              <a:rPr lang="it-IT" sz="1800" dirty="0">
+                <a:solidFill>
+                  <a:srgbClr val="FFFFFF"/>
+                </a:solidFill>
+              </a:rPr>
+              <a:t> mode)</a:t>
+            </a:r>
+          </a:p>
+          <a:p>
+            <a:pPr>
+              <a:lnSpc>
+                <a:spcPct val="90000"/>
+              </a:lnSpc>
+            </a:pPr>
+            <a:endParaRPr lang="it-IT" sz="1800" dirty="0">
+              <a:solidFill>
+                <a:srgbClr val="FFFFFF"/>
+              </a:solidFill>
+            </a:endParaRPr>
+          </a:p>
+          <a:p>
+            <a:pPr>
+              <a:lnSpc>
+                <a:spcPct val="90000"/>
+              </a:lnSpc>
+            </a:pPr>
+            <a:r>
+              <a:rPr lang="it-IT" sz="1800" dirty="0">
+                <a:solidFill>
+                  <a:srgbClr val="FFFFFF"/>
+                </a:solidFill>
+              </a:rPr>
+              <a:t>Maximum </a:t>
+            </a:r>
+            <a:r>
+              <a:rPr lang="it-IT" sz="1800" dirty="0" err="1">
+                <a:solidFill>
+                  <a:srgbClr val="FFFFFF"/>
+                </a:solidFill>
+              </a:rPr>
+              <a:t>chord</a:t>
+            </a:r>
+            <a:r>
+              <a:rPr lang="it-IT" sz="1800" dirty="0">
+                <a:solidFill>
+                  <a:srgbClr val="FFFFFF"/>
+                </a:solidFill>
+              </a:rPr>
+              <a:t> </a:t>
+            </a:r>
+            <a:r>
+              <a:rPr lang="it-IT" sz="1800" b="1" dirty="0" err="1">
+                <a:solidFill>
+                  <a:srgbClr val="FFFFFF"/>
+                </a:solidFill>
+              </a:rPr>
+              <a:t>width</a:t>
+            </a:r>
+            <a:r>
+              <a:rPr lang="it-IT" sz="1800" dirty="0">
+                <a:solidFill>
+                  <a:srgbClr val="FFFFFF"/>
+                </a:solidFill>
+              </a:rPr>
+              <a:t> must </a:t>
+            </a:r>
+            <a:r>
+              <a:rPr lang="it-IT" sz="1800" dirty="0" err="1">
+                <a:solidFill>
+                  <a:srgbClr val="FFFFFF"/>
+                </a:solidFill>
+              </a:rPr>
+              <a:t>not</a:t>
+            </a:r>
+            <a:r>
+              <a:rPr lang="it-IT" sz="1800" dirty="0">
+                <a:solidFill>
+                  <a:srgbClr val="FFFFFF"/>
+                </a:solidFill>
+              </a:rPr>
+              <a:t> </a:t>
+            </a:r>
+            <a:r>
+              <a:rPr lang="it-IT" sz="1800" dirty="0" err="1">
+                <a:solidFill>
+                  <a:srgbClr val="FFFFFF"/>
+                </a:solidFill>
+              </a:rPr>
+              <a:t>exceed</a:t>
+            </a:r>
+            <a:r>
+              <a:rPr lang="it-IT" sz="1800" dirty="0">
+                <a:solidFill>
+                  <a:srgbClr val="FFFFFF"/>
+                </a:solidFill>
+              </a:rPr>
+              <a:t> </a:t>
+            </a:r>
+            <a:r>
+              <a:rPr lang="it-IT" sz="1800" b="1" dirty="0">
+                <a:solidFill>
+                  <a:srgbClr val="FFFFFF"/>
+                </a:solidFill>
+              </a:rPr>
+              <a:t>4 </a:t>
+            </a:r>
+            <a:r>
+              <a:rPr lang="it-IT" sz="1800" b="1" dirty="0" err="1">
+                <a:solidFill>
+                  <a:srgbClr val="FFFFFF"/>
+                </a:solidFill>
+              </a:rPr>
+              <a:t>frets</a:t>
+            </a:r>
+            <a:r>
+              <a:rPr lang="it-IT" sz="1800" b="1" dirty="0">
+                <a:solidFill>
+                  <a:srgbClr val="FFFFFF"/>
+                </a:solidFill>
+              </a:rPr>
+              <a:t> </a:t>
+            </a:r>
+            <a:r>
+              <a:rPr lang="it-IT" sz="1800" dirty="0">
+                <a:solidFill>
+                  <a:srgbClr val="FFFFFF"/>
+                </a:solidFill>
+              </a:rPr>
+              <a:t>(5 in </a:t>
+            </a:r>
+            <a:r>
+              <a:rPr lang="it-IT" sz="1800" dirty="0" err="1">
+                <a:solidFill>
+                  <a:srgbClr val="FFFFFF"/>
+                </a:solidFill>
+              </a:rPr>
+              <a:t>difficult</a:t>
+            </a:r>
+            <a:r>
+              <a:rPr lang="it-IT" sz="1800" dirty="0">
+                <a:solidFill>
+                  <a:srgbClr val="FFFFFF"/>
+                </a:solidFill>
+              </a:rPr>
+              <a:t> mode)</a:t>
+            </a:r>
+          </a:p>
+          <a:p>
+            <a:pPr>
+              <a:lnSpc>
+                <a:spcPct val="90000"/>
+              </a:lnSpc>
+            </a:pPr>
+            <a:endParaRPr lang="it-IT" sz="1800" dirty="0">
+              <a:solidFill>
+                <a:srgbClr val="FFFFFF"/>
+              </a:solidFill>
+            </a:endParaRPr>
+          </a:p>
+          <a:p>
+            <a:pPr>
+              <a:lnSpc>
+                <a:spcPct val="90000"/>
+              </a:lnSpc>
+            </a:pPr>
+            <a:r>
+              <a:rPr lang="it-IT" sz="1800" dirty="0">
+                <a:solidFill>
+                  <a:srgbClr val="FFFFFF"/>
+                </a:solidFill>
+              </a:rPr>
+              <a:t>Check </a:t>
+            </a:r>
+            <a:r>
+              <a:rPr lang="it-IT" sz="1800" dirty="0" err="1">
+                <a:solidFill>
+                  <a:srgbClr val="FFFFFF"/>
+                </a:solidFill>
+              </a:rPr>
+              <a:t>if</a:t>
+            </a:r>
+            <a:r>
+              <a:rPr lang="it-IT" sz="1800" dirty="0">
+                <a:solidFill>
+                  <a:srgbClr val="FFFFFF"/>
+                </a:solidFill>
+              </a:rPr>
+              <a:t> </a:t>
+            </a:r>
+            <a:r>
+              <a:rPr lang="it-IT" sz="1800" b="1" dirty="0">
+                <a:solidFill>
+                  <a:srgbClr val="FFFFFF"/>
+                </a:solidFill>
+              </a:rPr>
+              <a:t>barre</a:t>
+            </a:r>
+            <a:r>
+              <a:rPr lang="it-IT" sz="1800" dirty="0">
+                <a:solidFill>
+                  <a:srgbClr val="FFFFFF"/>
+                </a:solidFill>
+              </a:rPr>
+              <a:t> can be </a:t>
+            </a:r>
+            <a:r>
+              <a:rPr lang="it-IT" sz="1800" dirty="0" err="1">
+                <a:solidFill>
+                  <a:srgbClr val="FFFFFF"/>
+                </a:solidFill>
+              </a:rPr>
+              <a:t>used</a:t>
+            </a:r>
+            <a:endParaRPr lang="it-IT" sz="1800" dirty="0">
+              <a:solidFill>
+                <a:srgbClr val="FFFFFF"/>
+              </a:solidFill>
+            </a:endParaRPr>
+          </a:p>
+          <a:p>
+            <a:pPr>
+              <a:lnSpc>
+                <a:spcPct val="90000"/>
+              </a:lnSpc>
+            </a:pPr>
+            <a:endParaRPr lang="it-IT" sz="1800" dirty="0">
+              <a:solidFill>
+                <a:srgbClr val="FFFFFF"/>
+              </a:solidFill>
+            </a:endParaRPr>
+          </a:p>
+        </p:txBody>
+      </p:sp>
+      <p:pic>
+        <p:nvPicPr>
+          <p:cNvPr id="1028" name="Picture 4">
+            <a:extLst>
+              <a:ext uri="{FF2B5EF4-FFF2-40B4-BE49-F238E27FC236}">
+                <a16:creationId xmlns:a16="http://schemas.microsoft.com/office/drawing/2014/main" id="{4B54DAF9-BC56-42F1-6584-67DC6A3F598E}"/>
+              </a:ext>
+            </a:extLst>
+          </p:cNvPr>
+          <p:cNvPicPr>
+            <a:picLocks noChangeAspect="1" noChangeArrowheads="1"/>
+          </p:cNvPicPr>
+          <p:nvPr/>
+        </p:nvPicPr>
+        <p:blipFill rotWithShape="1">
+          <a:blip r:embed="rId5">
+            <a:extLst>
+              <a:ext uri="{28A0092B-C50C-407E-A947-70E740481C1C}">
+                <a14:useLocalDpi xmlns:a14="http://schemas.microsoft.com/office/drawing/2010/main" val="0"/>
+              </a:ext>
+            </a:extLst>
+          </a:blip>
+          <a:srcRect t="25183" r="-2" b="25633"/>
+          <a:stretch/>
+        </p:blipFill>
+        <p:spPr bwMode="auto">
+          <a:xfrm>
+            <a:off x="7437114" y="2286000"/>
+            <a:ext cx="4754886" cy="2286000"/>
+          </a:xfrm>
+          <a:custGeom>
+            <a:avLst/>
+            <a:gdLst/>
+            <a:ahLst/>
+            <a:cxnLst/>
+            <a:rect l="l" t="t" r="r" b="b"/>
+            <a:pathLst>
+              <a:path w="4754886" h="2286000">
+                <a:moveTo>
+                  <a:pt x="15482" y="0"/>
+                </a:moveTo>
+                <a:lnTo>
+                  <a:pt x="4754886" y="0"/>
+                </a:lnTo>
+                <a:lnTo>
+                  <a:pt x="4754886" y="2286000"/>
+                </a:lnTo>
+                <a:lnTo>
+                  <a:pt x="0" y="2286000"/>
+                </a:lnTo>
+                <a:lnTo>
+                  <a:pt x="8036" y="2135352"/>
+                </a:lnTo>
+                <a:lnTo>
+                  <a:pt x="12742" y="2007793"/>
+                </a:lnTo>
+                <a:lnTo>
+                  <a:pt x="17953" y="1877492"/>
+                </a:lnTo>
+                <a:lnTo>
+                  <a:pt x="22827" y="1745133"/>
+                </a:lnTo>
+                <a:lnTo>
+                  <a:pt x="26021" y="1612087"/>
+                </a:lnTo>
+                <a:lnTo>
+                  <a:pt x="28879" y="1476299"/>
+                </a:lnTo>
+                <a:lnTo>
+                  <a:pt x="31904" y="1339139"/>
+                </a:lnTo>
+                <a:lnTo>
+                  <a:pt x="33921" y="1199236"/>
+                </a:lnTo>
+                <a:lnTo>
+                  <a:pt x="33921" y="1057961"/>
+                </a:lnTo>
+                <a:lnTo>
+                  <a:pt x="34930" y="915315"/>
+                </a:lnTo>
+                <a:lnTo>
+                  <a:pt x="33921" y="771297"/>
+                </a:lnTo>
+                <a:lnTo>
+                  <a:pt x="31904" y="625221"/>
+                </a:lnTo>
+                <a:lnTo>
+                  <a:pt x="30055" y="479146"/>
+                </a:lnTo>
+                <a:lnTo>
+                  <a:pt x="26021" y="331013"/>
+                </a:lnTo>
+                <a:lnTo>
+                  <a:pt x="21819" y="181509"/>
+                </a:lnTo>
+                <a:lnTo>
+                  <a:pt x="16944" y="32004"/>
+                </a:lnTo>
+                <a:close/>
+              </a:path>
+            </a:pathLst>
+          </a:custGeom>
+          <a:noFill/>
+          <a:extLst>
+            <a:ext uri="{909E8E84-426E-40DD-AFC4-6F175D3DCCD1}">
+              <a14:hiddenFill xmlns:a14="http://schemas.microsoft.com/office/drawing/2010/main">
+                <a:solidFill>
+                  <a:srgbClr val="FFFFFF"/>
+                </a:solidFill>
+              </a14:hiddenFill>
+            </a:ext>
+          </a:extLst>
+        </p:spPr>
+      </p:pic>
+      <p:pic>
+        <p:nvPicPr>
+          <p:cNvPr id="5" name="Immagine 4" descr="Immagine che contiene Strumento musicale, musica, chitarra, persona&#10;&#10;Descrizione generata automaticamente">
+            <a:extLst>
+              <a:ext uri="{FF2B5EF4-FFF2-40B4-BE49-F238E27FC236}">
+                <a16:creationId xmlns:a16="http://schemas.microsoft.com/office/drawing/2014/main" id="{12D5DE69-53B2-63BF-A569-4ADEACF2BA82}"/>
+              </a:ext>
+            </a:extLst>
+          </p:cNvPr>
+          <p:cNvPicPr>
+            <a:picLocks noChangeAspect="1"/>
+          </p:cNvPicPr>
+          <p:nvPr/>
+        </p:nvPicPr>
+        <p:blipFill rotWithShape="1">
+          <a:blip r:embed="rId6">
+            <a:extLst>
+              <a:ext uri="{28A0092B-C50C-407E-A947-70E740481C1C}">
+                <a14:useLocalDpi xmlns:a14="http://schemas.microsoft.com/office/drawing/2010/main" val="0"/>
+              </a:ext>
+            </a:extLst>
+          </a:blip>
+          <a:srcRect t="15023" r="2" b="9313"/>
+          <a:stretch/>
+        </p:blipFill>
+        <p:spPr>
+          <a:xfrm>
+            <a:off x="7218902" y="4572000"/>
+            <a:ext cx="4973099" cy="2286000"/>
+          </a:xfrm>
+          <a:custGeom>
+            <a:avLst/>
+            <a:gdLst/>
+            <a:ahLst/>
+            <a:cxnLst/>
+            <a:rect l="l" t="t" r="r" b="b"/>
+            <a:pathLst>
+              <a:path w="4973099" h="2286000">
+                <a:moveTo>
+                  <a:pt x="218212" y="0"/>
+                </a:moveTo>
+                <a:lnTo>
+                  <a:pt x="4973099" y="0"/>
+                </a:lnTo>
+                <a:lnTo>
+                  <a:pt x="4973099" y="2286000"/>
+                </a:lnTo>
+                <a:lnTo>
+                  <a:pt x="897889" y="2286000"/>
+                </a:lnTo>
+                <a:lnTo>
+                  <a:pt x="0" y="2286000"/>
+                </a:lnTo>
+                <a:lnTo>
+                  <a:pt x="5883" y="2245538"/>
+                </a:lnTo>
+                <a:lnTo>
+                  <a:pt x="23197" y="2126894"/>
+                </a:lnTo>
+                <a:lnTo>
+                  <a:pt x="35299" y="2040483"/>
+                </a:lnTo>
+                <a:lnTo>
+                  <a:pt x="48074" y="1937613"/>
+                </a:lnTo>
+                <a:lnTo>
+                  <a:pt x="63370" y="1815541"/>
+                </a:lnTo>
+                <a:lnTo>
+                  <a:pt x="79507" y="1680438"/>
+                </a:lnTo>
+                <a:lnTo>
+                  <a:pt x="96484" y="1528191"/>
+                </a:lnTo>
+                <a:lnTo>
+                  <a:pt x="114469" y="1362227"/>
+                </a:lnTo>
+                <a:lnTo>
+                  <a:pt x="132455" y="1181862"/>
+                </a:lnTo>
+                <a:lnTo>
+                  <a:pt x="150776" y="989838"/>
+                </a:lnTo>
+                <a:lnTo>
+                  <a:pt x="167753" y="782726"/>
+                </a:lnTo>
+                <a:lnTo>
+                  <a:pt x="184058" y="566013"/>
+                </a:lnTo>
+                <a:lnTo>
+                  <a:pt x="198850" y="336956"/>
+                </a:lnTo>
+                <a:lnTo>
+                  <a:pt x="212969" y="98298"/>
+                </a:lnTo>
+                <a:close/>
+              </a:path>
+            </a:pathLst>
+          </a:custGeom>
+        </p:spPr>
+      </p:pic>
+    </p:spTree>
+    <p:extLst>
+      <p:ext uri="{BB962C8B-B14F-4D97-AF65-F5344CB8AC3E}">
+        <p14:creationId xmlns:p14="http://schemas.microsoft.com/office/powerpoint/2010/main" val="2899581696"/>
+      </p:ext>
+    </p:extLst>
+  </p:cSld>
+  <p:clrMapOvr>
+    <a:masterClrMapping/>
+  </p:clrMapOvr>
+</p:sld>
+</file>
+
+<file path=ppt/slides/slide11.xml><?xml version="1.0" encoding="utf-8"?>
+<p:sld xmlns:a="http://schemas.openxmlformats.org/drawingml/2006/main" xmlns:r="http://schemas.openxmlformats.org/officeDocument/2006/relationships" xmlns:p="http://schemas.openxmlformats.org/presentationml/2006/main">
+  <p:cSld>
+    <p:bg>
+      <p:bgPr>
         <a:solidFill>
           <a:schemeClr val="bg2"/>
         </a:solidFill>
@@ -25272,7 +26724,7 @@
 </p:sld>
 </file>
 
-<file path=ppt/slides/slide11.xml><?xml version="1.0" encoding="utf-8"?>
+<file path=ppt/slides/slide12.xml><?xml version="1.0" encoding="utf-8"?>
 <p:sld xmlns:a="http://schemas.openxmlformats.org/drawingml/2006/main" xmlns:r="http://schemas.openxmlformats.org/officeDocument/2006/relationships" xmlns:p="http://schemas.openxmlformats.org/presentationml/2006/main">
   <p:cSld>
     <p:bg>
@@ -26707,7 +28159,7 @@
 </p:sld>
 </file>
 
-<file path=ppt/slides/slide12.xml><?xml version="1.0" encoding="utf-8"?>
+<file path=ppt/slides/slide13.xml><?xml version="1.0" encoding="utf-8"?>
 <p:sld xmlns:a="http://schemas.openxmlformats.org/drawingml/2006/main" xmlns:r="http://schemas.openxmlformats.org/officeDocument/2006/relationships" xmlns:p="http://schemas.openxmlformats.org/presentationml/2006/main">
   <p:cSld>
     <p:bg>
@@ -33088,6 +34540,97 @@
 </file>
 
 <file path=ppt/slides/slide7.xml><?xml version="1.0" encoding="utf-8"?>
+<p:sld xmlns:a="http://schemas.openxmlformats.org/drawingml/2006/main" xmlns:r="http://schemas.openxmlformats.org/officeDocument/2006/relationships" xmlns:p="http://schemas.openxmlformats.org/presentationml/2006/main">
+  <p:cSld>
+    <p:spTree>
+      <p:nvGrpSpPr>
+        <p:cNvPr id="1" name=""/>
+        <p:cNvGrpSpPr/>
+        <p:nvPr/>
+      </p:nvGrpSpPr>
+      <p:grpSpPr>
+        <a:xfrm>
+          <a:off x="0" y="0"/>
+          <a:ext cx="0" cy="0"/>
+          <a:chOff x="0" y="0"/>
+          <a:chExt cx="0" cy="0"/>
+        </a:xfrm>
+      </p:grpSpPr>
+      <p:sp>
+        <p:nvSpPr>
+          <p:cNvPr id="2" name="Titolo 1">
+            <a:extLst>
+              <a:ext uri="{FF2B5EF4-FFF2-40B4-BE49-F238E27FC236}">
+                <a16:creationId xmlns:a16="http://schemas.microsoft.com/office/drawing/2014/main" id="{C70D1743-8D1E-56AB-B4F4-569A5439CFCB}"/>
+              </a:ext>
+            </a:extLst>
+          </p:cNvPr>
+          <p:cNvSpPr>
+            <a:spLocks noGrp="1"/>
+          </p:cNvSpPr>
+          <p:nvPr>
+            <p:ph type="title"/>
+          </p:nvPr>
+        </p:nvSpPr>
+        <p:spPr/>
+        <p:txBody>
+          <a:bodyPr/>
+          <a:lstStyle/>
+          <a:p>
+            <a:r>
+              <a:rPr lang="it-IT" dirty="0"/>
+              <a:t>Code </a:t>
+            </a:r>
+            <a:r>
+              <a:rPr lang="it-IT" dirty="0" err="1"/>
+              <a:t>organization</a:t>
+            </a:r>
+            <a:endParaRPr lang="it-IT" dirty="0"/>
+          </a:p>
+        </p:txBody>
+      </p:sp>
+      <p:sp>
+        <p:nvSpPr>
+          <p:cNvPr id="3" name="Segnaposto contenuto 2">
+            <a:extLst>
+              <a:ext uri="{FF2B5EF4-FFF2-40B4-BE49-F238E27FC236}">
+                <a16:creationId xmlns:a16="http://schemas.microsoft.com/office/drawing/2014/main" id="{06F85931-9A26-C0E9-83C3-27034F0C7ACB}"/>
+              </a:ext>
+            </a:extLst>
+          </p:cNvPr>
+          <p:cNvSpPr>
+            <a:spLocks noGrp="1"/>
+          </p:cNvSpPr>
+          <p:nvPr>
+            <p:ph idx="1"/>
+          </p:nvPr>
+        </p:nvSpPr>
+        <p:spPr/>
+        <p:txBody>
+          <a:bodyPr/>
+          <a:lstStyle/>
+          <a:p>
+            <a:pPr marL="0" indent="0">
+              <a:buNone/>
+            </a:pPr>
+            <a:endParaRPr lang="it-IT" dirty="0"/>
+          </a:p>
+        </p:txBody>
+      </p:sp>
+    </p:spTree>
+    <p:extLst>
+      <p:ext uri="{BB962C8B-B14F-4D97-AF65-F5344CB8AC3E}">
+        <p14:creationId xmlns:p14="http://schemas.microsoft.com/office/powerpoint/2010/main" val="1319428925"/>
+      </p:ext>
+    </p:extLst>
+  </p:cSld>
+  <p:clrMapOvr>
+    <a:masterClrMapping/>
+  </p:clrMapOvr>
+</p:sld>
+</file>
+
+<file path=ppt/slides/slide8.xml><?xml version="1.0" encoding="utf-8"?>
 <p:sld xmlns:a="http://schemas.openxmlformats.org/drawingml/2006/main" xmlns:r="http://schemas.openxmlformats.org/officeDocument/2006/relationships" xmlns:p="http://schemas.openxmlformats.org/presentationml/2006/main">
   <p:cSld>
     <p:bg>
@@ -35112,7 +36655,7 @@
 </p:sld>
 </file>
 
-<file path=ppt/slides/slide8.xml><?xml version="1.0" encoding="utf-8"?>
+<file path=ppt/slides/slide9.xml><?xml version="1.0" encoding="utf-8"?>
 <p:sld xmlns:a="http://schemas.openxmlformats.org/drawingml/2006/main" xmlns:r="http://schemas.openxmlformats.org/officeDocument/2006/relationships" xmlns:p="http://schemas.openxmlformats.org/presentationml/2006/main">
   <p:cSld>
     <p:bg>
@@ -36360,1457 +37903,6 @@
     <p:extLst>
       <p:ext uri="{BB962C8B-B14F-4D97-AF65-F5344CB8AC3E}">
         <p14:creationId xmlns:p14="http://schemas.microsoft.com/office/powerpoint/2010/main" val="1177436343"/>
-      </p:ext>
-    </p:extLst>
-  </p:cSld>
-  <p:clrMapOvr>
-    <a:masterClrMapping/>
-  </p:clrMapOvr>
-</p:sld>
-</file>
-
-<file path=ppt/slides/slide9.xml><?xml version="1.0" encoding="utf-8"?>
-<p:sld xmlns:a="http://schemas.openxmlformats.org/drawingml/2006/main" xmlns:r="http://schemas.openxmlformats.org/officeDocument/2006/relationships" xmlns:p="http://schemas.openxmlformats.org/presentationml/2006/main">
-  <p:cSld>
-    <p:bg>
-      <p:bgPr>
-        <a:blipFill rotWithShape="1">
-          <a:blip r:embed="rId3">
-            <a:duotone>
-              <a:schemeClr val="bg2">
-                <a:shade val="69000"/>
-                <a:hueMod val="108000"/>
-                <a:satMod val="164000"/>
-                <a:lumMod val="74000"/>
-              </a:schemeClr>
-              <a:schemeClr val="bg2">
-                <a:tint val="96000"/>
-                <a:hueMod val="88000"/>
-                <a:satMod val="140000"/>
-                <a:lumMod val="132000"/>
-              </a:schemeClr>
-            </a:duotone>
-          </a:blip>
-          <a:stretch/>
-        </a:blipFill>
-        <a:effectLst/>
-      </p:bgPr>
-    </p:bg>
-    <p:spTree>
-      <p:nvGrpSpPr>
-        <p:cNvPr id="1" name=""/>
-        <p:cNvGrpSpPr/>
-        <p:nvPr/>
-      </p:nvGrpSpPr>
-      <p:grpSpPr>
-        <a:xfrm>
-          <a:off x="0" y="0"/>
-          <a:ext cx="0" cy="0"/>
-          <a:chOff x="0" y="0"/>
-          <a:chExt cx="0" cy="0"/>
-        </a:xfrm>
-      </p:grpSpPr>
-      <p:sp>
-        <p:nvSpPr>
-          <p:cNvPr id="1033" name="Rectangle 1032">
-            <a:extLst>
-              <a:ext uri="{FF2B5EF4-FFF2-40B4-BE49-F238E27FC236}">
-                <a16:creationId xmlns:a16="http://schemas.microsoft.com/office/drawing/2014/main" id="{C8A3C342-1D03-412F-8DD3-BF519E8E0AE9}"/>
-              </a:ext>
-              <a:ext uri="{C183D7F6-B498-43B3-948B-1728B52AA6E4}">
-                <adec:decorative xmlns:adec="http://schemas.microsoft.com/office/drawing/2017/decorative" val="1"/>
-              </a:ext>
-            </a:extLst>
-          </p:cNvPr>
-          <p:cNvSpPr>
-            <a:spLocks noGrp="1" noRot="1" noChangeAspect="1" noMove="1" noResize="1" noEditPoints="1" noAdjustHandles="1" noChangeArrowheads="1" noChangeShapeType="1" noTextEdit="1"/>
-          </p:cNvSpPr>
-          <p:nvPr>
-            <p:extLst>
-              <p:ext uri="{386F3935-93C4-4BCD-93E2-E3B085C9AB24}">
-                <p16:designElem xmlns:p16="http://schemas.microsoft.com/office/powerpoint/2015/main" val="1"/>
-              </p:ext>
-            </p:extLst>
-          </p:nvPr>
-        </p:nvSpPr>
-        <p:spPr>
-          <a:xfrm>
-            <a:off x="0" y="0"/>
-            <a:ext cx="12192000" cy="6858000"/>
-          </a:xfrm>
-          <a:prstGeom prst="rect">
-            <a:avLst/>
-          </a:prstGeom>
-          <a:ln>
-            <a:noFill/>
-          </a:ln>
-        </p:spPr>
-        <p:style>
-          <a:lnRef idx="2">
-            <a:schemeClr val="accent1">
-              <a:shade val="50000"/>
-            </a:schemeClr>
-          </a:lnRef>
-          <a:fillRef idx="1003">
-            <a:schemeClr val="dk2"/>
-          </a:fillRef>
-          <a:effectRef idx="0">
-            <a:schemeClr val="accent1"/>
-          </a:effectRef>
-          <a:fontRef idx="minor">
-            <a:schemeClr val="lt1"/>
-          </a:fontRef>
-        </p:style>
-        <p:txBody>
-          <a:bodyPr rtlCol="0" anchor="ctr"/>
-          <a:lstStyle/>
-          <a:p>
-            <a:pPr marL="0" marR="0" lvl="0" indent="0" algn="ctr" defTabSz="914400" rtl="0" eaLnBrk="1" fontAlgn="auto" latinLnBrk="0" hangingPunct="1">
-              <a:lnSpc>
-                <a:spcPct val="100000"/>
-              </a:lnSpc>
-              <a:spcBef>
-                <a:spcPts val="0"/>
-              </a:spcBef>
-              <a:spcAft>
-                <a:spcPts val="0"/>
-              </a:spcAft>
-              <a:buClrTx/>
-              <a:buSzTx/>
-              <a:buFontTx/>
-              <a:buNone/>
-              <a:tabLst/>
-              <a:defRPr/>
-            </a:pPr>
-            <a:endParaRPr kumimoji="0" lang="en-US" sz="1800" b="0" i="0" u="none" strike="noStrike" kern="1200" cap="none" spc="0" normalizeH="0" baseline="0" noProof="0">
-              <a:ln>
-                <a:noFill/>
-              </a:ln>
-              <a:solidFill>
-                <a:prstClr val="white"/>
-              </a:solidFill>
-              <a:effectLst/>
-              <a:uLnTx/>
-              <a:uFillTx/>
-              <a:latin typeface="Century Gothic" panose="020B0502020202020204"/>
-              <a:ea typeface="+mn-ea"/>
-              <a:cs typeface="+mn-cs"/>
-            </a:endParaRPr>
-          </a:p>
-        </p:txBody>
-      </p:sp>
-      <p:sp>
-        <p:nvSpPr>
-          <p:cNvPr id="2" name="Titolo 1">
-            <a:extLst>
-              <a:ext uri="{FF2B5EF4-FFF2-40B4-BE49-F238E27FC236}">
-                <a16:creationId xmlns:a16="http://schemas.microsoft.com/office/drawing/2014/main" id="{E24CF92A-E7B9-76DA-23C0-51A0B6EB071A}"/>
-              </a:ext>
-            </a:extLst>
-          </p:cNvPr>
-          <p:cNvSpPr>
-            <a:spLocks noGrp="1"/>
-          </p:cNvSpPr>
-          <p:nvPr>
-            <p:ph type="title"/>
-          </p:nvPr>
-        </p:nvSpPr>
-        <p:spPr>
-          <a:xfrm>
-            <a:off x="648930" y="629266"/>
-            <a:ext cx="6188190" cy="1622321"/>
-          </a:xfrm>
-        </p:spPr>
-        <p:txBody>
-          <a:bodyPr>
-            <a:normAutofit/>
-          </a:bodyPr>
-          <a:lstStyle/>
-          <a:p>
-            <a:r>
-              <a:rPr lang="it-IT">
-                <a:solidFill>
-                  <a:srgbClr val="EBEBEB"/>
-                </a:solidFill>
-              </a:rPr>
-              <a:t>FEASIBILITY CONSTRAINTS</a:t>
-            </a:r>
-          </a:p>
-        </p:txBody>
-      </p:sp>
-      <p:sp>
-        <p:nvSpPr>
-          <p:cNvPr id="1035" name="Freeform 31">
-            <a:extLst>
-              <a:ext uri="{FF2B5EF4-FFF2-40B4-BE49-F238E27FC236}">
-                <a16:creationId xmlns:a16="http://schemas.microsoft.com/office/drawing/2014/main" id="{81CC9B02-E087-4350-AEBD-2C3CF001AF01}"/>
-              </a:ext>
-              <a:ext uri="{C183D7F6-B498-43B3-948B-1728B52AA6E4}">
-                <adec:decorative xmlns:adec="http://schemas.microsoft.com/office/drawing/2017/decorative" val="1"/>
-              </a:ext>
-            </a:extLst>
-          </p:cNvPr>
-          <p:cNvSpPr>
-            <a:spLocks noGrp="1" noRot="1" noChangeAspect="1" noMove="1" noResize="1" noEditPoints="1" noAdjustHandles="1" noChangeArrowheads="1" noChangeShapeType="1" noTextEdit="1"/>
-          </p:cNvSpPr>
-          <p:nvPr>
-            <p:extLst>
-              <p:ext uri="{386F3935-93C4-4BCD-93E2-E3B085C9AB24}">
-                <p16:designElem xmlns:p16="http://schemas.microsoft.com/office/powerpoint/2015/main" val="1"/>
-              </p:ext>
-            </p:extLst>
-          </p:nvPr>
-        </p:nvSpPr>
-        <p:spPr>
-          <a:xfrm>
-            <a:off x="7015974" y="-1"/>
-            <a:ext cx="559472" cy="3709642"/>
-          </a:xfrm>
-          <a:custGeom>
-            <a:avLst/>
-            <a:gdLst>
-              <a:gd name="connsiteX0" fmla="*/ 0 w 559472"/>
-              <a:gd name="connsiteY0" fmla="*/ 0 h 3709642"/>
-              <a:gd name="connsiteX1" fmla="*/ 473952 w 559472"/>
-              <a:gd name="connsiteY1" fmla="*/ 0 h 3709642"/>
-              <a:gd name="connsiteX2" fmla="*/ 485840 w 559472"/>
-              <a:gd name="connsiteY2" fmla="*/ 161194 h 3709642"/>
-              <a:gd name="connsiteX3" fmla="*/ 523949 w 559472"/>
-              <a:gd name="connsiteY3" fmla="*/ 3672197 h 3709642"/>
-              <a:gd name="connsiteX4" fmla="*/ 454748 w 559472"/>
-              <a:gd name="connsiteY4" fmla="*/ 3709642 h 3709642"/>
-              <a:gd name="connsiteX5" fmla="*/ 448224 w 559472"/>
-              <a:gd name="connsiteY5" fmla="*/ 3510471 h 3709642"/>
-              <a:gd name="connsiteX6" fmla="*/ 443564 w 559472"/>
-              <a:gd name="connsiteY6" fmla="*/ 3408563 h 3709642"/>
-              <a:gd name="connsiteX7" fmla="*/ 438902 w 559472"/>
-              <a:gd name="connsiteY7" fmla="*/ 3304407 h 3709642"/>
-              <a:gd name="connsiteX8" fmla="*/ 433941 w 559472"/>
-              <a:gd name="connsiteY8" fmla="*/ 3198777 h 3709642"/>
-              <a:gd name="connsiteX9" fmla="*/ 427584 w 559472"/>
-              <a:gd name="connsiteY9" fmla="*/ 3092510 h 3709642"/>
-              <a:gd name="connsiteX10" fmla="*/ 420988 w 559472"/>
-              <a:gd name="connsiteY10" fmla="*/ 2984390 h 3709642"/>
-              <a:gd name="connsiteX11" fmla="*/ 414330 w 559472"/>
-              <a:gd name="connsiteY11" fmla="*/ 2874401 h 3709642"/>
-              <a:gd name="connsiteX12" fmla="*/ 406840 w 559472"/>
-              <a:gd name="connsiteY12" fmla="*/ 2762980 h 3709642"/>
-              <a:gd name="connsiteX13" fmla="*/ 397745 w 559472"/>
-              <a:gd name="connsiteY13" fmla="*/ 2650566 h 3709642"/>
-              <a:gd name="connsiteX14" fmla="*/ 389154 w 559472"/>
-              <a:gd name="connsiteY14" fmla="*/ 2536612 h 3709642"/>
-              <a:gd name="connsiteX15" fmla="*/ 379225 w 559472"/>
-              <a:gd name="connsiteY15" fmla="*/ 2421642 h 3709642"/>
-              <a:gd name="connsiteX16" fmla="*/ 368316 w 559472"/>
-              <a:gd name="connsiteY16" fmla="*/ 2305627 h 3709642"/>
-              <a:gd name="connsiteX17" fmla="*/ 357466 w 559472"/>
-              <a:gd name="connsiteY17" fmla="*/ 2189233 h 3709642"/>
-              <a:gd name="connsiteX18" fmla="*/ 344982 w 559472"/>
-              <a:gd name="connsiteY18" fmla="*/ 2071473 h 3709642"/>
-              <a:gd name="connsiteX19" fmla="*/ 332466 w 559472"/>
-              <a:gd name="connsiteY19" fmla="*/ 1952216 h 3709642"/>
-              <a:gd name="connsiteX20" fmla="*/ 319121 w 559472"/>
-              <a:gd name="connsiteY20" fmla="*/ 1833776 h 3709642"/>
-              <a:gd name="connsiteX21" fmla="*/ 304408 w 559472"/>
-              <a:gd name="connsiteY21" fmla="*/ 1713948 h 3709642"/>
-              <a:gd name="connsiteX22" fmla="*/ 288685 w 559472"/>
-              <a:gd name="connsiteY22" fmla="*/ 1592703 h 3709642"/>
-              <a:gd name="connsiteX23" fmla="*/ 273050 w 559472"/>
-              <a:gd name="connsiteY23" fmla="*/ 1471451 h 3709642"/>
-              <a:gd name="connsiteX24" fmla="*/ 255813 w 559472"/>
-              <a:gd name="connsiteY24" fmla="*/ 1350328 h 3709642"/>
-              <a:gd name="connsiteX25" fmla="*/ 237060 w 559472"/>
-              <a:gd name="connsiteY25" fmla="*/ 1227080 h 3709642"/>
-              <a:gd name="connsiteX26" fmla="*/ 218488 w 559472"/>
-              <a:gd name="connsiteY26" fmla="*/ 1106065 h 3709642"/>
-              <a:gd name="connsiteX27" fmla="*/ 198221 w 559472"/>
-              <a:gd name="connsiteY27" fmla="*/ 982940 h 3709642"/>
-              <a:gd name="connsiteX28" fmla="*/ 177152 w 559472"/>
-              <a:gd name="connsiteY28" fmla="*/ 858755 h 3709642"/>
-              <a:gd name="connsiteX29" fmla="*/ 155551 w 559472"/>
-              <a:gd name="connsiteY29" fmla="*/ 736861 h 3709642"/>
-              <a:gd name="connsiteX30" fmla="*/ 131782 w 559472"/>
-              <a:gd name="connsiteY30" fmla="*/ 613645 h 3709642"/>
-              <a:gd name="connsiteX31" fmla="*/ 107123 w 559472"/>
-              <a:gd name="connsiteY31" fmla="*/ 490500 h 3709642"/>
-              <a:gd name="connsiteX32" fmla="*/ 82552 w 559472"/>
-              <a:gd name="connsiteY32" fmla="*/ 367348 h 3709642"/>
-              <a:gd name="connsiteX33" fmla="*/ 55608 w 559472"/>
-              <a:gd name="connsiteY33" fmla="*/ 244762 h 3709642"/>
-              <a:gd name="connsiteX34" fmla="*/ 28130 w 559472"/>
-              <a:gd name="connsiteY34" fmla="*/ 122220 h 3709642"/>
-              <a:gd name="connsiteX35" fmla="*/ 0 w 559472"/>
-              <a:gd name="connsiteY35" fmla="*/ 0 h 3709642"/>
-            </a:gdLst>
-            <a:ahLst/>
-            <a:cxnLst>
-              <a:cxn ang="0">
-                <a:pos x="connsiteX0" y="connsiteY0"/>
-              </a:cxn>
-              <a:cxn ang="0">
-                <a:pos x="connsiteX1" y="connsiteY1"/>
-              </a:cxn>
-              <a:cxn ang="0">
-                <a:pos x="connsiteX2" y="connsiteY2"/>
-              </a:cxn>
-              <a:cxn ang="0">
-                <a:pos x="connsiteX3" y="connsiteY3"/>
-              </a:cxn>
-              <a:cxn ang="0">
-                <a:pos x="connsiteX4" y="connsiteY4"/>
-              </a:cxn>
-              <a:cxn ang="0">
-                <a:pos x="connsiteX5" y="connsiteY5"/>
-              </a:cxn>
-              <a:cxn ang="0">
-                <a:pos x="connsiteX6" y="connsiteY6"/>
-              </a:cxn>
-              <a:cxn ang="0">
-                <a:pos x="connsiteX7" y="connsiteY7"/>
-              </a:cxn>
-              <a:cxn ang="0">
-                <a:pos x="connsiteX8" y="connsiteY8"/>
-              </a:cxn>
-              <a:cxn ang="0">
-                <a:pos x="connsiteX9" y="connsiteY9"/>
-              </a:cxn>
-              <a:cxn ang="0">
-                <a:pos x="connsiteX10" y="connsiteY10"/>
-              </a:cxn>
-              <a:cxn ang="0">
-                <a:pos x="connsiteX11" y="connsiteY11"/>
-              </a:cxn>
-              <a:cxn ang="0">
-                <a:pos x="connsiteX12" y="connsiteY12"/>
-              </a:cxn>
-              <a:cxn ang="0">
-                <a:pos x="connsiteX13" y="connsiteY13"/>
-              </a:cxn>
-              <a:cxn ang="0">
-                <a:pos x="connsiteX14" y="connsiteY14"/>
-              </a:cxn>
-              <a:cxn ang="0">
-                <a:pos x="connsiteX15" y="connsiteY15"/>
-              </a:cxn>
-              <a:cxn ang="0">
-                <a:pos x="connsiteX16" y="connsiteY16"/>
-              </a:cxn>
-              <a:cxn ang="0">
-                <a:pos x="connsiteX17" y="connsiteY17"/>
-              </a:cxn>
-              <a:cxn ang="0">
-                <a:pos x="connsiteX18" y="connsiteY18"/>
-              </a:cxn>
-              <a:cxn ang="0">
-                <a:pos x="connsiteX19" y="connsiteY19"/>
-              </a:cxn>
-              <a:cxn ang="0">
-                <a:pos x="connsiteX20" y="connsiteY20"/>
-              </a:cxn>
-              <a:cxn ang="0">
-                <a:pos x="connsiteX21" y="connsiteY21"/>
-              </a:cxn>
-              <a:cxn ang="0">
-                <a:pos x="connsiteX22" y="connsiteY22"/>
-              </a:cxn>
-              <a:cxn ang="0">
-                <a:pos x="connsiteX23" y="connsiteY23"/>
-              </a:cxn>
-              <a:cxn ang="0">
-                <a:pos x="connsiteX24" y="connsiteY24"/>
-              </a:cxn>
-              <a:cxn ang="0">
-                <a:pos x="connsiteX25" y="connsiteY25"/>
-              </a:cxn>
-              <a:cxn ang="0">
-                <a:pos x="connsiteX26" y="connsiteY26"/>
-              </a:cxn>
-              <a:cxn ang="0">
-                <a:pos x="connsiteX27" y="connsiteY27"/>
-              </a:cxn>
-              <a:cxn ang="0">
-                <a:pos x="connsiteX28" y="connsiteY28"/>
-              </a:cxn>
-              <a:cxn ang="0">
-                <a:pos x="connsiteX29" y="connsiteY29"/>
-              </a:cxn>
-              <a:cxn ang="0">
-                <a:pos x="connsiteX30" y="connsiteY30"/>
-              </a:cxn>
-              <a:cxn ang="0">
-                <a:pos x="connsiteX31" y="connsiteY31"/>
-              </a:cxn>
-              <a:cxn ang="0">
-                <a:pos x="connsiteX32" y="connsiteY32"/>
-              </a:cxn>
-              <a:cxn ang="0">
-                <a:pos x="connsiteX33" y="connsiteY33"/>
-              </a:cxn>
-              <a:cxn ang="0">
-                <a:pos x="connsiteX34" y="connsiteY34"/>
-              </a:cxn>
-              <a:cxn ang="0">
-                <a:pos x="connsiteX35" y="connsiteY35"/>
-              </a:cxn>
-            </a:cxnLst>
-            <a:rect l="l" t="t" r="r" b="b"/>
-            <a:pathLst>
-              <a:path w="559472" h="3709642">
-                <a:moveTo>
-                  <a:pt x="0" y="0"/>
-                </a:moveTo>
-                <a:lnTo>
-                  <a:pt x="473952" y="0"/>
-                </a:lnTo>
-                <a:lnTo>
-                  <a:pt x="485840" y="161194"/>
-                </a:lnTo>
-                <a:cubicBezTo>
-                  <a:pt x="552063" y="1147770"/>
-                  <a:pt x="592441" y="3086737"/>
-                  <a:pt x="523949" y="3672197"/>
-                </a:cubicBezTo>
-                <a:cubicBezTo>
-                  <a:pt x="500842" y="3684557"/>
-                  <a:pt x="477855" y="3697282"/>
-                  <a:pt x="454748" y="3709642"/>
-                </a:cubicBezTo>
-                <a:lnTo>
-                  <a:pt x="448224" y="3510471"/>
-                </a:lnTo>
-                <a:lnTo>
-                  <a:pt x="443564" y="3408563"/>
-                </a:lnTo>
-                <a:lnTo>
-                  <a:pt x="438902" y="3304407"/>
-                </a:lnTo>
-                <a:lnTo>
-                  <a:pt x="433941" y="3198777"/>
-                </a:lnTo>
-                <a:lnTo>
-                  <a:pt x="427584" y="3092510"/>
-                </a:lnTo>
-                <a:lnTo>
-                  <a:pt x="420988" y="2984390"/>
-                </a:lnTo>
-                <a:lnTo>
-                  <a:pt x="414330" y="2874401"/>
-                </a:lnTo>
-                <a:lnTo>
-                  <a:pt x="406840" y="2762980"/>
-                </a:lnTo>
-                <a:lnTo>
-                  <a:pt x="397745" y="2650566"/>
-                </a:lnTo>
-                <a:lnTo>
-                  <a:pt x="389154" y="2536612"/>
-                </a:lnTo>
-                <a:lnTo>
-                  <a:pt x="379225" y="2421642"/>
-                </a:lnTo>
-                <a:lnTo>
-                  <a:pt x="368316" y="2305627"/>
-                </a:lnTo>
-                <a:lnTo>
-                  <a:pt x="357466" y="2189233"/>
-                </a:lnTo>
-                <a:lnTo>
-                  <a:pt x="344982" y="2071473"/>
-                </a:lnTo>
-                <a:lnTo>
-                  <a:pt x="332466" y="1952216"/>
-                </a:lnTo>
-                <a:lnTo>
-                  <a:pt x="319121" y="1833776"/>
-                </a:lnTo>
-                <a:lnTo>
-                  <a:pt x="304408" y="1713948"/>
-                </a:lnTo>
-                <a:lnTo>
-                  <a:pt x="288685" y="1592703"/>
-                </a:lnTo>
-                <a:lnTo>
-                  <a:pt x="273050" y="1471451"/>
-                </a:lnTo>
-                <a:lnTo>
-                  <a:pt x="255813" y="1350328"/>
-                </a:lnTo>
-                <a:lnTo>
-                  <a:pt x="237060" y="1227080"/>
-                </a:lnTo>
-                <a:lnTo>
-                  <a:pt x="218488" y="1106065"/>
-                </a:lnTo>
-                <a:lnTo>
-                  <a:pt x="198221" y="982940"/>
-                </a:lnTo>
-                <a:lnTo>
-                  <a:pt x="177152" y="858755"/>
-                </a:lnTo>
-                <a:lnTo>
-                  <a:pt x="155551" y="736861"/>
-                </a:lnTo>
-                <a:lnTo>
-                  <a:pt x="131782" y="613645"/>
-                </a:lnTo>
-                <a:lnTo>
-                  <a:pt x="107123" y="490500"/>
-                </a:lnTo>
-                <a:lnTo>
-                  <a:pt x="82552" y="367348"/>
-                </a:lnTo>
-                <a:lnTo>
-                  <a:pt x="55608" y="244762"/>
-                </a:lnTo>
-                <a:lnTo>
-                  <a:pt x="28130" y="122220"/>
-                </a:lnTo>
-                <a:lnTo>
-                  <a:pt x="0" y="0"/>
-                </a:lnTo>
-                <a:close/>
-              </a:path>
-            </a:pathLst>
-          </a:custGeom>
-          <a:solidFill>
-            <a:schemeClr val="tx1">
-              <a:alpha val="20000"/>
-            </a:schemeClr>
-          </a:solidFill>
-          <a:ln>
-            <a:noFill/>
-          </a:ln>
-        </p:spPr>
-        <p:txBody>
-          <a:bodyPr rtlCol="0" anchor="ctr"/>
-          <a:lstStyle/>
-          <a:p>
-            <a:pPr marL="0" marR="0" lvl="0" indent="0" algn="ctr" defTabSz="914400" rtl="0" eaLnBrk="1" fontAlgn="auto" latinLnBrk="0" hangingPunct="1">
-              <a:lnSpc>
-                <a:spcPct val="100000"/>
-              </a:lnSpc>
-              <a:spcBef>
-                <a:spcPts val="0"/>
-              </a:spcBef>
-              <a:spcAft>
-                <a:spcPts val="0"/>
-              </a:spcAft>
-              <a:buClrTx/>
-              <a:buSzTx/>
-              <a:buFontTx/>
-              <a:buNone/>
-              <a:tabLst/>
-              <a:defRPr/>
-            </a:pPr>
-            <a:endParaRPr kumimoji="0" lang="en-US" sz="1800" b="0" i="0" u="none" strike="noStrike" kern="1200" cap="none" spc="0" normalizeH="0" baseline="0" noProof="0">
-              <a:ln>
-                <a:noFill/>
-              </a:ln>
-              <a:solidFill>
-                <a:prstClr val="white"/>
-              </a:solidFill>
-              <a:effectLst/>
-              <a:uLnTx/>
-              <a:uFillTx/>
-              <a:latin typeface="Century Gothic" panose="020B0502020202020204"/>
-              <a:ea typeface="+mn-ea"/>
-              <a:cs typeface="+mn-cs"/>
-            </a:endParaRPr>
-          </a:p>
-        </p:txBody>
-      </p:sp>
-      <p:pic>
-        <p:nvPicPr>
-          <p:cNvPr id="7" name="Immagine 6" descr="Immagine che contiene musica, Strumento musicale, chitarra, persona&#10;&#10;Descrizione generata automaticamente">
-            <a:extLst>
-              <a:ext uri="{FF2B5EF4-FFF2-40B4-BE49-F238E27FC236}">
-                <a16:creationId xmlns:a16="http://schemas.microsoft.com/office/drawing/2014/main" id="{2DEC5DF2-251F-32F3-FCE3-584EA11801DD}"/>
-              </a:ext>
-            </a:extLst>
-          </p:cNvPr>
-          <p:cNvPicPr>
-            <a:picLocks noChangeAspect="1"/>
-          </p:cNvPicPr>
-          <p:nvPr/>
-        </p:nvPicPr>
-        <p:blipFill rotWithShape="1">
-          <a:blip r:embed="rId4">
-            <a:extLst>
-              <a:ext uri="{28A0092B-C50C-407E-A947-70E740481C1C}">
-                <a14:useLocalDpi xmlns:a14="http://schemas.microsoft.com/office/drawing/2010/main" val="0"/>
-              </a:ext>
-            </a:extLst>
-          </a:blip>
-          <a:srcRect t="22661" r="2" b="20401"/>
-          <a:stretch/>
-        </p:blipFill>
-        <p:spPr>
-          <a:xfrm>
-            <a:off x="7220078" y="10"/>
-            <a:ext cx="4971922" cy="2285990"/>
-          </a:xfrm>
-          <a:custGeom>
-            <a:avLst/>
-            <a:gdLst/>
-            <a:ahLst/>
-            <a:cxnLst/>
-            <a:rect l="l" t="t" r="r" b="b"/>
-            <a:pathLst>
-              <a:path w="4971922" h="2286000">
-                <a:moveTo>
-                  <a:pt x="0" y="0"/>
-                </a:moveTo>
-                <a:lnTo>
-                  <a:pt x="1343538" y="0"/>
-                </a:lnTo>
-                <a:lnTo>
-                  <a:pt x="1343538" y="1"/>
-                </a:lnTo>
-                <a:lnTo>
-                  <a:pt x="4971922" y="1"/>
-                </a:lnTo>
-                <a:lnTo>
-                  <a:pt x="4971922" y="2286000"/>
-                </a:lnTo>
-                <a:lnTo>
-                  <a:pt x="232518" y="2286000"/>
-                </a:lnTo>
-                <a:lnTo>
-                  <a:pt x="227089" y="2167128"/>
-                </a:lnTo>
-                <a:lnTo>
-                  <a:pt x="218852" y="2014881"/>
-                </a:lnTo>
-                <a:lnTo>
-                  <a:pt x="210952" y="1861947"/>
-                </a:lnTo>
-                <a:lnTo>
-                  <a:pt x="200867" y="1709014"/>
-                </a:lnTo>
-                <a:lnTo>
-                  <a:pt x="188764" y="1554023"/>
-                </a:lnTo>
-                <a:lnTo>
-                  <a:pt x="176662" y="1401090"/>
-                </a:lnTo>
-                <a:lnTo>
-                  <a:pt x="162710" y="1245413"/>
-                </a:lnTo>
-                <a:lnTo>
-                  <a:pt x="147414" y="1089051"/>
-                </a:lnTo>
-                <a:lnTo>
-                  <a:pt x="131278" y="934746"/>
-                </a:lnTo>
-                <a:lnTo>
-                  <a:pt x="112452" y="778383"/>
-                </a:lnTo>
-                <a:lnTo>
-                  <a:pt x="92281" y="622707"/>
-                </a:lnTo>
-                <a:lnTo>
-                  <a:pt x="72278" y="466344"/>
-                </a:lnTo>
-                <a:lnTo>
-                  <a:pt x="48914" y="310668"/>
-                </a:lnTo>
-                <a:lnTo>
-                  <a:pt x="25045" y="155677"/>
-                </a:lnTo>
-                <a:close/>
-              </a:path>
-            </a:pathLst>
-          </a:custGeom>
-        </p:spPr>
-      </p:pic>
-      <p:sp>
-        <p:nvSpPr>
-          <p:cNvPr id="3" name="Segnaposto contenuto 2">
-            <a:extLst>
-              <a:ext uri="{FF2B5EF4-FFF2-40B4-BE49-F238E27FC236}">
-                <a16:creationId xmlns:a16="http://schemas.microsoft.com/office/drawing/2014/main" id="{C9198737-DD02-151D-6D99-55011682B3C7}"/>
-              </a:ext>
-            </a:extLst>
-          </p:cNvPr>
-          <p:cNvSpPr>
-            <a:spLocks noGrp="1"/>
-          </p:cNvSpPr>
-          <p:nvPr>
-            <p:ph idx="1"/>
-          </p:nvPr>
-        </p:nvSpPr>
-        <p:spPr>
-          <a:xfrm>
-            <a:off x="648930" y="2438400"/>
-            <a:ext cx="6188189" cy="3785419"/>
-          </a:xfrm>
-        </p:spPr>
-        <p:txBody>
-          <a:bodyPr>
-            <a:normAutofit lnSpcReduction="10000"/>
-          </a:bodyPr>
-          <a:lstStyle/>
-          <a:p>
-            <a:pPr>
-              <a:lnSpc>
-                <a:spcPct val="90000"/>
-              </a:lnSpc>
-            </a:pPr>
-            <a:r>
-              <a:rPr lang="it-IT" sz="1800" dirty="0">
-                <a:solidFill>
-                  <a:srgbClr val="FFFFFF"/>
-                </a:solidFill>
-              </a:rPr>
-              <a:t>Fingers can </a:t>
-            </a:r>
-            <a:r>
-              <a:rPr lang="it-IT" sz="1800" b="1" dirty="0" err="1">
-                <a:solidFill>
-                  <a:srgbClr val="FFFFFF"/>
-                </a:solidFill>
-              </a:rPr>
-              <a:t>not</a:t>
-            </a:r>
-            <a:r>
-              <a:rPr lang="it-IT" sz="1800" b="1" dirty="0">
-                <a:solidFill>
-                  <a:srgbClr val="FFFFFF"/>
-                </a:solidFill>
-              </a:rPr>
-              <a:t> cross</a:t>
-            </a:r>
-          </a:p>
-          <a:p>
-            <a:pPr>
-              <a:lnSpc>
-                <a:spcPct val="90000"/>
-              </a:lnSpc>
-            </a:pPr>
-            <a:endParaRPr lang="it-IT" sz="1800" dirty="0">
-              <a:solidFill>
-                <a:srgbClr val="FFFFFF"/>
-              </a:solidFill>
-            </a:endParaRPr>
-          </a:p>
-          <a:p>
-            <a:pPr>
-              <a:lnSpc>
-                <a:spcPct val="90000"/>
-              </a:lnSpc>
-            </a:pPr>
-            <a:r>
-              <a:rPr lang="it-IT" sz="1800" b="1" dirty="0">
-                <a:solidFill>
-                  <a:srgbClr val="FFFFFF"/>
-                </a:solidFill>
-              </a:rPr>
-              <a:t>Left-</a:t>
-            </a:r>
-            <a:r>
-              <a:rPr lang="it-IT" sz="1800" b="1" dirty="0" err="1">
-                <a:solidFill>
-                  <a:srgbClr val="FFFFFF"/>
-                </a:solidFill>
-              </a:rPr>
-              <a:t>most</a:t>
-            </a:r>
-            <a:r>
-              <a:rPr lang="it-IT" sz="1800" b="1" dirty="0">
-                <a:solidFill>
-                  <a:srgbClr val="FFFFFF"/>
-                </a:solidFill>
-              </a:rPr>
-              <a:t> </a:t>
-            </a:r>
-            <a:r>
-              <a:rPr lang="it-IT" sz="1800" b="1" dirty="0" err="1">
-                <a:solidFill>
-                  <a:srgbClr val="FFFFFF"/>
-                </a:solidFill>
-              </a:rPr>
-              <a:t>fret</a:t>
-            </a:r>
-            <a:r>
-              <a:rPr lang="it-IT" sz="1800" b="1" dirty="0">
-                <a:solidFill>
-                  <a:srgbClr val="FFFFFF"/>
-                </a:solidFill>
-              </a:rPr>
-              <a:t> </a:t>
-            </a:r>
-            <a:r>
-              <a:rPr lang="it-IT" sz="1800" dirty="0" err="1">
-                <a:solidFill>
-                  <a:srgbClr val="FFFFFF"/>
-                </a:solidFill>
-              </a:rPr>
-              <a:t>will</a:t>
-            </a:r>
-            <a:r>
-              <a:rPr lang="it-IT" sz="1800" dirty="0">
-                <a:solidFill>
-                  <a:srgbClr val="FFFFFF"/>
-                </a:solidFill>
-              </a:rPr>
-              <a:t> </a:t>
-            </a:r>
-            <a:r>
-              <a:rPr lang="it-IT" sz="1800" dirty="0" err="1">
-                <a:solidFill>
-                  <a:srgbClr val="FFFFFF"/>
-                </a:solidFill>
-              </a:rPr>
-              <a:t>always</a:t>
-            </a:r>
-            <a:r>
-              <a:rPr lang="it-IT" sz="1800" dirty="0">
-                <a:solidFill>
-                  <a:srgbClr val="FFFFFF"/>
-                </a:solidFill>
-              </a:rPr>
-              <a:t> be </a:t>
-            </a:r>
-            <a:r>
-              <a:rPr lang="it-IT" sz="1800" dirty="0" err="1">
-                <a:solidFill>
-                  <a:srgbClr val="FFFFFF"/>
-                </a:solidFill>
-              </a:rPr>
-              <a:t>assigned</a:t>
-            </a:r>
-            <a:r>
-              <a:rPr lang="it-IT" sz="1800" dirty="0">
-                <a:solidFill>
-                  <a:srgbClr val="FFFFFF"/>
-                </a:solidFill>
-              </a:rPr>
-              <a:t> to the </a:t>
-            </a:r>
-            <a:r>
-              <a:rPr lang="it-IT" sz="1800" b="1" dirty="0">
-                <a:solidFill>
-                  <a:srgbClr val="FFFFFF"/>
-                </a:solidFill>
-              </a:rPr>
-              <a:t>index finger </a:t>
-            </a:r>
-            <a:r>
-              <a:rPr lang="it-IT" sz="1800" dirty="0">
-                <a:solidFill>
-                  <a:srgbClr val="FFFFFF"/>
-                </a:solidFill>
-              </a:rPr>
-              <a:t>(</a:t>
-            </a:r>
-            <a:r>
-              <a:rPr lang="it-IT" sz="1800" dirty="0" err="1">
-                <a:solidFill>
-                  <a:srgbClr val="FFFFFF"/>
-                </a:solidFill>
-              </a:rPr>
-              <a:t>always</a:t>
-            </a:r>
-            <a:r>
-              <a:rPr lang="it-IT" sz="1800" dirty="0">
-                <a:solidFill>
-                  <a:srgbClr val="FFFFFF"/>
-                </a:solidFill>
-              </a:rPr>
-              <a:t> </a:t>
-            </a:r>
-            <a:r>
-              <a:rPr lang="it-IT" sz="1800" dirty="0" err="1">
-                <a:solidFill>
-                  <a:srgbClr val="FFFFFF"/>
-                </a:solidFill>
-              </a:rPr>
-              <a:t>possible</a:t>
-            </a:r>
-            <a:r>
-              <a:rPr lang="it-IT" sz="1800" dirty="0">
-                <a:solidFill>
-                  <a:srgbClr val="FFFFFF"/>
-                </a:solidFill>
-              </a:rPr>
-              <a:t> to </a:t>
-            </a:r>
-            <a:r>
-              <a:rPr lang="it-IT" sz="1800" dirty="0" err="1">
-                <a:solidFill>
-                  <a:srgbClr val="FFFFFF"/>
-                </a:solidFill>
-              </a:rPr>
-              <a:t>find</a:t>
-            </a:r>
-            <a:r>
-              <a:rPr lang="it-IT" sz="1800" dirty="0">
-                <a:solidFill>
-                  <a:srgbClr val="FFFFFF"/>
-                </a:solidFill>
-              </a:rPr>
-              <a:t> a </a:t>
-            </a:r>
-            <a:r>
-              <a:rPr lang="it-IT" sz="1800" dirty="0" err="1">
-                <a:solidFill>
-                  <a:srgbClr val="FFFFFF"/>
-                </a:solidFill>
-              </a:rPr>
-              <a:t>voicing</a:t>
-            </a:r>
-            <a:r>
-              <a:rPr lang="it-IT" sz="1800" dirty="0">
-                <a:solidFill>
-                  <a:srgbClr val="FFFFFF"/>
-                </a:solidFill>
-              </a:rPr>
-              <a:t>)</a:t>
-            </a:r>
-          </a:p>
-          <a:p>
-            <a:pPr>
-              <a:lnSpc>
-                <a:spcPct val="90000"/>
-              </a:lnSpc>
-            </a:pPr>
-            <a:endParaRPr lang="it-IT" sz="1800" dirty="0">
-              <a:solidFill>
-                <a:srgbClr val="FFFFFF"/>
-              </a:solidFill>
-            </a:endParaRPr>
-          </a:p>
-          <a:p>
-            <a:pPr>
-              <a:lnSpc>
-                <a:spcPct val="90000"/>
-              </a:lnSpc>
-            </a:pPr>
-            <a:r>
-              <a:rPr lang="it-IT" sz="1800" dirty="0" err="1">
-                <a:solidFill>
-                  <a:srgbClr val="FFFFFF"/>
-                </a:solidFill>
-              </a:rPr>
-              <a:t>Adjacent</a:t>
-            </a:r>
-            <a:r>
-              <a:rPr lang="it-IT" sz="1800" dirty="0">
-                <a:solidFill>
-                  <a:srgbClr val="FFFFFF"/>
-                </a:solidFill>
-              </a:rPr>
-              <a:t> fingers must press </a:t>
-            </a:r>
-            <a:r>
-              <a:rPr lang="it-IT" sz="1800" dirty="0" err="1">
-                <a:solidFill>
-                  <a:srgbClr val="FFFFFF"/>
-                </a:solidFill>
-              </a:rPr>
-              <a:t>adjacent</a:t>
-            </a:r>
-            <a:r>
-              <a:rPr lang="it-IT" sz="1800" dirty="0">
-                <a:solidFill>
-                  <a:srgbClr val="FFFFFF"/>
-                </a:solidFill>
-              </a:rPr>
-              <a:t> </a:t>
-            </a:r>
-            <a:r>
-              <a:rPr lang="it-IT" sz="1800" dirty="0" err="1">
-                <a:solidFill>
-                  <a:srgbClr val="FFFFFF"/>
-                </a:solidFill>
-              </a:rPr>
-              <a:t>frets</a:t>
-            </a:r>
-            <a:r>
-              <a:rPr lang="it-IT" sz="1800" dirty="0">
-                <a:solidFill>
-                  <a:srgbClr val="FFFFFF"/>
-                </a:solidFill>
-              </a:rPr>
-              <a:t> (+1 stretch </a:t>
-            </a:r>
-            <a:r>
-              <a:rPr lang="it-IT" sz="1800" dirty="0" err="1">
-                <a:solidFill>
-                  <a:srgbClr val="FFFFFF"/>
-                </a:solidFill>
-              </a:rPr>
-              <a:t>allowed</a:t>
-            </a:r>
-            <a:r>
-              <a:rPr lang="it-IT" sz="1800" dirty="0">
-                <a:solidFill>
-                  <a:srgbClr val="FFFFFF"/>
-                </a:solidFill>
-              </a:rPr>
-              <a:t> in </a:t>
-            </a:r>
-            <a:r>
-              <a:rPr lang="it-IT" sz="1800" dirty="0" err="1">
-                <a:solidFill>
-                  <a:srgbClr val="FFFFFF"/>
-                </a:solidFill>
-              </a:rPr>
-              <a:t>difficult</a:t>
-            </a:r>
-            <a:r>
-              <a:rPr lang="it-IT" sz="1800" dirty="0">
-                <a:solidFill>
-                  <a:srgbClr val="FFFFFF"/>
-                </a:solidFill>
-              </a:rPr>
-              <a:t> mode)</a:t>
-            </a:r>
-          </a:p>
-          <a:p>
-            <a:pPr>
-              <a:lnSpc>
-                <a:spcPct val="90000"/>
-              </a:lnSpc>
-            </a:pPr>
-            <a:endParaRPr lang="it-IT" sz="1800" dirty="0">
-              <a:solidFill>
-                <a:srgbClr val="FFFFFF"/>
-              </a:solidFill>
-            </a:endParaRPr>
-          </a:p>
-          <a:p>
-            <a:pPr>
-              <a:lnSpc>
-                <a:spcPct val="90000"/>
-              </a:lnSpc>
-            </a:pPr>
-            <a:r>
-              <a:rPr lang="it-IT" sz="1800" dirty="0">
-                <a:solidFill>
-                  <a:srgbClr val="FFFFFF"/>
-                </a:solidFill>
-              </a:rPr>
-              <a:t>Maximum </a:t>
-            </a:r>
-            <a:r>
-              <a:rPr lang="it-IT" sz="1800" dirty="0" err="1">
-                <a:solidFill>
-                  <a:srgbClr val="FFFFFF"/>
-                </a:solidFill>
-              </a:rPr>
-              <a:t>chord</a:t>
-            </a:r>
-            <a:r>
-              <a:rPr lang="it-IT" sz="1800" dirty="0">
-                <a:solidFill>
-                  <a:srgbClr val="FFFFFF"/>
-                </a:solidFill>
-              </a:rPr>
-              <a:t> </a:t>
-            </a:r>
-            <a:r>
-              <a:rPr lang="it-IT" sz="1800" b="1" dirty="0" err="1">
-                <a:solidFill>
-                  <a:srgbClr val="FFFFFF"/>
-                </a:solidFill>
-              </a:rPr>
-              <a:t>width</a:t>
-            </a:r>
-            <a:r>
-              <a:rPr lang="it-IT" sz="1800" dirty="0">
-                <a:solidFill>
-                  <a:srgbClr val="FFFFFF"/>
-                </a:solidFill>
-              </a:rPr>
-              <a:t> must </a:t>
-            </a:r>
-            <a:r>
-              <a:rPr lang="it-IT" sz="1800" dirty="0" err="1">
-                <a:solidFill>
-                  <a:srgbClr val="FFFFFF"/>
-                </a:solidFill>
-              </a:rPr>
-              <a:t>not</a:t>
-            </a:r>
-            <a:r>
-              <a:rPr lang="it-IT" sz="1800" dirty="0">
-                <a:solidFill>
-                  <a:srgbClr val="FFFFFF"/>
-                </a:solidFill>
-              </a:rPr>
-              <a:t> </a:t>
-            </a:r>
-            <a:r>
-              <a:rPr lang="it-IT" sz="1800" dirty="0" err="1">
-                <a:solidFill>
-                  <a:srgbClr val="FFFFFF"/>
-                </a:solidFill>
-              </a:rPr>
-              <a:t>exceed</a:t>
-            </a:r>
-            <a:r>
-              <a:rPr lang="it-IT" sz="1800" dirty="0">
-                <a:solidFill>
-                  <a:srgbClr val="FFFFFF"/>
-                </a:solidFill>
-              </a:rPr>
-              <a:t> </a:t>
-            </a:r>
-            <a:r>
-              <a:rPr lang="it-IT" sz="1800" b="1" dirty="0">
-                <a:solidFill>
-                  <a:srgbClr val="FFFFFF"/>
-                </a:solidFill>
-              </a:rPr>
-              <a:t>4 </a:t>
-            </a:r>
-            <a:r>
-              <a:rPr lang="it-IT" sz="1800" b="1" dirty="0" err="1">
-                <a:solidFill>
-                  <a:srgbClr val="FFFFFF"/>
-                </a:solidFill>
-              </a:rPr>
-              <a:t>frets</a:t>
-            </a:r>
-            <a:r>
-              <a:rPr lang="it-IT" sz="1800" b="1" dirty="0">
-                <a:solidFill>
-                  <a:srgbClr val="FFFFFF"/>
-                </a:solidFill>
-              </a:rPr>
-              <a:t> </a:t>
-            </a:r>
-            <a:r>
-              <a:rPr lang="it-IT" sz="1800" dirty="0">
-                <a:solidFill>
-                  <a:srgbClr val="FFFFFF"/>
-                </a:solidFill>
-              </a:rPr>
-              <a:t>(5 in </a:t>
-            </a:r>
-            <a:r>
-              <a:rPr lang="it-IT" sz="1800" dirty="0" err="1">
-                <a:solidFill>
-                  <a:srgbClr val="FFFFFF"/>
-                </a:solidFill>
-              </a:rPr>
-              <a:t>difficult</a:t>
-            </a:r>
-            <a:r>
-              <a:rPr lang="it-IT" sz="1800" dirty="0">
-                <a:solidFill>
-                  <a:srgbClr val="FFFFFF"/>
-                </a:solidFill>
-              </a:rPr>
-              <a:t> mode)</a:t>
-            </a:r>
-          </a:p>
-          <a:p>
-            <a:pPr>
-              <a:lnSpc>
-                <a:spcPct val="90000"/>
-              </a:lnSpc>
-            </a:pPr>
-            <a:endParaRPr lang="it-IT" sz="1800" dirty="0">
-              <a:solidFill>
-                <a:srgbClr val="FFFFFF"/>
-              </a:solidFill>
-            </a:endParaRPr>
-          </a:p>
-          <a:p>
-            <a:pPr>
-              <a:lnSpc>
-                <a:spcPct val="90000"/>
-              </a:lnSpc>
-            </a:pPr>
-            <a:r>
-              <a:rPr lang="it-IT" sz="1800" dirty="0">
-                <a:solidFill>
-                  <a:srgbClr val="FFFFFF"/>
-                </a:solidFill>
-              </a:rPr>
-              <a:t>Check </a:t>
-            </a:r>
-            <a:r>
-              <a:rPr lang="it-IT" sz="1800" dirty="0" err="1">
-                <a:solidFill>
-                  <a:srgbClr val="FFFFFF"/>
-                </a:solidFill>
-              </a:rPr>
-              <a:t>if</a:t>
-            </a:r>
-            <a:r>
-              <a:rPr lang="it-IT" sz="1800" dirty="0">
-                <a:solidFill>
-                  <a:srgbClr val="FFFFFF"/>
-                </a:solidFill>
-              </a:rPr>
-              <a:t> </a:t>
-            </a:r>
-            <a:r>
-              <a:rPr lang="it-IT" sz="1800" b="1" dirty="0">
-                <a:solidFill>
-                  <a:srgbClr val="FFFFFF"/>
-                </a:solidFill>
-              </a:rPr>
-              <a:t>barre</a:t>
-            </a:r>
-            <a:r>
-              <a:rPr lang="it-IT" sz="1800" dirty="0">
-                <a:solidFill>
-                  <a:srgbClr val="FFFFFF"/>
-                </a:solidFill>
-              </a:rPr>
-              <a:t> can be </a:t>
-            </a:r>
-            <a:r>
-              <a:rPr lang="it-IT" sz="1800" dirty="0" err="1">
-                <a:solidFill>
-                  <a:srgbClr val="FFFFFF"/>
-                </a:solidFill>
-              </a:rPr>
-              <a:t>used</a:t>
-            </a:r>
-            <a:endParaRPr lang="it-IT" sz="1800" dirty="0">
-              <a:solidFill>
-                <a:srgbClr val="FFFFFF"/>
-              </a:solidFill>
-            </a:endParaRPr>
-          </a:p>
-          <a:p>
-            <a:pPr>
-              <a:lnSpc>
-                <a:spcPct val="90000"/>
-              </a:lnSpc>
-            </a:pPr>
-            <a:endParaRPr lang="it-IT" sz="1800" dirty="0">
-              <a:solidFill>
-                <a:srgbClr val="FFFFFF"/>
-              </a:solidFill>
-            </a:endParaRPr>
-          </a:p>
-        </p:txBody>
-      </p:sp>
-      <p:pic>
-        <p:nvPicPr>
-          <p:cNvPr id="1028" name="Picture 4">
-            <a:extLst>
-              <a:ext uri="{FF2B5EF4-FFF2-40B4-BE49-F238E27FC236}">
-                <a16:creationId xmlns:a16="http://schemas.microsoft.com/office/drawing/2014/main" id="{4B54DAF9-BC56-42F1-6584-67DC6A3F598E}"/>
-              </a:ext>
-            </a:extLst>
-          </p:cNvPr>
-          <p:cNvPicPr>
-            <a:picLocks noChangeAspect="1" noChangeArrowheads="1"/>
-          </p:cNvPicPr>
-          <p:nvPr/>
-        </p:nvPicPr>
-        <p:blipFill rotWithShape="1">
-          <a:blip r:embed="rId5">
-            <a:extLst>
-              <a:ext uri="{28A0092B-C50C-407E-A947-70E740481C1C}">
-                <a14:useLocalDpi xmlns:a14="http://schemas.microsoft.com/office/drawing/2010/main" val="0"/>
-              </a:ext>
-            </a:extLst>
-          </a:blip>
-          <a:srcRect t="25183" r="-2" b="25633"/>
-          <a:stretch/>
-        </p:blipFill>
-        <p:spPr bwMode="auto">
-          <a:xfrm>
-            <a:off x="7437114" y="2286000"/>
-            <a:ext cx="4754886" cy="2286000"/>
-          </a:xfrm>
-          <a:custGeom>
-            <a:avLst/>
-            <a:gdLst/>
-            <a:ahLst/>
-            <a:cxnLst/>
-            <a:rect l="l" t="t" r="r" b="b"/>
-            <a:pathLst>
-              <a:path w="4754886" h="2286000">
-                <a:moveTo>
-                  <a:pt x="15482" y="0"/>
-                </a:moveTo>
-                <a:lnTo>
-                  <a:pt x="4754886" y="0"/>
-                </a:lnTo>
-                <a:lnTo>
-                  <a:pt x="4754886" y="2286000"/>
-                </a:lnTo>
-                <a:lnTo>
-                  <a:pt x="0" y="2286000"/>
-                </a:lnTo>
-                <a:lnTo>
-                  <a:pt x="8036" y="2135352"/>
-                </a:lnTo>
-                <a:lnTo>
-                  <a:pt x="12742" y="2007793"/>
-                </a:lnTo>
-                <a:lnTo>
-                  <a:pt x="17953" y="1877492"/>
-                </a:lnTo>
-                <a:lnTo>
-                  <a:pt x="22827" y="1745133"/>
-                </a:lnTo>
-                <a:lnTo>
-                  <a:pt x="26021" y="1612087"/>
-                </a:lnTo>
-                <a:lnTo>
-                  <a:pt x="28879" y="1476299"/>
-                </a:lnTo>
-                <a:lnTo>
-                  <a:pt x="31904" y="1339139"/>
-                </a:lnTo>
-                <a:lnTo>
-                  <a:pt x="33921" y="1199236"/>
-                </a:lnTo>
-                <a:lnTo>
-                  <a:pt x="33921" y="1057961"/>
-                </a:lnTo>
-                <a:lnTo>
-                  <a:pt x="34930" y="915315"/>
-                </a:lnTo>
-                <a:lnTo>
-                  <a:pt x="33921" y="771297"/>
-                </a:lnTo>
-                <a:lnTo>
-                  <a:pt x="31904" y="625221"/>
-                </a:lnTo>
-                <a:lnTo>
-                  <a:pt x="30055" y="479146"/>
-                </a:lnTo>
-                <a:lnTo>
-                  <a:pt x="26021" y="331013"/>
-                </a:lnTo>
-                <a:lnTo>
-                  <a:pt x="21819" y="181509"/>
-                </a:lnTo>
-                <a:lnTo>
-                  <a:pt x="16944" y="32004"/>
-                </a:lnTo>
-                <a:close/>
-              </a:path>
-            </a:pathLst>
-          </a:custGeom>
-          <a:noFill/>
-          <a:extLst>
-            <a:ext uri="{909E8E84-426E-40DD-AFC4-6F175D3DCCD1}">
-              <a14:hiddenFill xmlns:a14="http://schemas.microsoft.com/office/drawing/2010/main">
-                <a:solidFill>
-                  <a:srgbClr val="FFFFFF"/>
-                </a:solidFill>
-              </a14:hiddenFill>
-            </a:ext>
-          </a:extLst>
-        </p:spPr>
-      </p:pic>
-      <p:pic>
-        <p:nvPicPr>
-          <p:cNvPr id="5" name="Immagine 4" descr="Immagine che contiene Strumento musicale, musica, chitarra, persona&#10;&#10;Descrizione generata automaticamente">
-            <a:extLst>
-              <a:ext uri="{FF2B5EF4-FFF2-40B4-BE49-F238E27FC236}">
-                <a16:creationId xmlns:a16="http://schemas.microsoft.com/office/drawing/2014/main" id="{12D5DE69-53B2-63BF-A569-4ADEACF2BA82}"/>
-              </a:ext>
-            </a:extLst>
-          </p:cNvPr>
-          <p:cNvPicPr>
-            <a:picLocks noChangeAspect="1"/>
-          </p:cNvPicPr>
-          <p:nvPr/>
-        </p:nvPicPr>
-        <p:blipFill rotWithShape="1">
-          <a:blip r:embed="rId6">
-            <a:extLst>
-              <a:ext uri="{28A0092B-C50C-407E-A947-70E740481C1C}">
-                <a14:useLocalDpi xmlns:a14="http://schemas.microsoft.com/office/drawing/2010/main" val="0"/>
-              </a:ext>
-            </a:extLst>
-          </a:blip>
-          <a:srcRect t="15023" r="2" b="9313"/>
-          <a:stretch/>
-        </p:blipFill>
-        <p:spPr>
-          <a:xfrm>
-            <a:off x="7218902" y="4572000"/>
-            <a:ext cx="4973099" cy="2286000"/>
-          </a:xfrm>
-          <a:custGeom>
-            <a:avLst/>
-            <a:gdLst/>
-            <a:ahLst/>
-            <a:cxnLst/>
-            <a:rect l="l" t="t" r="r" b="b"/>
-            <a:pathLst>
-              <a:path w="4973099" h="2286000">
-                <a:moveTo>
-                  <a:pt x="218212" y="0"/>
-                </a:moveTo>
-                <a:lnTo>
-                  <a:pt x="4973099" y="0"/>
-                </a:lnTo>
-                <a:lnTo>
-                  <a:pt x="4973099" y="2286000"/>
-                </a:lnTo>
-                <a:lnTo>
-                  <a:pt x="897889" y="2286000"/>
-                </a:lnTo>
-                <a:lnTo>
-                  <a:pt x="0" y="2286000"/>
-                </a:lnTo>
-                <a:lnTo>
-                  <a:pt x="5883" y="2245538"/>
-                </a:lnTo>
-                <a:lnTo>
-                  <a:pt x="23197" y="2126894"/>
-                </a:lnTo>
-                <a:lnTo>
-                  <a:pt x="35299" y="2040483"/>
-                </a:lnTo>
-                <a:lnTo>
-                  <a:pt x="48074" y="1937613"/>
-                </a:lnTo>
-                <a:lnTo>
-                  <a:pt x="63370" y="1815541"/>
-                </a:lnTo>
-                <a:lnTo>
-                  <a:pt x="79507" y="1680438"/>
-                </a:lnTo>
-                <a:lnTo>
-                  <a:pt x="96484" y="1528191"/>
-                </a:lnTo>
-                <a:lnTo>
-                  <a:pt x="114469" y="1362227"/>
-                </a:lnTo>
-                <a:lnTo>
-                  <a:pt x="132455" y="1181862"/>
-                </a:lnTo>
-                <a:lnTo>
-                  <a:pt x="150776" y="989838"/>
-                </a:lnTo>
-                <a:lnTo>
-                  <a:pt x="167753" y="782726"/>
-                </a:lnTo>
-                <a:lnTo>
-                  <a:pt x="184058" y="566013"/>
-                </a:lnTo>
-                <a:lnTo>
-                  <a:pt x="198850" y="336956"/>
-                </a:lnTo>
-                <a:lnTo>
-                  <a:pt x="212969" y="98298"/>
-                </a:lnTo>
-                <a:close/>
-              </a:path>
-            </a:pathLst>
-          </a:custGeom>
-        </p:spPr>
-      </p:pic>
-    </p:spTree>
-    <p:extLst>
-      <p:ext uri="{BB962C8B-B14F-4D97-AF65-F5344CB8AC3E}">
-        <p14:creationId xmlns:p14="http://schemas.microsoft.com/office/powerpoint/2010/main" val="2899581696"/>
       </p:ext>
     </p:extLst>
   </p:cSld>

--- a/TabMaker_compact.pptx
+++ b/TabMaker_compact.pptx
@@ -5,7 +5,7 @@
     <p:sldMasterId id="2147483700" r:id="rId1"/>
   </p:sldMasterIdLst>
   <p:notesMasterIdLst>
-    <p:notesMasterId r:id="rId18"/>
+    <p:notesMasterId r:id="rId16"/>
   </p:notesMasterIdLst>
   <p:sldIdLst>
     <p:sldId id="256" r:id="rId2"/>
@@ -19,11 +19,9 @@
     <p:sldId id="260" r:id="rId10"/>
     <p:sldId id="278" r:id="rId11"/>
     <p:sldId id="261" r:id="rId12"/>
-    <p:sldId id="285" r:id="rId13"/>
-    <p:sldId id="274" r:id="rId14"/>
-    <p:sldId id="275" r:id="rId15"/>
-    <p:sldId id="283" r:id="rId16"/>
-    <p:sldId id="276" r:id="rId17"/>
+    <p:sldId id="274" r:id="rId13"/>
+    <p:sldId id="283" r:id="rId14"/>
+    <p:sldId id="276" r:id="rId15"/>
   </p:sldIdLst>
   <p:sldSz cx="12192000" cy="6858000"/>
   <p:notesSz cx="6858000" cy="9144000"/>
@@ -2140,7 +2138,7 @@
 <dgm:dataModel xmlns:dgm="http://schemas.openxmlformats.org/drawingml/2006/diagram" xmlns:a="http://schemas.openxmlformats.org/drawingml/2006/main">
   <dgm:ptLst>
     <dgm:pt modelId="{FE4F50F1-4A2F-4A10-901F-320D0BBFB972}" type="doc">
-      <dgm:prSet loTypeId="urn:microsoft.com/office/officeart/2008/layout/LinedList" loCatId="list" qsTypeId="urn:microsoft.com/office/officeart/2005/8/quickstyle/simple1" qsCatId="simple" csTypeId="urn:microsoft.com/office/officeart/2005/8/colors/accent1_2" csCatId="accent1"/>
+      <dgm:prSet loTypeId="urn:microsoft.com/office/officeart/2008/layout/LinedList" loCatId="list" qsTypeId="urn:microsoft.com/office/officeart/2005/8/quickstyle/simple1" qsCatId="simple" csTypeId="urn:microsoft.com/office/officeart/2005/8/colors/accent1_2" csCatId="accent1" phldr="1"/>
       <dgm:spPr/>
       <dgm:t>
         <a:bodyPr/>
@@ -2306,50 +2304,6 @@
         </a:p>
       </dgm:t>
     </dgm:pt>
-    <dgm:pt modelId="{93600890-D4D9-4695-88CB-089984BDCA9F}">
-      <dgm:prSet/>
-      <dgm:spPr/>
-      <dgm:t>
-        <a:bodyPr/>
-        <a:lstStyle/>
-        <a:p>
-          <a:r>
-            <a:rPr lang="en-US" dirty="0"/>
-            <a:t>Add </a:t>
-          </a:r>
-          <a:r>
-            <a:rPr lang="en-US" b="1" dirty="0"/>
-            <a:t>MIDI capabilities </a:t>
-          </a:r>
-          <a:r>
-            <a:rPr lang="en-US" dirty="0"/>
-            <a:t>for chord recognition and selection</a:t>
-          </a:r>
-        </a:p>
-      </dgm:t>
-    </dgm:pt>
-    <dgm:pt modelId="{9BFAB14B-E9ED-42C2-92E2-601C2BB3EE65}" type="parTrans" cxnId="{18E06CF9-821B-4F5D-96D3-5C2F9E0644D4}">
-      <dgm:prSet/>
-      <dgm:spPr/>
-      <dgm:t>
-        <a:bodyPr/>
-        <a:lstStyle/>
-        <a:p>
-          <a:endParaRPr lang="en-US"/>
-        </a:p>
-      </dgm:t>
-    </dgm:pt>
-    <dgm:pt modelId="{8E2A47F6-68DA-45C5-8D64-21167F54A333}" type="sibTrans" cxnId="{18E06CF9-821B-4F5D-96D3-5C2F9E0644D4}">
-      <dgm:prSet/>
-      <dgm:spPr/>
-      <dgm:t>
-        <a:bodyPr/>
-        <a:lstStyle/>
-        <a:p>
-          <a:endParaRPr lang="en-US"/>
-        </a:p>
-      </dgm:t>
-    </dgm:pt>
     <dgm:pt modelId="{5469E7B8-B284-4383-9D28-1EE9A67C4F70}">
       <dgm:prSet/>
       <dgm:spPr/>
@@ -2405,7 +2359,7 @@
       <dgm:spPr/>
     </dgm:pt>
     <dgm:pt modelId="{8229A2F7-D08E-489B-9579-D13B4443F786}" type="pres">
-      <dgm:prSet presAssocID="{CC89201E-9D87-4274-8994-F260458FE445}" presName="thickLine" presStyleLbl="alignNode1" presStyleIdx="0" presStyleCnt="6"/>
+      <dgm:prSet presAssocID="{CC89201E-9D87-4274-8994-F260458FE445}" presName="thickLine" presStyleLbl="alignNode1" presStyleIdx="0" presStyleCnt="5"/>
       <dgm:spPr/>
     </dgm:pt>
     <dgm:pt modelId="{55656E27-2A14-4E46-A7BB-BADF26C6E7D5}" type="pres">
@@ -2413,7 +2367,7 @@
       <dgm:spPr/>
     </dgm:pt>
     <dgm:pt modelId="{581711A6-B63F-42F9-BEF3-76CC393B1854}" type="pres">
-      <dgm:prSet presAssocID="{CC89201E-9D87-4274-8994-F260458FE445}" presName="tx1" presStyleLbl="revTx" presStyleIdx="0" presStyleCnt="6"/>
+      <dgm:prSet presAssocID="{CC89201E-9D87-4274-8994-F260458FE445}" presName="tx1" presStyleLbl="revTx" presStyleIdx="0" presStyleCnt="5"/>
       <dgm:spPr/>
     </dgm:pt>
     <dgm:pt modelId="{118C2899-7476-40B1-A668-3D22E4963BC8}" type="pres">
@@ -2421,7 +2375,7 @@
       <dgm:spPr/>
     </dgm:pt>
     <dgm:pt modelId="{36944F8F-7E08-42DB-B4D8-B55F697D867B}" type="pres">
-      <dgm:prSet presAssocID="{BC9ABEB3-6841-4DE4-8F76-F6FE16862CFA}" presName="thickLine" presStyleLbl="alignNode1" presStyleIdx="1" presStyleCnt="6"/>
+      <dgm:prSet presAssocID="{BC9ABEB3-6841-4DE4-8F76-F6FE16862CFA}" presName="thickLine" presStyleLbl="alignNode1" presStyleIdx="1" presStyleCnt="5"/>
       <dgm:spPr/>
     </dgm:pt>
     <dgm:pt modelId="{849AF093-28B5-4392-AE9C-29B542D46E4D}" type="pres">
@@ -2429,7 +2383,7 @@
       <dgm:spPr/>
     </dgm:pt>
     <dgm:pt modelId="{20B18936-2A24-4343-8843-4A229253FF84}" type="pres">
-      <dgm:prSet presAssocID="{BC9ABEB3-6841-4DE4-8F76-F6FE16862CFA}" presName="tx1" presStyleLbl="revTx" presStyleIdx="1" presStyleCnt="6"/>
+      <dgm:prSet presAssocID="{BC9ABEB3-6841-4DE4-8F76-F6FE16862CFA}" presName="tx1" presStyleLbl="revTx" presStyleIdx="1" presStyleCnt="5"/>
       <dgm:spPr/>
     </dgm:pt>
     <dgm:pt modelId="{270A1DEF-862D-415C-BDC0-B2444D85A11A}" type="pres">
@@ -2437,7 +2391,7 @@
       <dgm:spPr/>
     </dgm:pt>
     <dgm:pt modelId="{2EE1021D-C362-494B-9CE4-A0A2BE1591E9}" type="pres">
-      <dgm:prSet presAssocID="{0F97A555-6F80-467B-BAE5-47C298AEA1B7}" presName="thickLine" presStyleLbl="alignNode1" presStyleIdx="2" presStyleCnt="6"/>
+      <dgm:prSet presAssocID="{0F97A555-6F80-467B-BAE5-47C298AEA1B7}" presName="thickLine" presStyleLbl="alignNode1" presStyleIdx="2" presStyleCnt="5"/>
       <dgm:spPr/>
     </dgm:pt>
     <dgm:pt modelId="{B69988F0-74F9-4729-8CD0-2CBFFCA3F606}" type="pres">
@@ -2445,7 +2399,7 @@
       <dgm:spPr/>
     </dgm:pt>
     <dgm:pt modelId="{93A713F9-7D45-4D22-BAA0-E0DD31C70D39}" type="pres">
-      <dgm:prSet presAssocID="{0F97A555-6F80-467B-BAE5-47C298AEA1B7}" presName="tx1" presStyleLbl="revTx" presStyleIdx="2" presStyleCnt="6"/>
+      <dgm:prSet presAssocID="{0F97A555-6F80-467B-BAE5-47C298AEA1B7}" presName="tx1" presStyleLbl="revTx" presStyleIdx="2" presStyleCnt="5"/>
       <dgm:spPr/>
     </dgm:pt>
     <dgm:pt modelId="{0EEDFF88-E658-4F28-8FA3-AB04C2A080A6}" type="pres">
@@ -2453,7 +2407,7 @@
       <dgm:spPr/>
     </dgm:pt>
     <dgm:pt modelId="{A539E8C4-BB88-443A-916F-19DBD6B934B7}" type="pres">
-      <dgm:prSet presAssocID="{DACCF290-BAF1-417E-A283-3B109951F9B3}" presName="thickLine" presStyleLbl="alignNode1" presStyleIdx="3" presStyleCnt="6"/>
+      <dgm:prSet presAssocID="{DACCF290-BAF1-417E-A283-3B109951F9B3}" presName="thickLine" presStyleLbl="alignNode1" presStyleIdx="3" presStyleCnt="5"/>
       <dgm:spPr/>
     </dgm:pt>
     <dgm:pt modelId="{5FE309BE-3896-4AEB-90DA-1055569C5753}" type="pres">
@@ -2461,31 +2415,15 @@
       <dgm:spPr/>
     </dgm:pt>
     <dgm:pt modelId="{335D0410-6469-465A-BB24-B25965D56D46}" type="pres">
-      <dgm:prSet presAssocID="{DACCF290-BAF1-417E-A283-3B109951F9B3}" presName="tx1" presStyleLbl="revTx" presStyleIdx="3" presStyleCnt="6"/>
+      <dgm:prSet presAssocID="{DACCF290-BAF1-417E-A283-3B109951F9B3}" presName="tx1" presStyleLbl="revTx" presStyleIdx="3" presStyleCnt="5"/>
       <dgm:spPr/>
     </dgm:pt>
     <dgm:pt modelId="{AE25924C-A9A5-4DCB-A028-4FE32F569180}" type="pres">
       <dgm:prSet presAssocID="{DACCF290-BAF1-417E-A283-3B109951F9B3}" presName="vert1" presStyleCnt="0"/>
       <dgm:spPr/>
     </dgm:pt>
-    <dgm:pt modelId="{D0532F8D-D002-4989-A54E-C72ED07B1DA5}" type="pres">
-      <dgm:prSet presAssocID="{93600890-D4D9-4695-88CB-089984BDCA9F}" presName="thickLine" presStyleLbl="alignNode1" presStyleIdx="4" presStyleCnt="6"/>
-      <dgm:spPr/>
-    </dgm:pt>
-    <dgm:pt modelId="{B01C3617-7E1D-4A15-A28F-D6D653597EC8}" type="pres">
-      <dgm:prSet presAssocID="{93600890-D4D9-4695-88CB-089984BDCA9F}" presName="horz1" presStyleCnt="0"/>
-      <dgm:spPr/>
-    </dgm:pt>
-    <dgm:pt modelId="{A5BA391D-E74F-4670-BFCE-49BCEE36A9C3}" type="pres">
-      <dgm:prSet presAssocID="{93600890-D4D9-4695-88CB-089984BDCA9F}" presName="tx1" presStyleLbl="revTx" presStyleIdx="4" presStyleCnt="6"/>
-      <dgm:spPr/>
-    </dgm:pt>
-    <dgm:pt modelId="{70ABE86C-4009-4FC3-90B4-2C406F054E36}" type="pres">
-      <dgm:prSet presAssocID="{93600890-D4D9-4695-88CB-089984BDCA9F}" presName="vert1" presStyleCnt="0"/>
-      <dgm:spPr/>
-    </dgm:pt>
     <dgm:pt modelId="{32A7D242-7512-488A-B851-8DFFC95BBFD2}" type="pres">
-      <dgm:prSet presAssocID="{5469E7B8-B284-4383-9D28-1EE9A67C4F70}" presName="thickLine" presStyleLbl="alignNode1" presStyleIdx="5" presStyleCnt="6"/>
+      <dgm:prSet presAssocID="{5469E7B8-B284-4383-9D28-1EE9A67C4F70}" presName="thickLine" presStyleLbl="alignNode1" presStyleIdx="4" presStyleCnt="5"/>
       <dgm:spPr/>
     </dgm:pt>
     <dgm:pt modelId="{82EA9EDD-58BB-4FF6-82FA-38CABC8AC5C9}" type="pres">
@@ -2493,7 +2431,7 @@
       <dgm:spPr/>
     </dgm:pt>
     <dgm:pt modelId="{676A2DF5-1D02-418C-8EAE-0D8014228CB2}" type="pres">
-      <dgm:prSet presAssocID="{5469E7B8-B284-4383-9D28-1EE9A67C4F70}" presName="tx1" presStyleLbl="revTx" presStyleIdx="5" presStyleCnt="6"/>
+      <dgm:prSet presAssocID="{5469E7B8-B284-4383-9D28-1EE9A67C4F70}" presName="tx1" presStyleLbl="revTx" presStyleIdx="4" presStyleCnt="5"/>
       <dgm:spPr/>
     </dgm:pt>
     <dgm:pt modelId="{548F87F7-DDFA-4A7F-BAA8-B3BDE534B5DF}" type="pres">
@@ -2512,9 +2450,7 @@
     <dgm:cxn modelId="{8EFF7457-9067-4F7A-84C3-FCA775DFF0D3}" srcId="{FE4F50F1-4A2F-4A10-901F-320D0BBFB972}" destId="{CC89201E-9D87-4274-8994-F260458FE445}" srcOrd="0" destOrd="0" parTransId="{9DD45894-96CB-4C54-BAAF-8EED274B2BD3}" sibTransId="{CC6E2645-5CE3-4A59-AE0E-B75A93C2A598}"/>
     <dgm:cxn modelId="{1ACCC27F-2A2F-4CE6-BFDB-5E666F6FF25F}" type="presOf" srcId="{DACCF290-BAF1-417E-A283-3B109951F9B3}" destId="{335D0410-6469-465A-BB24-B25965D56D46}" srcOrd="0" destOrd="0" presId="urn:microsoft.com/office/officeart/2008/layout/LinedList"/>
     <dgm:cxn modelId="{ABE2B080-AA98-40B4-BEF3-8AED2BF311C7}" type="presOf" srcId="{0F97A555-6F80-467B-BAE5-47C298AEA1B7}" destId="{93A713F9-7D45-4D22-BAA0-E0DD31C70D39}" srcOrd="0" destOrd="0" presId="urn:microsoft.com/office/officeart/2008/layout/LinedList"/>
-    <dgm:cxn modelId="{9B470AD4-E690-4F8D-9C09-CFCBBE4AB8E5}" type="presOf" srcId="{93600890-D4D9-4695-88CB-089984BDCA9F}" destId="{A5BA391D-E74F-4670-BFCE-49BCEE36A9C3}" srcOrd="0" destOrd="0" presId="urn:microsoft.com/office/officeart/2008/layout/LinedList"/>
-    <dgm:cxn modelId="{18E06CF9-821B-4F5D-96D3-5C2F9E0644D4}" srcId="{FE4F50F1-4A2F-4A10-901F-320D0BBFB972}" destId="{93600890-D4D9-4695-88CB-089984BDCA9F}" srcOrd="4" destOrd="0" parTransId="{9BFAB14B-E9ED-42C2-92E2-601C2BB3EE65}" sibTransId="{8E2A47F6-68DA-45C5-8D64-21167F54A333}"/>
-    <dgm:cxn modelId="{0758ECFD-D6A5-41A6-864B-D39A15A89044}" srcId="{FE4F50F1-4A2F-4A10-901F-320D0BBFB972}" destId="{5469E7B8-B284-4383-9D28-1EE9A67C4F70}" srcOrd="5" destOrd="0" parTransId="{7DD3A71E-FE2C-4726-8E8B-DC1F34AAB023}" sibTransId="{E25F8204-4E24-44C9-9B72-FC411C8EBB78}"/>
+    <dgm:cxn modelId="{0758ECFD-D6A5-41A6-864B-D39A15A89044}" srcId="{FE4F50F1-4A2F-4A10-901F-320D0BBFB972}" destId="{5469E7B8-B284-4383-9D28-1EE9A67C4F70}" srcOrd="4" destOrd="0" parTransId="{7DD3A71E-FE2C-4726-8E8B-DC1F34AAB023}" sibTransId="{E25F8204-4E24-44C9-9B72-FC411C8EBB78}"/>
     <dgm:cxn modelId="{B081BE6D-90E9-4504-9196-4946F1DA9EC1}" type="presParOf" srcId="{F1F09055-6E41-42C1-BD75-F5B51814CD23}" destId="{8229A2F7-D08E-489B-9579-D13B4443F786}" srcOrd="0" destOrd="0" presId="urn:microsoft.com/office/officeart/2008/layout/LinedList"/>
     <dgm:cxn modelId="{33CBCC0C-D242-480D-8DB9-35069AF2B23C}" type="presParOf" srcId="{F1F09055-6E41-42C1-BD75-F5B51814CD23}" destId="{55656E27-2A14-4E46-A7BB-BADF26C6E7D5}" srcOrd="1" destOrd="0" presId="urn:microsoft.com/office/officeart/2008/layout/LinedList"/>
     <dgm:cxn modelId="{1AC7A476-A9A7-42E9-A313-AE10F8019D7A}" type="presParOf" srcId="{55656E27-2A14-4E46-A7BB-BADF26C6E7D5}" destId="{581711A6-B63F-42F9-BEF3-76CC393B1854}" srcOrd="0" destOrd="0" presId="urn:microsoft.com/office/officeart/2008/layout/LinedList"/>
@@ -2531,12 +2467,8 @@
     <dgm:cxn modelId="{156014C7-64D6-43DB-84D4-2D3D5A2D8182}" type="presParOf" srcId="{F1F09055-6E41-42C1-BD75-F5B51814CD23}" destId="{5FE309BE-3896-4AEB-90DA-1055569C5753}" srcOrd="7" destOrd="0" presId="urn:microsoft.com/office/officeart/2008/layout/LinedList"/>
     <dgm:cxn modelId="{3FEA0E61-8B12-41B9-8440-5EED73FF6D28}" type="presParOf" srcId="{5FE309BE-3896-4AEB-90DA-1055569C5753}" destId="{335D0410-6469-465A-BB24-B25965D56D46}" srcOrd="0" destOrd="0" presId="urn:microsoft.com/office/officeart/2008/layout/LinedList"/>
     <dgm:cxn modelId="{CA44C45E-C82C-4741-A205-A11C39A2BCB4}" type="presParOf" srcId="{5FE309BE-3896-4AEB-90DA-1055569C5753}" destId="{AE25924C-A9A5-4DCB-A028-4FE32F569180}" srcOrd="1" destOrd="0" presId="urn:microsoft.com/office/officeart/2008/layout/LinedList"/>
-    <dgm:cxn modelId="{14155EB3-408B-491B-8817-23ACF55CC7D4}" type="presParOf" srcId="{F1F09055-6E41-42C1-BD75-F5B51814CD23}" destId="{D0532F8D-D002-4989-A54E-C72ED07B1DA5}" srcOrd="8" destOrd="0" presId="urn:microsoft.com/office/officeart/2008/layout/LinedList"/>
-    <dgm:cxn modelId="{72AF6C46-C4BB-43DE-BA0A-FF0046AF5158}" type="presParOf" srcId="{F1F09055-6E41-42C1-BD75-F5B51814CD23}" destId="{B01C3617-7E1D-4A15-A28F-D6D653597EC8}" srcOrd="9" destOrd="0" presId="urn:microsoft.com/office/officeart/2008/layout/LinedList"/>
-    <dgm:cxn modelId="{591A389D-86E0-46D7-9633-82F34B7644CC}" type="presParOf" srcId="{B01C3617-7E1D-4A15-A28F-D6D653597EC8}" destId="{A5BA391D-E74F-4670-BFCE-49BCEE36A9C3}" srcOrd="0" destOrd="0" presId="urn:microsoft.com/office/officeart/2008/layout/LinedList"/>
-    <dgm:cxn modelId="{A3FE0B26-9B14-4012-A762-C25F4F1533E6}" type="presParOf" srcId="{B01C3617-7E1D-4A15-A28F-D6D653597EC8}" destId="{70ABE86C-4009-4FC3-90B4-2C406F054E36}" srcOrd="1" destOrd="0" presId="urn:microsoft.com/office/officeart/2008/layout/LinedList"/>
-    <dgm:cxn modelId="{C36BCAEB-CD99-400C-87C0-D09A52F77E2C}" type="presParOf" srcId="{F1F09055-6E41-42C1-BD75-F5B51814CD23}" destId="{32A7D242-7512-488A-B851-8DFFC95BBFD2}" srcOrd="10" destOrd="0" presId="urn:microsoft.com/office/officeart/2008/layout/LinedList"/>
-    <dgm:cxn modelId="{534213D6-187D-4B3F-9D60-A129A792A5AA}" type="presParOf" srcId="{F1F09055-6E41-42C1-BD75-F5B51814CD23}" destId="{82EA9EDD-58BB-4FF6-82FA-38CABC8AC5C9}" srcOrd="11" destOrd="0" presId="urn:microsoft.com/office/officeart/2008/layout/LinedList"/>
+    <dgm:cxn modelId="{C36BCAEB-CD99-400C-87C0-D09A52F77E2C}" type="presParOf" srcId="{F1F09055-6E41-42C1-BD75-F5B51814CD23}" destId="{32A7D242-7512-488A-B851-8DFFC95BBFD2}" srcOrd="8" destOrd="0" presId="urn:microsoft.com/office/officeart/2008/layout/LinedList"/>
+    <dgm:cxn modelId="{534213D6-187D-4B3F-9D60-A129A792A5AA}" type="presParOf" srcId="{F1F09055-6E41-42C1-BD75-F5B51814CD23}" destId="{82EA9EDD-58BB-4FF6-82FA-38CABC8AC5C9}" srcOrd="9" destOrd="0" presId="urn:microsoft.com/office/officeart/2008/layout/LinedList"/>
     <dgm:cxn modelId="{7F07D064-3D90-4423-9C5A-0B586A8B6CEB}" type="presParOf" srcId="{82EA9EDD-58BB-4FF6-82FA-38CABC8AC5C9}" destId="{676A2DF5-1D02-418C-8EAE-0D8014228CB2}" srcOrd="0" destOrd="0" presId="urn:microsoft.com/office/officeart/2008/layout/LinedList"/>
     <dgm:cxn modelId="{5D99D00C-64E0-470F-B4A8-D8A830542182}" type="presParOf" srcId="{82EA9EDD-58BB-4FF6-82FA-38CABC8AC5C9}" destId="{548F87F7-DDFA-4A7F-BAA8-B3BDE534B5DF}" srcOrd="1" destOrd="0" presId="urn:microsoft.com/office/officeart/2008/layout/LinedList"/>
   </dgm:cxnLst>
@@ -3045,7 +2977,7 @@
       </dsp:nvSpPr>
       <dsp:spPr>
         <a:xfrm>
-          <a:off x="0" y="2183"/>
+          <a:off x="0" y="545"/>
           <a:ext cx="5919503" cy="0"/>
         </a:xfrm>
         <a:prstGeom prst="line">
@@ -3094,8 +3026,8 @@
       </dsp:nvSpPr>
       <dsp:spPr>
         <a:xfrm>
-          <a:off x="0" y="2183"/>
-          <a:ext cx="5919503" cy="744409"/>
+          <a:off x="0" y="545"/>
+          <a:ext cx="5919503" cy="893945"/>
         </a:xfrm>
         <a:prstGeom prst="rect">
           <a:avLst/>
@@ -3119,12 +3051,12 @@
         <a:fontRef idx="minor"/>
       </dsp:style>
       <dsp:txBody>
-        <a:bodyPr spcFirstLastPara="0" vert="horz" wrap="square" lIns="76200" tIns="76200" rIns="76200" bIns="76200" numCol="1" spcCol="1270" anchor="t" anchorCtr="0">
+        <a:bodyPr spcFirstLastPara="0" vert="horz" wrap="square" lIns="87630" tIns="87630" rIns="87630" bIns="87630" numCol="1" spcCol="1270" anchor="t" anchorCtr="0">
           <a:noAutofit/>
         </a:bodyPr>
         <a:lstStyle/>
         <a:p>
-          <a:pPr marL="0" lvl="0" indent="0" algn="l" defTabSz="889000">
+          <a:pPr marL="0" lvl="0" indent="0" algn="l" defTabSz="1022350">
             <a:lnSpc>
               <a:spcPct val="90000"/>
             </a:lnSpc>
@@ -3137,14 +3069,14 @@
             <a:buNone/>
           </a:pPr>
           <a:r>
-            <a:rPr lang="en-US" sz="2000" kern="1200" dirty="0"/>
+            <a:rPr lang="en-US" sz="2300" kern="1200" dirty="0"/>
             <a:t>Chord sequences are playable and enjoyable from a musical perspective</a:t>
           </a:r>
         </a:p>
       </dsp:txBody>
       <dsp:txXfrm>
-        <a:off x="0" y="2183"/>
-        <a:ext cx="5919503" cy="744409"/>
+        <a:off x="0" y="545"/>
+        <a:ext cx="5919503" cy="893945"/>
       </dsp:txXfrm>
     </dsp:sp>
     <dsp:sp modelId="{36944F8F-7E08-42DB-B4D8-B55F697D867B}">
@@ -3154,7 +3086,7 @@
       </dsp:nvSpPr>
       <dsp:spPr>
         <a:xfrm>
-          <a:off x="0" y="746592"/>
+          <a:off x="0" y="894491"/>
           <a:ext cx="5919503" cy="0"/>
         </a:xfrm>
         <a:prstGeom prst="line">
@@ -3203,8 +3135,8 @@
       </dsp:nvSpPr>
       <dsp:spPr>
         <a:xfrm>
-          <a:off x="0" y="746592"/>
-          <a:ext cx="5919503" cy="744409"/>
+          <a:off x="0" y="894491"/>
+          <a:ext cx="5919503" cy="893945"/>
         </a:xfrm>
         <a:prstGeom prst="rect">
           <a:avLst/>
@@ -3228,12 +3160,12 @@
         <a:fontRef idx="minor"/>
       </dsp:style>
       <dsp:txBody>
-        <a:bodyPr spcFirstLastPara="0" vert="horz" wrap="square" lIns="76200" tIns="76200" rIns="76200" bIns="76200" numCol="1" spcCol="1270" anchor="t" anchorCtr="0">
+        <a:bodyPr spcFirstLastPara="0" vert="horz" wrap="square" lIns="87630" tIns="87630" rIns="87630" bIns="87630" numCol="1" spcCol="1270" anchor="t" anchorCtr="0">
           <a:noAutofit/>
         </a:bodyPr>
         <a:lstStyle/>
         <a:p>
-          <a:pPr marL="0" lvl="0" indent="0" algn="l" defTabSz="889000">
+          <a:pPr marL="0" lvl="0" indent="0" algn="l" defTabSz="1022350">
             <a:lnSpc>
               <a:spcPct val="90000"/>
             </a:lnSpc>
@@ -3246,14 +3178,14 @@
             <a:buNone/>
           </a:pPr>
           <a:r>
-            <a:rPr lang="en-US" sz="2000" kern="1200"/>
+            <a:rPr lang="en-US" sz="2300" kern="1200"/>
             <a:t>Simple but effective GUI</a:t>
           </a:r>
         </a:p>
       </dsp:txBody>
       <dsp:txXfrm>
-        <a:off x="0" y="746592"/>
-        <a:ext cx="5919503" cy="744409"/>
+        <a:off x="0" y="894491"/>
+        <a:ext cx="5919503" cy="893945"/>
       </dsp:txXfrm>
     </dsp:sp>
     <dsp:sp modelId="{2EE1021D-C362-494B-9CE4-A0A2BE1591E9}">
@@ -3263,7 +3195,7 @@
       </dsp:nvSpPr>
       <dsp:spPr>
         <a:xfrm>
-          <a:off x="0" y="1491001"/>
+          <a:off x="0" y="1788437"/>
           <a:ext cx="5919503" cy="0"/>
         </a:xfrm>
         <a:prstGeom prst="line">
@@ -3312,8 +3244,8 @@
       </dsp:nvSpPr>
       <dsp:spPr>
         <a:xfrm>
-          <a:off x="0" y="1491001"/>
-          <a:ext cx="5919503" cy="744409"/>
+          <a:off x="0" y="1788437"/>
+          <a:ext cx="5919503" cy="893945"/>
         </a:xfrm>
         <a:prstGeom prst="rect">
           <a:avLst/>
@@ -3337,12 +3269,12 @@
         <a:fontRef idx="minor"/>
       </dsp:style>
       <dsp:txBody>
-        <a:bodyPr spcFirstLastPara="0" vert="horz" wrap="square" lIns="76200" tIns="76200" rIns="76200" bIns="76200" numCol="1" spcCol="1270" anchor="t" anchorCtr="0">
+        <a:bodyPr spcFirstLastPara="0" vert="horz" wrap="square" lIns="87630" tIns="87630" rIns="87630" bIns="87630" numCol="1" spcCol="1270" anchor="t" anchorCtr="0">
           <a:noAutofit/>
         </a:bodyPr>
         <a:lstStyle/>
         <a:p>
-          <a:pPr marL="0" lvl="0" indent="0" algn="l" defTabSz="889000">
+          <a:pPr marL="0" lvl="0" indent="0" algn="l" defTabSz="1022350">
             <a:lnSpc>
               <a:spcPct val="90000"/>
             </a:lnSpc>
@@ -3355,18 +3287,18 @@
             <a:buNone/>
           </a:pPr>
           <a:r>
-            <a:rPr lang="en-US" sz="2000" kern="1200" dirty="0"/>
+            <a:rPr lang="en-US" sz="2300" kern="1200" dirty="0"/>
             <a:t>Implement </a:t>
           </a:r>
           <a:r>
-            <a:rPr lang="en-US" sz="2000" b="1" kern="1200" dirty="0"/>
+            <a:rPr lang="en-US" sz="2300" b="1" kern="1200" dirty="0"/>
             <a:t>more interesting voicing rules</a:t>
           </a:r>
         </a:p>
       </dsp:txBody>
       <dsp:txXfrm>
-        <a:off x="0" y="1491001"/>
-        <a:ext cx="5919503" cy="744409"/>
+        <a:off x="0" y="1788437"/>
+        <a:ext cx="5919503" cy="893945"/>
       </dsp:txXfrm>
     </dsp:sp>
     <dsp:sp modelId="{A539E8C4-BB88-443A-916F-19DBD6B934B7}">
@@ -3376,7 +3308,7 @@
       </dsp:nvSpPr>
       <dsp:spPr>
         <a:xfrm>
-          <a:off x="0" y="2235410"/>
+          <a:off x="0" y="2682383"/>
           <a:ext cx="5919503" cy="0"/>
         </a:xfrm>
         <a:prstGeom prst="line">
@@ -3425,8 +3357,8 @@
       </dsp:nvSpPr>
       <dsp:spPr>
         <a:xfrm>
-          <a:off x="0" y="2235410"/>
-          <a:ext cx="5919503" cy="744409"/>
+          <a:off x="0" y="2682383"/>
+          <a:ext cx="5919503" cy="893945"/>
         </a:xfrm>
         <a:prstGeom prst="rect">
           <a:avLst/>
@@ -3450,12 +3382,12 @@
         <a:fontRef idx="minor"/>
       </dsp:style>
       <dsp:txBody>
-        <a:bodyPr spcFirstLastPara="0" vert="horz" wrap="square" lIns="76200" tIns="76200" rIns="76200" bIns="76200" numCol="1" spcCol="1270" anchor="t" anchorCtr="0">
+        <a:bodyPr spcFirstLastPara="0" vert="horz" wrap="square" lIns="87630" tIns="87630" rIns="87630" bIns="87630" numCol="1" spcCol="1270" anchor="t" anchorCtr="0">
           <a:noAutofit/>
         </a:bodyPr>
         <a:lstStyle/>
         <a:p>
-          <a:pPr marL="0" lvl="0" indent="0" algn="l" defTabSz="889000">
+          <a:pPr marL="0" lvl="0" indent="0" algn="l" defTabSz="1022350">
             <a:lnSpc>
               <a:spcPct val="90000"/>
             </a:lnSpc>
@@ -3468,139 +3400,22 @@
             <a:buNone/>
           </a:pPr>
           <a:r>
-            <a:rPr lang="en-US" sz="2000" kern="1200" dirty="0"/>
+            <a:rPr lang="en-US" sz="2300" kern="1200" dirty="0"/>
             <a:t>Add more user options (e.g. </a:t>
           </a:r>
           <a:r>
-            <a:rPr lang="en-US" sz="2000" b="1" kern="1200" dirty="0"/>
+            <a:rPr lang="en-US" sz="2300" b="1" kern="1200" dirty="0"/>
             <a:t>interacting</a:t>
           </a:r>
           <a:r>
-            <a:rPr lang="en-US" sz="2000" kern="1200" dirty="0"/>
+            <a:rPr lang="en-US" sz="2300" kern="1200" dirty="0"/>
             <a:t> with the resulting sequence)</a:t>
           </a:r>
         </a:p>
       </dsp:txBody>
       <dsp:txXfrm>
-        <a:off x="0" y="2235410"/>
-        <a:ext cx="5919503" cy="744409"/>
-      </dsp:txXfrm>
-    </dsp:sp>
-    <dsp:sp modelId="{D0532F8D-D002-4989-A54E-C72ED07B1DA5}">
-      <dsp:nvSpPr>
-        <dsp:cNvPr id="0" name=""/>
-        <dsp:cNvSpPr/>
-      </dsp:nvSpPr>
-      <dsp:spPr>
-        <a:xfrm>
-          <a:off x="0" y="2979819"/>
-          <a:ext cx="5919503" cy="0"/>
-        </a:xfrm>
-        <a:prstGeom prst="line">
-          <a:avLst/>
-        </a:prstGeom>
-        <a:solidFill>
-          <a:schemeClr val="accent1">
-            <a:hueOff val="0"/>
-            <a:satOff val="0"/>
-            <a:lumOff val="0"/>
-            <a:alphaOff val="0"/>
-          </a:schemeClr>
-        </a:solidFill>
-        <a:ln w="19050" cap="rnd" cmpd="sng" algn="ctr">
-          <a:solidFill>
-            <a:schemeClr val="accent1">
-              <a:hueOff val="0"/>
-              <a:satOff val="0"/>
-              <a:lumOff val="0"/>
-              <a:alphaOff val="0"/>
-            </a:schemeClr>
-          </a:solidFill>
-          <a:prstDash val="solid"/>
-        </a:ln>
-        <a:effectLst/>
-      </dsp:spPr>
-      <dsp:style>
-        <a:lnRef idx="2">
-          <a:scrgbClr r="0" g="0" b="0"/>
-        </a:lnRef>
-        <a:fillRef idx="1">
-          <a:scrgbClr r="0" g="0" b="0"/>
-        </a:fillRef>
-        <a:effectRef idx="0">
-          <a:scrgbClr r="0" g="0" b="0"/>
-        </a:effectRef>
-        <a:fontRef idx="minor">
-          <a:schemeClr val="lt1"/>
-        </a:fontRef>
-      </dsp:style>
-    </dsp:sp>
-    <dsp:sp modelId="{A5BA391D-E74F-4670-BFCE-49BCEE36A9C3}">
-      <dsp:nvSpPr>
-        <dsp:cNvPr id="0" name=""/>
-        <dsp:cNvSpPr/>
-      </dsp:nvSpPr>
-      <dsp:spPr>
-        <a:xfrm>
-          <a:off x="0" y="2979819"/>
-          <a:ext cx="5919503" cy="744409"/>
-        </a:xfrm>
-        <a:prstGeom prst="rect">
-          <a:avLst/>
-        </a:prstGeom>
-        <a:noFill/>
-        <a:ln>
-          <a:noFill/>
-        </a:ln>
-        <a:effectLst/>
-      </dsp:spPr>
-      <dsp:style>
-        <a:lnRef idx="0">
-          <a:scrgbClr r="0" g="0" b="0"/>
-        </a:lnRef>
-        <a:fillRef idx="0">
-          <a:scrgbClr r="0" g="0" b="0"/>
-        </a:fillRef>
-        <a:effectRef idx="0">
-          <a:scrgbClr r="0" g="0" b="0"/>
-        </a:effectRef>
-        <a:fontRef idx="minor"/>
-      </dsp:style>
-      <dsp:txBody>
-        <a:bodyPr spcFirstLastPara="0" vert="horz" wrap="square" lIns="76200" tIns="76200" rIns="76200" bIns="76200" numCol="1" spcCol="1270" anchor="t" anchorCtr="0">
-          <a:noAutofit/>
-        </a:bodyPr>
-        <a:lstStyle/>
-        <a:p>
-          <a:pPr marL="0" lvl="0" indent="0" algn="l" defTabSz="889000">
-            <a:lnSpc>
-              <a:spcPct val="90000"/>
-            </a:lnSpc>
-            <a:spcBef>
-              <a:spcPct val="0"/>
-            </a:spcBef>
-            <a:spcAft>
-              <a:spcPct val="35000"/>
-            </a:spcAft>
-            <a:buNone/>
-          </a:pPr>
-          <a:r>
-            <a:rPr lang="en-US" sz="2000" kern="1200" dirty="0"/>
-            <a:t>Add </a:t>
-          </a:r>
-          <a:r>
-            <a:rPr lang="en-US" sz="2000" b="1" kern="1200" dirty="0"/>
-            <a:t>MIDI capabilities </a:t>
-          </a:r>
-          <a:r>
-            <a:rPr lang="en-US" sz="2000" kern="1200" dirty="0"/>
-            <a:t>for chord recognition and selection</a:t>
-          </a:r>
-        </a:p>
-      </dsp:txBody>
-      <dsp:txXfrm>
-        <a:off x="0" y="2979819"/>
-        <a:ext cx="5919503" cy="744409"/>
+        <a:off x="0" y="2682383"/>
+        <a:ext cx="5919503" cy="893945"/>
       </dsp:txXfrm>
     </dsp:sp>
     <dsp:sp modelId="{32A7D242-7512-488A-B851-8DFFC95BBFD2}">
@@ -3610,7 +3425,7 @@
       </dsp:nvSpPr>
       <dsp:spPr>
         <a:xfrm>
-          <a:off x="0" y="3724228"/>
+          <a:off x="0" y="3576329"/>
           <a:ext cx="5919503" cy="0"/>
         </a:xfrm>
         <a:prstGeom prst="line">
@@ -3659,8 +3474,8 @@
       </dsp:nvSpPr>
       <dsp:spPr>
         <a:xfrm>
-          <a:off x="0" y="3724228"/>
-          <a:ext cx="5919503" cy="744409"/>
+          <a:off x="0" y="3576329"/>
+          <a:ext cx="5919503" cy="893945"/>
         </a:xfrm>
         <a:prstGeom prst="rect">
           <a:avLst/>
@@ -3684,12 +3499,12 @@
         <a:fontRef idx="minor"/>
       </dsp:style>
       <dsp:txBody>
-        <a:bodyPr spcFirstLastPara="0" vert="horz" wrap="square" lIns="76200" tIns="76200" rIns="76200" bIns="76200" numCol="1" spcCol="1270" anchor="t" anchorCtr="0">
+        <a:bodyPr spcFirstLastPara="0" vert="horz" wrap="square" lIns="87630" tIns="87630" rIns="87630" bIns="87630" numCol="1" spcCol="1270" anchor="t" anchorCtr="0">
           <a:noAutofit/>
         </a:bodyPr>
         <a:lstStyle/>
         <a:p>
-          <a:pPr marL="0" lvl="0" indent="0" algn="l" defTabSz="889000">
+          <a:pPr marL="0" lvl="0" indent="0" algn="l" defTabSz="1022350">
             <a:lnSpc>
               <a:spcPct val="90000"/>
             </a:lnSpc>
@@ -3702,22 +3517,22 @@
             <a:buNone/>
           </a:pPr>
           <a:r>
-            <a:rPr lang="en-US" sz="2000" kern="1200" dirty="0"/>
+            <a:rPr lang="en-US" sz="2300" kern="1200" dirty="0"/>
             <a:t>Add </a:t>
           </a:r>
           <a:r>
-            <a:rPr lang="en-US" sz="2000" b="1" kern="1200" dirty="0"/>
+            <a:rPr lang="en-US" sz="2300" b="1" kern="1200" dirty="0"/>
             <a:t>musical staff notation </a:t>
           </a:r>
           <a:r>
-            <a:rPr lang="en-US" sz="2000" kern="1200" dirty="0"/>
+            <a:rPr lang="en-US" sz="2300" kern="1200" dirty="0"/>
             <a:t>for chord input/visualization</a:t>
           </a:r>
         </a:p>
       </dsp:txBody>
       <dsp:txXfrm>
-        <a:off x="0" y="3724228"/>
-        <a:ext cx="5919503" cy="744409"/>
+        <a:off x="0" y="3576329"/>
+        <a:ext cx="5919503" cy="893945"/>
       </dsp:txXfrm>
     </dsp:sp>
   </dsp:spTree>
@@ -6634,7 +6449,7 @@
           <a:p>
             <a:fld id="{CC10EBF3-E11F-43AE-AC99-C596FBC7B14D}" type="datetimeFigureOut">
               <a:rPr lang="it-IT" smtClean="0"/>
-              <a:t>22/07/2023</a:t>
+              <a:t>23/07/2023</a:t>
             </a:fld>
             <a:endParaRPr lang="it-IT"/>
           </a:p>
@@ -7798,6 +7613,518 @@
           <a:bodyPr/>
           <a:lstStyle/>
           <a:p>
+            <a:r>
+              <a:rPr lang="it-IT" dirty="0"/>
+              <a:t>For </a:t>
+            </a:r>
+            <a:r>
+              <a:rPr lang="it-IT" dirty="0" err="1"/>
+              <a:t>what</a:t>
+            </a:r>
+            <a:r>
+              <a:rPr lang="it-IT" dirty="0"/>
+              <a:t> </a:t>
+            </a:r>
+            <a:r>
+              <a:rPr lang="it-IT" dirty="0" err="1"/>
+              <a:t>concerns</a:t>
+            </a:r>
+            <a:r>
+              <a:rPr lang="it-IT" dirty="0"/>
+              <a:t> a single </a:t>
+            </a:r>
+            <a:r>
+              <a:rPr lang="it-IT" dirty="0" err="1"/>
+              <a:t>chord</a:t>
+            </a:r>
+            <a:r>
+              <a:rPr lang="it-IT" dirty="0"/>
+              <a:t>, the </a:t>
+            </a:r>
+            <a:r>
+              <a:rPr lang="it-IT" dirty="0" err="1"/>
+              <a:t>main</a:t>
+            </a:r>
+            <a:r>
+              <a:rPr lang="it-IT" dirty="0"/>
+              <a:t> </a:t>
+            </a:r>
+            <a:r>
+              <a:rPr lang="it-IT" dirty="0" err="1"/>
+              <a:t>function</a:t>
+            </a:r>
+            <a:r>
+              <a:rPr lang="it-IT" dirty="0"/>
+              <a:t> </a:t>
+            </a:r>
+            <a:r>
+              <a:rPr lang="it-IT" dirty="0" err="1"/>
+              <a:t>which</a:t>
+            </a:r>
+            <a:r>
+              <a:rPr lang="it-IT" dirty="0"/>
+              <a:t> </a:t>
+            </a:r>
+            <a:r>
+              <a:rPr lang="it-IT" dirty="0" err="1"/>
+              <a:t>is</a:t>
+            </a:r>
+            <a:r>
+              <a:rPr lang="it-IT" dirty="0"/>
+              <a:t> </a:t>
+            </a:r>
+            <a:r>
+              <a:rPr lang="it-IT" dirty="0" err="1"/>
+              <a:t>responsible</a:t>
+            </a:r>
+            <a:r>
+              <a:rPr lang="it-IT" dirty="0"/>
+              <a:t> to </a:t>
+            </a:r>
+            <a:r>
+              <a:rPr lang="it-IT" dirty="0" err="1"/>
+              <a:t>find</a:t>
+            </a:r>
+            <a:r>
+              <a:rPr lang="it-IT" dirty="0"/>
+              <a:t> </a:t>
+            </a:r>
+            <a:r>
+              <a:rPr lang="it-IT" dirty="0" err="1"/>
+              <a:t>all</a:t>
+            </a:r>
+            <a:r>
+              <a:rPr lang="it-IT" dirty="0"/>
+              <a:t> </a:t>
+            </a:r>
+            <a:r>
+              <a:rPr lang="it-IT" dirty="0" err="1"/>
+              <a:t>possible</a:t>
+            </a:r>
+            <a:r>
+              <a:rPr lang="it-IT" dirty="0"/>
+              <a:t> </a:t>
+            </a:r>
+            <a:r>
+              <a:rPr lang="it-IT" dirty="0" err="1"/>
+              <a:t>voicings</a:t>
+            </a:r>
+            <a:r>
+              <a:rPr lang="it-IT" dirty="0"/>
+              <a:t> </a:t>
+            </a:r>
+            <a:r>
+              <a:rPr lang="it-IT" dirty="0" err="1"/>
+              <a:t>is</a:t>
+            </a:r>
+            <a:r>
+              <a:rPr lang="it-IT" dirty="0"/>
+              <a:t> the </a:t>
+            </a:r>
+            <a:r>
+              <a:rPr lang="it-IT" dirty="0" err="1"/>
+              <a:t>recursivePositionSearch</a:t>
+            </a:r>
+            <a:r>
+              <a:rPr lang="it-IT" dirty="0"/>
+              <a:t> </a:t>
+            </a:r>
+            <a:r>
+              <a:rPr lang="it-IT" dirty="0" err="1"/>
+              <a:t>function</a:t>
+            </a:r>
+            <a:r>
+              <a:rPr lang="it-IT" dirty="0"/>
+              <a:t>.</a:t>
+            </a:r>
+          </a:p>
+          <a:p>
+            <a:r>
+              <a:rPr lang="it-IT" dirty="0" err="1"/>
+              <a:t>This</a:t>
+            </a:r>
+            <a:r>
+              <a:rPr lang="it-IT" dirty="0"/>
+              <a:t> </a:t>
+            </a:r>
+            <a:r>
+              <a:rPr lang="it-IT" dirty="0" err="1"/>
+              <a:t>function</a:t>
+            </a:r>
+            <a:r>
+              <a:rPr lang="it-IT" dirty="0"/>
+              <a:t> works by </a:t>
+            </a:r>
+            <a:r>
+              <a:rPr lang="it-IT" dirty="0" err="1"/>
+              <a:t>starting</a:t>
+            </a:r>
+            <a:r>
+              <a:rPr lang="it-IT" dirty="0"/>
+              <a:t> from a </a:t>
+            </a:r>
+            <a:r>
+              <a:rPr lang="it-IT" dirty="0" err="1"/>
+              <a:t>valid</a:t>
+            </a:r>
+            <a:r>
+              <a:rPr lang="it-IT" dirty="0"/>
+              <a:t> note on the </a:t>
+            </a:r>
+            <a:r>
+              <a:rPr lang="it-IT" dirty="0" err="1"/>
+              <a:t>lowest</a:t>
+            </a:r>
+            <a:r>
+              <a:rPr lang="it-IT" dirty="0"/>
+              <a:t> </a:t>
+            </a:r>
+            <a:r>
+              <a:rPr lang="it-IT" dirty="0" err="1"/>
+              <a:t>string</a:t>
+            </a:r>
+            <a:r>
+              <a:rPr lang="it-IT" dirty="0"/>
+              <a:t>, and </a:t>
+            </a:r>
+            <a:r>
+              <a:rPr lang="it-IT" dirty="0" err="1"/>
+              <a:t>then</a:t>
+            </a:r>
+            <a:r>
+              <a:rPr lang="it-IT" dirty="0"/>
+              <a:t> </a:t>
+            </a:r>
+            <a:r>
+              <a:rPr lang="it-IT" dirty="0" err="1"/>
+              <a:t>proceed</a:t>
+            </a:r>
+            <a:r>
+              <a:rPr lang="it-IT" dirty="0"/>
+              <a:t> </a:t>
+            </a:r>
+            <a:r>
+              <a:rPr lang="it-IT" dirty="0" err="1"/>
+              <a:t>descending</a:t>
+            </a:r>
+            <a:r>
+              <a:rPr lang="it-IT" dirty="0"/>
+              <a:t> </a:t>
+            </a:r>
+            <a:r>
+              <a:rPr lang="it-IT" dirty="0" err="1"/>
+              <a:t>string</a:t>
+            </a:r>
+            <a:r>
+              <a:rPr lang="it-IT" dirty="0"/>
+              <a:t> by </a:t>
+            </a:r>
+            <a:r>
+              <a:rPr lang="it-IT" dirty="0" err="1"/>
+              <a:t>string</a:t>
+            </a:r>
+            <a:r>
+              <a:rPr lang="it-IT" dirty="0"/>
+              <a:t> </a:t>
+            </a:r>
+            <a:r>
+              <a:rPr lang="it-IT" dirty="0" err="1"/>
+              <a:t>searching</a:t>
+            </a:r>
+            <a:r>
+              <a:rPr lang="it-IT" dirty="0"/>
+              <a:t> for </a:t>
+            </a:r>
+            <a:r>
+              <a:rPr lang="it-IT" dirty="0" err="1"/>
+              <a:t>all</a:t>
+            </a:r>
+            <a:r>
+              <a:rPr lang="it-IT" dirty="0"/>
+              <a:t> </a:t>
+            </a:r>
+            <a:r>
+              <a:rPr lang="it-IT" dirty="0" err="1"/>
+              <a:t>possible</a:t>
+            </a:r>
+            <a:r>
+              <a:rPr lang="it-IT" dirty="0"/>
+              <a:t> </a:t>
+            </a:r>
+            <a:r>
+              <a:rPr lang="it-IT" dirty="0" err="1"/>
+              <a:t>sequences</a:t>
+            </a:r>
+            <a:r>
+              <a:rPr lang="it-IT" dirty="0"/>
+              <a:t> of positions </a:t>
+            </a:r>
+            <a:r>
+              <a:rPr lang="it-IT" dirty="0" err="1"/>
+              <a:t>which</a:t>
+            </a:r>
+            <a:r>
+              <a:rPr lang="it-IT" dirty="0"/>
+              <a:t> are </a:t>
+            </a:r>
+            <a:r>
+              <a:rPr lang="it-IT" dirty="0" err="1"/>
+              <a:t>valid</a:t>
+            </a:r>
+            <a:r>
+              <a:rPr lang="it-IT" dirty="0"/>
+              <a:t>, </a:t>
+            </a:r>
+            <a:r>
+              <a:rPr lang="it-IT" dirty="0" err="1"/>
+              <a:t>according</a:t>
+            </a:r>
+            <a:r>
+              <a:rPr lang="it-IT" dirty="0"/>
+              <a:t> to some </a:t>
+            </a:r>
+            <a:r>
+              <a:rPr lang="it-IT" dirty="0" err="1"/>
+              <a:t>constraints</a:t>
+            </a:r>
+            <a:r>
+              <a:rPr lang="it-IT" dirty="0"/>
+              <a:t> </a:t>
+            </a:r>
+            <a:r>
+              <a:rPr lang="it-IT" dirty="0" err="1"/>
+              <a:t>related</a:t>
+            </a:r>
+            <a:r>
+              <a:rPr lang="it-IT" dirty="0"/>
+              <a:t> to </a:t>
+            </a:r>
+            <a:r>
+              <a:rPr lang="it-IT" dirty="0" err="1"/>
+              <a:t>chord</a:t>
+            </a:r>
+            <a:r>
+              <a:rPr lang="it-IT" dirty="0"/>
+              <a:t> </a:t>
+            </a:r>
+            <a:r>
+              <a:rPr lang="it-IT" dirty="0" err="1"/>
+              <a:t>voicings</a:t>
+            </a:r>
+            <a:r>
+              <a:rPr lang="it-IT" dirty="0"/>
+              <a:t>.</a:t>
+            </a:r>
+          </a:p>
+          <a:p>
+            <a:r>
+              <a:rPr lang="it-IT" dirty="0" err="1"/>
+              <a:t>When</a:t>
+            </a:r>
+            <a:r>
+              <a:rPr lang="it-IT" dirty="0"/>
+              <a:t> </a:t>
+            </a:r>
+            <a:r>
+              <a:rPr lang="it-IT" dirty="0" err="1"/>
+              <a:t>we</a:t>
+            </a:r>
+            <a:r>
+              <a:rPr lang="it-IT" dirty="0"/>
+              <a:t> </a:t>
+            </a:r>
+            <a:r>
+              <a:rPr lang="it-IT" dirty="0" err="1"/>
+              <a:t>find</a:t>
+            </a:r>
+            <a:r>
+              <a:rPr lang="it-IT" dirty="0"/>
+              <a:t> a </a:t>
+            </a:r>
+            <a:r>
+              <a:rPr lang="it-IT" dirty="0" err="1"/>
+              <a:t>path</a:t>
+            </a:r>
+            <a:r>
+              <a:rPr lang="it-IT" dirty="0"/>
+              <a:t> </a:t>
+            </a:r>
+            <a:r>
+              <a:rPr lang="it-IT" dirty="0" err="1"/>
+              <a:t>is</a:t>
+            </a:r>
+            <a:r>
+              <a:rPr lang="it-IT" dirty="0"/>
+              <a:t> </a:t>
+            </a:r>
+            <a:r>
+              <a:rPr lang="it-IT" dirty="0" err="1"/>
+              <a:t>not</a:t>
+            </a:r>
+            <a:r>
+              <a:rPr lang="it-IT" dirty="0"/>
+              <a:t> </a:t>
+            </a:r>
+            <a:r>
+              <a:rPr lang="it-IT" dirty="0" err="1"/>
+              <a:t>valid</a:t>
+            </a:r>
+            <a:r>
+              <a:rPr lang="it-IT" dirty="0"/>
+              <a:t> </a:t>
+            </a:r>
+            <a:r>
+              <a:rPr lang="it-IT" dirty="0" err="1"/>
+              <a:t>we</a:t>
+            </a:r>
+            <a:r>
+              <a:rPr lang="it-IT" dirty="0"/>
+              <a:t> stop following </a:t>
+            </a:r>
+            <a:r>
+              <a:rPr lang="it-IT" dirty="0" err="1"/>
+              <a:t>it</a:t>
+            </a:r>
+            <a:r>
+              <a:rPr lang="it-IT" dirty="0"/>
+              <a:t>, to </a:t>
+            </a:r>
+            <a:r>
+              <a:rPr lang="it-IT" dirty="0" err="1"/>
+              <a:t>avoid</a:t>
+            </a:r>
+            <a:r>
+              <a:rPr lang="it-IT" dirty="0"/>
+              <a:t> </a:t>
+            </a:r>
+            <a:r>
+              <a:rPr lang="it-IT" dirty="0" err="1"/>
+              <a:t>wasting</a:t>
+            </a:r>
+            <a:r>
+              <a:rPr lang="it-IT" dirty="0"/>
+              <a:t> time.</a:t>
+            </a:r>
+          </a:p>
+          <a:p>
+            <a:r>
+              <a:rPr lang="it-IT" dirty="0"/>
+              <a:t>The </a:t>
+            </a:r>
+            <a:r>
+              <a:rPr lang="it-IT" dirty="0" err="1"/>
+              <a:t>function</a:t>
+            </a:r>
+            <a:r>
+              <a:rPr lang="it-IT" dirty="0"/>
+              <a:t> works in a recursive way, </a:t>
+            </a:r>
+            <a:r>
+              <a:rPr lang="it-IT" dirty="0" err="1"/>
+              <a:t>since</a:t>
+            </a:r>
+            <a:r>
+              <a:rPr lang="it-IT" dirty="0"/>
+              <a:t> </a:t>
+            </a:r>
+            <a:r>
+              <a:rPr lang="it-IT" dirty="0" err="1"/>
+              <a:t>each</a:t>
+            </a:r>
+            <a:r>
+              <a:rPr lang="it-IT" dirty="0"/>
+              <a:t> time </a:t>
+            </a:r>
+            <a:r>
+              <a:rPr lang="it-IT" dirty="0" err="1"/>
+              <a:t>it</a:t>
+            </a:r>
+            <a:r>
+              <a:rPr lang="it-IT" dirty="0"/>
+              <a:t> calls </a:t>
+            </a:r>
+            <a:r>
+              <a:rPr lang="it-IT" dirty="0" err="1"/>
+              <a:t>itself</a:t>
+            </a:r>
+            <a:r>
+              <a:rPr lang="it-IT" dirty="0"/>
+              <a:t> on a subset of the </a:t>
+            </a:r>
+            <a:r>
+              <a:rPr lang="it-IT" dirty="0" err="1"/>
+              <a:t>original</a:t>
+            </a:r>
+            <a:r>
+              <a:rPr lang="it-IT" dirty="0"/>
+              <a:t> </a:t>
+            </a:r>
+            <a:r>
+              <a:rPr lang="it-IT" dirty="0" err="1"/>
+              <a:t>number</a:t>
+            </a:r>
+            <a:r>
+              <a:rPr lang="it-IT" dirty="0"/>
+              <a:t> of </a:t>
+            </a:r>
+            <a:r>
+              <a:rPr lang="it-IT" dirty="0" err="1"/>
+              <a:t>strings</a:t>
+            </a:r>
+            <a:r>
+              <a:rPr lang="it-IT" dirty="0"/>
+              <a:t>, and in </a:t>
+            </a:r>
+            <a:r>
+              <a:rPr lang="it-IT" dirty="0" err="1"/>
+              <a:t>this</a:t>
+            </a:r>
+            <a:r>
+              <a:rPr lang="it-IT" dirty="0"/>
+              <a:t> way </a:t>
+            </a:r>
+            <a:r>
+              <a:rPr lang="it-IT" dirty="0" err="1"/>
+              <a:t>we</a:t>
+            </a:r>
+            <a:r>
+              <a:rPr lang="it-IT" dirty="0"/>
+              <a:t> </a:t>
+            </a:r>
+            <a:r>
+              <a:rPr lang="it-IT" dirty="0" err="1"/>
+              <a:t>consider</a:t>
+            </a:r>
+            <a:r>
+              <a:rPr lang="it-IT" dirty="0"/>
+              <a:t> </a:t>
+            </a:r>
+            <a:r>
+              <a:rPr lang="it-IT" dirty="0" err="1"/>
+              <a:t>all</a:t>
+            </a:r>
+            <a:r>
+              <a:rPr lang="it-IT" dirty="0"/>
+              <a:t> </a:t>
+            </a:r>
+            <a:r>
+              <a:rPr lang="it-IT" dirty="0" err="1"/>
+              <a:t>possible</a:t>
+            </a:r>
+            <a:r>
+              <a:rPr lang="it-IT" dirty="0"/>
+              <a:t> </a:t>
+            </a:r>
+            <a:r>
+              <a:rPr lang="it-IT" dirty="0" err="1"/>
+              <a:t>combinations</a:t>
+            </a:r>
+            <a:r>
+              <a:rPr lang="it-IT" dirty="0"/>
+              <a:t> of positions.</a:t>
+            </a:r>
+          </a:p>
+          <a:p>
             <a:endParaRPr lang="it-IT" dirty="0"/>
           </a:p>
           <a:p>
@@ -7887,7 +8214,47 @@
           <a:p>
             <a:r>
               <a:rPr lang="it-IT" dirty="0" err="1"/>
-              <a:t>When</a:t>
+              <a:t>Then</a:t>
+            </a:r>
+            <a:r>
+              <a:rPr lang="it-IT" dirty="0"/>
+              <a:t> </a:t>
+            </a:r>
+            <a:r>
+              <a:rPr lang="it-IT" dirty="0" err="1"/>
+              <a:t>we</a:t>
+            </a:r>
+            <a:r>
+              <a:rPr lang="it-IT" dirty="0"/>
+              <a:t> </a:t>
+            </a:r>
+            <a:r>
+              <a:rPr lang="it-IT" dirty="0" err="1"/>
+              <a:t>have</a:t>
+            </a:r>
+            <a:r>
+              <a:rPr lang="it-IT" dirty="0"/>
+              <a:t> </a:t>
+            </a:r>
+            <a:r>
+              <a:rPr lang="it-IT" dirty="0" err="1"/>
+              <a:t>functions</a:t>
+            </a:r>
+            <a:r>
+              <a:rPr lang="it-IT" dirty="0"/>
+              <a:t> </a:t>
+            </a:r>
+            <a:r>
+              <a:rPr lang="it-IT" dirty="0" err="1"/>
+              <a:t>dedicated</a:t>
+            </a:r>
+            <a:r>
+              <a:rPr lang="it-IT" dirty="0"/>
+              <a:t> to the generation of the </a:t>
+            </a:r>
+            <a:r>
+              <a:rPr lang="it-IT" dirty="0" err="1"/>
+              <a:t>entire</a:t>
             </a:r>
             <a:r>
               <a:rPr lang="it-IT" dirty="0"/>
@@ -7899,7 +8266,47 @@
             </a:r>
             <a:r>
               <a:rPr lang="it-IT" dirty="0"/>
-              <a:t> a single </a:t>
+              <a:t> </a:t>
+            </a:r>
+            <a:r>
+              <a:rPr lang="it-IT" dirty="0" err="1"/>
+              <a:t>sequence</a:t>
+            </a:r>
+            <a:r>
+              <a:rPr lang="it-IT" dirty="0"/>
+              <a:t>. </a:t>
+            </a:r>
+            <a:r>
+              <a:rPr lang="it-IT" dirty="0" err="1"/>
+              <a:t>Basically</a:t>
+            </a:r>
+            <a:r>
+              <a:rPr lang="it-IT" dirty="0"/>
+              <a:t>, </a:t>
+            </a:r>
+            <a:r>
+              <a:rPr lang="it-IT" dirty="0" err="1"/>
+              <a:t>starting</a:t>
+            </a:r>
+            <a:r>
+              <a:rPr lang="it-IT" dirty="0"/>
+              <a:t> from a list of </a:t>
+            </a:r>
+            <a:r>
+              <a:rPr lang="it-IT" dirty="0" err="1"/>
+              <a:t>voicings</a:t>
+            </a:r>
+            <a:r>
+              <a:rPr lang="it-IT" dirty="0"/>
+              <a:t> for </a:t>
+            </a:r>
+            <a:r>
+              <a:rPr lang="it-IT" dirty="0" err="1"/>
+              <a:t>each</a:t>
+            </a:r>
+            <a:r>
+              <a:rPr lang="it-IT" dirty="0"/>
+              <a:t> </a:t>
             </a:r>
             <a:r>
               <a:rPr lang="it-IT" dirty="0" err="1"/>
@@ -7915,27 +8322,136 @@
             </a:r>
             <a:r>
               <a:rPr lang="it-IT" dirty="0"/>
-              <a:t> follow </a:t>
-            </a:r>
-            <a:r>
-              <a:rPr lang="it-IT" dirty="0" err="1"/>
-              <a:t>these</a:t>
-            </a:r>
-            <a:r>
-              <a:rPr lang="it-IT" dirty="0"/>
-              <a:t> </a:t>
-            </a:r>
-            <a:r>
-              <a:rPr lang="it-IT" dirty="0" err="1"/>
-              <a:t>constraints</a:t>
-            </a:r>
-            <a:r>
-              <a:rPr lang="it-IT" dirty="0"/>
-              <a:t> and </a:t>
-            </a:r>
-            <a:r>
-              <a:rPr lang="it-IT" dirty="0" err="1"/>
-              <a:t>principles</a:t>
+              <a:t> </a:t>
+            </a:r>
+            <a:r>
+              <a:rPr lang="it-IT" dirty="0" err="1"/>
+              <a:t>consider</a:t>
+            </a:r>
+            <a:r>
+              <a:rPr lang="it-IT" dirty="0"/>
+              <a:t> </a:t>
+            </a:r>
+            <a:r>
+              <a:rPr lang="it-IT" dirty="0" err="1"/>
+              <a:t>all</a:t>
+            </a:r>
+            <a:r>
+              <a:rPr lang="it-IT" dirty="0"/>
+              <a:t> </a:t>
+            </a:r>
+            <a:r>
+              <a:rPr lang="it-IT" dirty="0" err="1"/>
+              <a:t>possible</a:t>
+            </a:r>
+            <a:r>
+              <a:rPr lang="it-IT" dirty="0"/>
+              <a:t> </a:t>
+            </a:r>
+            <a:r>
+              <a:rPr lang="it-IT" dirty="0" err="1"/>
+              <a:t>sequences</a:t>
+            </a:r>
+            <a:r>
+              <a:rPr lang="it-IT" dirty="0"/>
+              <a:t>, and </a:t>
+            </a:r>
+            <a:r>
+              <a:rPr lang="it-IT" dirty="0" err="1"/>
+              <a:t>try</a:t>
+            </a:r>
+            <a:r>
+              <a:rPr lang="it-IT" dirty="0"/>
+              <a:t> to </a:t>
+            </a:r>
+            <a:r>
+              <a:rPr lang="it-IT" dirty="0" err="1"/>
+              <a:t>find</a:t>
+            </a:r>
+            <a:r>
+              <a:rPr lang="it-IT" dirty="0"/>
+              <a:t> the «</a:t>
+            </a:r>
+            <a:r>
+              <a:rPr lang="it-IT" dirty="0" err="1"/>
+              <a:t>optimal</a:t>
+            </a:r>
+            <a:r>
+              <a:rPr lang="it-IT" dirty="0"/>
+              <a:t>» one, </a:t>
+            </a:r>
+            <a:r>
+              <a:rPr lang="it-IT" dirty="0" err="1"/>
+              <a:t>according</a:t>
+            </a:r>
+            <a:r>
+              <a:rPr lang="it-IT" dirty="0"/>
+              <a:t> to some </a:t>
+            </a:r>
+            <a:r>
+              <a:rPr lang="it-IT" dirty="0" err="1"/>
+              <a:t>criteria</a:t>
+            </a:r>
+            <a:r>
+              <a:rPr lang="it-IT" dirty="0"/>
+              <a:t>.</a:t>
+            </a:r>
+          </a:p>
+          <a:p>
+            <a:endParaRPr lang="it-IT" dirty="0"/>
+          </a:p>
+          <a:p>
+            <a:r>
+              <a:rPr lang="it-IT" dirty="0" err="1"/>
+              <a:t>We</a:t>
+            </a:r>
+            <a:r>
+              <a:rPr lang="it-IT" dirty="0"/>
+              <a:t> </a:t>
+            </a:r>
+            <a:r>
+              <a:rPr lang="it-IT" dirty="0" err="1"/>
+              <a:t>measure</a:t>
+            </a:r>
+            <a:r>
+              <a:rPr lang="it-IT" dirty="0"/>
+              <a:t> a </a:t>
+            </a:r>
+            <a:r>
+              <a:rPr lang="it-IT" dirty="0" err="1"/>
+              <a:t>sequence</a:t>
+            </a:r>
+            <a:r>
+              <a:rPr lang="it-IT" dirty="0"/>
+              <a:t> </a:t>
+            </a:r>
+            <a:r>
+              <a:rPr lang="it-IT" dirty="0" err="1"/>
+              <a:t>quality</a:t>
+            </a:r>
+            <a:r>
+              <a:rPr lang="it-IT" dirty="0"/>
+              <a:t> </a:t>
+            </a:r>
+            <a:r>
+              <a:rPr lang="it-IT" dirty="0" err="1"/>
+              <a:t>using</a:t>
+            </a:r>
+            <a:r>
+              <a:rPr lang="it-IT" dirty="0"/>
+              <a:t> </a:t>
+            </a:r>
+            <a:r>
+              <a:rPr lang="it-IT" dirty="0" err="1"/>
+              <a:t>two</a:t>
+            </a:r>
+            <a:r>
+              <a:rPr lang="it-IT" dirty="0"/>
+              <a:t> </a:t>
+            </a:r>
+            <a:r>
+              <a:rPr lang="it-IT" dirty="0" err="1"/>
+              <a:t>criteria</a:t>
             </a:r>
             <a:r>
               <a:rPr lang="it-IT" dirty="0"/>
@@ -7943,564 +8459,1537 @@
             </a:r>
           </a:p>
           <a:p>
-            <a:pPr marL="228600" indent="-228600">
-              <a:buAutoNum type="arabicParenR"/>
+            <a:pPr rtl="0" fontAlgn="ctr">
+              <a:spcBef>
+                <a:spcPts val="0"/>
+              </a:spcBef>
+              <a:spcAft>
+                <a:spcPts val="0"/>
+              </a:spcAft>
+              <a:buFont typeface="Courier New" panose="02070309020205020404" pitchFamily="49" charset="0"/>
+              <a:buChar char="o"/>
             </a:pPr>
             <a:r>
-              <a:rPr lang="it-IT" dirty="0" err="1"/>
-              <a:t>We</a:t>
-            </a:r>
-            <a:r>
-              <a:rPr lang="it-IT" dirty="0"/>
-              <a:t> </a:t>
-            </a:r>
-            <a:r>
-              <a:rPr lang="it-IT" dirty="0" err="1"/>
+              <a:rPr lang="it-IT" dirty="0"/>
+              <a:t>1)</a:t>
+            </a:r>
+            <a:r>
+              <a:rPr lang="it-IT" sz="1200" dirty="0">
+                <a:effectLst/>
+                <a:latin typeface="Calibri" panose="020F0502020204030204" pitchFamily="34" charset="0"/>
+              </a:rPr>
+              <a:t> The minimum </a:t>
+            </a:r>
+            <a:r>
+              <a:rPr lang="it-IT" sz="1200" dirty="0" err="1">
+                <a:effectLst/>
+                <a:latin typeface="Calibri" panose="020F0502020204030204" pitchFamily="34" charset="0"/>
+              </a:rPr>
+              <a:t>distance</a:t>
+            </a:r>
+            <a:r>
+              <a:rPr lang="it-IT" sz="1200" dirty="0">
+                <a:effectLst/>
+                <a:latin typeface="Calibri" panose="020F0502020204030204" pitchFamily="34" charset="0"/>
+              </a:rPr>
+              <a:t> </a:t>
+            </a:r>
+            <a:r>
+              <a:rPr lang="it-IT" sz="1200" dirty="0" err="1">
+                <a:effectLst/>
+                <a:latin typeface="Calibri" panose="020F0502020204030204" pitchFamily="34" charset="0"/>
+              </a:rPr>
+              <a:t>between</a:t>
+            </a:r>
+            <a:r>
+              <a:rPr lang="it-IT" sz="1200" dirty="0">
+                <a:effectLst/>
+                <a:latin typeface="Calibri" panose="020F0502020204030204" pitchFamily="34" charset="0"/>
+              </a:rPr>
+              <a:t> consecutive </a:t>
+            </a:r>
+            <a:r>
+              <a:rPr lang="it-IT" sz="1200" dirty="0" err="1">
+                <a:effectLst/>
+                <a:latin typeface="Calibri" panose="020F0502020204030204" pitchFamily="34" charset="0"/>
+              </a:rPr>
+              <a:t>pairs</a:t>
+            </a:r>
+            <a:r>
+              <a:rPr lang="it-IT" sz="1200" dirty="0">
+                <a:effectLst/>
+                <a:latin typeface="Calibri" panose="020F0502020204030204" pitchFamily="34" charset="0"/>
+              </a:rPr>
+              <a:t>. In a </a:t>
+            </a:r>
+            <a:r>
+              <a:rPr lang="it-IT" sz="1200" dirty="0" err="1">
+                <a:effectLst/>
+                <a:latin typeface="Calibri" panose="020F0502020204030204" pitchFamily="34" charset="0"/>
+              </a:rPr>
+              <a:t>simple</a:t>
+            </a:r>
+            <a:r>
+              <a:rPr lang="it-IT" sz="1200" dirty="0">
+                <a:effectLst/>
+                <a:latin typeface="Calibri" panose="020F0502020204030204" pitchFamily="34" charset="0"/>
+              </a:rPr>
+              <a:t> intuitive way, the </a:t>
+            </a:r>
+            <a:r>
+              <a:rPr lang="it-IT" sz="1200" dirty="0" err="1">
+                <a:effectLst/>
+                <a:latin typeface="Calibri" panose="020F0502020204030204" pitchFamily="34" charset="0"/>
+              </a:rPr>
+              <a:t>distance</a:t>
+            </a:r>
+            <a:r>
+              <a:rPr lang="it-IT" sz="1200" dirty="0">
+                <a:effectLst/>
+                <a:latin typeface="Calibri" panose="020F0502020204030204" pitchFamily="34" charset="0"/>
+              </a:rPr>
+              <a:t> </a:t>
+            </a:r>
+            <a:r>
+              <a:rPr lang="it-IT" sz="1200" dirty="0" err="1">
+                <a:effectLst/>
+                <a:latin typeface="Calibri" panose="020F0502020204030204" pitchFamily="34" charset="0"/>
+              </a:rPr>
+              <a:t>between</a:t>
+            </a:r>
+            <a:r>
+              <a:rPr lang="it-IT" sz="1200" dirty="0">
+                <a:effectLst/>
+                <a:latin typeface="Calibri" panose="020F0502020204030204" pitchFamily="34" charset="0"/>
+              </a:rPr>
+              <a:t> </a:t>
+            </a:r>
+            <a:r>
+              <a:rPr lang="it-IT" sz="1200" dirty="0" err="1">
+                <a:effectLst/>
+                <a:latin typeface="Calibri" panose="020F0502020204030204" pitchFamily="34" charset="0"/>
+              </a:rPr>
+              <a:t>two</a:t>
+            </a:r>
+            <a:r>
+              <a:rPr lang="it-IT" sz="1200" dirty="0">
+                <a:effectLst/>
+                <a:latin typeface="Calibri" panose="020F0502020204030204" pitchFamily="34" charset="0"/>
+              </a:rPr>
+              <a:t> </a:t>
+            </a:r>
+            <a:r>
+              <a:rPr lang="it-IT" sz="1200" dirty="0" err="1">
+                <a:effectLst/>
+                <a:latin typeface="Calibri" panose="020F0502020204030204" pitchFamily="34" charset="0"/>
+              </a:rPr>
+              <a:t>voicings</a:t>
+            </a:r>
+            <a:r>
+              <a:rPr lang="it-IT" sz="1200" dirty="0">
+                <a:effectLst/>
+                <a:latin typeface="Calibri" panose="020F0502020204030204" pitchFamily="34" charset="0"/>
+              </a:rPr>
+              <a:t> </a:t>
+            </a:r>
+            <a:r>
+              <a:rPr lang="it-IT" sz="1200" dirty="0" err="1">
+                <a:effectLst/>
+                <a:latin typeface="Calibri" panose="020F0502020204030204" pitchFamily="34" charset="0"/>
+              </a:rPr>
+              <a:t>represents</a:t>
+            </a:r>
+            <a:r>
+              <a:rPr lang="it-IT" sz="1200" dirty="0">
+                <a:effectLst/>
+                <a:latin typeface="Calibri" panose="020F0502020204030204" pitchFamily="34" charset="0"/>
+              </a:rPr>
+              <a:t> the </a:t>
+            </a:r>
+            <a:r>
+              <a:rPr lang="it-IT" sz="1200" dirty="0" err="1">
+                <a:effectLst/>
+                <a:latin typeface="Calibri" panose="020F0502020204030204" pitchFamily="34" charset="0"/>
+              </a:rPr>
+              <a:t>distance</a:t>
+            </a:r>
+            <a:r>
+              <a:rPr lang="it-IT" sz="1200" dirty="0">
+                <a:effectLst/>
+                <a:latin typeface="Calibri" panose="020F0502020204030204" pitchFamily="34" charset="0"/>
+              </a:rPr>
+              <a:t> in </a:t>
+            </a:r>
+            <a:r>
+              <a:rPr lang="it-IT" sz="1200" dirty="0" err="1">
+                <a:effectLst/>
+                <a:latin typeface="Calibri" panose="020F0502020204030204" pitchFamily="34" charset="0"/>
+              </a:rPr>
+              <a:t>frets</a:t>
+            </a:r>
+            <a:r>
+              <a:rPr lang="it-IT" sz="1200" dirty="0">
+                <a:effectLst/>
+                <a:latin typeface="Calibri" panose="020F0502020204030204" pitchFamily="34" charset="0"/>
+              </a:rPr>
+              <a:t> </a:t>
+            </a:r>
+            <a:r>
+              <a:rPr lang="it-IT" sz="1200" dirty="0" err="1">
+                <a:effectLst/>
+                <a:latin typeface="Calibri" panose="020F0502020204030204" pitchFamily="34" charset="0"/>
+              </a:rPr>
+              <a:t>between</a:t>
+            </a:r>
+            <a:r>
+              <a:rPr lang="it-IT" sz="1200" dirty="0">
+                <a:effectLst/>
+                <a:latin typeface="Calibri" panose="020F0502020204030204" pitchFamily="34" charset="0"/>
+              </a:rPr>
+              <a:t> the </a:t>
+            </a:r>
+            <a:r>
+              <a:rPr lang="it-IT" sz="1200" dirty="0" err="1">
+                <a:effectLst/>
+                <a:latin typeface="Calibri" panose="020F0502020204030204" pitchFamily="34" charset="0"/>
+              </a:rPr>
+              <a:t>two</a:t>
+            </a:r>
+            <a:r>
+              <a:rPr lang="it-IT" sz="1200" dirty="0">
+                <a:effectLst/>
+                <a:latin typeface="Calibri" panose="020F0502020204030204" pitchFamily="34" charset="0"/>
+              </a:rPr>
+              <a:t> </a:t>
+            </a:r>
+            <a:r>
+              <a:rPr lang="it-IT" sz="1200" dirty="0" err="1">
+                <a:effectLst/>
+                <a:latin typeface="Calibri" panose="020F0502020204030204" pitchFamily="34" charset="0"/>
+              </a:rPr>
+              <a:t>string</a:t>
+            </a:r>
+            <a:r>
+              <a:rPr lang="it-IT" sz="1200" dirty="0">
+                <a:effectLst/>
+                <a:latin typeface="Calibri" panose="020F0502020204030204" pitchFamily="34" charset="0"/>
+              </a:rPr>
+              <a:t> by </a:t>
+            </a:r>
+            <a:r>
+              <a:rPr lang="it-IT" sz="1200" dirty="0" err="1">
+                <a:effectLst/>
+                <a:latin typeface="Calibri" panose="020F0502020204030204" pitchFamily="34" charset="0"/>
+              </a:rPr>
+              <a:t>string</a:t>
+            </a:r>
+            <a:r>
+              <a:rPr lang="it-IT" sz="1200" dirty="0">
+                <a:effectLst/>
+                <a:latin typeface="Calibri" panose="020F0502020204030204" pitchFamily="34" charset="0"/>
+              </a:rPr>
+              <a:t>. But some </a:t>
+            </a:r>
+            <a:r>
+              <a:rPr lang="it-IT" sz="1200" dirty="0" err="1">
+                <a:effectLst/>
+                <a:latin typeface="Calibri" panose="020F0502020204030204" pitchFamily="34" charset="0"/>
+              </a:rPr>
+              <a:t>attention</a:t>
+            </a:r>
+            <a:r>
+              <a:rPr lang="it-IT" sz="1200" dirty="0">
+                <a:effectLst/>
+                <a:latin typeface="Calibri" panose="020F0502020204030204" pitchFamily="34" charset="0"/>
+              </a:rPr>
+              <a:t> </a:t>
+            </a:r>
+            <a:r>
+              <a:rPr lang="it-IT" sz="1200" dirty="0" err="1">
+                <a:effectLst/>
+                <a:latin typeface="Calibri" panose="020F0502020204030204" pitchFamily="34" charset="0"/>
+              </a:rPr>
+              <a:t>is</a:t>
+            </a:r>
+            <a:r>
+              <a:rPr lang="it-IT" sz="1200" dirty="0">
+                <a:effectLst/>
+                <a:latin typeface="Calibri" panose="020F0502020204030204" pitchFamily="34" charset="0"/>
+              </a:rPr>
+              <a:t> </a:t>
+            </a:r>
+            <a:r>
+              <a:rPr lang="it-IT" sz="1200" dirty="0" err="1">
+                <a:effectLst/>
+                <a:latin typeface="Calibri" panose="020F0502020204030204" pitchFamily="34" charset="0"/>
+              </a:rPr>
+              <a:t>needed</a:t>
+            </a:r>
+            <a:r>
+              <a:rPr lang="it-IT" sz="1200" dirty="0">
+                <a:effectLst/>
+                <a:latin typeface="Calibri" panose="020F0502020204030204" pitchFamily="34" charset="0"/>
+              </a:rPr>
+              <a:t> </a:t>
+            </a:r>
+            <a:r>
+              <a:rPr lang="it-IT" sz="1200" dirty="0" err="1">
+                <a:effectLst/>
+                <a:latin typeface="Calibri" panose="020F0502020204030204" pitchFamily="34" charset="0"/>
+              </a:rPr>
+              <a:t>if</a:t>
+            </a:r>
+            <a:r>
+              <a:rPr lang="it-IT" sz="1200" dirty="0">
+                <a:effectLst/>
+                <a:latin typeface="Calibri" panose="020F0502020204030204" pitchFamily="34" charset="0"/>
+              </a:rPr>
+              <a:t> </a:t>
+            </a:r>
+            <a:r>
+              <a:rPr lang="it-IT" sz="1200" dirty="0" err="1">
+                <a:effectLst/>
+                <a:latin typeface="Calibri" panose="020F0502020204030204" pitchFamily="34" charset="0"/>
+              </a:rPr>
+              <a:t>we</a:t>
+            </a:r>
+            <a:r>
+              <a:rPr lang="it-IT" sz="1200" dirty="0">
+                <a:effectLst/>
+                <a:latin typeface="Calibri" panose="020F0502020204030204" pitchFamily="34" charset="0"/>
+              </a:rPr>
+              <a:t> </a:t>
+            </a:r>
+            <a:r>
+              <a:rPr lang="it-IT" sz="1200" dirty="0" err="1">
+                <a:effectLst/>
+                <a:latin typeface="Calibri" panose="020F0502020204030204" pitchFamily="34" charset="0"/>
+              </a:rPr>
+              <a:t>want</a:t>
+            </a:r>
+            <a:r>
+              <a:rPr lang="it-IT" sz="1200" dirty="0">
+                <a:effectLst/>
+                <a:latin typeface="Calibri" panose="020F0502020204030204" pitchFamily="34" charset="0"/>
+              </a:rPr>
+              <a:t> </a:t>
+            </a:r>
+            <a:r>
+              <a:rPr lang="it-IT" sz="1200" dirty="0" err="1">
+                <a:effectLst/>
+                <a:latin typeface="Calibri" panose="020F0502020204030204" pitchFamily="34" charset="0"/>
+              </a:rPr>
+              <a:t>this</a:t>
+            </a:r>
+            <a:r>
+              <a:rPr lang="it-IT" sz="1200" dirty="0">
+                <a:effectLst/>
+                <a:latin typeface="Calibri" panose="020F0502020204030204" pitchFamily="34" charset="0"/>
+              </a:rPr>
+              <a:t> </a:t>
+            </a:r>
+            <a:r>
+              <a:rPr lang="it-IT" sz="1200" dirty="0" err="1">
+                <a:effectLst/>
+                <a:latin typeface="Calibri" panose="020F0502020204030204" pitchFamily="34" charset="0"/>
+              </a:rPr>
+              <a:t>measure</a:t>
+            </a:r>
+            <a:r>
+              <a:rPr lang="it-IT" sz="1200" dirty="0">
+                <a:effectLst/>
+                <a:latin typeface="Calibri" panose="020F0502020204030204" pitchFamily="34" charset="0"/>
+              </a:rPr>
+              <a:t> to </a:t>
+            </a:r>
+            <a:r>
+              <a:rPr lang="it-IT" sz="1200" dirty="0" err="1">
+                <a:effectLst/>
+                <a:latin typeface="Calibri" panose="020F0502020204030204" pitchFamily="34" charset="0"/>
+              </a:rPr>
+              <a:t>actually</a:t>
+            </a:r>
+            <a:r>
+              <a:rPr lang="it-IT" sz="1200" dirty="0">
+                <a:effectLst/>
+                <a:latin typeface="Calibri" panose="020F0502020204030204" pitchFamily="34" charset="0"/>
+              </a:rPr>
+              <a:t> </a:t>
+            </a:r>
+            <a:r>
+              <a:rPr lang="it-IT" sz="1200" dirty="0" err="1">
+                <a:effectLst/>
+                <a:latin typeface="Calibri" panose="020F0502020204030204" pitchFamily="34" charset="0"/>
+              </a:rPr>
+              <a:t>perform</a:t>
+            </a:r>
+            <a:r>
+              <a:rPr lang="it-IT" sz="1200" dirty="0">
+                <a:effectLst/>
+                <a:latin typeface="Calibri" panose="020F0502020204030204" pitchFamily="34" charset="0"/>
+              </a:rPr>
+              <a:t> in a </a:t>
+            </a:r>
+            <a:r>
+              <a:rPr lang="it-IT" sz="1200" dirty="0" err="1">
+                <a:effectLst/>
+                <a:latin typeface="Calibri" panose="020F0502020204030204" pitchFamily="34" charset="0"/>
+              </a:rPr>
+              <a:t>nice</a:t>
+            </a:r>
+            <a:r>
+              <a:rPr lang="it-IT" sz="1200" dirty="0">
+                <a:effectLst/>
+                <a:latin typeface="Calibri" panose="020F0502020204030204" pitchFamily="34" charset="0"/>
+              </a:rPr>
+              <a:t> way</a:t>
+            </a:r>
+            <a:endParaRPr lang="it-IT" sz="1100" dirty="0">
+              <a:effectLst/>
+              <a:latin typeface="Calibri" panose="020F0502020204030204" pitchFamily="34" charset="0"/>
+            </a:endParaRPr>
+          </a:p>
+          <a:p>
+            <a:pPr marL="742950" lvl="1" indent="-285750" rtl="0" fontAlgn="ctr">
+              <a:spcBef>
+                <a:spcPts val="0"/>
+              </a:spcBef>
+              <a:spcAft>
+                <a:spcPts val="0"/>
+              </a:spcAft>
+              <a:buFont typeface="+mj-lt"/>
+              <a:buAutoNum type="romanLcPeriod"/>
+            </a:pPr>
+            <a:r>
+              <a:rPr lang="it-IT" sz="1200" b="0" i="0" dirty="0" err="1">
+                <a:effectLst/>
+                <a:latin typeface="Calibri" panose="020F0502020204030204" pitchFamily="34" charset="0"/>
+              </a:rPr>
+              <a:t>If</a:t>
+            </a:r>
+            <a:r>
+              <a:rPr lang="it-IT" sz="1200" b="0" i="0" dirty="0">
+                <a:effectLst/>
+                <a:latin typeface="Calibri" panose="020F0502020204030204" pitchFamily="34" charset="0"/>
+              </a:rPr>
+              <a:t> a </a:t>
+            </a:r>
+            <a:r>
+              <a:rPr lang="it-IT" sz="1200" b="0" i="0" dirty="0" err="1">
+                <a:effectLst/>
+                <a:latin typeface="Calibri" panose="020F0502020204030204" pitchFamily="34" charset="0"/>
+              </a:rPr>
+              <a:t>string</a:t>
+            </a:r>
+            <a:r>
+              <a:rPr lang="it-IT" sz="1200" b="0" i="0" dirty="0">
+                <a:effectLst/>
+                <a:latin typeface="Calibri" panose="020F0502020204030204" pitchFamily="34" charset="0"/>
+              </a:rPr>
+              <a:t> </a:t>
+            </a:r>
+            <a:r>
+              <a:rPr lang="it-IT" sz="1200" b="0" i="0" dirty="0" err="1">
+                <a:effectLst/>
+                <a:latin typeface="Calibri" panose="020F0502020204030204" pitchFamily="34" charset="0"/>
+              </a:rPr>
+              <a:t>is</a:t>
+            </a:r>
+            <a:r>
+              <a:rPr lang="it-IT" sz="1200" b="0" i="0" dirty="0">
+                <a:effectLst/>
+                <a:latin typeface="Calibri" panose="020F0502020204030204" pitchFamily="34" charset="0"/>
+              </a:rPr>
+              <a:t> </a:t>
+            </a:r>
+            <a:r>
+              <a:rPr lang="it-IT" sz="1200" b="0" i="0" dirty="0" err="1">
+                <a:effectLst/>
+                <a:latin typeface="Calibri" panose="020F0502020204030204" pitchFamily="34" charset="0"/>
+              </a:rPr>
+              <a:t>played</a:t>
+            </a:r>
+            <a:r>
+              <a:rPr lang="it-IT" sz="1200" b="0" i="0" dirty="0">
+                <a:effectLst/>
+                <a:latin typeface="Calibri" panose="020F0502020204030204" pitchFamily="34" charset="0"/>
+              </a:rPr>
+              <a:t> in one </a:t>
+            </a:r>
+            <a:r>
+              <a:rPr lang="it-IT" sz="1200" b="0" i="0" dirty="0" err="1">
+                <a:effectLst/>
+                <a:latin typeface="Calibri" panose="020F0502020204030204" pitchFamily="34" charset="0"/>
+              </a:rPr>
+              <a:t>chord</a:t>
+            </a:r>
+            <a:r>
+              <a:rPr lang="it-IT" sz="1200" b="0" i="0" dirty="0">
+                <a:effectLst/>
+                <a:latin typeface="Calibri" panose="020F0502020204030204" pitchFamily="34" charset="0"/>
+              </a:rPr>
+              <a:t> </a:t>
+            </a:r>
+            <a:r>
+              <a:rPr lang="it-IT" sz="1200" b="0" i="0" dirty="0" err="1">
+                <a:effectLst/>
+                <a:latin typeface="Calibri" panose="020F0502020204030204" pitchFamily="34" charset="0"/>
+              </a:rPr>
+              <a:t>but</a:t>
+            </a:r>
+            <a:r>
+              <a:rPr lang="it-IT" sz="1200" b="0" i="0" dirty="0">
+                <a:effectLst/>
+                <a:latin typeface="Calibri" panose="020F0502020204030204" pitchFamily="34" charset="0"/>
+              </a:rPr>
+              <a:t> </a:t>
+            </a:r>
+            <a:r>
+              <a:rPr lang="it-IT" sz="1200" b="0" i="0" dirty="0" err="1">
+                <a:effectLst/>
+                <a:latin typeface="Calibri" panose="020F0502020204030204" pitchFamily="34" charset="0"/>
+              </a:rPr>
+              <a:t>not</a:t>
+            </a:r>
+            <a:r>
+              <a:rPr lang="it-IT" sz="1200" b="0" i="0" dirty="0">
+                <a:effectLst/>
+                <a:latin typeface="Calibri" panose="020F0502020204030204" pitchFamily="34" charset="0"/>
+              </a:rPr>
+              <a:t> in the </a:t>
+            </a:r>
+            <a:r>
+              <a:rPr lang="it-IT" sz="1200" b="0" i="0" dirty="0" err="1">
+                <a:effectLst/>
+                <a:latin typeface="Calibri" panose="020F0502020204030204" pitchFamily="34" charset="0"/>
+              </a:rPr>
+              <a:t>next</a:t>
+            </a:r>
+            <a:r>
+              <a:rPr lang="it-IT" sz="1200" b="0" i="0" dirty="0">
+                <a:effectLst/>
+                <a:latin typeface="Calibri" panose="020F0502020204030204" pitchFamily="34" charset="0"/>
+              </a:rPr>
+              <a:t>, </a:t>
+            </a:r>
+            <a:r>
+              <a:rPr lang="it-IT" sz="1200" b="0" i="0" dirty="0" err="1">
+                <a:effectLst/>
+                <a:latin typeface="Calibri" panose="020F0502020204030204" pitchFamily="34" charset="0"/>
+              </a:rPr>
+              <a:t>we</a:t>
+            </a:r>
+            <a:r>
+              <a:rPr lang="it-IT" sz="1200" b="0" i="0" dirty="0">
+                <a:effectLst/>
+                <a:latin typeface="Calibri" panose="020F0502020204030204" pitchFamily="34" charset="0"/>
+              </a:rPr>
+              <a:t> </a:t>
+            </a:r>
+            <a:r>
+              <a:rPr lang="it-IT" sz="1200" b="0" i="0" dirty="0" err="1">
+                <a:effectLst/>
+                <a:latin typeface="Calibri" panose="020F0502020204030204" pitchFamily="34" charset="0"/>
+              </a:rPr>
+              <a:t>consider</a:t>
+            </a:r>
+            <a:r>
+              <a:rPr lang="it-IT" sz="1200" b="0" i="0" dirty="0">
+                <a:effectLst/>
+                <a:latin typeface="Calibri" panose="020F0502020204030204" pitchFamily="34" charset="0"/>
+              </a:rPr>
+              <a:t> </a:t>
+            </a:r>
+            <a:r>
+              <a:rPr lang="it-IT" sz="1200" b="0" i="0" dirty="0" err="1">
+                <a:effectLst/>
+                <a:latin typeface="Calibri" panose="020F0502020204030204" pitchFamily="34" charset="0"/>
+              </a:rPr>
+              <a:t>this</a:t>
+            </a:r>
+            <a:r>
+              <a:rPr lang="it-IT" sz="1200" b="0" i="0" dirty="0">
+                <a:effectLst/>
+                <a:latin typeface="Calibri" panose="020F0502020204030204" pitchFamily="34" charset="0"/>
+              </a:rPr>
+              <a:t> </a:t>
+            </a:r>
+            <a:r>
+              <a:rPr lang="it-IT" sz="1200" b="0" i="0" dirty="0" err="1">
+                <a:effectLst/>
+                <a:latin typeface="Calibri" panose="020F0502020204030204" pitchFamily="34" charset="0"/>
+              </a:rPr>
+              <a:t>as</a:t>
+            </a:r>
+            <a:r>
+              <a:rPr lang="it-IT" sz="1200" b="0" i="0" dirty="0">
+                <a:effectLst/>
+                <a:latin typeface="Calibri" panose="020F0502020204030204" pitchFamily="34" charset="0"/>
+              </a:rPr>
+              <a:t> a </a:t>
+            </a:r>
+            <a:r>
+              <a:rPr lang="it-IT" sz="1200" b="0" i="0" dirty="0" err="1">
+                <a:effectLst/>
+                <a:latin typeface="Calibri" panose="020F0502020204030204" pitchFamily="34" charset="0"/>
+              </a:rPr>
+              <a:t>distance</a:t>
+            </a:r>
+            <a:r>
+              <a:rPr lang="it-IT" sz="1200" b="0" i="0" dirty="0">
+                <a:effectLst/>
+                <a:latin typeface="Calibri" panose="020F0502020204030204" pitchFamily="34" charset="0"/>
+              </a:rPr>
+              <a:t> of 4 </a:t>
+            </a:r>
+            <a:r>
+              <a:rPr lang="it-IT" sz="1200" b="0" i="0" dirty="0" err="1">
+                <a:effectLst/>
+                <a:latin typeface="Calibri" panose="020F0502020204030204" pitchFamily="34" charset="0"/>
+              </a:rPr>
+              <a:t>frets</a:t>
+            </a:r>
+            <a:r>
+              <a:rPr lang="it-IT" sz="1200" b="0" i="0" dirty="0">
+                <a:effectLst/>
+                <a:latin typeface="Calibri" panose="020F0502020204030204" pitchFamily="34" charset="0"/>
+              </a:rPr>
+              <a:t>. </a:t>
+            </a:r>
+            <a:r>
+              <a:rPr lang="it-IT" sz="1200" b="0" i="0" dirty="0" err="1">
+                <a:effectLst/>
+                <a:latin typeface="Calibri" panose="020F0502020204030204" pitchFamily="34" charset="0"/>
+              </a:rPr>
+              <a:t>This</a:t>
+            </a:r>
+            <a:r>
+              <a:rPr lang="it-IT" sz="1200" b="0" i="0" dirty="0">
+                <a:effectLst/>
+                <a:latin typeface="Calibri" panose="020F0502020204030204" pitchFamily="34" charset="0"/>
+              </a:rPr>
+              <a:t> </a:t>
+            </a:r>
+            <a:r>
+              <a:rPr lang="it-IT" sz="1200" b="0" i="0" dirty="0" err="1">
+                <a:effectLst/>
+                <a:latin typeface="Calibri" panose="020F0502020204030204" pitchFamily="34" charset="0"/>
+              </a:rPr>
+              <a:t>is</a:t>
+            </a:r>
+            <a:r>
+              <a:rPr lang="it-IT" sz="1200" b="0" i="0" dirty="0">
+                <a:effectLst/>
+                <a:latin typeface="Calibri" panose="020F0502020204030204" pitchFamily="34" charset="0"/>
+              </a:rPr>
+              <a:t> </a:t>
+            </a:r>
+            <a:r>
+              <a:rPr lang="it-IT" sz="1200" b="0" i="0" dirty="0" err="1">
+                <a:effectLst/>
+                <a:latin typeface="Calibri" panose="020F0502020204030204" pitchFamily="34" charset="0"/>
+              </a:rPr>
+              <a:t>done</a:t>
+            </a:r>
+            <a:r>
+              <a:rPr lang="it-IT" sz="1200" b="0" i="0" dirty="0">
+                <a:effectLst/>
+                <a:latin typeface="Calibri" panose="020F0502020204030204" pitchFamily="34" charset="0"/>
+              </a:rPr>
+              <a:t> to </a:t>
+            </a:r>
+            <a:r>
+              <a:rPr lang="it-IT" sz="1200" b="0" i="0" dirty="0" err="1">
+                <a:effectLst/>
+                <a:latin typeface="Calibri" panose="020F0502020204030204" pitchFamily="34" charset="0"/>
+              </a:rPr>
               <a:t>avoid</a:t>
             </a:r>
             <a:r>
-              <a:rPr lang="it-IT" dirty="0"/>
-              <a:t> the </a:t>
-            </a:r>
-            <a:r>
-              <a:rPr lang="it-IT" dirty="0" err="1"/>
-              <a:t>doubling</a:t>
-            </a:r>
-            <a:r>
-              <a:rPr lang="it-IT" dirty="0"/>
-              <a:t> of the </a:t>
-            </a:r>
-            <a:r>
-              <a:rPr lang="it-IT" dirty="0" err="1"/>
-              <a:t>third</a:t>
-            </a:r>
-            <a:r>
-              <a:rPr lang="it-IT" dirty="0"/>
-              <a:t> </a:t>
-            </a:r>
-            <a:r>
-              <a:rPr lang="it-IT" dirty="0" err="1"/>
+              <a:rPr lang="it-IT" sz="1200" b="0" i="0" dirty="0">
+                <a:effectLst/>
+                <a:latin typeface="Calibri" panose="020F0502020204030204" pitchFamily="34" charset="0"/>
+              </a:rPr>
+              <a:t> a </a:t>
+            </a:r>
+            <a:r>
+              <a:rPr lang="it-IT" sz="1200" b="0" i="0" dirty="0" err="1">
+                <a:effectLst/>
+                <a:latin typeface="Calibri" panose="020F0502020204030204" pitchFamily="34" charset="0"/>
+              </a:rPr>
+              <a:t>bias</a:t>
+            </a:r>
+            <a:r>
+              <a:rPr lang="it-IT" sz="1200" b="0" i="0" dirty="0">
+                <a:effectLst/>
+                <a:latin typeface="Calibri" panose="020F0502020204030204" pitchFamily="34" charset="0"/>
+              </a:rPr>
+              <a:t> </a:t>
+            </a:r>
+            <a:r>
+              <a:rPr lang="it-IT" sz="1200" b="0" i="0" dirty="0" err="1">
+                <a:effectLst/>
+                <a:latin typeface="Calibri" panose="020F0502020204030204" pitchFamily="34" charset="0"/>
+              </a:rPr>
+              <a:t>towards</a:t>
+            </a:r>
+            <a:r>
+              <a:rPr lang="it-IT" sz="1200" b="0" i="0" dirty="0">
+                <a:effectLst/>
+                <a:latin typeface="Calibri" panose="020F0502020204030204" pitchFamily="34" charset="0"/>
+              </a:rPr>
+              <a:t> </a:t>
+            </a:r>
+            <a:r>
+              <a:rPr lang="it-IT" sz="1200" b="0" i="0" dirty="0" err="1">
+                <a:effectLst/>
+                <a:latin typeface="Calibri" panose="020F0502020204030204" pitchFamily="34" charset="0"/>
+              </a:rPr>
+              <a:t>chords</a:t>
+            </a:r>
+            <a:r>
+              <a:rPr lang="it-IT" sz="1200" b="0" i="0" dirty="0">
+                <a:effectLst/>
+                <a:latin typeface="Calibri" panose="020F0502020204030204" pitchFamily="34" charset="0"/>
+              </a:rPr>
+              <a:t> with </a:t>
+            </a:r>
+            <a:r>
+              <a:rPr lang="it-IT" sz="1200" b="0" i="0" dirty="0" err="1">
+                <a:effectLst/>
+                <a:latin typeface="Calibri" panose="020F0502020204030204" pitchFamily="34" charset="0"/>
+              </a:rPr>
+              <a:t>less</a:t>
+            </a:r>
+            <a:r>
+              <a:rPr lang="it-IT" sz="1200" b="0" i="0" dirty="0">
+                <a:effectLst/>
+                <a:latin typeface="Calibri" panose="020F0502020204030204" pitchFamily="34" charset="0"/>
+              </a:rPr>
+              <a:t> </a:t>
+            </a:r>
+            <a:r>
+              <a:rPr lang="it-IT" sz="1200" b="0" i="0" dirty="0" err="1">
+                <a:effectLst/>
+                <a:latin typeface="Calibri" panose="020F0502020204030204" pitchFamily="34" charset="0"/>
+              </a:rPr>
+              <a:t>strings</a:t>
+            </a:r>
+            <a:r>
+              <a:rPr lang="it-IT" sz="1200" b="0" i="0" dirty="0">
+                <a:effectLst/>
+                <a:latin typeface="Calibri" panose="020F0502020204030204" pitchFamily="34" charset="0"/>
+              </a:rPr>
+              <a:t> </a:t>
+            </a:r>
+            <a:r>
+              <a:rPr lang="it-IT" sz="1200" b="0" i="0" dirty="0" err="1">
+                <a:effectLst/>
+                <a:latin typeface="Calibri" panose="020F0502020204030204" pitchFamily="34" charset="0"/>
+              </a:rPr>
               <a:t>when</a:t>
             </a:r>
             <a:r>
-              <a:rPr lang="it-IT" dirty="0"/>
-              <a:t> the </a:t>
-            </a:r>
-            <a:r>
-              <a:rPr lang="it-IT" dirty="0" err="1"/>
-              <a:t>chord</a:t>
-            </a:r>
-            <a:r>
-              <a:rPr lang="it-IT" dirty="0"/>
-              <a:t> </a:t>
-            </a:r>
-            <a:r>
-              <a:rPr lang="it-IT" dirty="0" err="1"/>
-              <a:t>has</a:t>
-            </a:r>
-            <a:r>
-              <a:rPr lang="it-IT" dirty="0"/>
-              <a:t> a </a:t>
-            </a:r>
-            <a:r>
-              <a:rPr lang="it-IT" dirty="0" err="1"/>
-              <a:t>dominant</a:t>
-            </a:r>
-            <a:r>
-              <a:rPr lang="it-IT" dirty="0"/>
-              <a:t> </a:t>
-            </a:r>
-            <a:r>
-              <a:rPr lang="it-IT" dirty="0" err="1"/>
-              <a:t>function</a:t>
-            </a:r>
-            <a:r>
-              <a:rPr lang="it-IT" dirty="0"/>
-              <a:t>. The </a:t>
-            </a:r>
-            <a:r>
-              <a:rPr lang="it-IT" dirty="0" err="1"/>
-              <a:t>simple</a:t>
-            </a:r>
-            <a:r>
-              <a:rPr lang="it-IT" dirty="0"/>
-              <a:t> </a:t>
-            </a:r>
-            <a:r>
-              <a:rPr lang="it-IT" dirty="0" err="1"/>
-              <a:t>though</a:t>
-            </a:r>
-            <a:r>
-              <a:rPr lang="it-IT" dirty="0"/>
-              <a:t> </a:t>
-            </a:r>
-            <a:r>
-              <a:rPr lang="it-IT" dirty="0" err="1"/>
-              <a:t>not</a:t>
-            </a:r>
-            <a:r>
-              <a:rPr lang="it-IT" dirty="0"/>
-              <a:t> </a:t>
-            </a:r>
-            <a:r>
-              <a:rPr lang="it-IT" dirty="0" err="1"/>
-              <a:t>completely</a:t>
-            </a:r>
-            <a:r>
-              <a:rPr lang="it-IT" dirty="0"/>
-              <a:t> accurate, way </a:t>
-            </a:r>
-            <a:r>
-              <a:rPr lang="it-IT" dirty="0" err="1"/>
-              <a:t>we</a:t>
-            </a:r>
-            <a:r>
-              <a:rPr lang="it-IT" dirty="0"/>
-              <a:t> determine </a:t>
-            </a:r>
-            <a:r>
-              <a:rPr lang="it-IT" dirty="0" err="1"/>
-              <a:t>if</a:t>
-            </a:r>
-            <a:r>
-              <a:rPr lang="it-IT" dirty="0"/>
-              <a:t> the </a:t>
-            </a:r>
-            <a:r>
-              <a:rPr lang="it-IT" dirty="0" err="1"/>
-              <a:t>chord</a:t>
-            </a:r>
-            <a:r>
-              <a:rPr lang="it-IT" dirty="0"/>
-              <a:t> </a:t>
-            </a:r>
-            <a:r>
-              <a:rPr lang="it-IT" dirty="0" err="1"/>
-              <a:t>has</a:t>
-            </a:r>
-            <a:r>
-              <a:rPr lang="it-IT" dirty="0"/>
-              <a:t> a </a:t>
-            </a:r>
-            <a:r>
-              <a:rPr lang="it-IT" dirty="0" err="1"/>
-              <a:t>dominant</a:t>
-            </a:r>
-            <a:r>
-              <a:rPr lang="it-IT" dirty="0"/>
-              <a:t> </a:t>
-            </a:r>
-            <a:r>
-              <a:rPr lang="it-IT" dirty="0" err="1"/>
-              <a:t>function</a:t>
-            </a:r>
-            <a:r>
-              <a:rPr lang="it-IT" dirty="0"/>
-              <a:t> </a:t>
-            </a:r>
-            <a:r>
-              <a:rPr lang="it-IT" dirty="0" err="1"/>
+              <a:rPr lang="it-IT" sz="1200" b="0" i="0" dirty="0">
+                <a:effectLst/>
+                <a:latin typeface="Calibri" panose="020F0502020204030204" pitchFamily="34" charset="0"/>
+              </a:rPr>
+              <a:t> </a:t>
+            </a:r>
+            <a:r>
+              <a:rPr lang="it-IT" sz="1200" b="0" i="0" dirty="0" err="1">
+                <a:effectLst/>
+                <a:latin typeface="Calibri" panose="020F0502020204030204" pitchFamily="34" charset="0"/>
+              </a:rPr>
+              <a:t>progressing</a:t>
+            </a:r>
+            <a:r>
+              <a:rPr lang="it-IT" sz="1200" b="0" i="0" dirty="0">
+                <a:effectLst/>
+                <a:latin typeface="Calibri" panose="020F0502020204030204" pitchFamily="34" charset="0"/>
+              </a:rPr>
+              <a:t> in the </a:t>
+            </a:r>
+            <a:r>
+              <a:rPr lang="it-IT" sz="1200" b="0" i="0" dirty="0" err="1">
+                <a:effectLst/>
+                <a:latin typeface="Calibri" panose="020F0502020204030204" pitchFamily="34" charset="0"/>
+              </a:rPr>
+              <a:t>sequence</a:t>
+            </a:r>
+            <a:endParaRPr lang="it-IT" sz="1200" b="0" i="0" dirty="0">
+              <a:effectLst/>
+              <a:latin typeface="Calibri" panose="020F0502020204030204" pitchFamily="34" charset="0"/>
+            </a:endParaRPr>
+          </a:p>
+          <a:p>
+            <a:pPr marL="742950" lvl="1" indent="-285750" rtl="0" fontAlgn="ctr">
+              <a:spcBef>
+                <a:spcPts val="0"/>
+              </a:spcBef>
+              <a:spcAft>
+                <a:spcPts val="0"/>
+              </a:spcAft>
+              <a:buFont typeface="+mj-lt"/>
+              <a:buAutoNum type="romanLcPeriod"/>
+            </a:pPr>
+            <a:r>
+              <a:rPr lang="it-IT" sz="1200" b="0" i="0" dirty="0">
+                <a:effectLst/>
+                <a:latin typeface="Calibri" panose="020F0502020204030204" pitchFamily="34" charset="0"/>
+              </a:rPr>
+              <a:t>The </a:t>
+            </a:r>
+            <a:r>
+              <a:rPr lang="it-IT" sz="1200" b="0" i="0" dirty="0" err="1">
+                <a:effectLst/>
+                <a:latin typeface="Calibri" panose="020F0502020204030204" pitchFamily="34" charset="0"/>
+              </a:rPr>
+              <a:t>total</a:t>
+            </a:r>
+            <a:r>
+              <a:rPr lang="it-IT" sz="1200" b="0" i="0" dirty="0">
+                <a:effectLst/>
+                <a:latin typeface="Calibri" panose="020F0502020204030204" pitchFamily="34" charset="0"/>
+              </a:rPr>
+              <a:t> </a:t>
+            </a:r>
+            <a:r>
+              <a:rPr lang="it-IT" sz="1200" b="0" i="0" dirty="0" err="1">
+                <a:effectLst/>
+                <a:latin typeface="Calibri" panose="020F0502020204030204" pitchFamily="34" charset="0"/>
+              </a:rPr>
+              <a:t>distance</a:t>
+            </a:r>
+            <a:r>
+              <a:rPr lang="it-IT" sz="1200" b="0" i="0" dirty="0">
+                <a:effectLst/>
+                <a:latin typeface="Calibri" panose="020F0502020204030204" pitchFamily="34" charset="0"/>
+              </a:rPr>
+              <a:t> (sum of </a:t>
+            </a:r>
+            <a:r>
+              <a:rPr lang="it-IT" sz="1200" b="0" i="0" dirty="0" err="1">
+                <a:effectLst/>
+                <a:latin typeface="Calibri" panose="020F0502020204030204" pitchFamily="34" charset="0"/>
+              </a:rPr>
+              <a:t>distances</a:t>
+            </a:r>
+            <a:r>
+              <a:rPr lang="it-IT" sz="1200" b="0" i="0" dirty="0">
+                <a:effectLst/>
+                <a:latin typeface="Calibri" panose="020F0502020204030204" pitchFamily="34" charset="0"/>
+              </a:rPr>
+              <a:t> on </a:t>
+            </a:r>
+            <a:r>
+              <a:rPr lang="it-IT" sz="1200" b="0" i="0" dirty="0" err="1">
+                <a:effectLst/>
+                <a:latin typeface="Calibri" panose="020F0502020204030204" pitchFamily="34" charset="0"/>
+              </a:rPr>
+              <a:t>all</a:t>
+            </a:r>
+            <a:r>
+              <a:rPr lang="it-IT" sz="1200" b="0" i="0" dirty="0">
+                <a:effectLst/>
+                <a:latin typeface="Calibri" panose="020F0502020204030204" pitchFamily="34" charset="0"/>
+              </a:rPr>
+              <a:t> </a:t>
+            </a:r>
+            <a:r>
+              <a:rPr lang="it-IT" sz="1200" b="0" i="0" dirty="0" err="1">
+                <a:effectLst/>
+                <a:latin typeface="Calibri" panose="020F0502020204030204" pitchFamily="34" charset="0"/>
+              </a:rPr>
+              <a:t>strings</a:t>
+            </a:r>
+            <a:r>
+              <a:rPr lang="it-IT" sz="1200" b="0" i="0" dirty="0">
+                <a:effectLst/>
+                <a:latin typeface="Calibri" panose="020F0502020204030204" pitchFamily="34" charset="0"/>
+              </a:rPr>
+              <a:t>) </a:t>
+            </a:r>
+            <a:r>
+              <a:rPr lang="it-IT" sz="1200" b="0" i="0" dirty="0" err="1">
+                <a:effectLst/>
+                <a:latin typeface="Calibri" panose="020F0502020204030204" pitchFamily="34" charset="0"/>
+              </a:rPr>
               <a:t>is</a:t>
             </a:r>
             <a:r>
-              <a:rPr lang="it-IT" dirty="0"/>
-              <a:t> by checking </a:t>
-            </a:r>
-            <a:r>
-              <a:rPr lang="it-IT" dirty="0" err="1"/>
-              <a:t>if</a:t>
-            </a:r>
-            <a:r>
-              <a:rPr lang="it-IT" dirty="0"/>
-              <a:t> the </a:t>
-            </a:r>
-            <a:r>
-              <a:rPr lang="it-IT" dirty="0" err="1"/>
-              <a:t>current</a:t>
-            </a:r>
-            <a:r>
-              <a:rPr lang="it-IT" dirty="0"/>
-              <a:t> </a:t>
-            </a:r>
-            <a:r>
-              <a:rPr lang="it-IT" dirty="0" err="1"/>
-              <a:t>chord</a:t>
-            </a:r>
-            <a:r>
-              <a:rPr lang="it-IT" dirty="0"/>
-              <a:t> </a:t>
-            </a:r>
-            <a:r>
-              <a:rPr lang="it-IT" dirty="0" err="1"/>
-              <a:t>type</a:t>
-            </a:r>
-            <a:r>
-              <a:rPr lang="it-IT" dirty="0"/>
-              <a:t> </a:t>
-            </a:r>
-            <a:r>
-              <a:rPr lang="it-IT" dirty="0" err="1"/>
+              <a:rPr lang="it-IT" sz="1200" b="0" i="0" dirty="0">
+                <a:effectLst/>
+                <a:latin typeface="Calibri" panose="020F0502020204030204" pitchFamily="34" charset="0"/>
+              </a:rPr>
+              <a:t> </a:t>
+            </a:r>
+            <a:r>
+              <a:rPr lang="it-IT" sz="1200" b="0" i="0" dirty="0" err="1">
+                <a:effectLst/>
+                <a:latin typeface="Calibri" panose="020F0502020204030204" pitchFamily="34" charset="0"/>
+              </a:rPr>
+              <a:t>divided</a:t>
+            </a:r>
+            <a:r>
+              <a:rPr lang="it-IT" sz="1200" b="0" i="0" dirty="0">
+                <a:effectLst/>
+                <a:latin typeface="Calibri" panose="020F0502020204030204" pitchFamily="34" charset="0"/>
+              </a:rPr>
+              <a:t> by the </a:t>
+            </a:r>
+            <a:r>
+              <a:rPr lang="it-IT" sz="1200" b="0" i="0" dirty="0" err="1">
+                <a:effectLst/>
+                <a:latin typeface="Calibri" panose="020F0502020204030204" pitchFamily="34" charset="0"/>
+              </a:rPr>
+              <a:t>number</a:t>
+            </a:r>
+            <a:r>
+              <a:rPr lang="it-IT" sz="1200" b="0" i="0" dirty="0">
+                <a:effectLst/>
+                <a:latin typeface="Calibri" panose="020F0502020204030204" pitchFamily="34" charset="0"/>
+              </a:rPr>
+              <a:t> of </a:t>
+            </a:r>
+            <a:r>
+              <a:rPr lang="it-IT" sz="1200" b="0" i="0" dirty="0" err="1">
+                <a:effectLst/>
+                <a:latin typeface="Calibri" panose="020F0502020204030204" pitchFamily="34" charset="0"/>
+              </a:rPr>
+              <a:t>strings</a:t>
+            </a:r>
+            <a:r>
+              <a:rPr lang="it-IT" sz="1200" b="0" i="0" dirty="0">
+                <a:effectLst/>
+                <a:latin typeface="Calibri" panose="020F0502020204030204" pitchFamily="34" charset="0"/>
+              </a:rPr>
+              <a:t> </a:t>
+            </a:r>
+            <a:r>
+              <a:rPr lang="it-IT" sz="1200" b="0" i="0" dirty="0" err="1">
+                <a:effectLst/>
+                <a:latin typeface="Calibri" panose="020F0502020204030204" pitchFamily="34" charset="0"/>
+              </a:rPr>
+              <a:t>played</a:t>
+            </a:r>
+            <a:r>
+              <a:rPr lang="it-IT" sz="1200" b="0" i="0" dirty="0">
+                <a:effectLst/>
+                <a:latin typeface="Calibri" panose="020F0502020204030204" pitchFamily="34" charset="0"/>
+              </a:rPr>
+              <a:t>. </a:t>
+            </a:r>
+            <a:r>
+              <a:rPr lang="it-IT" sz="1200" b="0" i="0" dirty="0" err="1">
+                <a:effectLst/>
+                <a:latin typeface="Calibri" panose="020F0502020204030204" pitchFamily="34" charset="0"/>
+              </a:rPr>
+              <a:t>This</a:t>
+            </a:r>
+            <a:r>
+              <a:rPr lang="it-IT" sz="1200" b="0" i="0" dirty="0">
+                <a:effectLst/>
+                <a:latin typeface="Calibri" panose="020F0502020204030204" pitchFamily="34" charset="0"/>
+              </a:rPr>
+              <a:t> </a:t>
+            </a:r>
+            <a:r>
+              <a:rPr lang="it-IT" sz="1200" b="0" i="0" dirty="0" err="1">
+                <a:effectLst/>
+                <a:latin typeface="Calibri" panose="020F0502020204030204" pitchFamily="34" charset="0"/>
+              </a:rPr>
               <a:t>is</a:t>
             </a:r>
             <a:r>
-              <a:rPr lang="it-IT" dirty="0"/>
-              <a:t> «</a:t>
-            </a:r>
-            <a:r>
-              <a:rPr lang="it-IT" dirty="0" err="1"/>
-              <a:t>dominant</a:t>
-            </a:r>
-            <a:r>
-              <a:rPr lang="it-IT" dirty="0"/>
-              <a:t> </a:t>
-            </a:r>
-            <a:r>
-              <a:rPr lang="it-IT" dirty="0" err="1"/>
-              <a:t>seventh</a:t>
-            </a:r>
-            <a:r>
-              <a:rPr lang="it-IT" dirty="0"/>
-              <a:t>» and </a:t>
-            </a:r>
-            <a:r>
-              <a:rPr lang="it-IT" dirty="0" err="1"/>
-              <a:t>if</a:t>
-            </a:r>
-            <a:r>
-              <a:rPr lang="it-IT" dirty="0"/>
-              <a:t> </a:t>
-            </a:r>
-            <a:r>
-              <a:rPr lang="it-IT" dirty="0" err="1"/>
-              <a:t>there’s</a:t>
-            </a:r>
-            <a:r>
-              <a:rPr lang="it-IT" dirty="0"/>
-              <a:t> a P4 </a:t>
-            </a:r>
-            <a:r>
-              <a:rPr lang="it-IT" dirty="0" err="1"/>
-              <a:t>interval</a:t>
-            </a:r>
-            <a:r>
-              <a:rPr lang="it-IT" dirty="0"/>
-              <a:t> </a:t>
-            </a:r>
-            <a:r>
-              <a:rPr lang="it-IT" dirty="0" err="1"/>
-              <a:t>between</a:t>
-            </a:r>
-            <a:r>
-              <a:rPr lang="it-IT" dirty="0"/>
-              <a:t> the root of </a:t>
-            </a:r>
-            <a:r>
-              <a:rPr lang="it-IT" dirty="0" err="1"/>
-              <a:t>this</a:t>
-            </a:r>
-            <a:r>
-              <a:rPr lang="it-IT" dirty="0"/>
-              <a:t> </a:t>
-            </a:r>
-            <a:r>
-              <a:rPr lang="it-IT" dirty="0" err="1"/>
-              <a:t>chord</a:t>
-            </a:r>
-            <a:r>
-              <a:rPr lang="it-IT" dirty="0"/>
-              <a:t> and the </a:t>
-            </a:r>
-            <a:r>
-              <a:rPr lang="it-IT" dirty="0" err="1"/>
-              <a:t>next</a:t>
-            </a:r>
-            <a:r>
-              <a:rPr lang="it-IT" dirty="0"/>
-              <a:t> one. For </a:t>
-            </a:r>
-            <a:r>
-              <a:rPr lang="it-IT" dirty="0" err="1"/>
-              <a:t>exampe</a:t>
-            </a:r>
-            <a:r>
-              <a:rPr lang="it-IT" dirty="0"/>
-              <a:t> in a common V-I </a:t>
-            </a:r>
-            <a:r>
-              <a:rPr lang="it-IT" dirty="0" err="1"/>
-              <a:t>cadence</a:t>
-            </a:r>
-            <a:r>
-              <a:rPr lang="it-IT" dirty="0"/>
-              <a:t> </a:t>
-            </a:r>
-            <a:r>
-              <a:rPr lang="it-IT" dirty="0" err="1"/>
-              <a:t>between</a:t>
-            </a:r>
-            <a:r>
-              <a:rPr lang="it-IT" dirty="0"/>
-              <a:t> the G </a:t>
-            </a:r>
-            <a:r>
-              <a:rPr lang="it-IT" dirty="0" err="1"/>
-              <a:t>dominant</a:t>
-            </a:r>
-            <a:r>
-              <a:rPr lang="it-IT" dirty="0"/>
-              <a:t> </a:t>
-            </a:r>
-            <a:r>
-              <a:rPr lang="it-IT" dirty="0" err="1"/>
-              <a:t>seventh</a:t>
-            </a:r>
-            <a:r>
-              <a:rPr lang="it-IT" dirty="0"/>
-              <a:t> and the C delta </a:t>
-            </a:r>
-            <a:r>
-              <a:rPr lang="it-IT" dirty="0" err="1"/>
-              <a:t>chord</a:t>
-            </a:r>
-            <a:endParaRPr lang="it-IT" dirty="0"/>
-          </a:p>
-          <a:p>
-            <a:pPr marL="228600" indent="-228600">
-              <a:buAutoNum type="arabicParenR"/>
+              <a:rPr lang="it-IT" sz="1200" b="0" i="0" dirty="0">
+                <a:effectLst/>
+                <a:latin typeface="Calibri" panose="020F0502020204030204" pitchFamily="34" charset="0"/>
+              </a:rPr>
+              <a:t> </a:t>
+            </a:r>
+            <a:r>
+              <a:rPr lang="it-IT" sz="1200" b="0" i="0" dirty="0" err="1">
+                <a:effectLst/>
+                <a:latin typeface="Calibri" panose="020F0502020204030204" pitchFamily="34" charset="0"/>
+              </a:rPr>
+              <a:t>again</a:t>
+            </a:r>
+            <a:r>
+              <a:rPr lang="it-IT" sz="1200" b="0" i="0" dirty="0">
+                <a:effectLst/>
+                <a:latin typeface="Calibri" panose="020F0502020204030204" pitchFamily="34" charset="0"/>
+              </a:rPr>
+              <a:t> </a:t>
+            </a:r>
+            <a:r>
+              <a:rPr lang="it-IT" sz="1200" b="0" i="0" dirty="0" err="1">
+                <a:effectLst/>
+                <a:latin typeface="Calibri" panose="020F0502020204030204" pitchFamily="34" charset="0"/>
+              </a:rPr>
+              <a:t>done</a:t>
+            </a:r>
+            <a:r>
+              <a:rPr lang="it-IT" sz="1200" b="0" i="0" dirty="0">
+                <a:effectLst/>
+                <a:latin typeface="Calibri" panose="020F0502020204030204" pitchFamily="34" charset="0"/>
+              </a:rPr>
+              <a:t> to </a:t>
+            </a:r>
+            <a:r>
+              <a:rPr lang="it-IT" sz="1200" b="0" i="0" dirty="0" err="1">
+                <a:effectLst/>
+                <a:latin typeface="Calibri" panose="020F0502020204030204" pitchFamily="34" charset="0"/>
+              </a:rPr>
+              <a:t>avoid</a:t>
+            </a:r>
+            <a:r>
+              <a:rPr lang="it-IT" sz="1200" b="0" i="0" dirty="0">
+                <a:effectLst/>
+                <a:latin typeface="Calibri" panose="020F0502020204030204" pitchFamily="34" charset="0"/>
+              </a:rPr>
+              <a:t> </a:t>
+            </a:r>
+            <a:r>
+              <a:rPr lang="it-IT" sz="1200" b="0" i="0" dirty="0" err="1">
+                <a:effectLst/>
+                <a:latin typeface="Calibri" panose="020F0502020204030204" pitchFamily="34" charset="0"/>
+              </a:rPr>
+              <a:t>prioritizing</a:t>
+            </a:r>
+            <a:r>
+              <a:rPr lang="it-IT" sz="1200" b="0" i="0" dirty="0">
+                <a:effectLst/>
+                <a:latin typeface="Calibri" panose="020F0502020204030204" pitchFamily="34" charset="0"/>
+              </a:rPr>
+              <a:t> </a:t>
+            </a:r>
+            <a:r>
+              <a:rPr lang="it-IT" sz="1200" b="0" i="0" dirty="0" err="1">
+                <a:effectLst/>
+                <a:latin typeface="Calibri" panose="020F0502020204030204" pitchFamily="34" charset="0"/>
+              </a:rPr>
+              <a:t>chords</a:t>
+            </a:r>
+            <a:r>
+              <a:rPr lang="it-IT" sz="1200" b="0" i="0" dirty="0">
+                <a:effectLst/>
+                <a:latin typeface="Calibri" panose="020F0502020204030204" pitchFamily="34" charset="0"/>
+              </a:rPr>
+              <a:t> with </a:t>
+            </a:r>
+            <a:r>
+              <a:rPr lang="it-IT" sz="1200" b="0" i="0" dirty="0" err="1">
+                <a:effectLst/>
+                <a:latin typeface="Calibri" panose="020F0502020204030204" pitchFamily="34" charset="0"/>
+              </a:rPr>
+              <a:t>less</a:t>
+            </a:r>
+            <a:r>
+              <a:rPr lang="it-IT" sz="1200" b="0" i="0" dirty="0">
+                <a:effectLst/>
+                <a:latin typeface="Calibri" panose="020F0502020204030204" pitchFamily="34" charset="0"/>
+              </a:rPr>
+              <a:t> notes</a:t>
+            </a:r>
+          </a:p>
+          <a:p>
+            <a:pPr marL="742950" lvl="1" indent="-285750" rtl="0" fontAlgn="ctr">
+              <a:spcBef>
+                <a:spcPts val="0"/>
+              </a:spcBef>
+              <a:spcAft>
+                <a:spcPts val="0"/>
+              </a:spcAft>
+              <a:buFont typeface="+mj-lt"/>
+              <a:buAutoNum type="romanLcPeriod"/>
             </a:pPr>
-            <a:r>
-              <a:rPr lang="it-IT" dirty="0" err="1"/>
-              <a:t>We</a:t>
-            </a:r>
-            <a:r>
-              <a:rPr lang="it-IT" dirty="0"/>
-              <a:t> </a:t>
-            </a:r>
-            <a:r>
-              <a:rPr lang="it-IT" dirty="0" err="1"/>
-              <a:t>avoid</a:t>
-            </a:r>
-            <a:r>
-              <a:rPr lang="it-IT" dirty="0"/>
-              <a:t> the </a:t>
-            </a:r>
-            <a:r>
-              <a:rPr lang="it-IT" dirty="0" err="1"/>
-              <a:t>presence</a:t>
-            </a:r>
-            <a:r>
-              <a:rPr lang="it-IT" dirty="0"/>
-              <a:t> of </a:t>
-            </a:r>
-            <a:r>
-              <a:rPr lang="it-IT" dirty="0" err="1"/>
-              <a:t>two</a:t>
-            </a:r>
-            <a:r>
-              <a:rPr lang="it-IT" dirty="0"/>
-              <a:t> </a:t>
-            </a:r>
-            <a:r>
-              <a:rPr lang="it-IT" dirty="0" err="1"/>
-              <a:t>perfect</a:t>
-            </a:r>
-            <a:r>
-              <a:rPr lang="it-IT" dirty="0"/>
-              <a:t> </a:t>
-            </a:r>
-            <a:r>
-              <a:rPr lang="it-IT" dirty="0" err="1"/>
-              <a:t>fourth</a:t>
-            </a:r>
-            <a:r>
-              <a:rPr lang="it-IT" dirty="0"/>
-              <a:t> </a:t>
-            </a:r>
-            <a:r>
-              <a:rPr lang="it-IT" dirty="0" err="1"/>
-              <a:t>intervals</a:t>
-            </a:r>
-            <a:r>
-              <a:rPr lang="it-IT" dirty="0"/>
-              <a:t> </a:t>
-            </a:r>
-            <a:r>
-              <a:rPr lang="it-IT" dirty="0" err="1"/>
-              <a:t>when</a:t>
-            </a:r>
-            <a:r>
-              <a:rPr lang="it-IT" dirty="0"/>
-              <a:t> a </a:t>
-            </a:r>
-            <a:r>
-              <a:rPr lang="it-IT" dirty="0" err="1"/>
-              <a:t>chord</a:t>
-            </a:r>
-            <a:r>
-              <a:rPr lang="it-IT" dirty="0"/>
-              <a:t> </a:t>
-            </a:r>
-            <a:r>
-              <a:rPr lang="it-IT" dirty="0" err="1"/>
-              <a:t>is</a:t>
-            </a:r>
-            <a:r>
-              <a:rPr lang="it-IT" dirty="0"/>
-              <a:t> </a:t>
-            </a:r>
-            <a:r>
-              <a:rPr lang="it-IT" dirty="0" err="1"/>
-              <a:t>voiced</a:t>
-            </a:r>
-            <a:r>
-              <a:rPr lang="it-IT" dirty="0"/>
-              <a:t> in first or second </a:t>
-            </a:r>
-            <a:r>
-              <a:rPr lang="it-IT" dirty="0" err="1"/>
-              <a:t>inversion</a:t>
-            </a:r>
-            <a:r>
-              <a:rPr lang="it-IT" dirty="0"/>
-              <a:t>, </a:t>
-            </a:r>
-            <a:r>
-              <a:rPr lang="it-IT" dirty="0" err="1"/>
-              <a:t>which</a:t>
-            </a:r>
-            <a:r>
-              <a:rPr lang="it-IT" dirty="0"/>
-              <a:t> </a:t>
-            </a:r>
-            <a:r>
-              <a:rPr lang="it-IT" dirty="0" err="1"/>
-              <a:t>is</a:t>
-            </a:r>
-            <a:r>
-              <a:rPr lang="it-IT" dirty="0"/>
-              <a:t> </a:t>
-            </a:r>
-            <a:r>
-              <a:rPr lang="it-IT" dirty="0" err="1"/>
-              <a:t>another</a:t>
-            </a:r>
-            <a:r>
-              <a:rPr lang="it-IT" dirty="0"/>
-              <a:t> common </a:t>
-            </a:r>
-            <a:r>
-              <a:rPr lang="it-IT" dirty="0" err="1"/>
-              <a:t>voicing</a:t>
-            </a:r>
-            <a:r>
-              <a:rPr lang="it-IT" dirty="0"/>
-              <a:t> rule.</a:t>
-            </a:r>
-          </a:p>
-          <a:p>
-            <a:pPr marL="228600" indent="-228600">
-              <a:buAutoNum type="arabicParenR"/>
-            </a:pPr>
-            <a:r>
-              <a:rPr lang="it-IT" dirty="0" err="1"/>
-              <a:t>We</a:t>
-            </a:r>
-            <a:r>
-              <a:rPr lang="it-IT" dirty="0"/>
-              <a:t> </a:t>
-            </a:r>
-            <a:r>
-              <a:rPr lang="it-IT" dirty="0" err="1"/>
-              <a:t>avoid</a:t>
-            </a:r>
-            <a:r>
-              <a:rPr lang="it-IT" dirty="0"/>
-              <a:t> the </a:t>
-            </a:r>
-            <a:r>
-              <a:rPr lang="it-IT" dirty="0" err="1"/>
-              <a:t>presence</a:t>
-            </a:r>
-            <a:r>
-              <a:rPr lang="it-IT" dirty="0"/>
-              <a:t> of </a:t>
-            </a:r>
-            <a:r>
-              <a:rPr lang="it-IT" dirty="0" err="1"/>
-              <a:t>two</a:t>
-            </a:r>
-            <a:r>
-              <a:rPr lang="it-IT" dirty="0"/>
-              <a:t> </a:t>
-            </a:r>
-            <a:r>
-              <a:rPr lang="it-IT" dirty="0" err="1"/>
-              <a:t>stacked</a:t>
-            </a:r>
-            <a:r>
-              <a:rPr lang="it-IT" dirty="0"/>
-              <a:t> tritone </a:t>
-            </a:r>
-            <a:r>
-              <a:rPr lang="it-IT" dirty="0" err="1"/>
-              <a:t>intervals</a:t>
-            </a:r>
-            <a:r>
-              <a:rPr lang="it-IT" dirty="0"/>
-              <a:t>, </a:t>
-            </a:r>
-            <a:r>
-              <a:rPr lang="it-IT" dirty="0" err="1"/>
-              <a:t>as</a:t>
-            </a:r>
-            <a:r>
-              <a:rPr lang="it-IT" dirty="0"/>
-              <a:t> </a:t>
-            </a:r>
-            <a:r>
-              <a:rPr lang="it-IT" dirty="0" err="1"/>
-              <a:t>this</a:t>
-            </a:r>
-            <a:r>
-              <a:rPr lang="it-IT" dirty="0"/>
-              <a:t> </a:t>
-            </a:r>
-            <a:r>
-              <a:rPr lang="it-IT" dirty="0" err="1"/>
-              <a:t>often</a:t>
-            </a:r>
-            <a:r>
-              <a:rPr lang="it-IT" dirty="0"/>
-              <a:t> </a:t>
-            </a:r>
-            <a:r>
-              <a:rPr lang="it-IT" dirty="0" err="1"/>
-              <a:t>creates</a:t>
-            </a:r>
-            <a:r>
-              <a:rPr lang="it-IT" dirty="0"/>
-              <a:t> a strong </a:t>
-            </a:r>
-            <a:r>
-              <a:rPr lang="it-IT" dirty="0" err="1"/>
-              <a:t>dissonance</a:t>
-            </a:r>
-            <a:r>
-              <a:rPr lang="it-IT" dirty="0"/>
-              <a:t>.</a:t>
-            </a:r>
-          </a:p>
-          <a:p>
-            <a:pPr marL="0" indent="0">
+            <a:endParaRPr lang="it-IT" sz="1200" b="0" i="0" dirty="0">
+              <a:effectLst/>
+              <a:latin typeface="Calibri" panose="020F0502020204030204" pitchFamily="34" charset="0"/>
+            </a:endParaRPr>
+          </a:p>
+          <a:p>
+            <a:pPr marL="457200" lvl="1" indent="0" rtl="0" fontAlgn="ctr">
+              <a:spcBef>
+                <a:spcPts val="0"/>
+              </a:spcBef>
+              <a:spcAft>
+                <a:spcPts val="0"/>
+              </a:spcAft>
+              <a:buFont typeface="+mj-lt"/>
               <a:buNone/>
             </a:pPr>
-            <a:r>
-              <a:rPr lang="it-IT" dirty="0" err="1"/>
-              <a:t>Besides</a:t>
-            </a:r>
-            <a:r>
-              <a:rPr lang="it-IT" dirty="0"/>
-              <a:t> </a:t>
+            <a:endParaRPr lang="it-IT" sz="1200" b="0" i="0" dirty="0">
+              <a:effectLst/>
+              <a:latin typeface="Calibri" panose="020F0502020204030204" pitchFamily="34" charset="0"/>
+            </a:endParaRPr>
+          </a:p>
+          <a:p>
+            <a:pPr rtl="0" fontAlgn="ctr">
+              <a:spcBef>
+                <a:spcPts val="0"/>
+              </a:spcBef>
+              <a:spcAft>
+                <a:spcPts val="0"/>
+              </a:spcAft>
+              <a:buFont typeface="Arial" panose="020B0604020202020204" pitchFamily="34" charset="0"/>
+              <a:buChar char="•"/>
+            </a:pPr>
+            <a:r>
+              <a:rPr lang="it-IT" dirty="0"/>
+              <a:t>2) </a:t>
+            </a:r>
+            <a:r>
+              <a:rPr lang="it-IT" sz="1200" dirty="0">
+                <a:effectLst/>
+                <a:latin typeface="Calibri" panose="020F0502020204030204" pitchFamily="34" charset="0"/>
+              </a:rPr>
+              <a:t>The </a:t>
+            </a:r>
+            <a:r>
+              <a:rPr lang="it-IT" sz="1200" dirty="0" err="1">
+                <a:effectLst/>
+                <a:latin typeface="Calibri" panose="020F0502020204030204" pitchFamily="34" charset="0"/>
+              </a:rPr>
+              <a:t>highest</a:t>
+            </a:r>
+            <a:r>
+              <a:rPr lang="it-IT" sz="1200" dirty="0">
+                <a:effectLst/>
+                <a:latin typeface="Calibri" panose="020F0502020204030204" pitchFamily="34" charset="0"/>
+              </a:rPr>
+              <a:t> </a:t>
+            </a:r>
+            <a:r>
+              <a:rPr lang="it-IT" sz="1200" dirty="0" err="1">
+                <a:effectLst/>
+                <a:latin typeface="Calibri" panose="020F0502020204030204" pitchFamily="34" charset="0"/>
+              </a:rPr>
+              <a:t>number</a:t>
+            </a:r>
+            <a:r>
+              <a:rPr lang="it-IT" sz="1200" dirty="0">
+                <a:effectLst/>
+                <a:latin typeface="Calibri" panose="020F0502020204030204" pitchFamily="34" charset="0"/>
+              </a:rPr>
+              <a:t> of tritone </a:t>
+            </a:r>
+            <a:r>
+              <a:rPr lang="it-IT" sz="1200" dirty="0" err="1">
+                <a:effectLst/>
+                <a:latin typeface="Calibri" panose="020F0502020204030204" pitchFamily="34" charset="0"/>
+              </a:rPr>
+              <a:t>risolution</a:t>
+            </a:r>
+            <a:endParaRPr lang="it-IT" sz="1100" dirty="0">
+              <a:effectLst/>
+              <a:latin typeface="Calibri" panose="020F0502020204030204" pitchFamily="34" charset="0"/>
+            </a:endParaRPr>
+          </a:p>
+          <a:p>
+            <a:pPr marL="742950" lvl="1" indent="-285750" rtl="0" fontAlgn="ctr">
+              <a:spcBef>
+                <a:spcPts val="0"/>
+              </a:spcBef>
+              <a:spcAft>
+                <a:spcPts val="0"/>
+              </a:spcAft>
+              <a:buFont typeface="Courier New" panose="02070309020205020404" pitchFamily="49" charset="0"/>
+              <a:buChar char="o"/>
+            </a:pPr>
+            <a:r>
+              <a:rPr lang="it-IT" sz="1200" dirty="0" err="1">
+                <a:effectLst/>
+                <a:latin typeface="Calibri" panose="020F0502020204030204" pitchFamily="34" charset="0"/>
+              </a:rPr>
+              <a:t>We</a:t>
+            </a:r>
+            <a:r>
+              <a:rPr lang="it-IT" sz="1200" dirty="0">
+                <a:effectLst/>
+                <a:latin typeface="Calibri" panose="020F0502020204030204" pitchFamily="34" charset="0"/>
+              </a:rPr>
+              <a:t> </a:t>
+            </a:r>
+            <a:r>
+              <a:rPr lang="it-IT" sz="1200" dirty="0" err="1">
+                <a:effectLst/>
+                <a:latin typeface="Calibri" panose="020F0502020204030204" pitchFamily="34" charset="0"/>
+              </a:rPr>
+              <a:t>consider</a:t>
+            </a:r>
+            <a:r>
+              <a:rPr lang="it-IT" sz="1200" dirty="0">
+                <a:effectLst/>
+                <a:latin typeface="Calibri" panose="020F0502020204030204" pitchFamily="34" charset="0"/>
+              </a:rPr>
+              <a:t> the </a:t>
+            </a:r>
+            <a:r>
+              <a:rPr lang="it-IT" sz="1200" dirty="0" err="1">
+                <a:effectLst/>
+                <a:latin typeface="Calibri" panose="020F0502020204030204" pitchFamily="34" charset="0"/>
+              </a:rPr>
+              <a:t>presence</a:t>
+            </a:r>
+            <a:r>
+              <a:rPr lang="it-IT" sz="1200" dirty="0">
+                <a:effectLst/>
+                <a:latin typeface="Calibri" panose="020F0502020204030204" pitchFamily="34" charset="0"/>
+              </a:rPr>
+              <a:t> of a tritone </a:t>
+            </a:r>
+            <a:r>
+              <a:rPr lang="it-IT" sz="1200" dirty="0" err="1">
+                <a:effectLst/>
+                <a:latin typeface="Calibri" panose="020F0502020204030204" pitchFamily="34" charset="0"/>
+              </a:rPr>
+              <a:t>risolution</a:t>
+            </a:r>
+            <a:r>
+              <a:rPr lang="it-IT" sz="1200" dirty="0">
+                <a:effectLst/>
+                <a:latin typeface="Calibri" panose="020F0502020204030204" pitchFamily="34" charset="0"/>
+              </a:rPr>
+              <a:t> </a:t>
+            </a:r>
+            <a:r>
+              <a:rPr lang="it-IT" sz="1200" dirty="0" err="1">
+                <a:effectLst/>
+                <a:latin typeface="Calibri" panose="020F0502020204030204" pitchFamily="34" charset="0"/>
+              </a:rPr>
+              <a:t>if</a:t>
+            </a:r>
+            <a:r>
+              <a:rPr lang="it-IT" sz="1200" dirty="0">
+                <a:effectLst/>
+                <a:latin typeface="Calibri" panose="020F0502020204030204" pitchFamily="34" charset="0"/>
+              </a:rPr>
+              <a:t> </a:t>
+            </a:r>
+            <a:r>
+              <a:rPr lang="it-IT" sz="1200" dirty="0" err="1">
+                <a:effectLst/>
+                <a:latin typeface="Calibri" panose="020F0502020204030204" pitchFamily="34" charset="0"/>
+              </a:rPr>
+              <a:t>there</a:t>
+            </a:r>
+            <a:r>
+              <a:rPr lang="it-IT" sz="1200" dirty="0">
+                <a:effectLst/>
+                <a:latin typeface="Calibri" panose="020F0502020204030204" pitchFamily="34" charset="0"/>
+              </a:rPr>
+              <a:t> </a:t>
+            </a:r>
+            <a:r>
+              <a:rPr lang="it-IT" sz="1200" dirty="0" err="1">
+                <a:effectLst/>
+                <a:latin typeface="Calibri" panose="020F0502020204030204" pitchFamily="34" charset="0"/>
+              </a:rPr>
+              <a:t>is</a:t>
+            </a:r>
+            <a:r>
+              <a:rPr lang="it-IT" sz="1200" dirty="0">
+                <a:effectLst/>
+                <a:latin typeface="Calibri" panose="020F0502020204030204" pitchFamily="34" charset="0"/>
+              </a:rPr>
+              <a:t> a </a:t>
+            </a:r>
+            <a:r>
+              <a:rPr lang="it-IT" sz="1200" dirty="0" err="1">
+                <a:effectLst/>
+                <a:latin typeface="Calibri" panose="020F0502020204030204" pitchFamily="34" charset="0"/>
+              </a:rPr>
+              <a:t>sequence</a:t>
+            </a:r>
+            <a:r>
+              <a:rPr lang="it-IT" sz="1200" dirty="0">
+                <a:effectLst/>
+                <a:latin typeface="Calibri" panose="020F0502020204030204" pitchFamily="34" charset="0"/>
+              </a:rPr>
+              <a:t> of </a:t>
+            </a:r>
+            <a:r>
+              <a:rPr lang="it-IT" sz="1200" dirty="0" err="1">
+                <a:effectLst/>
+                <a:latin typeface="Calibri" panose="020F0502020204030204" pitchFamily="34" charset="0"/>
+              </a:rPr>
+              <a:t>two</a:t>
+            </a:r>
+            <a:r>
+              <a:rPr lang="it-IT" sz="1200" dirty="0">
+                <a:effectLst/>
+                <a:latin typeface="Calibri" panose="020F0502020204030204" pitchFamily="34" charset="0"/>
+              </a:rPr>
+              <a:t> </a:t>
+            </a:r>
+            <a:r>
+              <a:rPr lang="it-IT" sz="1200" dirty="0" err="1">
+                <a:effectLst/>
+                <a:latin typeface="Calibri" panose="020F0502020204030204" pitchFamily="34" charset="0"/>
+              </a:rPr>
+              <a:t>intervals</a:t>
+            </a:r>
+            <a:r>
+              <a:rPr lang="it-IT" sz="1200" dirty="0">
+                <a:effectLst/>
+                <a:latin typeface="Calibri" panose="020F0502020204030204" pitchFamily="34" charset="0"/>
+              </a:rPr>
+              <a:t> (from one </a:t>
+            </a:r>
+            <a:r>
+              <a:rPr lang="it-IT" sz="1200" dirty="0" err="1">
+                <a:effectLst/>
+                <a:latin typeface="Calibri" panose="020F0502020204030204" pitchFamily="34" charset="0"/>
+              </a:rPr>
+              <a:t>voicing</a:t>
+            </a:r>
+            <a:r>
+              <a:rPr lang="it-IT" sz="1200" dirty="0">
+                <a:effectLst/>
+                <a:latin typeface="Calibri" panose="020F0502020204030204" pitchFamily="34" charset="0"/>
+              </a:rPr>
+              <a:t> to the </a:t>
+            </a:r>
+            <a:r>
+              <a:rPr lang="it-IT" sz="1200" dirty="0" err="1">
+                <a:effectLst/>
+                <a:latin typeface="Calibri" panose="020F0502020204030204" pitchFamily="34" charset="0"/>
+              </a:rPr>
+              <a:t>next</a:t>
+            </a:r>
+            <a:r>
+              <a:rPr lang="it-IT" sz="1200" dirty="0">
+                <a:effectLst/>
+                <a:latin typeface="Calibri" panose="020F0502020204030204" pitchFamily="34" charset="0"/>
+              </a:rPr>
+              <a:t>) </a:t>
+            </a:r>
+            <a:r>
+              <a:rPr lang="it-IT" sz="1200" dirty="0" err="1">
+                <a:effectLst/>
+                <a:latin typeface="Calibri" panose="020F0502020204030204" pitchFamily="34" charset="0"/>
+              </a:rPr>
+              <a:t>played</a:t>
+            </a:r>
+            <a:r>
+              <a:rPr lang="it-IT" sz="1200" dirty="0">
+                <a:effectLst/>
+                <a:latin typeface="Calibri" panose="020F0502020204030204" pitchFamily="34" charset="0"/>
+              </a:rPr>
+              <a:t> on the </a:t>
+            </a:r>
+            <a:r>
+              <a:rPr lang="it-IT" sz="1200" dirty="0" err="1">
+                <a:effectLst/>
+                <a:latin typeface="Calibri" panose="020F0502020204030204" pitchFamily="34" charset="0"/>
+              </a:rPr>
+              <a:t>same</a:t>
+            </a:r>
+            <a:r>
+              <a:rPr lang="it-IT" sz="1200" dirty="0">
+                <a:effectLst/>
+                <a:latin typeface="Calibri" panose="020F0502020204030204" pitchFamily="34" charset="0"/>
+              </a:rPr>
+              <a:t> </a:t>
+            </a:r>
+            <a:r>
+              <a:rPr lang="it-IT" sz="1200" dirty="0" err="1">
+                <a:effectLst/>
+                <a:latin typeface="Calibri" panose="020F0502020204030204" pitchFamily="34" charset="0"/>
+              </a:rPr>
+              <a:t>strings</a:t>
+            </a:r>
+            <a:r>
+              <a:rPr lang="it-IT" sz="1200" dirty="0">
+                <a:effectLst/>
+                <a:latin typeface="Calibri" panose="020F0502020204030204" pitchFamily="34" charset="0"/>
+              </a:rPr>
+              <a:t> </a:t>
+            </a:r>
+            <a:r>
+              <a:rPr lang="it-IT" sz="1200" dirty="0" err="1">
+                <a:effectLst/>
+                <a:latin typeface="Calibri" panose="020F0502020204030204" pitchFamily="34" charset="0"/>
+              </a:rPr>
+              <a:t>where</a:t>
+            </a:r>
+            <a:endParaRPr lang="it-IT" sz="1100" dirty="0">
+              <a:effectLst/>
+              <a:latin typeface="Calibri" panose="020F0502020204030204" pitchFamily="34" charset="0"/>
+            </a:endParaRPr>
+          </a:p>
+          <a:p>
+            <a:pPr marL="1143000" lvl="2" indent="-228600" rtl="0" fontAlgn="ctr">
+              <a:spcBef>
+                <a:spcPts val="0"/>
+              </a:spcBef>
+              <a:spcAft>
+                <a:spcPts val="0"/>
+              </a:spcAft>
+              <a:buFont typeface="Arial" panose="020B0604020202020204" pitchFamily="34" charset="0"/>
+              <a:buChar char="§"/>
+            </a:pPr>
+            <a:r>
+              <a:rPr lang="it-IT" sz="1200" dirty="0">
+                <a:effectLst/>
+                <a:latin typeface="Calibri" panose="020F0502020204030204" pitchFamily="34" charset="0"/>
+              </a:rPr>
+              <a:t>A </a:t>
+            </a:r>
+            <a:r>
+              <a:rPr lang="it-IT" sz="1200" dirty="0" err="1">
+                <a:effectLst/>
+                <a:latin typeface="Calibri" panose="020F0502020204030204" pitchFamily="34" charset="0"/>
+              </a:rPr>
+              <a:t>diminished</a:t>
+            </a:r>
+            <a:r>
+              <a:rPr lang="it-IT" sz="1200" dirty="0">
+                <a:effectLst/>
+                <a:latin typeface="Calibri" panose="020F0502020204030204" pitchFamily="34" charset="0"/>
+              </a:rPr>
+              <a:t> 5th </a:t>
+            </a:r>
+            <a:r>
+              <a:rPr lang="it-IT" sz="1200" dirty="0" err="1">
+                <a:effectLst/>
+                <a:latin typeface="Calibri" panose="020F0502020204030204" pitchFamily="34" charset="0"/>
+              </a:rPr>
+              <a:t>is</a:t>
+            </a:r>
+            <a:r>
+              <a:rPr lang="it-IT" sz="1200" dirty="0">
+                <a:effectLst/>
+                <a:latin typeface="Calibri" panose="020F0502020204030204" pitchFamily="34" charset="0"/>
+              </a:rPr>
+              <a:t> </a:t>
+            </a:r>
+            <a:r>
+              <a:rPr lang="it-IT" sz="1200" dirty="0" err="1">
+                <a:effectLst/>
+                <a:latin typeface="Calibri" panose="020F0502020204030204" pitchFamily="34" charset="0"/>
+              </a:rPr>
+              <a:t>followed</a:t>
+            </a:r>
+            <a:r>
+              <a:rPr lang="it-IT" sz="1200" dirty="0">
+                <a:effectLst/>
+                <a:latin typeface="Calibri" panose="020F0502020204030204" pitchFamily="34" charset="0"/>
+              </a:rPr>
+              <a:t> by a M3 or a P4, or </a:t>
+            </a:r>
+            <a:r>
+              <a:rPr lang="it-IT" sz="1200" dirty="0" err="1">
+                <a:effectLst/>
+                <a:latin typeface="Calibri" panose="020F0502020204030204" pitchFamily="34" charset="0"/>
+              </a:rPr>
+              <a:t>alternatively</a:t>
+            </a:r>
+            <a:endParaRPr lang="it-IT" sz="1100" dirty="0">
+              <a:effectLst/>
+              <a:latin typeface="Calibri" panose="020F0502020204030204" pitchFamily="34" charset="0"/>
+            </a:endParaRPr>
+          </a:p>
+          <a:p>
+            <a:pPr marL="1143000" lvl="2" indent="-228600" rtl="0" fontAlgn="ctr">
+              <a:spcBef>
+                <a:spcPts val="0"/>
+              </a:spcBef>
+              <a:spcAft>
+                <a:spcPts val="0"/>
+              </a:spcAft>
+              <a:buFont typeface="Arial" panose="020B0604020202020204" pitchFamily="34" charset="0"/>
+              <a:buChar char="§"/>
+            </a:pPr>
+            <a:r>
+              <a:rPr lang="it-IT" sz="1200" dirty="0">
+                <a:effectLst/>
+                <a:latin typeface="Calibri" panose="020F0502020204030204" pitchFamily="34" charset="0"/>
+              </a:rPr>
+              <a:t>An </a:t>
+            </a:r>
+            <a:r>
+              <a:rPr lang="it-IT" sz="1200" dirty="0" err="1">
+                <a:effectLst/>
+                <a:latin typeface="Calibri" panose="020F0502020204030204" pitchFamily="34" charset="0"/>
+              </a:rPr>
+              <a:t>augmented</a:t>
+            </a:r>
+            <a:r>
+              <a:rPr lang="it-IT" sz="1200" dirty="0">
+                <a:effectLst/>
+                <a:latin typeface="Calibri" panose="020F0502020204030204" pitchFamily="34" charset="0"/>
+              </a:rPr>
+              <a:t> </a:t>
+            </a:r>
+            <a:r>
+              <a:rPr lang="it-IT" sz="1200" dirty="0" err="1">
+                <a:effectLst/>
+                <a:latin typeface="Calibri" panose="020F0502020204030204" pitchFamily="34" charset="0"/>
+              </a:rPr>
+              <a:t>fourth</a:t>
+            </a:r>
+            <a:r>
+              <a:rPr lang="it-IT" sz="1200" dirty="0">
+                <a:effectLst/>
+                <a:latin typeface="Calibri" panose="020F0502020204030204" pitchFamily="34" charset="0"/>
+              </a:rPr>
+              <a:t> </a:t>
+            </a:r>
+            <a:r>
+              <a:rPr lang="it-IT" sz="1200" dirty="0" err="1">
+                <a:effectLst/>
+                <a:latin typeface="Calibri" panose="020F0502020204030204" pitchFamily="34" charset="0"/>
+              </a:rPr>
+              <a:t>is</a:t>
+            </a:r>
+            <a:r>
+              <a:rPr lang="it-IT" sz="1200" dirty="0">
+                <a:effectLst/>
+                <a:latin typeface="Calibri" panose="020F0502020204030204" pitchFamily="34" charset="0"/>
+              </a:rPr>
+              <a:t> </a:t>
+            </a:r>
+            <a:r>
+              <a:rPr lang="it-IT" sz="1200" dirty="0" err="1">
+                <a:effectLst/>
+                <a:latin typeface="Calibri" panose="020F0502020204030204" pitchFamily="34" charset="0"/>
+              </a:rPr>
+              <a:t>followed</a:t>
+            </a:r>
+            <a:r>
+              <a:rPr lang="it-IT" sz="1200" dirty="0">
+                <a:effectLst/>
+                <a:latin typeface="Calibri" panose="020F0502020204030204" pitchFamily="34" charset="0"/>
+              </a:rPr>
+              <a:t> by a P5 or a m6</a:t>
+            </a:r>
+            <a:endParaRPr lang="it-IT" sz="1100" dirty="0">
+              <a:effectLst/>
+              <a:latin typeface="Calibri" panose="020F0502020204030204" pitchFamily="34" charset="0"/>
+            </a:endParaRPr>
+          </a:p>
+          <a:p>
+            <a:endParaRPr lang="it-IT" dirty="0"/>
+          </a:p>
+          <a:p>
+            <a:r>
+              <a:rPr lang="it-IT" dirty="0" err="1"/>
+              <a:t>As</a:t>
+            </a:r>
+            <a:r>
+              <a:rPr lang="it-IT" dirty="0"/>
+              <a:t> one can </a:t>
+            </a:r>
+            <a:r>
+              <a:rPr lang="it-IT" dirty="0" err="1"/>
+              <a:t>imagine</a:t>
+            </a:r>
+            <a:r>
+              <a:rPr lang="it-IT" dirty="0"/>
+              <a:t>, </a:t>
             </a:r>
             <a:r>
               <a:rPr lang="it-IT" dirty="0" err="1"/>
@@ -8508,10 +9997,247 @@
             </a:r>
             <a:r>
               <a:rPr lang="it-IT" dirty="0"/>
+              <a:t> </a:t>
+            </a:r>
+            <a:r>
+              <a:rPr lang="it-IT" dirty="0" err="1"/>
+              <a:t>is</a:t>
+            </a:r>
+            <a:r>
+              <a:rPr lang="it-IT" dirty="0"/>
+              <a:t> a </a:t>
+            </a:r>
+            <a:r>
+              <a:rPr lang="it-IT" dirty="0" err="1"/>
+              <a:t>quite</a:t>
+            </a:r>
+            <a:r>
+              <a:rPr lang="it-IT" dirty="0"/>
+              <a:t> </a:t>
+            </a:r>
+            <a:r>
+              <a:rPr lang="it-IT" dirty="0" err="1"/>
+              <a:t>expensive</a:t>
+            </a:r>
+            <a:r>
+              <a:rPr lang="it-IT" dirty="0"/>
+              <a:t> </a:t>
+            </a:r>
+            <a:r>
+              <a:rPr lang="it-IT" dirty="0" err="1"/>
+              <a:t>process</a:t>
+            </a:r>
+            <a:r>
+              <a:rPr lang="it-IT" dirty="0"/>
+              <a:t>. In </a:t>
+            </a:r>
+            <a:r>
+              <a:rPr lang="it-IT" dirty="0" err="1"/>
+              <a:t>fact</a:t>
+            </a:r>
+            <a:r>
+              <a:rPr lang="it-IT" dirty="0"/>
+              <a:t>, for </a:t>
+            </a:r>
+            <a:r>
+              <a:rPr lang="it-IT" dirty="0" err="1"/>
+              <a:t>this</a:t>
+            </a:r>
+            <a:r>
+              <a:rPr lang="it-IT" dirty="0"/>
+              <a:t> </a:t>
+            </a:r>
+            <a:r>
+              <a:rPr lang="it-IT" dirty="0" err="1"/>
+              <a:t>reason</a:t>
+            </a:r>
+            <a:r>
+              <a:rPr lang="it-IT" dirty="0"/>
+              <a:t> </a:t>
+            </a:r>
+            <a:r>
+              <a:rPr lang="it-IT" dirty="0" err="1"/>
+              <a:t>we</a:t>
+            </a:r>
+            <a:r>
+              <a:rPr lang="it-IT" dirty="0"/>
+              <a:t> </a:t>
+            </a:r>
+            <a:r>
+              <a:rPr lang="it-IT" dirty="0" err="1"/>
+              <a:t>don’t</a:t>
+            </a:r>
+            <a:r>
+              <a:rPr lang="it-IT" dirty="0"/>
+              <a:t> </a:t>
+            </a:r>
+            <a:r>
+              <a:rPr lang="it-IT" dirty="0" err="1"/>
+              <a:t>actually</a:t>
+            </a:r>
+            <a:r>
+              <a:rPr lang="it-IT" dirty="0"/>
+              <a:t> </a:t>
+            </a:r>
+            <a:r>
+              <a:rPr lang="it-IT" dirty="0" err="1"/>
+              <a:t>consider</a:t>
+            </a:r>
+            <a:r>
+              <a:rPr lang="it-IT" dirty="0"/>
+              <a:t> the </a:t>
+            </a:r>
+            <a:r>
+              <a:rPr lang="it-IT" dirty="0" err="1"/>
+              <a:t>entire</a:t>
+            </a:r>
+            <a:r>
+              <a:rPr lang="it-IT" dirty="0"/>
+              <a:t> </a:t>
+            </a:r>
+            <a:r>
+              <a:rPr lang="it-IT" dirty="0" err="1"/>
+              <a:t>sequence</a:t>
+            </a:r>
+            <a:r>
+              <a:rPr lang="it-IT" dirty="0"/>
+              <a:t> of </a:t>
+            </a:r>
+            <a:r>
+              <a:rPr lang="it-IT" dirty="0" err="1"/>
+              <a:t>chords</a:t>
+            </a:r>
+            <a:r>
+              <a:rPr lang="it-IT" dirty="0"/>
+              <a:t> </a:t>
+            </a:r>
+            <a:r>
+              <a:rPr lang="it-IT" dirty="0" err="1"/>
+              <a:t>when</a:t>
+            </a:r>
+            <a:r>
+              <a:rPr lang="it-IT" dirty="0"/>
+              <a:t> </a:t>
+            </a:r>
+            <a:r>
+              <a:rPr lang="it-IT" dirty="0" err="1"/>
+              <a:t>selecting</a:t>
+            </a:r>
+            <a:r>
+              <a:rPr lang="it-IT" dirty="0"/>
+              <a:t> the best </a:t>
+            </a:r>
+            <a:r>
+              <a:rPr lang="it-IT" dirty="0" err="1"/>
+              <a:t>voicing</a:t>
+            </a:r>
+            <a:r>
+              <a:rPr lang="it-IT" dirty="0"/>
+              <a:t> </a:t>
+            </a:r>
+            <a:r>
+              <a:rPr lang="it-IT" dirty="0" err="1"/>
+              <a:t>sequence</a:t>
+            </a:r>
+            <a:r>
+              <a:rPr lang="it-IT" dirty="0"/>
               <a:t>, </a:t>
             </a:r>
             <a:r>
               <a:rPr lang="it-IT" dirty="0" err="1"/>
+              <a:t>as</a:t>
+            </a:r>
+            <a:r>
+              <a:rPr lang="it-IT" dirty="0"/>
+              <a:t> </a:t>
+            </a:r>
+            <a:r>
+              <a:rPr lang="it-IT" dirty="0" err="1"/>
+              <a:t>this</a:t>
+            </a:r>
+            <a:r>
+              <a:rPr lang="it-IT" dirty="0"/>
+              <a:t> </a:t>
+            </a:r>
+            <a:r>
+              <a:rPr lang="it-IT" dirty="0" err="1"/>
+              <a:t>would</a:t>
+            </a:r>
+            <a:r>
+              <a:rPr lang="it-IT" dirty="0"/>
+              <a:t> make the </a:t>
+            </a:r>
+            <a:r>
+              <a:rPr lang="it-IT" dirty="0" err="1"/>
+              <a:t>algorithm</a:t>
+            </a:r>
+            <a:r>
+              <a:rPr lang="it-IT" dirty="0"/>
+              <a:t> </a:t>
+            </a:r>
+            <a:r>
+              <a:rPr lang="it-IT" dirty="0" err="1"/>
+              <a:t>extremely</a:t>
+            </a:r>
+            <a:r>
+              <a:rPr lang="it-IT" dirty="0"/>
+              <a:t> slow for </a:t>
+            </a:r>
+            <a:r>
+              <a:rPr lang="it-IT" dirty="0" err="1"/>
+              <a:t>any</a:t>
+            </a:r>
+            <a:r>
+              <a:rPr lang="it-IT" dirty="0"/>
+              <a:t> </a:t>
+            </a:r>
+            <a:r>
+              <a:rPr lang="it-IT" dirty="0" err="1"/>
+              <a:t>sequence</a:t>
+            </a:r>
+            <a:r>
+              <a:rPr lang="it-IT" dirty="0"/>
+              <a:t> </a:t>
+            </a:r>
+            <a:r>
+              <a:rPr lang="it-IT" dirty="0" err="1"/>
+              <a:t>longer</a:t>
+            </a:r>
+            <a:r>
+              <a:rPr lang="it-IT" dirty="0"/>
+              <a:t> </a:t>
+            </a:r>
+            <a:r>
+              <a:rPr lang="it-IT" dirty="0" err="1"/>
+              <a:t>than</a:t>
+            </a:r>
+            <a:r>
+              <a:rPr lang="it-IT" dirty="0"/>
+              <a:t> 4 </a:t>
+            </a:r>
+            <a:r>
+              <a:rPr lang="it-IT" dirty="0" err="1"/>
+              <a:t>chords</a:t>
+            </a:r>
+            <a:r>
+              <a:rPr lang="it-IT" dirty="0"/>
+              <a:t>.</a:t>
+            </a:r>
+          </a:p>
+          <a:p>
+            <a:endParaRPr lang="it-IT" dirty="0"/>
+          </a:p>
+          <a:p>
+            <a:r>
+              <a:rPr lang="it-IT" dirty="0" err="1"/>
+              <a:t>Instead</a:t>
+            </a:r>
+            <a:r>
+              <a:rPr lang="it-IT" dirty="0"/>
+              <a:t> </a:t>
+            </a:r>
+            <a:r>
+              <a:rPr lang="it-IT" dirty="0" err="1"/>
               <a:t>we</a:t>
             </a:r>
             <a:r>
@@ -8520,27 +10246,123 @@
             </a:r>
             <a:r>
               <a:rPr lang="it-IT" dirty="0" err="1"/>
-              <a:t>try</a:t>
-            </a:r>
-            <a:r>
-              <a:rPr lang="it-IT" dirty="0"/>
-              <a:t> </a:t>
-            </a:r>
-            <a:r>
-              <a:rPr lang="it-IT" dirty="0" err="1"/>
-              <a:t>whenever</a:t>
-            </a:r>
-            <a:r>
-              <a:rPr lang="it-IT" dirty="0"/>
-              <a:t> </a:t>
-            </a:r>
-            <a:r>
-              <a:rPr lang="it-IT" dirty="0" err="1"/>
-              <a:t>possible</a:t>
-            </a:r>
-            <a:r>
-              <a:rPr lang="it-IT" dirty="0"/>
-              <a:t> to voice a </a:t>
+              <a:t>have</a:t>
+            </a:r>
+            <a:r>
+              <a:rPr lang="it-IT" dirty="0"/>
+              <a:t> a sliding window of 4 </a:t>
+            </a:r>
+            <a:r>
+              <a:rPr lang="it-IT" dirty="0" err="1"/>
+              <a:t>chords</a:t>
+            </a:r>
+            <a:r>
+              <a:rPr lang="it-IT" dirty="0"/>
+              <a:t>, </a:t>
+            </a:r>
+            <a:r>
+              <a:rPr lang="it-IT" dirty="0" err="1"/>
+              <a:t>which</a:t>
+            </a:r>
+            <a:r>
+              <a:rPr lang="it-IT" dirty="0"/>
+              <a:t> are </a:t>
+            </a:r>
+            <a:r>
+              <a:rPr lang="it-IT" dirty="0" err="1"/>
+              <a:t>considered</a:t>
+            </a:r>
+            <a:r>
+              <a:rPr lang="it-IT" dirty="0"/>
+              <a:t> </a:t>
+            </a:r>
+            <a:r>
+              <a:rPr lang="it-IT" dirty="0" err="1"/>
+              <a:t>when</a:t>
+            </a:r>
+            <a:r>
+              <a:rPr lang="it-IT" dirty="0"/>
+              <a:t> building the </a:t>
+            </a:r>
+            <a:r>
+              <a:rPr lang="it-IT" dirty="0" err="1"/>
+              <a:t>sequence</a:t>
+            </a:r>
+            <a:r>
+              <a:rPr lang="it-IT" dirty="0"/>
+              <a:t>, and </a:t>
+            </a:r>
+            <a:r>
+              <a:rPr lang="it-IT" dirty="0" err="1"/>
+              <a:t>chords</a:t>
+            </a:r>
+            <a:r>
+              <a:rPr lang="it-IT" dirty="0"/>
+              <a:t> </a:t>
+            </a:r>
+            <a:r>
+              <a:rPr lang="it-IT" dirty="0" err="1"/>
+              <a:t>which</a:t>
+            </a:r>
+            <a:r>
+              <a:rPr lang="it-IT" dirty="0"/>
+              <a:t> come after </a:t>
+            </a:r>
+            <a:r>
+              <a:rPr lang="it-IT" dirty="0" err="1"/>
+              <a:t>this</a:t>
+            </a:r>
+            <a:r>
+              <a:rPr lang="it-IT" dirty="0"/>
+              <a:t> windows are </a:t>
+            </a:r>
+            <a:r>
+              <a:rPr lang="it-IT" dirty="0" err="1"/>
+              <a:t>not</a:t>
+            </a:r>
+            <a:r>
+              <a:rPr lang="it-IT" dirty="0"/>
+              <a:t> </a:t>
+            </a:r>
+            <a:r>
+              <a:rPr lang="it-IT" dirty="0" err="1"/>
+              <a:t>considered</a:t>
+            </a:r>
+            <a:r>
+              <a:rPr lang="it-IT" dirty="0"/>
+              <a:t>. </a:t>
+            </a:r>
+            <a:r>
+              <a:rPr lang="it-IT" dirty="0" err="1"/>
+              <a:t>This</a:t>
+            </a:r>
+            <a:r>
+              <a:rPr lang="it-IT" dirty="0"/>
+              <a:t> «sliding windows» </a:t>
+            </a:r>
+            <a:r>
+              <a:rPr lang="it-IT" dirty="0" err="1"/>
+              <a:t>also</a:t>
+            </a:r>
+            <a:r>
+              <a:rPr lang="it-IT" dirty="0"/>
+              <a:t> </a:t>
+            </a:r>
+            <a:r>
+              <a:rPr lang="it-IT" dirty="0" err="1"/>
+              <a:t>have</a:t>
+            </a:r>
+            <a:r>
+              <a:rPr lang="it-IT" dirty="0"/>
+              <a:t> an </a:t>
+            </a:r>
+            <a:r>
+              <a:rPr lang="it-IT" dirty="0" err="1"/>
+              <a:t>overlap</a:t>
+            </a:r>
+            <a:r>
+              <a:rPr lang="it-IT" dirty="0"/>
+              <a:t> of one </a:t>
             </a:r>
             <a:r>
               <a:rPr lang="it-IT" dirty="0" err="1"/>
@@ -8548,59 +10370,241 @@
             </a:r>
             <a:r>
               <a:rPr lang="it-IT" dirty="0"/>
-              <a:t> in the </a:t>
-            </a:r>
-            <a:r>
-              <a:rPr lang="it-IT" dirty="0" err="1"/>
-              <a:t>lowest</a:t>
-            </a:r>
-            <a:r>
-              <a:rPr lang="it-IT" dirty="0"/>
-              <a:t> part of the </a:t>
-            </a:r>
-            <a:r>
-              <a:rPr lang="it-IT" dirty="0" err="1"/>
-              <a:t>fretboard</a:t>
-            </a:r>
-            <a:r>
-              <a:rPr lang="it-IT" dirty="0"/>
               <a:t>, </a:t>
             </a:r>
             <a:r>
               <a:rPr lang="it-IT" dirty="0" err="1"/>
-              <a:t>thus</a:t>
-            </a:r>
-            <a:r>
-              <a:rPr lang="it-IT" dirty="0"/>
-              <a:t> </a:t>
-            </a:r>
-            <a:r>
-              <a:rPr lang="it-IT" dirty="0" err="1"/>
-              <a:t>favoring</a:t>
-            </a:r>
-            <a:r>
-              <a:rPr lang="it-IT" dirty="0"/>
-              <a:t> open </a:t>
-            </a:r>
-            <a:r>
-              <a:rPr lang="it-IT" dirty="0" err="1"/>
-              <a:t>chords</a:t>
-            </a:r>
-            <a:r>
-              <a:rPr lang="it-IT" dirty="0"/>
-              <a:t> </a:t>
-            </a:r>
-            <a:r>
-              <a:rPr lang="it-IT" dirty="0" err="1"/>
-              <a:t>whenever</a:t>
-            </a:r>
-            <a:r>
-              <a:rPr lang="it-IT" dirty="0"/>
-              <a:t> </a:t>
-            </a:r>
-            <a:r>
-              <a:rPr lang="it-IT" dirty="0" err="1"/>
-              <a:t>possible</a:t>
+              <a:t>meaning</a:t>
+            </a:r>
+            <a:r>
+              <a:rPr lang="it-IT" dirty="0"/>
+              <a:t> </a:t>
+            </a:r>
+            <a:r>
+              <a:rPr lang="it-IT" dirty="0" err="1"/>
+              <a:t>that</a:t>
+            </a:r>
+            <a:r>
+              <a:rPr lang="it-IT" dirty="0"/>
+              <a:t> </a:t>
+            </a:r>
+            <a:r>
+              <a:rPr lang="it-IT" dirty="0" err="1"/>
+              <a:t>each</a:t>
+            </a:r>
+            <a:r>
+              <a:rPr lang="it-IT" dirty="0"/>
+              <a:t> window </a:t>
+            </a:r>
+            <a:r>
+              <a:rPr lang="it-IT" dirty="0" err="1"/>
+              <a:t>will</a:t>
+            </a:r>
+            <a:r>
+              <a:rPr lang="it-IT" dirty="0"/>
+              <a:t> </a:t>
+            </a:r>
+            <a:r>
+              <a:rPr lang="it-IT" dirty="0" err="1"/>
+              <a:t>also</a:t>
+            </a:r>
+            <a:r>
+              <a:rPr lang="it-IT" dirty="0"/>
+              <a:t> </a:t>
+            </a:r>
+            <a:r>
+              <a:rPr lang="it-IT" dirty="0" err="1"/>
+              <a:t>consider</a:t>
+            </a:r>
+            <a:r>
+              <a:rPr lang="it-IT" dirty="0"/>
+              <a:t> the last </a:t>
+            </a:r>
+            <a:r>
+              <a:rPr lang="it-IT" dirty="0" err="1"/>
+              <a:t>chord</a:t>
+            </a:r>
+            <a:r>
+              <a:rPr lang="it-IT" dirty="0"/>
+              <a:t> coming from the </a:t>
+            </a:r>
+            <a:r>
+              <a:rPr lang="it-IT" dirty="0" err="1"/>
+              <a:t>previous</a:t>
+            </a:r>
+            <a:r>
+              <a:rPr lang="it-IT" dirty="0"/>
+              <a:t> window </a:t>
+            </a:r>
+            <a:r>
+              <a:rPr lang="it-IT" dirty="0" err="1"/>
+              <a:t>when</a:t>
+            </a:r>
+            <a:r>
+              <a:rPr lang="it-IT" dirty="0"/>
+              <a:t> building the </a:t>
+            </a:r>
+            <a:r>
+              <a:rPr lang="it-IT" dirty="0" err="1"/>
+              <a:t>sequence</a:t>
+            </a:r>
+            <a:r>
+              <a:rPr lang="it-IT" dirty="0"/>
+              <a:t>, to </a:t>
+            </a:r>
+            <a:r>
+              <a:rPr lang="it-IT" dirty="0" err="1"/>
+              <a:t>avoid</a:t>
+            </a:r>
+            <a:r>
+              <a:rPr lang="it-IT" dirty="0"/>
+              <a:t> «ugly» </a:t>
+            </a:r>
+            <a:r>
+              <a:rPr lang="it-IT" dirty="0" err="1"/>
+              <a:t>transitions</a:t>
+            </a:r>
+            <a:r>
+              <a:rPr lang="it-IT" dirty="0"/>
+              <a:t> </a:t>
+            </a:r>
+            <a:r>
+              <a:rPr lang="it-IT" dirty="0" err="1"/>
+              <a:t>between</a:t>
+            </a:r>
+            <a:r>
+              <a:rPr lang="it-IT" dirty="0"/>
+              <a:t> </a:t>
+            </a:r>
+            <a:r>
+              <a:rPr lang="it-IT" dirty="0" err="1"/>
+              <a:t>two</a:t>
+            </a:r>
+            <a:r>
+              <a:rPr lang="it-IT" dirty="0"/>
+              <a:t> windows.</a:t>
+            </a:r>
+          </a:p>
+          <a:p>
+            <a:r>
+              <a:rPr lang="it-IT" dirty="0"/>
+              <a:t>To be more </a:t>
+            </a:r>
+            <a:r>
+              <a:rPr lang="it-IT" dirty="0" err="1"/>
+              <a:t>specific</a:t>
+            </a:r>
+            <a:r>
+              <a:rPr lang="it-IT" dirty="0"/>
+              <a:t>, the </a:t>
+            </a:r>
+            <a:r>
+              <a:rPr lang="it-IT" dirty="0" err="1"/>
+              <a:t>length</a:t>
+            </a:r>
+            <a:r>
+              <a:rPr lang="it-IT" dirty="0"/>
+              <a:t> of </a:t>
+            </a:r>
+            <a:r>
+              <a:rPr lang="it-IT" dirty="0" err="1"/>
+              <a:t>this</a:t>
+            </a:r>
+            <a:r>
+              <a:rPr lang="it-IT" dirty="0"/>
+              <a:t> window </a:t>
+            </a:r>
+            <a:r>
+              <a:rPr lang="it-IT" dirty="0" err="1"/>
+              <a:t>is</a:t>
+            </a:r>
+            <a:r>
+              <a:rPr lang="it-IT" dirty="0"/>
+              <a:t> </a:t>
+            </a:r>
+            <a:r>
+              <a:rPr lang="it-IT" dirty="0" err="1"/>
+              <a:t>what</a:t>
+            </a:r>
+            <a:r>
+              <a:rPr lang="it-IT" dirty="0"/>
+              <a:t> </a:t>
+            </a:r>
+            <a:r>
+              <a:rPr lang="it-IT" dirty="0" err="1"/>
+              <a:t>we</a:t>
+            </a:r>
+            <a:r>
+              <a:rPr lang="it-IT" dirty="0"/>
+              <a:t> call the «</a:t>
+            </a:r>
+            <a:r>
+              <a:rPr lang="it-IT" dirty="0" err="1"/>
+              <a:t>recursiveDepth</a:t>
+            </a:r>
+            <a:r>
+              <a:rPr lang="it-IT" dirty="0"/>
+              <a:t>» in the </a:t>
+            </a:r>
+            <a:r>
+              <a:rPr lang="it-IT" dirty="0" err="1"/>
+              <a:t>algorithm</a:t>
+            </a:r>
+            <a:r>
+              <a:rPr lang="it-IT" dirty="0"/>
+              <a:t>, </a:t>
+            </a:r>
+            <a:r>
+              <a:rPr lang="it-IT" dirty="0" err="1"/>
+              <a:t>since</a:t>
+            </a:r>
+            <a:r>
+              <a:rPr lang="it-IT" dirty="0"/>
+              <a:t> </a:t>
+            </a:r>
+            <a:r>
+              <a:rPr lang="it-IT" dirty="0" err="1"/>
+              <a:t>it</a:t>
+            </a:r>
+            <a:r>
+              <a:rPr lang="it-IT" dirty="0"/>
+              <a:t> bounds the </a:t>
+            </a:r>
+            <a:r>
+              <a:rPr lang="it-IT" dirty="0" err="1"/>
+              <a:t>level</a:t>
+            </a:r>
+            <a:r>
+              <a:rPr lang="it-IT" dirty="0"/>
+              <a:t> of </a:t>
+            </a:r>
+            <a:r>
+              <a:rPr lang="it-IT" dirty="0" err="1"/>
+              <a:t>recursion</a:t>
+            </a:r>
+            <a:r>
+              <a:rPr lang="it-IT" dirty="0"/>
+              <a:t> </a:t>
+            </a:r>
+            <a:r>
+              <a:rPr lang="it-IT" dirty="0" err="1"/>
+              <a:t>that</a:t>
+            </a:r>
+            <a:r>
+              <a:rPr lang="it-IT" dirty="0"/>
+              <a:t> the </a:t>
+            </a:r>
+            <a:r>
+              <a:rPr lang="it-IT" dirty="0" err="1"/>
+              <a:t>function</a:t>
+            </a:r>
+            <a:r>
+              <a:rPr lang="it-IT" dirty="0"/>
+              <a:t> can </a:t>
+            </a:r>
+            <a:r>
+              <a:rPr lang="it-IT" dirty="0" err="1"/>
+              <a:t>reach</a:t>
             </a:r>
             <a:r>
               <a:rPr lang="it-IT" dirty="0"/>
@@ -8608,16 +10612,17 @@
             </a:r>
           </a:p>
           <a:p>
-            <a:pPr marL="0" indent="0">
-              <a:buNone/>
-            </a:pPr>
-            <a:r>
-              <a:rPr lang="it-IT" dirty="0" err="1"/>
-              <a:t>Finally</a:t>
-            </a:r>
-            <a:r>
-              <a:rPr lang="it-IT" dirty="0"/>
-              <a:t> </a:t>
+            <a:r>
+              <a:rPr lang="it-IT" dirty="0"/>
+              <a:t>In </a:t>
+            </a:r>
+            <a:r>
+              <a:rPr lang="it-IT" dirty="0" err="1"/>
+              <a:t>pratice</a:t>
+            </a:r>
+            <a:r>
+              <a:rPr lang="it-IT" dirty="0"/>
+              <a:t>, </a:t>
             </a:r>
             <a:r>
               <a:rPr lang="it-IT" dirty="0" err="1"/>
@@ -8629,102 +10634,91 @@
             </a:r>
             <a:r>
               <a:rPr lang="it-IT" dirty="0" err="1"/>
-              <a:t>also</a:t>
-            </a:r>
-            <a:r>
-              <a:rPr lang="it-IT" dirty="0"/>
-              <a:t> </a:t>
-            </a:r>
-            <a:r>
-              <a:rPr lang="it-IT" dirty="0" err="1"/>
-              <a:t>favour</a:t>
-            </a:r>
-            <a:r>
-              <a:rPr lang="it-IT" dirty="0"/>
-              <a:t> </a:t>
-            </a:r>
-            <a:r>
-              <a:rPr lang="it-IT" dirty="0" err="1"/>
-              <a:t>chords</a:t>
-            </a:r>
-            <a:r>
-              <a:rPr lang="it-IT" dirty="0"/>
-              <a:t> </a:t>
-            </a:r>
-            <a:r>
-              <a:rPr lang="it-IT" dirty="0" err="1"/>
-              <a:t>having</a:t>
-            </a:r>
-            <a:r>
-              <a:rPr lang="it-IT" dirty="0"/>
-              <a:t> more </a:t>
-            </a:r>
-            <a:r>
-              <a:rPr lang="it-IT" dirty="0" err="1"/>
-              <a:t>distinct</a:t>
-            </a:r>
-            <a:r>
-              <a:rPr lang="it-IT" dirty="0"/>
-              <a:t> pitch classes, or </a:t>
-            </a:r>
-            <a:r>
-              <a:rPr lang="it-IT" dirty="0" err="1"/>
-              <a:t>simply</a:t>
-            </a:r>
-            <a:r>
-              <a:rPr lang="it-IT" dirty="0"/>
-              <a:t> more </a:t>
-            </a:r>
-            <a:r>
-              <a:rPr lang="it-IT" dirty="0" err="1"/>
-              <a:t>distinct</a:t>
-            </a:r>
-            <a:r>
-              <a:rPr lang="it-IT" dirty="0"/>
-              <a:t> notes, </a:t>
-            </a:r>
-            <a:r>
-              <a:rPr lang="it-IT" dirty="0" err="1"/>
-              <a:t>whenever</a:t>
-            </a:r>
-            <a:r>
-              <a:rPr lang="it-IT" dirty="0"/>
-              <a:t> </a:t>
-            </a:r>
-            <a:r>
-              <a:rPr lang="it-IT" dirty="0" err="1"/>
-              <a:t>possible</a:t>
-            </a:r>
-            <a:r>
-              <a:rPr lang="it-IT" dirty="0"/>
-              <a:t>. </a:t>
-            </a:r>
-          </a:p>
-          <a:p>
-            <a:pPr marL="0" indent="0">
-              <a:buNone/>
-            </a:pPr>
-            <a:endParaRPr lang="it-IT" dirty="0"/>
-          </a:p>
-          <a:p>
-            <a:pPr marL="0" indent="0">
-              <a:buNone/>
-            </a:pPr>
-            <a:r>
-              <a:rPr lang="it-IT" dirty="0" err="1"/>
-              <a:t>Approx</a:t>
-            </a:r>
-            <a:r>
-              <a:rPr lang="it-IT" dirty="0"/>
-              <a:t> 8 minutes </a:t>
-            </a:r>
-            <a:r>
-              <a:rPr lang="it-IT" dirty="0" err="1"/>
-              <a:t>here</a:t>
-            </a:r>
-            <a:r>
-              <a:rPr lang="it-IT" dirty="0"/>
-              <a:t>, </a:t>
+              <a:t>found</a:t>
+            </a:r>
+            <a:r>
+              <a:rPr lang="it-IT" dirty="0"/>
+              <a:t> 4 to be the best recursive Depth, </a:t>
+            </a:r>
+            <a:r>
+              <a:rPr lang="it-IT" dirty="0" err="1"/>
+              <a:t>as</a:t>
+            </a:r>
+            <a:r>
+              <a:rPr lang="it-IT" dirty="0"/>
+              <a:t> </a:t>
+            </a:r>
+            <a:r>
+              <a:rPr lang="it-IT" dirty="0" err="1"/>
+              <a:t>it</a:t>
+            </a:r>
+            <a:r>
+              <a:rPr lang="it-IT" dirty="0"/>
+              <a:t> </a:t>
+            </a:r>
+            <a:r>
+              <a:rPr lang="it-IT" dirty="0" err="1"/>
+              <a:t>allows</a:t>
+            </a:r>
+            <a:r>
+              <a:rPr lang="it-IT" dirty="0"/>
+              <a:t> for </a:t>
+            </a:r>
+            <a:r>
+              <a:rPr lang="it-IT" dirty="0" err="1"/>
+              <a:t>quick</a:t>
+            </a:r>
+            <a:r>
+              <a:rPr lang="it-IT" dirty="0"/>
+              <a:t> </a:t>
+            </a:r>
+            <a:r>
+              <a:rPr lang="it-IT" dirty="0" err="1"/>
+              <a:t>computation</a:t>
+            </a:r>
+            <a:r>
+              <a:rPr lang="it-IT" dirty="0"/>
+              <a:t> </a:t>
+            </a:r>
+            <a:r>
+              <a:rPr lang="it-IT" dirty="0" err="1"/>
+              <a:t>while</a:t>
+            </a:r>
+            <a:r>
+              <a:rPr lang="it-IT" dirty="0"/>
+              <a:t> </a:t>
+            </a:r>
+            <a:r>
+              <a:rPr lang="it-IT" dirty="0" err="1"/>
+              <a:t>returning</a:t>
+            </a:r>
+            <a:r>
+              <a:rPr lang="it-IT" dirty="0"/>
+              <a:t> good </a:t>
+            </a:r>
+            <a:r>
+              <a:rPr lang="it-IT" dirty="0" err="1"/>
+              <a:t>results</a:t>
+            </a:r>
+            <a:r>
+              <a:rPr lang="it-IT" dirty="0"/>
+              <a:t>, and </a:t>
+            </a:r>
+            <a:r>
+              <a:rPr lang="it-IT" dirty="0" err="1"/>
+              <a:t>generally</a:t>
+            </a:r>
+            <a:r>
+              <a:rPr lang="it-IT" dirty="0"/>
+              <a:t> </a:t>
+            </a:r>
+            <a:r>
+              <a:rPr lang="it-IT" dirty="0" err="1"/>
+              <a:t>increasing</a:t>
+            </a:r>
+            <a:r>
+              <a:rPr lang="it-IT" dirty="0"/>
+              <a:t> </a:t>
             </a:r>
             <a:r>
               <a:rPr lang="it-IT" dirty="0" err="1"/>
@@ -8736,22 +10730,54 @@
             </a:r>
             <a:r>
               <a:rPr lang="it-IT" dirty="0" err="1"/>
-              <a:t>could</a:t>
-            </a:r>
-            <a:r>
-              <a:rPr lang="it-IT" dirty="0"/>
-              <a:t> be the second </a:t>
-            </a:r>
-            <a:r>
-              <a:rPr lang="it-IT" dirty="0" err="1"/>
-              <a:t>block</a:t>
-            </a:r>
-            <a:endParaRPr lang="it-IT" dirty="0"/>
-          </a:p>
-          <a:p>
-            <a:pPr marL="0" indent="0">
-              <a:buNone/>
-            </a:pPr>
+              <a:t>beyond</a:t>
+            </a:r>
+            <a:r>
+              <a:rPr lang="it-IT" dirty="0"/>
+              <a:t> 4 </a:t>
+            </a:r>
+            <a:r>
+              <a:rPr lang="it-IT" dirty="0" err="1"/>
+              <a:t>will</a:t>
+            </a:r>
+            <a:r>
+              <a:rPr lang="it-IT" dirty="0"/>
+              <a:t> </a:t>
+            </a:r>
+            <a:r>
+              <a:rPr lang="it-IT" dirty="0" err="1"/>
+              <a:t>not</a:t>
+            </a:r>
+            <a:r>
+              <a:rPr lang="it-IT" dirty="0"/>
+              <a:t> </a:t>
+            </a:r>
+            <a:r>
+              <a:rPr lang="it-IT" dirty="0" err="1"/>
+              <a:t>improve</a:t>
+            </a:r>
+            <a:r>
+              <a:rPr lang="it-IT" dirty="0"/>
+              <a:t> the </a:t>
+            </a:r>
+            <a:r>
+              <a:rPr lang="it-IT" dirty="0" err="1"/>
+              <a:t>result</a:t>
+            </a:r>
+            <a:r>
+              <a:rPr lang="it-IT" dirty="0"/>
+              <a:t> </a:t>
+            </a:r>
+            <a:r>
+              <a:rPr lang="it-IT" dirty="0" err="1"/>
+              <a:t>significantly</a:t>
+            </a:r>
+            <a:r>
+              <a:rPr lang="it-IT" dirty="0"/>
+              <a:t>.</a:t>
+            </a:r>
+          </a:p>
+          <a:p>
             <a:endParaRPr lang="it-IT" dirty="0"/>
           </a:p>
           <a:p>
@@ -8779,7 +10805,7 @@
           <a:p>
             <a:fld id="{B9177E53-FA8F-42AF-9113-372B0C83F087}" type="slidenum">
               <a:rPr lang="it-IT" smtClean="0"/>
-              <a:t>13</a:t>
+              <a:t>12</a:t>
             </a:fld>
             <a:endParaRPr lang="it-IT"/>
           </a:p>
@@ -8843,45 +10869,314 @@
           <a:lstStyle/>
           <a:p>
             <a:r>
-              <a:rPr lang="it-IT" dirty="0" err="1"/>
-              <a:t>Final</a:t>
-            </a:r>
-            <a:r>
-              <a:rPr lang="it-IT" dirty="0"/>
-              <a:t> 3d </a:t>
-            </a:r>
-            <a:r>
-              <a:rPr lang="it-IT" dirty="0" err="1"/>
-              <a:t>block</a:t>
-            </a:r>
-            <a:endParaRPr lang="it-IT" dirty="0"/>
-          </a:p>
-          <a:p>
-            <a:endParaRPr lang="it-IT" dirty="0"/>
-          </a:p>
-          <a:p>
-            <a:endParaRPr lang="it-IT" dirty="0"/>
-          </a:p>
-          <a:p>
-            <a:r>
-              <a:rPr lang="it-IT" dirty="0" err="1"/>
-              <a:t>Now</a:t>
-            </a:r>
-            <a:r>
-              <a:rPr lang="it-IT" dirty="0"/>
-              <a:t> </a:t>
-            </a:r>
-            <a:r>
-              <a:rPr lang="it-IT" dirty="0" err="1"/>
-              <a:t>let’s</a:t>
-            </a:r>
-            <a:r>
-              <a:rPr lang="it-IT" dirty="0"/>
-              <a:t> talk </a:t>
-            </a:r>
-            <a:r>
-              <a:rPr lang="it-IT" dirty="0" err="1"/>
-              <a:t>about</a:t>
+              <a:rPr lang="it-IT" dirty="0"/>
+              <a:t>The midiInput.js </a:t>
+            </a:r>
+            <a:r>
+              <a:rPr lang="it-IT" dirty="0" err="1"/>
+              <a:t>module</a:t>
+            </a:r>
+            <a:r>
+              <a:rPr lang="it-IT" dirty="0"/>
+              <a:t> </a:t>
+            </a:r>
+            <a:r>
+              <a:rPr lang="it-IT" dirty="0" err="1"/>
+              <a:t>contains</a:t>
+            </a:r>
+            <a:r>
+              <a:rPr lang="it-IT" dirty="0"/>
+              <a:t> </a:t>
+            </a:r>
+            <a:r>
+              <a:rPr lang="it-IT" dirty="0" err="1"/>
+              <a:t>functions</a:t>
+            </a:r>
+            <a:r>
+              <a:rPr lang="it-IT" dirty="0"/>
+              <a:t> for </a:t>
+            </a:r>
+            <a:r>
+              <a:rPr lang="it-IT" dirty="0" err="1"/>
+              <a:t>handling</a:t>
+            </a:r>
+            <a:r>
+              <a:rPr lang="it-IT" dirty="0"/>
+              <a:t> the MIDI </a:t>
+            </a:r>
+            <a:r>
+              <a:rPr lang="it-IT" dirty="0" err="1"/>
+              <a:t>chord</a:t>
+            </a:r>
+            <a:r>
+              <a:rPr lang="it-IT" dirty="0"/>
+              <a:t> input. The </a:t>
+            </a:r>
+            <a:r>
+              <a:rPr lang="it-IT" dirty="0" err="1"/>
+              <a:t>chord</a:t>
+            </a:r>
+            <a:r>
+              <a:rPr lang="it-IT" dirty="0"/>
+              <a:t> </a:t>
+            </a:r>
+            <a:r>
+              <a:rPr lang="it-IT" dirty="0" err="1"/>
+              <a:t>recognition</a:t>
+            </a:r>
+            <a:r>
+              <a:rPr lang="it-IT" dirty="0"/>
+              <a:t> </a:t>
+            </a:r>
+            <a:r>
+              <a:rPr lang="it-IT" dirty="0" err="1"/>
+              <a:t>algorithms</a:t>
+            </a:r>
+            <a:r>
+              <a:rPr lang="it-IT" dirty="0"/>
+              <a:t> works like </a:t>
+            </a:r>
+            <a:r>
+              <a:rPr lang="it-IT" dirty="0" err="1"/>
+              <a:t>this</a:t>
+            </a:r>
+            <a:r>
+              <a:rPr lang="it-IT" dirty="0"/>
+              <a:t>:</a:t>
+            </a:r>
+          </a:p>
+          <a:p>
+            <a:r>
+              <a:rPr lang="it-IT" dirty="0"/>
+              <a:t>-</a:t>
+            </a:r>
+            <a:r>
+              <a:rPr lang="it-IT" dirty="0" err="1"/>
+              <a:t>we</a:t>
+            </a:r>
+            <a:r>
+              <a:rPr lang="it-IT" dirty="0"/>
+              <a:t> </a:t>
+            </a:r>
+            <a:r>
+              <a:rPr lang="it-IT" dirty="0" err="1"/>
+              <a:t>consider</a:t>
+            </a:r>
+            <a:r>
+              <a:rPr lang="it-IT" dirty="0"/>
+              <a:t> notes </a:t>
+            </a:r>
+            <a:r>
+              <a:rPr lang="it-IT" dirty="0" err="1"/>
+              <a:t>within</a:t>
+            </a:r>
+            <a:r>
+              <a:rPr lang="it-IT" dirty="0"/>
+              <a:t> a 200 </a:t>
+            </a:r>
+            <a:r>
+              <a:rPr lang="it-IT" dirty="0" err="1"/>
+              <a:t>ms</a:t>
+            </a:r>
+            <a:r>
+              <a:rPr lang="it-IT" dirty="0"/>
+              <a:t> window </a:t>
+            </a:r>
+            <a:r>
+              <a:rPr lang="it-IT" dirty="0" err="1"/>
+              <a:t>as</a:t>
+            </a:r>
+            <a:r>
+              <a:rPr lang="it-IT" dirty="0"/>
+              <a:t> </a:t>
+            </a:r>
+            <a:r>
+              <a:rPr lang="it-IT" dirty="0" err="1"/>
+              <a:t>belonging</a:t>
+            </a:r>
+            <a:r>
+              <a:rPr lang="it-IT" dirty="0"/>
+              <a:t> to the </a:t>
+            </a:r>
+            <a:r>
+              <a:rPr lang="it-IT" dirty="0" err="1"/>
+              <a:t>same</a:t>
+            </a:r>
+            <a:r>
+              <a:rPr lang="it-IT" dirty="0"/>
+              <a:t> </a:t>
+            </a:r>
+            <a:r>
+              <a:rPr lang="it-IT" dirty="0" err="1"/>
+              <a:t>chord</a:t>
+            </a:r>
+            <a:r>
+              <a:rPr lang="it-IT" dirty="0"/>
+              <a:t>. So the first note to come set the </a:t>
+            </a:r>
+            <a:r>
+              <a:rPr lang="it-IT" dirty="0" err="1"/>
+              <a:t>chord</a:t>
+            </a:r>
+            <a:r>
+              <a:rPr lang="it-IT" dirty="0"/>
+              <a:t> </a:t>
+            </a:r>
+            <a:r>
+              <a:rPr lang="it-IT" dirty="0" err="1"/>
+              <a:t>onset</a:t>
+            </a:r>
+            <a:r>
+              <a:rPr lang="it-IT" dirty="0"/>
+              <a:t> time. </a:t>
+            </a:r>
+            <a:r>
+              <a:rPr lang="it-IT" dirty="0" err="1"/>
+              <a:t>When</a:t>
+            </a:r>
+            <a:r>
+              <a:rPr lang="it-IT" dirty="0"/>
+              <a:t> </a:t>
+            </a:r>
+            <a:r>
+              <a:rPr lang="it-IT" dirty="0" err="1"/>
+              <a:t>we</a:t>
+            </a:r>
+            <a:r>
+              <a:rPr lang="it-IT" dirty="0"/>
+              <a:t> </a:t>
+            </a:r>
+            <a:r>
+              <a:rPr lang="it-IT" dirty="0" err="1"/>
+              <a:t>have</a:t>
+            </a:r>
+            <a:r>
+              <a:rPr lang="it-IT" dirty="0"/>
+              <a:t> following notes, </a:t>
+            </a:r>
+            <a:r>
+              <a:rPr lang="it-IT" dirty="0" err="1"/>
+              <a:t>if</a:t>
+            </a:r>
+            <a:r>
+              <a:rPr lang="it-IT" dirty="0"/>
+              <a:t> </a:t>
+            </a:r>
+            <a:r>
+              <a:rPr lang="it-IT" dirty="0" err="1"/>
+              <a:t>they</a:t>
+            </a:r>
+            <a:r>
+              <a:rPr lang="it-IT" dirty="0"/>
+              <a:t> </a:t>
+            </a:r>
+            <a:r>
+              <a:rPr lang="it-IT" dirty="0" err="1"/>
+              <a:t>fall</a:t>
+            </a:r>
+            <a:r>
+              <a:rPr lang="it-IT" dirty="0"/>
+              <a:t> </a:t>
+            </a:r>
+            <a:r>
+              <a:rPr lang="it-IT" dirty="0" err="1"/>
+              <a:t>within</a:t>
+            </a:r>
+            <a:r>
+              <a:rPr lang="it-IT" dirty="0"/>
+              <a:t> 200ms from </a:t>
+            </a:r>
+            <a:r>
+              <a:rPr lang="it-IT" dirty="0" err="1"/>
+              <a:t>this</a:t>
+            </a:r>
+            <a:r>
+              <a:rPr lang="it-IT" dirty="0"/>
+              <a:t> first one, </a:t>
+            </a:r>
+            <a:r>
+              <a:rPr lang="it-IT" dirty="0" err="1"/>
+              <a:t>we</a:t>
+            </a:r>
+            <a:r>
+              <a:rPr lang="it-IT" dirty="0"/>
+              <a:t> </a:t>
+            </a:r>
+            <a:r>
+              <a:rPr lang="it-IT" dirty="0" err="1"/>
+              <a:t>add</a:t>
+            </a:r>
+            <a:r>
+              <a:rPr lang="it-IT" dirty="0"/>
+              <a:t> </a:t>
+            </a:r>
+            <a:r>
+              <a:rPr lang="it-IT" dirty="0" err="1"/>
+              <a:t>it</a:t>
+            </a:r>
+            <a:r>
+              <a:rPr lang="it-IT" dirty="0"/>
+              <a:t> to the </a:t>
+            </a:r>
+            <a:r>
+              <a:rPr lang="it-IT" dirty="0" err="1"/>
+              <a:t>chord</a:t>
+            </a:r>
+            <a:r>
+              <a:rPr lang="it-IT" dirty="0"/>
+              <a:t>. </a:t>
+            </a:r>
+            <a:r>
+              <a:rPr lang="it-IT" dirty="0" err="1"/>
+              <a:t>Otherwise</a:t>
+            </a:r>
+            <a:r>
+              <a:rPr lang="it-IT" dirty="0"/>
+              <a:t>, </a:t>
+            </a:r>
+            <a:r>
+              <a:rPr lang="it-IT" dirty="0" err="1"/>
+              <a:t>we</a:t>
+            </a:r>
+            <a:r>
+              <a:rPr lang="it-IT" dirty="0"/>
+              <a:t> </a:t>
+            </a:r>
+            <a:r>
+              <a:rPr lang="it-IT" dirty="0" err="1"/>
+              <a:t>consider</a:t>
+            </a:r>
+            <a:r>
+              <a:rPr lang="it-IT" dirty="0"/>
+              <a:t> a new </a:t>
+            </a:r>
+            <a:r>
+              <a:rPr lang="it-IT" dirty="0" err="1"/>
+              <a:t>chord</a:t>
+            </a:r>
+            <a:r>
+              <a:rPr lang="it-IT" dirty="0"/>
+              <a:t> to </a:t>
+            </a:r>
+            <a:r>
+              <a:rPr lang="it-IT" dirty="0" err="1"/>
+              <a:t>have</a:t>
+            </a:r>
+            <a:r>
+              <a:rPr lang="it-IT" dirty="0"/>
+              <a:t> </a:t>
+            </a:r>
+            <a:r>
+              <a:rPr lang="it-IT" dirty="0" err="1"/>
+              <a:t>started</a:t>
+            </a:r>
+            <a:r>
+              <a:rPr lang="it-IT" dirty="0"/>
+              <a:t>. </a:t>
+            </a:r>
+            <a:r>
+              <a:rPr lang="it-IT" dirty="0" err="1"/>
+              <a:t>If</a:t>
             </a:r>
             <a:r>
               <a:rPr lang="it-IT" dirty="0"/>
@@ -8889,11 +11184,163 @@
             </a:r>
             <a:r>
               <a:rPr lang="it-IT" dirty="0" err="1"/>
-              <a:t>voicing</a:t>
-            </a:r>
-            <a:r>
-              <a:rPr lang="it-IT" dirty="0"/>
-              <a:t> </a:t>
+              <a:t>previous</a:t>
+            </a:r>
+            <a:r>
+              <a:rPr lang="it-IT" dirty="0"/>
+              <a:t> one </a:t>
+            </a:r>
+            <a:r>
+              <a:rPr lang="it-IT" dirty="0" err="1"/>
+              <a:t>had</a:t>
+            </a:r>
+            <a:r>
+              <a:rPr lang="it-IT" dirty="0"/>
+              <a:t> </a:t>
+            </a:r>
+            <a:r>
+              <a:rPr lang="it-IT" dirty="0" err="1"/>
+              <a:t>at</a:t>
+            </a:r>
+            <a:r>
+              <a:rPr lang="it-IT" dirty="0"/>
+              <a:t> </a:t>
+            </a:r>
+            <a:r>
+              <a:rPr lang="it-IT" dirty="0" err="1"/>
+              <a:t>least</a:t>
+            </a:r>
+            <a:r>
+              <a:rPr lang="it-IT" dirty="0"/>
+              <a:t> 3 notes, </a:t>
+            </a:r>
+            <a:r>
+              <a:rPr lang="it-IT" dirty="0" err="1"/>
+              <a:t>before</a:t>
+            </a:r>
+            <a:r>
+              <a:rPr lang="it-IT" dirty="0"/>
+              <a:t> </a:t>
+            </a:r>
+            <a:r>
+              <a:rPr lang="it-IT" dirty="0" err="1"/>
+              <a:t>replacing</a:t>
+            </a:r>
+            <a:r>
+              <a:rPr lang="it-IT" dirty="0"/>
+              <a:t> </a:t>
+            </a:r>
+            <a:r>
+              <a:rPr lang="it-IT" dirty="0" err="1"/>
+              <a:t>it</a:t>
+            </a:r>
+            <a:r>
+              <a:rPr lang="it-IT" dirty="0"/>
+              <a:t> </a:t>
+            </a:r>
+            <a:r>
+              <a:rPr lang="it-IT" dirty="0" err="1"/>
+              <a:t>we</a:t>
+            </a:r>
+            <a:r>
+              <a:rPr lang="it-IT" dirty="0"/>
+              <a:t> call the </a:t>
+            </a:r>
+            <a:r>
+              <a:rPr lang="it-IT" dirty="0" err="1"/>
+              <a:t>function</a:t>
+            </a:r>
+            <a:r>
+              <a:rPr lang="it-IT" dirty="0"/>
+              <a:t> </a:t>
+            </a:r>
+            <a:r>
+              <a:rPr lang="it-IT" dirty="0" err="1"/>
+              <a:t>Chord.detect</a:t>
+            </a:r>
+            <a:r>
+              <a:rPr lang="it-IT" dirty="0"/>
+              <a:t> from the tonal.js library, and </a:t>
+            </a:r>
+            <a:r>
+              <a:rPr lang="it-IT" dirty="0" err="1"/>
+              <a:t>then</a:t>
+            </a:r>
+            <a:r>
+              <a:rPr lang="it-IT" dirty="0"/>
+              <a:t> </a:t>
+            </a:r>
+            <a:r>
+              <a:rPr lang="it-IT" dirty="0" err="1"/>
+              <a:t>we</a:t>
+            </a:r>
+            <a:r>
+              <a:rPr lang="it-IT" dirty="0"/>
+              <a:t> </a:t>
+            </a:r>
+            <a:r>
+              <a:rPr lang="it-IT" dirty="0" err="1"/>
+              <a:t>have</a:t>
+            </a:r>
+            <a:r>
+              <a:rPr lang="it-IT" dirty="0"/>
+              <a:t> a </a:t>
+            </a:r>
+            <a:r>
+              <a:rPr lang="it-IT" dirty="0" err="1"/>
+              <a:t>callback</a:t>
+            </a:r>
+            <a:r>
+              <a:rPr lang="it-IT" dirty="0"/>
+              <a:t> </a:t>
+            </a:r>
+            <a:r>
+              <a:rPr lang="it-IT" dirty="0" err="1"/>
+              <a:t>function</a:t>
+            </a:r>
+            <a:r>
+              <a:rPr lang="it-IT" dirty="0"/>
+              <a:t> from the </a:t>
+            </a:r>
+            <a:r>
+              <a:rPr lang="it-IT" dirty="0" err="1"/>
+              <a:t>main</a:t>
+            </a:r>
+            <a:r>
+              <a:rPr lang="it-IT" dirty="0"/>
+              <a:t> component, </a:t>
+            </a:r>
+            <a:r>
+              <a:rPr lang="it-IT" dirty="0" err="1"/>
+              <a:t>which</a:t>
+            </a:r>
+            <a:r>
+              <a:rPr lang="it-IT" dirty="0"/>
+              <a:t> </a:t>
+            </a:r>
+            <a:r>
+              <a:rPr lang="it-IT" dirty="0" err="1"/>
+              <a:t>adds</a:t>
+            </a:r>
+            <a:r>
+              <a:rPr lang="it-IT" dirty="0"/>
+              <a:t> the </a:t>
+            </a:r>
+            <a:r>
+              <a:rPr lang="it-IT" dirty="0" err="1"/>
+              <a:t>recognized</a:t>
+            </a:r>
+            <a:r>
+              <a:rPr lang="it-IT" dirty="0"/>
+              <a:t> </a:t>
+            </a:r>
+            <a:r>
+              <a:rPr lang="it-IT" dirty="0" err="1"/>
+              <a:t>chord</a:t>
+            </a:r>
+            <a:r>
+              <a:rPr lang="it-IT" dirty="0"/>
+              <a:t> to the </a:t>
             </a:r>
             <a:r>
               <a:rPr lang="it-IT" dirty="0" err="1"/>
@@ -8901,2705 +11348,8 @@
             </a:r>
             <a:r>
               <a:rPr lang="it-IT" dirty="0"/>
-              <a:t> generation.</a:t>
-            </a:r>
-          </a:p>
-          <a:p>
-            <a:r>
-              <a:rPr lang="it-IT" dirty="0" err="1"/>
-              <a:t>As</a:t>
-            </a:r>
-            <a:r>
-              <a:rPr lang="it-IT" dirty="0"/>
-              <a:t> a </a:t>
-            </a:r>
-            <a:r>
-              <a:rPr lang="it-IT" dirty="0" err="1"/>
-              <a:t>starting</a:t>
-            </a:r>
-            <a:r>
-              <a:rPr lang="it-IT" dirty="0"/>
-              <a:t> point, </a:t>
-            </a:r>
-            <a:r>
-              <a:rPr lang="it-IT" dirty="0" err="1"/>
-              <a:t>we</a:t>
-            </a:r>
-            <a:r>
-              <a:rPr lang="it-IT" dirty="0"/>
-              <a:t> </a:t>
-            </a:r>
-            <a:r>
-              <a:rPr lang="it-IT" dirty="0" err="1"/>
-              <a:t>generally</a:t>
-            </a:r>
-            <a:r>
-              <a:rPr lang="it-IT" dirty="0"/>
-              <a:t> </a:t>
-            </a:r>
-            <a:r>
-              <a:rPr lang="it-IT" dirty="0" err="1"/>
-              <a:t>avoid</a:t>
-            </a:r>
-            <a:r>
-              <a:rPr lang="it-IT" dirty="0"/>
-              <a:t> the </a:t>
-            </a:r>
-            <a:r>
-              <a:rPr lang="it-IT" dirty="0" err="1"/>
-              <a:t>presence</a:t>
-            </a:r>
-            <a:r>
-              <a:rPr lang="it-IT" dirty="0"/>
-              <a:t> of </a:t>
-            </a:r>
-            <a:r>
-              <a:rPr lang="it-IT" dirty="0" err="1"/>
-              <a:t>inversions</a:t>
-            </a:r>
-            <a:r>
-              <a:rPr lang="it-IT" dirty="0"/>
-              <a:t> on the first </a:t>
-            </a:r>
-            <a:r>
-              <a:rPr lang="it-IT" dirty="0" err="1"/>
-              <a:t>chord</a:t>
-            </a:r>
-            <a:r>
-              <a:rPr lang="it-IT" dirty="0"/>
-              <a:t> of the </a:t>
-            </a:r>
-            <a:r>
-              <a:rPr lang="it-IT" dirty="0" err="1"/>
-              <a:t>sequence</a:t>
-            </a:r>
-            <a:r>
-              <a:rPr lang="it-IT" dirty="0"/>
-              <a:t>, </a:t>
-            </a:r>
-            <a:r>
-              <a:rPr lang="it-IT" dirty="0" err="1"/>
-              <a:t>as</a:t>
-            </a:r>
-            <a:r>
-              <a:rPr lang="it-IT" dirty="0"/>
-              <a:t> </a:t>
-            </a:r>
-            <a:r>
-              <a:rPr lang="it-IT" dirty="0" err="1"/>
-              <a:t>we</a:t>
-            </a:r>
-            <a:r>
-              <a:rPr lang="it-IT" dirty="0"/>
-              <a:t> </a:t>
-            </a:r>
-            <a:r>
-              <a:rPr lang="it-IT" dirty="0" err="1"/>
-              <a:t>found</a:t>
-            </a:r>
-            <a:r>
-              <a:rPr lang="it-IT" dirty="0"/>
-              <a:t> </a:t>
-            </a:r>
-            <a:r>
-              <a:rPr lang="it-IT" dirty="0" err="1"/>
-              <a:t>this</a:t>
-            </a:r>
-            <a:r>
-              <a:rPr lang="it-IT" dirty="0"/>
-              <a:t> to </a:t>
-            </a:r>
-            <a:r>
-              <a:rPr lang="it-IT" dirty="0" err="1"/>
-              <a:t>give</a:t>
-            </a:r>
-            <a:r>
-              <a:rPr lang="it-IT" dirty="0"/>
-              <a:t> </a:t>
-            </a:r>
-            <a:r>
-              <a:rPr lang="it-IT" dirty="0" err="1"/>
-              <a:t>generally</a:t>
-            </a:r>
-            <a:r>
-              <a:rPr lang="it-IT" dirty="0"/>
-              <a:t> </a:t>
-            </a:r>
-            <a:r>
-              <a:rPr lang="it-IT" dirty="0" err="1"/>
-              <a:t>unpleasant</a:t>
-            </a:r>
-            <a:r>
-              <a:rPr lang="it-IT" dirty="0"/>
-              <a:t> </a:t>
-            </a:r>
-            <a:r>
-              <a:rPr lang="it-IT" dirty="0" err="1"/>
-              <a:t>results</a:t>
-            </a:r>
-            <a:r>
-              <a:rPr lang="it-IT" dirty="0"/>
-              <a:t>, </a:t>
-            </a:r>
-            <a:r>
-              <a:rPr lang="it-IT" dirty="0" err="1"/>
-              <a:t>mainly</a:t>
-            </a:r>
-            <a:r>
-              <a:rPr lang="it-IT" dirty="0"/>
-              <a:t> </a:t>
-            </a:r>
-            <a:r>
-              <a:rPr lang="it-IT" dirty="0" err="1"/>
-              <a:t>because</a:t>
-            </a:r>
-            <a:r>
-              <a:rPr lang="it-IT" dirty="0"/>
-              <a:t> </a:t>
-            </a:r>
-            <a:r>
-              <a:rPr lang="it-IT" dirty="0" err="1"/>
-              <a:t>it</a:t>
-            </a:r>
-            <a:r>
-              <a:rPr lang="it-IT" dirty="0"/>
-              <a:t> </a:t>
-            </a:r>
-            <a:r>
-              <a:rPr lang="it-IT" dirty="0" err="1"/>
-              <a:t>will</a:t>
-            </a:r>
-            <a:r>
-              <a:rPr lang="it-IT" dirty="0"/>
-              <a:t> </a:t>
-            </a:r>
-            <a:r>
-              <a:rPr lang="it-IT" dirty="0" err="1"/>
-              <a:t>easily</a:t>
-            </a:r>
-            <a:r>
-              <a:rPr lang="it-IT" dirty="0"/>
-              <a:t> </a:t>
-            </a:r>
-            <a:r>
-              <a:rPr lang="it-IT" dirty="0" err="1"/>
-              <a:t>disrupt</a:t>
-            </a:r>
-            <a:r>
-              <a:rPr lang="it-IT" dirty="0"/>
-              <a:t> the </a:t>
-            </a:r>
-            <a:r>
-              <a:rPr lang="it-IT" dirty="0" err="1"/>
-              <a:t>perception</a:t>
-            </a:r>
-            <a:r>
-              <a:rPr lang="it-IT" dirty="0"/>
-              <a:t> of the </a:t>
-            </a:r>
-            <a:r>
-              <a:rPr lang="it-IT" dirty="0" err="1"/>
-              <a:t>chord</a:t>
-            </a:r>
-            <a:r>
-              <a:rPr lang="it-IT" dirty="0"/>
-              <a:t> </a:t>
-            </a:r>
-            <a:r>
-              <a:rPr lang="it-IT" dirty="0" err="1"/>
-              <a:t>progression</a:t>
-            </a:r>
-            <a:r>
-              <a:rPr lang="it-IT" dirty="0"/>
               <a:t>.</a:t>
             </a:r>
-          </a:p>
-          <a:p>
-            <a:r>
-              <a:rPr lang="it-IT" dirty="0" err="1"/>
-              <a:t>Then</a:t>
-            </a:r>
-            <a:r>
-              <a:rPr lang="it-IT" dirty="0"/>
-              <a:t>, </a:t>
-            </a:r>
-            <a:r>
-              <a:rPr lang="it-IT" dirty="0" err="1"/>
-              <a:t>we</a:t>
-            </a:r>
-            <a:r>
-              <a:rPr lang="it-IT" dirty="0"/>
-              <a:t> build the </a:t>
-            </a:r>
-            <a:r>
-              <a:rPr lang="it-IT" dirty="0" err="1"/>
-              <a:t>sequence</a:t>
-            </a:r>
-            <a:r>
-              <a:rPr lang="it-IT" dirty="0"/>
-              <a:t> by </a:t>
-            </a:r>
-            <a:r>
-              <a:rPr lang="it-IT" dirty="0" err="1"/>
-              <a:t>considering</a:t>
-            </a:r>
-            <a:r>
-              <a:rPr lang="it-IT" dirty="0"/>
-              <a:t> </a:t>
-            </a:r>
-            <a:r>
-              <a:rPr lang="it-IT" dirty="0" err="1"/>
-              <a:t>all</a:t>
-            </a:r>
-            <a:r>
-              <a:rPr lang="it-IT" dirty="0"/>
-              <a:t> the </a:t>
-            </a:r>
-            <a:r>
-              <a:rPr lang="it-IT" dirty="0" err="1"/>
-              <a:t>possible</a:t>
-            </a:r>
-            <a:r>
-              <a:rPr lang="it-IT" dirty="0"/>
-              <a:t> </a:t>
-            </a:r>
-            <a:r>
-              <a:rPr lang="it-IT" dirty="0" err="1"/>
-              <a:t>voicing</a:t>
-            </a:r>
-            <a:r>
-              <a:rPr lang="it-IT" dirty="0"/>
-              <a:t> </a:t>
-            </a:r>
-            <a:r>
-              <a:rPr lang="it-IT" dirty="0" err="1"/>
-              <a:t>sequences</a:t>
-            </a:r>
-            <a:r>
-              <a:rPr lang="it-IT" dirty="0"/>
-              <a:t>, and </a:t>
-            </a:r>
-            <a:r>
-              <a:rPr lang="it-IT" dirty="0" err="1"/>
-              <a:t>selecting</a:t>
-            </a:r>
-            <a:r>
-              <a:rPr lang="it-IT" dirty="0"/>
-              <a:t> the one </a:t>
-            </a:r>
-            <a:r>
-              <a:rPr lang="it-IT" dirty="0" err="1"/>
-              <a:t>which</a:t>
-            </a:r>
-            <a:r>
-              <a:rPr lang="it-IT" dirty="0"/>
-              <a:t> </a:t>
-            </a:r>
-            <a:r>
-              <a:rPr lang="it-IT" dirty="0" err="1"/>
-              <a:t>is</a:t>
-            </a:r>
-            <a:r>
-              <a:rPr lang="it-IT" dirty="0"/>
-              <a:t> </a:t>
-            </a:r>
-            <a:r>
-              <a:rPr lang="it-IT" dirty="0" err="1"/>
-              <a:t>considered</a:t>
-            </a:r>
-            <a:r>
-              <a:rPr lang="it-IT" dirty="0"/>
-              <a:t> </a:t>
-            </a:r>
-            <a:r>
-              <a:rPr lang="it-IT" dirty="0" err="1"/>
-              <a:t>optimal</a:t>
-            </a:r>
-            <a:r>
-              <a:rPr lang="it-IT" dirty="0"/>
-              <a:t>. </a:t>
-            </a:r>
-            <a:r>
-              <a:rPr lang="it-IT" dirty="0" err="1"/>
-              <a:t>We</a:t>
-            </a:r>
-            <a:r>
-              <a:rPr lang="it-IT" dirty="0"/>
-              <a:t> </a:t>
-            </a:r>
-            <a:r>
-              <a:rPr lang="it-IT" dirty="0" err="1"/>
-              <a:t>measure</a:t>
-            </a:r>
-            <a:r>
-              <a:rPr lang="it-IT" dirty="0"/>
-              <a:t> a </a:t>
-            </a:r>
-            <a:r>
-              <a:rPr lang="it-IT" dirty="0" err="1"/>
-              <a:t>sequence</a:t>
-            </a:r>
-            <a:r>
-              <a:rPr lang="it-IT" dirty="0"/>
-              <a:t> </a:t>
-            </a:r>
-            <a:r>
-              <a:rPr lang="it-IT" dirty="0" err="1"/>
-              <a:t>quality</a:t>
-            </a:r>
-            <a:r>
-              <a:rPr lang="it-IT" dirty="0"/>
-              <a:t> </a:t>
-            </a:r>
-            <a:r>
-              <a:rPr lang="it-IT" dirty="0" err="1"/>
-              <a:t>using</a:t>
-            </a:r>
-            <a:r>
-              <a:rPr lang="it-IT" dirty="0"/>
-              <a:t> </a:t>
-            </a:r>
-            <a:r>
-              <a:rPr lang="it-IT" dirty="0" err="1"/>
-              <a:t>two</a:t>
-            </a:r>
-            <a:r>
-              <a:rPr lang="it-IT" dirty="0"/>
-              <a:t> </a:t>
-            </a:r>
-            <a:r>
-              <a:rPr lang="it-IT" dirty="0" err="1"/>
-              <a:t>criteria</a:t>
-            </a:r>
-            <a:r>
-              <a:rPr lang="it-IT" dirty="0"/>
-              <a:t>:</a:t>
-            </a:r>
-          </a:p>
-          <a:p>
-            <a:pPr rtl="0" fontAlgn="ctr">
-              <a:spcBef>
-                <a:spcPts val="0"/>
-              </a:spcBef>
-              <a:spcAft>
-                <a:spcPts val="0"/>
-              </a:spcAft>
-              <a:buFont typeface="Courier New" panose="02070309020205020404" pitchFamily="49" charset="0"/>
-              <a:buChar char="o"/>
-            </a:pPr>
-            <a:r>
-              <a:rPr lang="it-IT" dirty="0"/>
-              <a:t>1)</a:t>
-            </a:r>
-            <a:r>
-              <a:rPr lang="it-IT" sz="1200" dirty="0">
-                <a:effectLst/>
-                <a:latin typeface="Calibri" panose="020F0502020204030204" pitchFamily="34" charset="0"/>
-              </a:rPr>
-              <a:t> The minimum </a:t>
-            </a:r>
-            <a:r>
-              <a:rPr lang="it-IT" sz="1200" dirty="0" err="1">
-                <a:effectLst/>
-                <a:latin typeface="Calibri" panose="020F0502020204030204" pitchFamily="34" charset="0"/>
-              </a:rPr>
-              <a:t>distance</a:t>
-            </a:r>
-            <a:r>
-              <a:rPr lang="it-IT" sz="1200" dirty="0">
-                <a:effectLst/>
-                <a:latin typeface="Calibri" panose="020F0502020204030204" pitchFamily="34" charset="0"/>
-              </a:rPr>
-              <a:t> </a:t>
-            </a:r>
-            <a:r>
-              <a:rPr lang="it-IT" sz="1200" dirty="0" err="1">
-                <a:effectLst/>
-                <a:latin typeface="Calibri" panose="020F0502020204030204" pitchFamily="34" charset="0"/>
-              </a:rPr>
-              <a:t>between</a:t>
-            </a:r>
-            <a:r>
-              <a:rPr lang="it-IT" sz="1200" dirty="0">
-                <a:effectLst/>
-                <a:latin typeface="Calibri" panose="020F0502020204030204" pitchFamily="34" charset="0"/>
-              </a:rPr>
-              <a:t> consecutive </a:t>
-            </a:r>
-            <a:r>
-              <a:rPr lang="it-IT" sz="1200" dirty="0" err="1">
-                <a:effectLst/>
-                <a:latin typeface="Calibri" panose="020F0502020204030204" pitchFamily="34" charset="0"/>
-              </a:rPr>
-              <a:t>pairs</a:t>
-            </a:r>
-            <a:r>
-              <a:rPr lang="it-IT" sz="1200" dirty="0">
-                <a:effectLst/>
-                <a:latin typeface="Calibri" panose="020F0502020204030204" pitchFamily="34" charset="0"/>
-              </a:rPr>
-              <a:t>. In a </a:t>
-            </a:r>
-            <a:r>
-              <a:rPr lang="it-IT" sz="1200" dirty="0" err="1">
-                <a:effectLst/>
-                <a:latin typeface="Calibri" panose="020F0502020204030204" pitchFamily="34" charset="0"/>
-              </a:rPr>
-              <a:t>simple</a:t>
-            </a:r>
-            <a:r>
-              <a:rPr lang="it-IT" sz="1200" dirty="0">
-                <a:effectLst/>
-                <a:latin typeface="Calibri" panose="020F0502020204030204" pitchFamily="34" charset="0"/>
-              </a:rPr>
-              <a:t> intuitive way, the </a:t>
-            </a:r>
-            <a:r>
-              <a:rPr lang="it-IT" sz="1200" dirty="0" err="1">
-                <a:effectLst/>
-                <a:latin typeface="Calibri" panose="020F0502020204030204" pitchFamily="34" charset="0"/>
-              </a:rPr>
-              <a:t>distance</a:t>
-            </a:r>
-            <a:r>
-              <a:rPr lang="it-IT" sz="1200" dirty="0">
-                <a:effectLst/>
-                <a:latin typeface="Calibri" panose="020F0502020204030204" pitchFamily="34" charset="0"/>
-              </a:rPr>
-              <a:t> </a:t>
-            </a:r>
-            <a:r>
-              <a:rPr lang="it-IT" sz="1200" dirty="0" err="1">
-                <a:effectLst/>
-                <a:latin typeface="Calibri" panose="020F0502020204030204" pitchFamily="34" charset="0"/>
-              </a:rPr>
-              <a:t>between</a:t>
-            </a:r>
-            <a:r>
-              <a:rPr lang="it-IT" sz="1200" dirty="0">
-                <a:effectLst/>
-                <a:latin typeface="Calibri" panose="020F0502020204030204" pitchFamily="34" charset="0"/>
-              </a:rPr>
-              <a:t> </a:t>
-            </a:r>
-            <a:r>
-              <a:rPr lang="it-IT" sz="1200" dirty="0" err="1">
-                <a:effectLst/>
-                <a:latin typeface="Calibri" panose="020F0502020204030204" pitchFamily="34" charset="0"/>
-              </a:rPr>
-              <a:t>two</a:t>
-            </a:r>
-            <a:r>
-              <a:rPr lang="it-IT" sz="1200" dirty="0">
-                <a:effectLst/>
-                <a:latin typeface="Calibri" panose="020F0502020204030204" pitchFamily="34" charset="0"/>
-              </a:rPr>
-              <a:t> </a:t>
-            </a:r>
-            <a:r>
-              <a:rPr lang="it-IT" sz="1200" dirty="0" err="1">
-                <a:effectLst/>
-                <a:latin typeface="Calibri" panose="020F0502020204030204" pitchFamily="34" charset="0"/>
-              </a:rPr>
-              <a:t>voicings</a:t>
-            </a:r>
-            <a:r>
-              <a:rPr lang="it-IT" sz="1200" dirty="0">
-                <a:effectLst/>
-                <a:latin typeface="Calibri" panose="020F0502020204030204" pitchFamily="34" charset="0"/>
-              </a:rPr>
-              <a:t> </a:t>
-            </a:r>
-            <a:r>
-              <a:rPr lang="it-IT" sz="1200" dirty="0" err="1">
-                <a:effectLst/>
-                <a:latin typeface="Calibri" panose="020F0502020204030204" pitchFamily="34" charset="0"/>
-              </a:rPr>
-              <a:t>represents</a:t>
-            </a:r>
-            <a:r>
-              <a:rPr lang="it-IT" sz="1200" dirty="0">
-                <a:effectLst/>
-                <a:latin typeface="Calibri" panose="020F0502020204030204" pitchFamily="34" charset="0"/>
-              </a:rPr>
-              <a:t> the </a:t>
-            </a:r>
-            <a:r>
-              <a:rPr lang="it-IT" sz="1200" dirty="0" err="1">
-                <a:effectLst/>
-                <a:latin typeface="Calibri" panose="020F0502020204030204" pitchFamily="34" charset="0"/>
-              </a:rPr>
-              <a:t>distance</a:t>
-            </a:r>
-            <a:r>
-              <a:rPr lang="it-IT" sz="1200" dirty="0">
-                <a:effectLst/>
-                <a:latin typeface="Calibri" panose="020F0502020204030204" pitchFamily="34" charset="0"/>
-              </a:rPr>
-              <a:t> in </a:t>
-            </a:r>
-            <a:r>
-              <a:rPr lang="it-IT" sz="1200" dirty="0" err="1">
-                <a:effectLst/>
-                <a:latin typeface="Calibri" panose="020F0502020204030204" pitchFamily="34" charset="0"/>
-              </a:rPr>
-              <a:t>frets</a:t>
-            </a:r>
-            <a:r>
-              <a:rPr lang="it-IT" sz="1200" dirty="0">
-                <a:effectLst/>
-                <a:latin typeface="Calibri" panose="020F0502020204030204" pitchFamily="34" charset="0"/>
-              </a:rPr>
-              <a:t> </a:t>
-            </a:r>
-            <a:r>
-              <a:rPr lang="it-IT" sz="1200" dirty="0" err="1">
-                <a:effectLst/>
-                <a:latin typeface="Calibri" panose="020F0502020204030204" pitchFamily="34" charset="0"/>
-              </a:rPr>
-              <a:t>between</a:t>
-            </a:r>
-            <a:r>
-              <a:rPr lang="it-IT" sz="1200" dirty="0">
-                <a:effectLst/>
-                <a:latin typeface="Calibri" panose="020F0502020204030204" pitchFamily="34" charset="0"/>
-              </a:rPr>
-              <a:t> the </a:t>
-            </a:r>
-            <a:r>
-              <a:rPr lang="it-IT" sz="1200" dirty="0" err="1">
-                <a:effectLst/>
-                <a:latin typeface="Calibri" panose="020F0502020204030204" pitchFamily="34" charset="0"/>
-              </a:rPr>
-              <a:t>two</a:t>
-            </a:r>
-            <a:r>
-              <a:rPr lang="it-IT" sz="1200" dirty="0">
-                <a:effectLst/>
-                <a:latin typeface="Calibri" panose="020F0502020204030204" pitchFamily="34" charset="0"/>
-              </a:rPr>
-              <a:t> </a:t>
-            </a:r>
-            <a:r>
-              <a:rPr lang="it-IT" sz="1200" dirty="0" err="1">
-                <a:effectLst/>
-                <a:latin typeface="Calibri" panose="020F0502020204030204" pitchFamily="34" charset="0"/>
-              </a:rPr>
-              <a:t>string</a:t>
-            </a:r>
-            <a:r>
-              <a:rPr lang="it-IT" sz="1200" dirty="0">
-                <a:effectLst/>
-                <a:latin typeface="Calibri" panose="020F0502020204030204" pitchFamily="34" charset="0"/>
-              </a:rPr>
-              <a:t> by </a:t>
-            </a:r>
-            <a:r>
-              <a:rPr lang="it-IT" sz="1200" dirty="0" err="1">
-                <a:effectLst/>
-                <a:latin typeface="Calibri" panose="020F0502020204030204" pitchFamily="34" charset="0"/>
-              </a:rPr>
-              <a:t>string</a:t>
-            </a:r>
-            <a:r>
-              <a:rPr lang="it-IT" sz="1200" dirty="0">
-                <a:effectLst/>
-                <a:latin typeface="Calibri" panose="020F0502020204030204" pitchFamily="34" charset="0"/>
-              </a:rPr>
-              <a:t>. But some </a:t>
-            </a:r>
-            <a:r>
-              <a:rPr lang="it-IT" sz="1200" dirty="0" err="1">
-                <a:effectLst/>
-                <a:latin typeface="Calibri" panose="020F0502020204030204" pitchFamily="34" charset="0"/>
-              </a:rPr>
-              <a:t>attention</a:t>
-            </a:r>
-            <a:r>
-              <a:rPr lang="it-IT" sz="1200" dirty="0">
-                <a:effectLst/>
-                <a:latin typeface="Calibri" panose="020F0502020204030204" pitchFamily="34" charset="0"/>
-              </a:rPr>
-              <a:t> </a:t>
-            </a:r>
-            <a:r>
-              <a:rPr lang="it-IT" sz="1200" dirty="0" err="1">
-                <a:effectLst/>
-                <a:latin typeface="Calibri" panose="020F0502020204030204" pitchFamily="34" charset="0"/>
-              </a:rPr>
-              <a:t>is</a:t>
-            </a:r>
-            <a:r>
-              <a:rPr lang="it-IT" sz="1200" dirty="0">
-                <a:effectLst/>
-                <a:latin typeface="Calibri" panose="020F0502020204030204" pitchFamily="34" charset="0"/>
-              </a:rPr>
-              <a:t> </a:t>
-            </a:r>
-            <a:r>
-              <a:rPr lang="it-IT" sz="1200" dirty="0" err="1">
-                <a:effectLst/>
-                <a:latin typeface="Calibri" panose="020F0502020204030204" pitchFamily="34" charset="0"/>
-              </a:rPr>
-              <a:t>needed</a:t>
-            </a:r>
-            <a:r>
-              <a:rPr lang="it-IT" sz="1200" dirty="0">
-                <a:effectLst/>
-                <a:latin typeface="Calibri" panose="020F0502020204030204" pitchFamily="34" charset="0"/>
-              </a:rPr>
-              <a:t> </a:t>
-            </a:r>
-            <a:r>
-              <a:rPr lang="it-IT" sz="1200" dirty="0" err="1">
-                <a:effectLst/>
-                <a:latin typeface="Calibri" panose="020F0502020204030204" pitchFamily="34" charset="0"/>
-              </a:rPr>
-              <a:t>if</a:t>
-            </a:r>
-            <a:r>
-              <a:rPr lang="it-IT" sz="1200" dirty="0">
-                <a:effectLst/>
-                <a:latin typeface="Calibri" panose="020F0502020204030204" pitchFamily="34" charset="0"/>
-              </a:rPr>
-              <a:t> </a:t>
-            </a:r>
-            <a:r>
-              <a:rPr lang="it-IT" sz="1200" dirty="0" err="1">
-                <a:effectLst/>
-                <a:latin typeface="Calibri" panose="020F0502020204030204" pitchFamily="34" charset="0"/>
-              </a:rPr>
-              <a:t>we</a:t>
-            </a:r>
-            <a:r>
-              <a:rPr lang="it-IT" sz="1200" dirty="0">
-                <a:effectLst/>
-                <a:latin typeface="Calibri" panose="020F0502020204030204" pitchFamily="34" charset="0"/>
-              </a:rPr>
-              <a:t> </a:t>
-            </a:r>
-            <a:r>
-              <a:rPr lang="it-IT" sz="1200" dirty="0" err="1">
-                <a:effectLst/>
-                <a:latin typeface="Calibri" panose="020F0502020204030204" pitchFamily="34" charset="0"/>
-              </a:rPr>
-              <a:t>want</a:t>
-            </a:r>
-            <a:r>
-              <a:rPr lang="it-IT" sz="1200" dirty="0">
-                <a:effectLst/>
-                <a:latin typeface="Calibri" panose="020F0502020204030204" pitchFamily="34" charset="0"/>
-              </a:rPr>
-              <a:t> </a:t>
-            </a:r>
-            <a:r>
-              <a:rPr lang="it-IT" sz="1200" dirty="0" err="1">
-                <a:effectLst/>
-                <a:latin typeface="Calibri" panose="020F0502020204030204" pitchFamily="34" charset="0"/>
-              </a:rPr>
-              <a:t>this</a:t>
-            </a:r>
-            <a:r>
-              <a:rPr lang="it-IT" sz="1200" dirty="0">
-                <a:effectLst/>
-                <a:latin typeface="Calibri" panose="020F0502020204030204" pitchFamily="34" charset="0"/>
-              </a:rPr>
-              <a:t> </a:t>
-            </a:r>
-            <a:r>
-              <a:rPr lang="it-IT" sz="1200" dirty="0" err="1">
-                <a:effectLst/>
-                <a:latin typeface="Calibri" panose="020F0502020204030204" pitchFamily="34" charset="0"/>
-              </a:rPr>
-              <a:t>measure</a:t>
-            </a:r>
-            <a:r>
-              <a:rPr lang="it-IT" sz="1200" dirty="0">
-                <a:effectLst/>
-                <a:latin typeface="Calibri" panose="020F0502020204030204" pitchFamily="34" charset="0"/>
-              </a:rPr>
-              <a:t> to </a:t>
-            </a:r>
-            <a:r>
-              <a:rPr lang="it-IT" sz="1200" dirty="0" err="1">
-                <a:effectLst/>
-                <a:latin typeface="Calibri" panose="020F0502020204030204" pitchFamily="34" charset="0"/>
-              </a:rPr>
-              <a:t>actually</a:t>
-            </a:r>
-            <a:r>
-              <a:rPr lang="it-IT" sz="1200" dirty="0">
-                <a:effectLst/>
-                <a:latin typeface="Calibri" panose="020F0502020204030204" pitchFamily="34" charset="0"/>
-              </a:rPr>
-              <a:t> </a:t>
-            </a:r>
-            <a:r>
-              <a:rPr lang="it-IT" sz="1200" dirty="0" err="1">
-                <a:effectLst/>
-                <a:latin typeface="Calibri" panose="020F0502020204030204" pitchFamily="34" charset="0"/>
-              </a:rPr>
-              <a:t>perform</a:t>
-            </a:r>
-            <a:r>
-              <a:rPr lang="it-IT" sz="1200" dirty="0">
-                <a:effectLst/>
-                <a:latin typeface="Calibri" panose="020F0502020204030204" pitchFamily="34" charset="0"/>
-              </a:rPr>
-              <a:t> in a </a:t>
-            </a:r>
-            <a:r>
-              <a:rPr lang="it-IT" sz="1200" dirty="0" err="1">
-                <a:effectLst/>
-                <a:latin typeface="Calibri" panose="020F0502020204030204" pitchFamily="34" charset="0"/>
-              </a:rPr>
-              <a:t>nice</a:t>
-            </a:r>
-            <a:r>
-              <a:rPr lang="it-IT" sz="1200" dirty="0">
-                <a:effectLst/>
-                <a:latin typeface="Calibri" panose="020F0502020204030204" pitchFamily="34" charset="0"/>
-              </a:rPr>
-              <a:t> way</a:t>
-            </a:r>
-            <a:endParaRPr lang="it-IT" sz="1100" dirty="0">
-              <a:effectLst/>
-              <a:latin typeface="Calibri" panose="020F0502020204030204" pitchFamily="34" charset="0"/>
-            </a:endParaRPr>
-          </a:p>
-          <a:p>
-            <a:pPr marL="742950" lvl="1" indent="-285750" rtl="0" fontAlgn="ctr">
-              <a:spcBef>
-                <a:spcPts val="0"/>
-              </a:spcBef>
-              <a:spcAft>
-                <a:spcPts val="0"/>
-              </a:spcAft>
-              <a:buFont typeface="+mj-lt"/>
-              <a:buAutoNum type="romanLcPeriod"/>
-            </a:pPr>
-            <a:r>
-              <a:rPr lang="it-IT" sz="1200" b="0" i="0" dirty="0" err="1">
-                <a:effectLst/>
-                <a:latin typeface="Calibri" panose="020F0502020204030204" pitchFamily="34" charset="0"/>
-              </a:rPr>
-              <a:t>If</a:t>
-            </a:r>
-            <a:r>
-              <a:rPr lang="it-IT" sz="1200" b="0" i="0" dirty="0">
-                <a:effectLst/>
-                <a:latin typeface="Calibri" panose="020F0502020204030204" pitchFamily="34" charset="0"/>
-              </a:rPr>
-              <a:t> a </a:t>
-            </a:r>
-            <a:r>
-              <a:rPr lang="it-IT" sz="1200" b="0" i="0" dirty="0" err="1">
-                <a:effectLst/>
-                <a:latin typeface="Calibri" panose="020F0502020204030204" pitchFamily="34" charset="0"/>
-              </a:rPr>
-              <a:t>string</a:t>
-            </a:r>
-            <a:r>
-              <a:rPr lang="it-IT" sz="1200" b="0" i="0" dirty="0">
-                <a:effectLst/>
-                <a:latin typeface="Calibri" panose="020F0502020204030204" pitchFamily="34" charset="0"/>
-              </a:rPr>
-              <a:t> </a:t>
-            </a:r>
-            <a:r>
-              <a:rPr lang="it-IT" sz="1200" b="0" i="0" dirty="0" err="1">
-                <a:effectLst/>
-                <a:latin typeface="Calibri" panose="020F0502020204030204" pitchFamily="34" charset="0"/>
-              </a:rPr>
-              <a:t>is</a:t>
-            </a:r>
-            <a:r>
-              <a:rPr lang="it-IT" sz="1200" b="0" i="0" dirty="0">
-                <a:effectLst/>
-                <a:latin typeface="Calibri" panose="020F0502020204030204" pitchFamily="34" charset="0"/>
-              </a:rPr>
-              <a:t> </a:t>
-            </a:r>
-            <a:r>
-              <a:rPr lang="it-IT" sz="1200" b="0" i="0" dirty="0" err="1">
-                <a:effectLst/>
-                <a:latin typeface="Calibri" panose="020F0502020204030204" pitchFamily="34" charset="0"/>
-              </a:rPr>
-              <a:t>played</a:t>
-            </a:r>
-            <a:r>
-              <a:rPr lang="it-IT" sz="1200" b="0" i="0" dirty="0">
-                <a:effectLst/>
-                <a:latin typeface="Calibri" panose="020F0502020204030204" pitchFamily="34" charset="0"/>
-              </a:rPr>
-              <a:t> in one </a:t>
-            </a:r>
-            <a:r>
-              <a:rPr lang="it-IT" sz="1200" b="0" i="0" dirty="0" err="1">
-                <a:effectLst/>
-                <a:latin typeface="Calibri" panose="020F0502020204030204" pitchFamily="34" charset="0"/>
-              </a:rPr>
-              <a:t>chord</a:t>
-            </a:r>
-            <a:r>
-              <a:rPr lang="it-IT" sz="1200" b="0" i="0" dirty="0">
-                <a:effectLst/>
-                <a:latin typeface="Calibri" panose="020F0502020204030204" pitchFamily="34" charset="0"/>
-              </a:rPr>
-              <a:t> </a:t>
-            </a:r>
-            <a:r>
-              <a:rPr lang="it-IT" sz="1200" b="0" i="0" dirty="0" err="1">
-                <a:effectLst/>
-                <a:latin typeface="Calibri" panose="020F0502020204030204" pitchFamily="34" charset="0"/>
-              </a:rPr>
-              <a:t>but</a:t>
-            </a:r>
-            <a:r>
-              <a:rPr lang="it-IT" sz="1200" b="0" i="0" dirty="0">
-                <a:effectLst/>
-                <a:latin typeface="Calibri" panose="020F0502020204030204" pitchFamily="34" charset="0"/>
-              </a:rPr>
-              <a:t> </a:t>
-            </a:r>
-            <a:r>
-              <a:rPr lang="it-IT" sz="1200" b="0" i="0" dirty="0" err="1">
-                <a:effectLst/>
-                <a:latin typeface="Calibri" panose="020F0502020204030204" pitchFamily="34" charset="0"/>
-              </a:rPr>
-              <a:t>not</a:t>
-            </a:r>
-            <a:r>
-              <a:rPr lang="it-IT" sz="1200" b="0" i="0" dirty="0">
-                <a:effectLst/>
-                <a:latin typeface="Calibri" panose="020F0502020204030204" pitchFamily="34" charset="0"/>
-              </a:rPr>
-              <a:t> in the </a:t>
-            </a:r>
-            <a:r>
-              <a:rPr lang="it-IT" sz="1200" b="0" i="0" dirty="0" err="1">
-                <a:effectLst/>
-                <a:latin typeface="Calibri" panose="020F0502020204030204" pitchFamily="34" charset="0"/>
-              </a:rPr>
-              <a:t>next</a:t>
-            </a:r>
-            <a:r>
-              <a:rPr lang="it-IT" sz="1200" b="0" i="0" dirty="0">
-                <a:effectLst/>
-                <a:latin typeface="Calibri" panose="020F0502020204030204" pitchFamily="34" charset="0"/>
-              </a:rPr>
-              <a:t>, </a:t>
-            </a:r>
-            <a:r>
-              <a:rPr lang="it-IT" sz="1200" b="0" i="0" dirty="0" err="1">
-                <a:effectLst/>
-                <a:latin typeface="Calibri" panose="020F0502020204030204" pitchFamily="34" charset="0"/>
-              </a:rPr>
-              <a:t>we</a:t>
-            </a:r>
-            <a:r>
-              <a:rPr lang="it-IT" sz="1200" b="0" i="0" dirty="0">
-                <a:effectLst/>
-                <a:latin typeface="Calibri" panose="020F0502020204030204" pitchFamily="34" charset="0"/>
-              </a:rPr>
-              <a:t> </a:t>
-            </a:r>
-            <a:r>
-              <a:rPr lang="it-IT" sz="1200" b="0" i="0" dirty="0" err="1">
-                <a:effectLst/>
-                <a:latin typeface="Calibri" panose="020F0502020204030204" pitchFamily="34" charset="0"/>
-              </a:rPr>
-              <a:t>consider</a:t>
-            </a:r>
-            <a:r>
-              <a:rPr lang="it-IT" sz="1200" b="0" i="0" dirty="0">
-                <a:effectLst/>
-                <a:latin typeface="Calibri" panose="020F0502020204030204" pitchFamily="34" charset="0"/>
-              </a:rPr>
-              <a:t> </a:t>
-            </a:r>
-            <a:r>
-              <a:rPr lang="it-IT" sz="1200" b="0" i="0" dirty="0" err="1">
-                <a:effectLst/>
-                <a:latin typeface="Calibri" panose="020F0502020204030204" pitchFamily="34" charset="0"/>
-              </a:rPr>
-              <a:t>this</a:t>
-            </a:r>
-            <a:r>
-              <a:rPr lang="it-IT" sz="1200" b="0" i="0" dirty="0">
-                <a:effectLst/>
-                <a:latin typeface="Calibri" panose="020F0502020204030204" pitchFamily="34" charset="0"/>
-              </a:rPr>
-              <a:t> </a:t>
-            </a:r>
-            <a:r>
-              <a:rPr lang="it-IT" sz="1200" b="0" i="0" dirty="0" err="1">
-                <a:effectLst/>
-                <a:latin typeface="Calibri" panose="020F0502020204030204" pitchFamily="34" charset="0"/>
-              </a:rPr>
-              <a:t>as</a:t>
-            </a:r>
-            <a:r>
-              <a:rPr lang="it-IT" sz="1200" b="0" i="0" dirty="0">
-                <a:effectLst/>
-                <a:latin typeface="Calibri" panose="020F0502020204030204" pitchFamily="34" charset="0"/>
-              </a:rPr>
-              <a:t> a </a:t>
-            </a:r>
-            <a:r>
-              <a:rPr lang="it-IT" sz="1200" b="0" i="0" dirty="0" err="1">
-                <a:effectLst/>
-                <a:latin typeface="Calibri" panose="020F0502020204030204" pitchFamily="34" charset="0"/>
-              </a:rPr>
-              <a:t>distance</a:t>
-            </a:r>
-            <a:r>
-              <a:rPr lang="it-IT" sz="1200" b="0" i="0" dirty="0">
-                <a:effectLst/>
-                <a:latin typeface="Calibri" panose="020F0502020204030204" pitchFamily="34" charset="0"/>
-              </a:rPr>
-              <a:t> of 4 </a:t>
-            </a:r>
-            <a:r>
-              <a:rPr lang="it-IT" sz="1200" b="0" i="0" dirty="0" err="1">
-                <a:effectLst/>
-                <a:latin typeface="Calibri" panose="020F0502020204030204" pitchFamily="34" charset="0"/>
-              </a:rPr>
-              <a:t>frets</a:t>
-            </a:r>
-            <a:r>
-              <a:rPr lang="it-IT" sz="1200" b="0" i="0" dirty="0">
-                <a:effectLst/>
-                <a:latin typeface="Calibri" panose="020F0502020204030204" pitchFamily="34" charset="0"/>
-              </a:rPr>
-              <a:t>. </a:t>
-            </a:r>
-            <a:r>
-              <a:rPr lang="it-IT" sz="1200" b="0" i="0" dirty="0" err="1">
-                <a:effectLst/>
-                <a:latin typeface="Calibri" panose="020F0502020204030204" pitchFamily="34" charset="0"/>
-              </a:rPr>
-              <a:t>This</a:t>
-            </a:r>
-            <a:r>
-              <a:rPr lang="it-IT" sz="1200" b="0" i="0" dirty="0">
-                <a:effectLst/>
-                <a:latin typeface="Calibri" panose="020F0502020204030204" pitchFamily="34" charset="0"/>
-              </a:rPr>
-              <a:t> </a:t>
-            </a:r>
-            <a:r>
-              <a:rPr lang="it-IT" sz="1200" b="0" i="0" dirty="0" err="1">
-                <a:effectLst/>
-                <a:latin typeface="Calibri" panose="020F0502020204030204" pitchFamily="34" charset="0"/>
-              </a:rPr>
-              <a:t>is</a:t>
-            </a:r>
-            <a:r>
-              <a:rPr lang="it-IT" sz="1200" b="0" i="0" dirty="0">
-                <a:effectLst/>
-                <a:latin typeface="Calibri" panose="020F0502020204030204" pitchFamily="34" charset="0"/>
-              </a:rPr>
-              <a:t> </a:t>
-            </a:r>
-            <a:r>
-              <a:rPr lang="it-IT" sz="1200" b="0" i="0" dirty="0" err="1">
-                <a:effectLst/>
-                <a:latin typeface="Calibri" panose="020F0502020204030204" pitchFamily="34" charset="0"/>
-              </a:rPr>
-              <a:t>done</a:t>
-            </a:r>
-            <a:r>
-              <a:rPr lang="it-IT" sz="1200" b="0" i="0" dirty="0">
-                <a:effectLst/>
-                <a:latin typeface="Calibri" panose="020F0502020204030204" pitchFamily="34" charset="0"/>
-              </a:rPr>
-              <a:t> to </a:t>
-            </a:r>
-            <a:r>
-              <a:rPr lang="it-IT" sz="1200" b="0" i="0" dirty="0" err="1">
-                <a:effectLst/>
-                <a:latin typeface="Calibri" panose="020F0502020204030204" pitchFamily="34" charset="0"/>
-              </a:rPr>
-              <a:t>avoid</a:t>
-            </a:r>
-            <a:r>
-              <a:rPr lang="it-IT" sz="1200" b="0" i="0" dirty="0">
-                <a:effectLst/>
-                <a:latin typeface="Calibri" panose="020F0502020204030204" pitchFamily="34" charset="0"/>
-              </a:rPr>
-              <a:t> a </a:t>
-            </a:r>
-            <a:r>
-              <a:rPr lang="it-IT" sz="1200" b="0" i="0" dirty="0" err="1">
-                <a:effectLst/>
-                <a:latin typeface="Calibri" panose="020F0502020204030204" pitchFamily="34" charset="0"/>
-              </a:rPr>
-              <a:t>bias</a:t>
-            </a:r>
-            <a:r>
-              <a:rPr lang="it-IT" sz="1200" b="0" i="0" dirty="0">
-                <a:effectLst/>
-                <a:latin typeface="Calibri" panose="020F0502020204030204" pitchFamily="34" charset="0"/>
-              </a:rPr>
-              <a:t> </a:t>
-            </a:r>
-            <a:r>
-              <a:rPr lang="it-IT" sz="1200" b="0" i="0" dirty="0" err="1">
-                <a:effectLst/>
-                <a:latin typeface="Calibri" panose="020F0502020204030204" pitchFamily="34" charset="0"/>
-              </a:rPr>
-              <a:t>towards</a:t>
-            </a:r>
-            <a:r>
-              <a:rPr lang="it-IT" sz="1200" b="0" i="0" dirty="0">
-                <a:effectLst/>
-                <a:latin typeface="Calibri" panose="020F0502020204030204" pitchFamily="34" charset="0"/>
-              </a:rPr>
-              <a:t> </a:t>
-            </a:r>
-            <a:r>
-              <a:rPr lang="it-IT" sz="1200" b="0" i="0" dirty="0" err="1">
-                <a:effectLst/>
-                <a:latin typeface="Calibri" panose="020F0502020204030204" pitchFamily="34" charset="0"/>
-              </a:rPr>
-              <a:t>chords</a:t>
-            </a:r>
-            <a:r>
-              <a:rPr lang="it-IT" sz="1200" b="0" i="0" dirty="0">
-                <a:effectLst/>
-                <a:latin typeface="Calibri" panose="020F0502020204030204" pitchFamily="34" charset="0"/>
-              </a:rPr>
-              <a:t> with </a:t>
-            </a:r>
-            <a:r>
-              <a:rPr lang="it-IT" sz="1200" b="0" i="0" dirty="0" err="1">
-                <a:effectLst/>
-                <a:latin typeface="Calibri" panose="020F0502020204030204" pitchFamily="34" charset="0"/>
-              </a:rPr>
-              <a:t>less</a:t>
-            </a:r>
-            <a:r>
-              <a:rPr lang="it-IT" sz="1200" b="0" i="0" dirty="0">
-                <a:effectLst/>
-                <a:latin typeface="Calibri" panose="020F0502020204030204" pitchFamily="34" charset="0"/>
-              </a:rPr>
-              <a:t> </a:t>
-            </a:r>
-            <a:r>
-              <a:rPr lang="it-IT" sz="1200" b="0" i="0" dirty="0" err="1">
-                <a:effectLst/>
-                <a:latin typeface="Calibri" panose="020F0502020204030204" pitchFamily="34" charset="0"/>
-              </a:rPr>
-              <a:t>strings</a:t>
-            </a:r>
-            <a:r>
-              <a:rPr lang="it-IT" sz="1200" b="0" i="0" dirty="0">
-                <a:effectLst/>
-                <a:latin typeface="Calibri" panose="020F0502020204030204" pitchFamily="34" charset="0"/>
-              </a:rPr>
-              <a:t> </a:t>
-            </a:r>
-            <a:r>
-              <a:rPr lang="it-IT" sz="1200" b="0" i="0" dirty="0" err="1">
-                <a:effectLst/>
-                <a:latin typeface="Calibri" panose="020F0502020204030204" pitchFamily="34" charset="0"/>
-              </a:rPr>
-              <a:t>when</a:t>
-            </a:r>
-            <a:r>
-              <a:rPr lang="it-IT" sz="1200" b="0" i="0" dirty="0">
-                <a:effectLst/>
-                <a:latin typeface="Calibri" panose="020F0502020204030204" pitchFamily="34" charset="0"/>
-              </a:rPr>
-              <a:t> </a:t>
-            </a:r>
-            <a:r>
-              <a:rPr lang="it-IT" sz="1200" b="0" i="0" dirty="0" err="1">
-                <a:effectLst/>
-                <a:latin typeface="Calibri" panose="020F0502020204030204" pitchFamily="34" charset="0"/>
-              </a:rPr>
-              <a:t>progressing</a:t>
-            </a:r>
-            <a:r>
-              <a:rPr lang="it-IT" sz="1200" b="0" i="0" dirty="0">
-                <a:effectLst/>
-                <a:latin typeface="Calibri" panose="020F0502020204030204" pitchFamily="34" charset="0"/>
-              </a:rPr>
-              <a:t> in the </a:t>
-            </a:r>
-            <a:r>
-              <a:rPr lang="it-IT" sz="1200" b="0" i="0" dirty="0" err="1">
-                <a:effectLst/>
-                <a:latin typeface="Calibri" panose="020F0502020204030204" pitchFamily="34" charset="0"/>
-              </a:rPr>
-              <a:t>sequence</a:t>
-            </a:r>
-            <a:endParaRPr lang="it-IT" sz="1200" b="0" i="0" dirty="0">
-              <a:effectLst/>
-              <a:latin typeface="Calibri" panose="020F0502020204030204" pitchFamily="34" charset="0"/>
-            </a:endParaRPr>
-          </a:p>
-          <a:p>
-            <a:pPr marL="742950" lvl="1" indent="-285750" rtl="0" fontAlgn="ctr">
-              <a:spcBef>
-                <a:spcPts val="0"/>
-              </a:spcBef>
-              <a:spcAft>
-                <a:spcPts val="0"/>
-              </a:spcAft>
-              <a:buFont typeface="+mj-lt"/>
-              <a:buAutoNum type="romanLcPeriod"/>
-            </a:pPr>
-            <a:r>
-              <a:rPr lang="it-IT" sz="1200" b="0" i="0" dirty="0">
-                <a:effectLst/>
-                <a:latin typeface="Calibri" panose="020F0502020204030204" pitchFamily="34" charset="0"/>
-              </a:rPr>
-              <a:t>The </a:t>
-            </a:r>
-            <a:r>
-              <a:rPr lang="it-IT" sz="1200" b="0" i="0" dirty="0" err="1">
-                <a:effectLst/>
-                <a:latin typeface="Calibri" panose="020F0502020204030204" pitchFamily="34" charset="0"/>
-              </a:rPr>
-              <a:t>total</a:t>
-            </a:r>
-            <a:r>
-              <a:rPr lang="it-IT" sz="1200" b="0" i="0" dirty="0">
-                <a:effectLst/>
-                <a:latin typeface="Calibri" panose="020F0502020204030204" pitchFamily="34" charset="0"/>
-              </a:rPr>
-              <a:t> </a:t>
-            </a:r>
-            <a:r>
-              <a:rPr lang="it-IT" sz="1200" b="0" i="0" dirty="0" err="1">
-                <a:effectLst/>
-                <a:latin typeface="Calibri" panose="020F0502020204030204" pitchFamily="34" charset="0"/>
-              </a:rPr>
-              <a:t>distance</a:t>
-            </a:r>
-            <a:r>
-              <a:rPr lang="it-IT" sz="1200" b="0" i="0" dirty="0">
-                <a:effectLst/>
-                <a:latin typeface="Calibri" panose="020F0502020204030204" pitchFamily="34" charset="0"/>
-              </a:rPr>
-              <a:t> (sum of </a:t>
-            </a:r>
-            <a:r>
-              <a:rPr lang="it-IT" sz="1200" b="0" i="0" dirty="0" err="1">
-                <a:effectLst/>
-                <a:latin typeface="Calibri" panose="020F0502020204030204" pitchFamily="34" charset="0"/>
-              </a:rPr>
-              <a:t>distances</a:t>
-            </a:r>
-            <a:r>
-              <a:rPr lang="it-IT" sz="1200" b="0" i="0" dirty="0">
-                <a:effectLst/>
-                <a:latin typeface="Calibri" panose="020F0502020204030204" pitchFamily="34" charset="0"/>
-              </a:rPr>
-              <a:t> on </a:t>
-            </a:r>
-            <a:r>
-              <a:rPr lang="it-IT" sz="1200" b="0" i="0" dirty="0" err="1">
-                <a:effectLst/>
-                <a:latin typeface="Calibri" panose="020F0502020204030204" pitchFamily="34" charset="0"/>
-              </a:rPr>
-              <a:t>all</a:t>
-            </a:r>
-            <a:r>
-              <a:rPr lang="it-IT" sz="1200" b="0" i="0" dirty="0">
-                <a:effectLst/>
-                <a:latin typeface="Calibri" panose="020F0502020204030204" pitchFamily="34" charset="0"/>
-              </a:rPr>
-              <a:t> </a:t>
-            </a:r>
-            <a:r>
-              <a:rPr lang="it-IT" sz="1200" b="0" i="0" dirty="0" err="1">
-                <a:effectLst/>
-                <a:latin typeface="Calibri" panose="020F0502020204030204" pitchFamily="34" charset="0"/>
-              </a:rPr>
-              <a:t>strings</a:t>
-            </a:r>
-            <a:r>
-              <a:rPr lang="it-IT" sz="1200" b="0" i="0" dirty="0">
-                <a:effectLst/>
-                <a:latin typeface="Calibri" panose="020F0502020204030204" pitchFamily="34" charset="0"/>
-              </a:rPr>
-              <a:t>) </a:t>
-            </a:r>
-            <a:r>
-              <a:rPr lang="it-IT" sz="1200" b="0" i="0" dirty="0" err="1">
-                <a:effectLst/>
-                <a:latin typeface="Calibri" panose="020F0502020204030204" pitchFamily="34" charset="0"/>
-              </a:rPr>
-              <a:t>is</a:t>
-            </a:r>
-            <a:r>
-              <a:rPr lang="it-IT" sz="1200" b="0" i="0" dirty="0">
-                <a:effectLst/>
-                <a:latin typeface="Calibri" panose="020F0502020204030204" pitchFamily="34" charset="0"/>
-              </a:rPr>
-              <a:t> </a:t>
-            </a:r>
-            <a:r>
-              <a:rPr lang="it-IT" sz="1200" b="0" i="0" dirty="0" err="1">
-                <a:effectLst/>
-                <a:latin typeface="Calibri" panose="020F0502020204030204" pitchFamily="34" charset="0"/>
-              </a:rPr>
-              <a:t>divided</a:t>
-            </a:r>
-            <a:r>
-              <a:rPr lang="it-IT" sz="1200" b="0" i="0" dirty="0">
-                <a:effectLst/>
-                <a:latin typeface="Calibri" panose="020F0502020204030204" pitchFamily="34" charset="0"/>
-              </a:rPr>
-              <a:t> by the </a:t>
-            </a:r>
-            <a:r>
-              <a:rPr lang="it-IT" sz="1200" b="0" i="0" dirty="0" err="1">
-                <a:effectLst/>
-                <a:latin typeface="Calibri" panose="020F0502020204030204" pitchFamily="34" charset="0"/>
-              </a:rPr>
-              <a:t>number</a:t>
-            </a:r>
-            <a:r>
-              <a:rPr lang="it-IT" sz="1200" b="0" i="0" dirty="0">
-                <a:effectLst/>
-                <a:latin typeface="Calibri" panose="020F0502020204030204" pitchFamily="34" charset="0"/>
-              </a:rPr>
-              <a:t> of </a:t>
-            </a:r>
-            <a:r>
-              <a:rPr lang="it-IT" sz="1200" b="0" i="0" dirty="0" err="1">
-                <a:effectLst/>
-                <a:latin typeface="Calibri" panose="020F0502020204030204" pitchFamily="34" charset="0"/>
-              </a:rPr>
-              <a:t>strings</a:t>
-            </a:r>
-            <a:r>
-              <a:rPr lang="it-IT" sz="1200" b="0" i="0" dirty="0">
-                <a:effectLst/>
-                <a:latin typeface="Calibri" panose="020F0502020204030204" pitchFamily="34" charset="0"/>
-              </a:rPr>
-              <a:t> </a:t>
-            </a:r>
-            <a:r>
-              <a:rPr lang="it-IT" sz="1200" b="0" i="0" dirty="0" err="1">
-                <a:effectLst/>
-                <a:latin typeface="Calibri" panose="020F0502020204030204" pitchFamily="34" charset="0"/>
-              </a:rPr>
-              <a:t>played</a:t>
-            </a:r>
-            <a:r>
-              <a:rPr lang="it-IT" sz="1200" b="0" i="0" dirty="0">
-                <a:effectLst/>
-                <a:latin typeface="Calibri" panose="020F0502020204030204" pitchFamily="34" charset="0"/>
-              </a:rPr>
-              <a:t>. </a:t>
-            </a:r>
-            <a:r>
-              <a:rPr lang="it-IT" sz="1200" b="0" i="0" dirty="0" err="1">
-                <a:effectLst/>
-                <a:latin typeface="Calibri" panose="020F0502020204030204" pitchFamily="34" charset="0"/>
-              </a:rPr>
-              <a:t>This</a:t>
-            </a:r>
-            <a:r>
-              <a:rPr lang="it-IT" sz="1200" b="0" i="0" dirty="0">
-                <a:effectLst/>
-                <a:latin typeface="Calibri" panose="020F0502020204030204" pitchFamily="34" charset="0"/>
-              </a:rPr>
-              <a:t> </a:t>
-            </a:r>
-            <a:r>
-              <a:rPr lang="it-IT" sz="1200" b="0" i="0" dirty="0" err="1">
-                <a:effectLst/>
-                <a:latin typeface="Calibri" panose="020F0502020204030204" pitchFamily="34" charset="0"/>
-              </a:rPr>
-              <a:t>is</a:t>
-            </a:r>
-            <a:r>
-              <a:rPr lang="it-IT" sz="1200" b="0" i="0" dirty="0">
-                <a:effectLst/>
-                <a:latin typeface="Calibri" panose="020F0502020204030204" pitchFamily="34" charset="0"/>
-              </a:rPr>
-              <a:t> </a:t>
-            </a:r>
-            <a:r>
-              <a:rPr lang="it-IT" sz="1200" b="0" i="0" dirty="0" err="1">
-                <a:effectLst/>
-                <a:latin typeface="Calibri" panose="020F0502020204030204" pitchFamily="34" charset="0"/>
-              </a:rPr>
-              <a:t>again</a:t>
-            </a:r>
-            <a:r>
-              <a:rPr lang="it-IT" sz="1200" b="0" i="0" dirty="0">
-                <a:effectLst/>
-                <a:latin typeface="Calibri" panose="020F0502020204030204" pitchFamily="34" charset="0"/>
-              </a:rPr>
-              <a:t> </a:t>
-            </a:r>
-            <a:r>
-              <a:rPr lang="it-IT" sz="1200" b="0" i="0" dirty="0" err="1">
-                <a:effectLst/>
-                <a:latin typeface="Calibri" panose="020F0502020204030204" pitchFamily="34" charset="0"/>
-              </a:rPr>
-              <a:t>done</a:t>
-            </a:r>
-            <a:r>
-              <a:rPr lang="it-IT" sz="1200" b="0" i="0" dirty="0">
-                <a:effectLst/>
-                <a:latin typeface="Calibri" panose="020F0502020204030204" pitchFamily="34" charset="0"/>
-              </a:rPr>
-              <a:t> to </a:t>
-            </a:r>
-            <a:r>
-              <a:rPr lang="it-IT" sz="1200" b="0" i="0" dirty="0" err="1">
-                <a:effectLst/>
-                <a:latin typeface="Calibri" panose="020F0502020204030204" pitchFamily="34" charset="0"/>
-              </a:rPr>
-              <a:t>avoid</a:t>
-            </a:r>
-            <a:r>
-              <a:rPr lang="it-IT" sz="1200" b="0" i="0" dirty="0">
-                <a:effectLst/>
-                <a:latin typeface="Calibri" panose="020F0502020204030204" pitchFamily="34" charset="0"/>
-              </a:rPr>
-              <a:t> </a:t>
-            </a:r>
-            <a:r>
-              <a:rPr lang="it-IT" sz="1200" b="0" i="0" dirty="0" err="1">
-                <a:effectLst/>
-                <a:latin typeface="Calibri" panose="020F0502020204030204" pitchFamily="34" charset="0"/>
-              </a:rPr>
-              <a:t>prioritizing</a:t>
-            </a:r>
-            <a:r>
-              <a:rPr lang="it-IT" sz="1200" b="0" i="0" dirty="0">
-                <a:effectLst/>
-                <a:latin typeface="Calibri" panose="020F0502020204030204" pitchFamily="34" charset="0"/>
-              </a:rPr>
-              <a:t> </a:t>
-            </a:r>
-            <a:r>
-              <a:rPr lang="it-IT" sz="1200" b="0" i="0" dirty="0" err="1">
-                <a:effectLst/>
-                <a:latin typeface="Calibri" panose="020F0502020204030204" pitchFamily="34" charset="0"/>
-              </a:rPr>
-              <a:t>chords</a:t>
-            </a:r>
-            <a:r>
-              <a:rPr lang="it-IT" sz="1200" b="0" i="0" dirty="0">
-                <a:effectLst/>
-                <a:latin typeface="Calibri" panose="020F0502020204030204" pitchFamily="34" charset="0"/>
-              </a:rPr>
-              <a:t> with </a:t>
-            </a:r>
-            <a:r>
-              <a:rPr lang="it-IT" sz="1200" b="0" i="0" dirty="0" err="1">
-                <a:effectLst/>
-                <a:latin typeface="Calibri" panose="020F0502020204030204" pitchFamily="34" charset="0"/>
-              </a:rPr>
-              <a:t>less</a:t>
-            </a:r>
-            <a:r>
-              <a:rPr lang="it-IT" sz="1200" b="0" i="0" dirty="0">
-                <a:effectLst/>
-                <a:latin typeface="Calibri" panose="020F0502020204030204" pitchFamily="34" charset="0"/>
-              </a:rPr>
-              <a:t> notes</a:t>
-            </a:r>
-          </a:p>
-          <a:p>
-            <a:pPr marL="742950" lvl="1" indent="-285750" rtl="0" fontAlgn="ctr">
-              <a:spcBef>
-                <a:spcPts val="0"/>
-              </a:spcBef>
-              <a:spcAft>
-                <a:spcPts val="0"/>
-              </a:spcAft>
-              <a:buFont typeface="+mj-lt"/>
-              <a:buAutoNum type="romanLcPeriod"/>
-            </a:pPr>
-            <a:endParaRPr lang="it-IT" sz="1200" b="0" i="0" dirty="0">
-              <a:effectLst/>
-              <a:latin typeface="Calibri" panose="020F0502020204030204" pitchFamily="34" charset="0"/>
-            </a:endParaRPr>
-          </a:p>
-          <a:p>
-            <a:pPr marL="457200" lvl="1" indent="0" rtl="0" fontAlgn="ctr">
-              <a:spcBef>
-                <a:spcPts val="0"/>
-              </a:spcBef>
-              <a:spcAft>
-                <a:spcPts val="0"/>
-              </a:spcAft>
-              <a:buFont typeface="+mj-lt"/>
-              <a:buNone/>
-            </a:pPr>
-            <a:endParaRPr lang="it-IT" sz="1200" b="0" i="0" dirty="0">
-              <a:effectLst/>
-              <a:latin typeface="Calibri" panose="020F0502020204030204" pitchFamily="34" charset="0"/>
-            </a:endParaRPr>
-          </a:p>
-          <a:p>
-            <a:pPr rtl="0" fontAlgn="ctr">
-              <a:spcBef>
-                <a:spcPts val="0"/>
-              </a:spcBef>
-              <a:spcAft>
-                <a:spcPts val="0"/>
-              </a:spcAft>
-              <a:buFont typeface="Arial" panose="020B0604020202020204" pitchFamily="34" charset="0"/>
-              <a:buChar char="•"/>
-            </a:pPr>
-            <a:r>
-              <a:rPr lang="it-IT" dirty="0"/>
-              <a:t>2) </a:t>
-            </a:r>
-            <a:r>
-              <a:rPr lang="it-IT" sz="1200" dirty="0">
-                <a:effectLst/>
-                <a:latin typeface="Calibri" panose="020F0502020204030204" pitchFamily="34" charset="0"/>
-              </a:rPr>
-              <a:t>The </a:t>
-            </a:r>
-            <a:r>
-              <a:rPr lang="it-IT" sz="1200" dirty="0" err="1">
-                <a:effectLst/>
-                <a:latin typeface="Calibri" panose="020F0502020204030204" pitchFamily="34" charset="0"/>
-              </a:rPr>
-              <a:t>highest</a:t>
-            </a:r>
-            <a:r>
-              <a:rPr lang="it-IT" sz="1200" dirty="0">
-                <a:effectLst/>
-                <a:latin typeface="Calibri" panose="020F0502020204030204" pitchFamily="34" charset="0"/>
-              </a:rPr>
-              <a:t> </a:t>
-            </a:r>
-            <a:r>
-              <a:rPr lang="it-IT" sz="1200" dirty="0" err="1">
-                <a:effectLst/>
-                <a:latin typeface="Calibri" panose="020F0502020204030204" pitchFamily="34" charset="0"/>
-              </a:rPr>
-              <a:t>number</a:t>
-            </a:r>
-            <a:r>
-              <a:rPr lang="it-IT" sz="1200" dirty="0">
-                <a:effectLst/>
-                <a:latin typeface="Calibri" panose="020F0502020204030204" pitchFamily="34" charset="0"/>
-              </a:rPr>
-              <a:t> of tritone </a:t>
-            </a:r>
-            <a:r>
-              <a:rPr lang="it-IT" sz="1200" dirty="0" err="1">
-                <a:effectLst/>
-                <a:latin typeface="Calibri" panose="020F0502020204030204" pitchFamily="34" charset="0"/>
-              </a:rPr>
-              <a:t>risolution</a:t>
-            </a:r>
-            <a:endParaRPr lang="it-IT" sz="1100" dirty="0">
-              <a:effectLst/>
-              <a:latin typeface="Calibri" panose="020F0502020204030204" pitchFamily="34" charset="0"/>
-            </a:endParaRPr>
-          </a:p>
-          <a:p>
-            <a:pPr marL="742950" lvl="1" indent="-285750" rtl="0" fontAlgn="ctr">
-              <a:spcBef>
-                <a:spcPts val="0"/>
-              </a:spcBef>
-              <a:spcAft>
-                <a:spcPts val="0"/>
-              </a:spcAft>
-              <a:buFont typeface="Courier New" panose="02070309020205020404" pitchFamily="49" charset="0"/>
-              <a:buChar char="o"/>
-            </a:pPr>
-            <a:r>
-              <a:rPr lang="it-IT" sz="1200" dirty="0" err="1">
-                <a:effectLst/>
-                <a:latin typeface="Calibri" panose="020F0502020204030204" pitchFamily="34" charset="0"/>
-              </a:rPr>
-              <a:t>We</a:t>
-            </a:r>
-            <a:r>
-              <a:rPr lang="it-IT" sz="1200" dirty="0">
-                <a:effectLst/>
-                <a:latin typeface="Calibri" panose="020F0502020204030204" pitchFamily="34" charset="0"/>
-              </a:rPr>
-              <a:t> </a:t>
-            </a:r>
-            <a:r>
-              <a:rPr lang="it-IT" sz="1200" dirty="0" err="1">
-                <a:effectLst/>
-                <a:latin typeface="Calibri" panose="020F0502020204030204" pitchFamily="34" charset="0"/>
-              </a:rPr>
-              <a:t>consider</a:t>
-            </a:r>
-            <a:r>
-              <a:rPr lang="it-IT" sz="1200" dirty="0">
-                <a:effectLst/>
-                <a:latin typeface="Calibri" panose="020F0502020204030204" pitchFamily="34" charset="0"/>
-              </a:rPr>
-              <a:t> the </a:t>
-            </a:r>
-            <a:r>
-              <a:rPr lang="it-IT" sz="1200" dirty="0" err="1">
-                <a:effectLst/>
-                <a:latin typeface="Calibri" panose="020F0502020204030204" pitchFamily="34" charset="0"/>
-              </a:rPr>
-              <a:t>presence</a:t>
-            </a:r>
-            <a:r>
-              <a:rPr lang="it-IT" sz="1200" dirty="0">
-                <a:effectLst/>
-                <a:latin typeface="Calibri" panose="020F0502020204030204" pitchFamily="34" charset="0"/>
-              </a:rPr>
-              <a:t> of a tritone </a:t>
-            </a:r>
-            <a:r>
-              <a:rPr lang="it-IT" sz="1200" dirty="0" err="1">
-                <a:effectLst/>
-                <a:latin typeface="Calibri" panose="020F0502020204030204" pitchFamily="34" charset="0"/>
-              </a:rPr>
-              <a:t>risolution</a:t>
-            </a:r>
-            <a:r>
-              <a:rPr lang="it-IT" sz="1200" dirty="0">
-                <a:effectLst/>
-                <a:latin typeface="Calibri" panose="020F0502020204030204" pitchFamily="34" charset="0"/>
-              </a:rPr>
-              <a:t> </a:t>
-            </a:r>
-            <a:r>
-              <a:rPr lang="it-IT" sz="1200" dirty="0" err="1">
-                <a:effectLst/>
-                <a:latin typeface="Calibri" panose="020F0502020204030204" pitchFamily="34" charset="0"/>
-              </a:rPr>
-              <a:t>if</a:t>
-            </a:r>
-            <a:r>
-              <a:rPr lang="it-IT" sz="1200" dirty="0">
-                <a:effectLst/>
-                <a:latin typeface="Calibri" panose="020F0502020204030204" pitchFamily="34" charset="0"/>
-              </a:rPr>
-              <a:t> </a:t>
-            </a:r>
-            <a:r>
-              <a:rPr lang="it-IT" sz="1200" dirty="0" err="1">
-                <a:effectLst/>
-                <a:latin typeface="Calibri" panose="020F0502020204030204" pitchFamily="34" charset="0"/>
-              </a:rPr>
-              <a:t>there</a:t>
-            </a:r>
-            <a:r>
-              <a:rPr lang="it-IT" sz="1200" dirty="0">
-                <a:effectLst/>
-                <a:latin typeface="Calibri" panose="020F0502020204030204" pitchFamily="34" charset="0"/>
-              </a:rPr>
-              <a:t> </a:t>
-            </a:r>
-            <a:r>
-              <a:rPr lang="it-IT" sz="1200" dirty="0" err="1">
-                <a:effectLst/>
-                <a:latin typeface="Calibri" panose="020F0502020204030204" pitchFamily="34" charset="0"/>
-              </a:rPr>
-              <a:t>is</a:t>
-            </a:r>
-            <a:r>
-              <a:rPr lang="it-IT" sz="1200" dirty="0">
-                <a:effectLst/>
-                <a:latin typeface="Calibri" panose="020F0502020204030204" pitchFamily="34" charset="0"/>
-              </a:rPr>
-              <a:t> a </a:t>
-            </a:r>
-            <a:r>
-              <a:rPr lang="it-IT" sz="1200" dirty="0" err="1">
-                <a:effectLst/>
-                <a:latin typeface="Calibri" panose="020F0502020204030204" pitchFamily="34" charset="0"/>
-              </a:rPr>
-              <a:t>sequence</a:t>
-            </a:r>
-            <a:r>
-              <a:rPr lang="it-IT" sz="1200" dirty="0">
-                <a:effectLst/>
-                <a:latin typeface="Calibri" panose="020F0502020204030204" pitchFamily="34" charset="0"/>
-              </a:rPr>
-              <a:t> of </a:t>
-            </a:r>
-            <a:r>
-              <a:rPr lang="it-IT" sz="1200" dirty="0" err="1">
-                <a:effectLst/>
-                <a:latin typeface="Calibri" panose="020F0502020204030204" pitchFamily="34" charset="0"/>
-              </a:rPr>
-              <a:t>two</a:t>
-            </a:r>
-            <a:r>
-              <a:rPr lang="it-IT" sz="1200" dirty="0">
-                <a:effectLst/>
-                <a:latin typeface="Calibri" panose="020F0502020204030204" pitchFamily="34" charset="0"/>
-              </a:rPr>
-              <a:t> </a:t>
-            </a:r>
-            <a:r>
-              <a:rPr lang="it-IT" sz="1200" dirty="0" err="1">
-                <a:effectLst/>
-                <a:latin typeface="Calibri" panose="020F0502020204030204" pitchFamily="34" charset="0"/>
-              </a:rPr>
-              <a:t>intervals</a:t>
-            </a:r>
-            <a:r>
-              <a:rPr lang="it-IT" sz="1200" dirty="0">
-                <a:effectLst/>
-                <a:latin typeface="Calibri" panose="020F0502020204030204" pitchFamily="34" charset="0"/>
-              </a:rPr>
-              <a:t> (from one </a:t>
-            </a:r>
-            <a:r>
-              <a:rPr lang="it-IT" sz="1200" dirty="0" err="1">
-                <a:effectLst/>
-                <a:latin typeface="Calibri" panose="020F0502020204030204" pitchFamily="34" charset="0"/>
-              </a:rPr>
-              <a:t>voicing</a:t>
-            </a:r>
-            <a:r>
-              <a:rPr lang="it-IT" sz="1200" dirty="0">
-                <a:effectLst/>
-                <a:latin typeface="Calibri" panose="020F0502020204030204" pitchFamily="34" charset="0"/>
-              </a:rPr>
-              <a:t> to the </a:t>
-            </a:r>
-            <a:r>
-              <a:rPr lang="it-IT" sz="1200" dirty="0" err="1">
-                <a:effectLst/>
-                <a:latin typeface="Calibri" panose="020F0502020204030204" pitchFamily="34" charset="0"/>
-              </a:rPr>
-              <a:t>next</a:t>
-            </a:r>
-            <a:r>
-              <a:rPr lang="it-IT" sz="1200" dirty="0">
-                <a:effectLst/>
-                <a:latin typeface="Calibri" panose="020F0502020204030204" pitchFamily="34" charset="0"/>
-              </a:rPr>
-              <a:t>) </a:t>
-            </a:r>
-            <a:r>
-              <a:rPr lang="it-IT" sz="1200" dirty="0" err="1">
-                <a:effectLst/>
-                <a:latin typeface="Calibri" panose="020F0502020204030204" pitchFamily="34" charset="0"/>
-              </a:rPr>
-              <a:t>played</a:t>
-            </a:r>
-            <a:r>
-              <a:rPr lang="it-IT" sz="1200" dirty="0">
-                <a:effectLst/>
-                <a:latin typeface="Calibri" panose="020F0502020204030204" pitchFamily="34" charset="0"/>
-              </a:rPr>
-              <a:t> on the </a:t>
-            </a:r>
-            <a:r>
-              <a:rPr lang="it-IT" sz="1200" dirty="0" err="1">
-                <a:effectLst/>
-                <a:latin typeface="Calibri" panose="020F0502020204030204" pitchFamily="34" charset="0"/>
-              </a:rPr>
-              <a:t>same</a:t>
-            </a:r>
-            <a:r>
-              <a:rPr lang="it-IT" sz="1200" dirty="0">
-                <a:effectLst/>
-                <a:latin typeface="Calibri" panose="020F0502020204030204" pitchFamily="34" charset="0"/>
-              </a:rPr>
-              <a:t> </a:t>
-            </a:r>
-            <a:r>
-              <a:rPr lang="it-IT" sz="1200" dirty="0" err="1">
-                <a:effectLst/>
-                <a:latin typeface="Calibri" panose="020F0502020204030204" pitchFamily="34" charset="0"/>
-              </a:rPr>
-              <a:t>strings</a:t>
-            </a:r>
-            <a:r>
-              <a:rPr lang="it-IT" sz="1200" dirty="0">
-                <a:effectLst/>
-                <a:latin typeface="Calibri" panose="020F0502020204030204" pitchFamily="34" charset="0"/>
-              </a:rPr>
-              <a:t> </a:t>
-            </a:r>
-            <a:r>
-              <a:rPr lang="it-IT" sz="1200" dirty="0" err="1">
-                <a:effectLst/>
-                <a:latin typeface="Calibri" panose="020F0502020204030204" pitchFamily="34" charset="0"/>
-              </a:rPr>
-              <a:t>where</a:t>
-            </a:r>
-            <a:endParaRPr lang="it-IT" sz="1100" dirty="0">
-              <a:effectLst/>
-              <a:latin typeface="Calibri" panose="020F0502020204030204" pitchFamily="34" charset="0"/>
-            </a:endParaRPr>
-          </a:p>
-          <a:p>
-            <a:pPr marL="1143000" lvl="2" indent="-228600" rtl="0" fontAlgn="ctr">
-              <a:spcBef>
-                <a:spcPts val="0"/>
-              </a:spcBef>
-              <a:spcAft>
-                <a:spcPts val="0"/>
-              </a:spcAft>
-              <a:buFont typeface="Arial" panose="020B0604020202020204" pitchFamily="34" charset="0"/>
-              <a:buChar char="§"/>
-            </a:pPr>
-            <a:r>
-              <a:rPr lang="it-IT" sz="1200" dirty="0">
-                <a:effectLst/>
-                <a:latin typeface="Calibri" panose="020F0502020204030204" pitchFamily="34" charset="0"/>
-              </a:rPr>
-              <a:t>A </a:t>
-            </a:r>
-            <a:r>
-              <a:rPr lang="it-IT" sz="1200" dirty="0" err="1">
-                <a:effectLst/>
-                <a:latin typeface="Calibri" panose="020F0502020204030204" pitchFamily="34" charset="0"/>
-              </a:rPr>
-              <a:t>diminished</a:t>
-            </a:r>
-            <a:r>
-              <a:rPr lang="it-IT" sz="1200" dirty="0">
-                <a:effectLst/>
-                <a:latin typeface="Calibri" panose="020F0502020204030204" pitchFamily="34" charset="0"/>
-              </a:rPr>
-              <a:t> 5th </a:t>
-            </a:r>
-            <a:r>
-              <a:rPr lang="it-IT" sz="1200" dirty="0" err="1">
-                <a:effectLst/>
-                <a:latin typeface="Calibri" panose="020F0502020204030204" pitchFamily="34" charset="0"/>
-              </a:rPr>
-              <a:t>is</a:t>
-            </a:r>
-            <a:r>
-              <a:rPr lang="it-IT" sz="1200" dirty="0">
-                <a:effectLst/>
-                <a:latin typeface="Calibri" panose="020F0502020204030204" pitchFamily="34" charset="0"/>
-              </a:rPr>
-              <a:t> </a:t>
-            </a:r>
-            <a:r>
-              <a:rPr lang="it-IT" sz="1200" dirty="0" err="1">
-                <a:effectLst/>
-                <a:latin typeface="Calibri" panose="020F0502020204030204" pitchFamily="34" charset="0"/>
-              </a:rPr>
-              <a:t>followed</a:t>
-            </a:r>
-            <a:r>
-              <a:rPr lang="it-IT" sz="1200" dirty="0">
-                <a:effectLst/>
-                <a:latin typeface="Calibri" panose="020F0502020204030204" pitchFamily="34" charset="0"/>
-              </a:rPr>
-              <a:t> by a M3 or a P4, or </a:t>
-            </a:r>
-            <a:r>
-              <a:rPr lang="it-IT" sz="1200" dirty="0" err="1">
-                <a:effectLst/>
-                <a:latin typeface="Calibri" panose="020F0502020204030204" pitchFamily="34" charset="0"/>
-              </a:rPr>
-              <a:t>alternatively</a:t>
-            </a:r>
-            <a:endParaRPr lang="it-IT" sz="1100" dirty="0">
-              <a:effectLst/>
-              <a:latin typeface="Calibri" panose="020F0502020204030204" pitchFamily="34" charset="0"/>
-            </a:endParaRPr>
-          </a:p>
-          <a:p>
-            <a:pPr marL="1143000" lvl="2" indent="-228600" rtl="0" fontAlgn="ctr">
-              <a:spcBef>
-                <a:spcPts val="0"/>
-              </a:spcBef>
-              <a:spcAft>
-                <a:spcPts val="0"/>
-              </a:spcAft>
-              <a:buFont typeface="Arial" panose="020B0604020202020204" pitchFamily="34" charset="0"/>
-              <a:buChar char="§"/>
-            </a:pPr>
-            <a:r>
-              <a:rPr lang="it-IT" sz="1200" dirty="0">
-                <a:effectLst/>
-                <a:latin typeface="Calibri" panose="020F0502020204030204" pitchFamily="34" charset="0"/>
-              </a:rPr>
-              <a:t>An </a:t>
-            </a:r>
-            <a:r>
-              <a:rPr lang="it-IT" sz="1200" dirty="0" err="1">
-                <a:effectLst/>
-                <a:latin typeface="Calibri" panose="020F0502020204030204" pitchFamily="34" charset="0"/>
-              </a:rPr>
-              <a:t>augmented</a:t>
-            </a:r>
-            <a:r>
-              <a:rPr lang="it-IT" sz="1200" dirty="0">
-                <a:effectLst/>
-                <a:latin typeface="Calibri" panose="020F0502020204030204" pitchFamily="34" charset="0"/>
-              </a:rPr>
-              <a:t> </a:t>
-            </a:r>
-            <a:r>
-              <a:rPr lang="it-IT" sz="1200" dirty="0" err="1">
-                <a:effectLst/>
-                <a:latin typeface="Calibri" panose="020F0502020204030204" pitchFamily="34" charset="0"/>
-              </a:rPr>
-              <a:t>fourth</a:t>
-            </a:r>
-            <a:r>
-              <a:rPr lang="it-IT" sz="1200" dirty="0">
-                <a:effectLst/>
-                <a:latin typeface="Calibri" panose="020F0502020204030204" pitchFamily="34" charset="0"/>
-              </a:rPr>
-              <a:t> </a:t>
-            </a:r>
-            <a:r>
-              <a:rPr lang="it-IT" sz="1200" dirty="0" err="1">
-                <a:effectLst/>
-                <a:latin typeface="Calibri" panose="020F0502020204030204" pitchFamily="34" charset="0"/>
-              </a:rPr>
-              <a:t>is</a:t>
-            </a:r>
-            <a:r>
-              <a:rPr lang="it-IT" sz="1200" dirty="0">
-                <a:effectLst/>
-                <a:latin typeface="Calibri" panose="020F0502020204030204" pitchFamily="34" charset="0"/>
-              </a:rPr>
-              <a:t> </a:t>
-            </a:r>
-            <a:r>
-              <a:rPr lang="it-IT" sz="1200" dirty="0" err="1">
-                <a:effectLst/>
-                <a:latin typeface="Calibri" panose="020F0502020204030204" pitchFamily="34" charset="0"/>
-              </a:rPr>
-              <a:t>followed</a:t>
-            </a:r>
-            <a:r>
-              <a:rPr lang="it-IT" sz="1200" dirty="0">
-                <a:effectLst/>
-                <a:latin typeface="Calibri" panose="020F0502020204030204" pitchFamily="34" charset="0"/>
-              </a:rPr>
-              <a:t> by a P5 or a m6</a:t>
-            </a:r>
-            <a:endParaRPr lang="it-IT" sz="1100" dirty="0">
-              <a:effectLst/>
-              <a:latin typeface="Calibri" panose="020F0502020204030204" pitchFamily="34" charset="0"/>
-            </a:endParaRPr>
-          </a:p>
-          <a:p>
-            <a:endParaRPr lang="it-IT" dirty="0"/>
-          </a:p>
-          <a:p>
-            <a:r>
-              <a:rPr lang="it-IT" dirty="0" err="1"/>
-              <a:t>As</a:t>
-            </a:r>
-            <a:r>
-              <a:rPr lang="it-IT" dirty="0"/>
-              <a:t> one can </a:t>
-            </a:r>
-            <a:r>
-              <a:rPr lang="it-IT" dirty="0" err="1"/>
-              <a:t>imagine</a:t>
-            </a:r>
-            <a:r>
-              <a:rPr lang="it-IT" dirty="0"/>
-              <a:t>, </a:t>
-            </a:r>
-            <a:r>
-              <a:rPr lang="it-IT" dirty="0" err="1"/>
-              <a:t>this</a:t>
-            </a:r>
-            <a:r>
-              <a:rPr lang="it-IT" dirty="0"/>
-              <a:t> </a:t>
-            </a:r>
-            <a:r>
-              <a:rPr lang="it-IT" dirty="0" err="1"/>
-              <a:t>is</a:t>
-            </a:r>
-            <a:r>
-              <a:rPr lang="it-IT" dirty="0"/>
-              <a:t> a </a:t>
-            </a:r>
-            <a:r>
-              <a:rPr lang="it-IT" dirty="0" err="1"/>
-              <a:t>quite</a:t>
-            </a:r>
-            <a:r>
-              <a:rPr lang="it-IT" dirty="0"/>
-              <a:t> </a:t>
-            </a:r>
-            <a:r>
-              <a:rPr lang="it-IT" dirty="0" err="1"/>
-              <a:t>expensive</a:t>
-            </a:r>
-            <a:r>
-              <a:rPr lang="it-IT" dirty="0"/>
-              <a:t> </a:t>
-            </a:r>
-            <a:r>
-              <a:rPr lang="it-IT" dirty="0" err="1"/>
-              <a:t>process</a:t>
-            </a:r>
-            <a:r>
-              <a:rPr lang="it-IT" dirty="0"/>
-              <a:t>. In </a:t>
-            </a:r>
-            <a:r>
-              <a:rPr lang="it-IT" dirty="0" err="1"/>
-              <a:t>fact</a:t>
-            </a:r>
-            <a:r>
-              <a:rPr lang="it-IT" dirty="0"/>
-              <a:t>, for </a:t>
-            </a:r>
-            <a:r>
-              <a:rPr lang="it-IT" dirty="0" err="1"/>
-              <a:t>this</a:t>
-            </a:r>
-            <a:r>
-              <a:rPr lang="it-IT" dirty="0"/>
-              <a:t> </a:t>
-            </a:r>
-            <a:r>
-              <a:rPr lang="it-IT" dirty="0" err="1"/>
-              <a:t>reason</a:t>
-            </a:r>
-            <a:r>
-              <a:rPr lang="it-IT" dirty="0"/>
-              <a:t> </a:t>
-            </a:r>
-            <a:r>
-              <a:rPr lang="it-IT" dirty="0" err="1"/>
-              <a:t>we</a:t>
-            </a:r>
-            <a:r>
-              <a:rPr lang="it-IT" dirty="0"/>
-              <a:t> </a:t>
-            </a:r>
-            <a:r>
-              <a:rPr lang="it-IT" dirty="0" err="1"/>
-              <a:t>don’t</a:t>
-            </a:r>
-            <a:r>
-              <a:rPr lang="it-IT" dirty="0"/>
-              <a:t> </a:t>
-            </a:r>
-            <a:r>
-              <a:rPr lang="it-IT" dirty="0" err="1"/>
-              <a:t>actually</a:t>
-            </a:r>
-            <a:r>
-              <a:rPr lang="it-IT" dirty="0"/>
-              <a:t> </a:t>
-            </a:r>
-            <a:r>
-              <a:rPr lang="it-IT" dirty="0" err="1"/>
-              <a:t>consider</a:t>
-            </a:r>
-            <a:r>
-              <a:rPr lang="it-IT" dirty="0"/>
-              <a:t> the </a:t>
-            </a:r>
-            <a:r>
-              <a:rPr lang="it-IT" dirty="0" err="1"/>
-              <a:t>entire</a:t>
-            </a:r>
-            <a:r>
-              <a:rPr lang="it-IT" dirty="0"/>
-              <a:t> </a:t>
-            </a:r>
-            <a:r>
-              <a:rPr lang="it-IT" dirty="0" err="1"/>
-              <a:t>sequence</a:t>
-            </a:r>
-            <a:r>
-              <a:rPr lang="it-IT" dirty="0"/>
-              <a:t> of </a:t>
-            </a:r>
-            <a:r>
-              <a:rPr lang="it-IT" dirty="0" err="1"/>
-              <a:t>chords</a:t>
-            </a:r>
-            <a:r>
-              <a:rPr lang="it-IT" dirty="0"/>
-              <a:t> </a:t>
-            </a:r>
-            <a:r>
-              <a:rPr lang="it-IT" dirty="0" err="1"/>
-              <a:t>when</a:t>
-            </a:r>
-            <a:r>
-              <a:rPr lang="it-IT" dirty="0"/>
-              <a:t> </a:t>
-            </a:r>
-            <a:r>
-              <a:rPr lang="it-IT" dirty="0" err="1"/>
-              <a:t>selecting</a:t>
-            </a:r>
-            <a:r>
-              <a:rPr lang="it-IT" dirty="0"/>
-              <a:t> the best </a:t>
-            </a:r>
-            <a:r>
-              <a:rPr lang="it-IT" dirty="0" err="1"/>
-              <a:t>voicing</a:t>
-            </a:r>
-            <a:r>
-              <a:rPr lang="it-IT" dirty="0"/>
-              <a:t> </a:t>
-            </a:r>
-            <a:r>
-              <a:rPr lang="it-IT" dirty="0" err="1"/>
-              <a:t>sequence</a:t>
-            </a:r>
-            <a:r>
-              <a:rPr lang="it-IT" dirty="0"/>
-              <a:t>, </a:t>
-            </a:r>
-            <a:r>
-              <a:rPr lang="it-IT" dirty="0" err="1"/>
-              <a:t>as</a:t>
-            </a:r>
-            <a:r>
-              <a:rPr lang="it-IT" dirty="0"/>
-              <a:t> </a:t>
-            </a:r>
-            <a:r>
-              <a:rPr lang="it-IT" dirty="0" err="1"/>
-              <a:t>this</a:t>
-            </a:r>
-            <a:r>
-              <a:rPr lang="it-IT" dirty="0"/>
-              <a:t> </a:t>
-            </a:r>
-            <a:r>
-              <a:rPr lang="it-IT" dirty="0" err="1"/>
-              <a:t>would</a:t>
-            </a:r>
-            <a:r>
-              <a:rPr lang="it-IT" dirty="0"/>
-              <a:t> make the </a:t>
-            </a:r>
-            <a:r>
-              <a:rPr lang="it-IT" dirty="0" err="1"/>
-              <a:t>algorithm</a:t>
-            </a:r>
-            <a:r>
-              <a:rPr lang="it-IT" dirty="0"/>
-              <a:t> </a:t>
-            </a:r>
-            <a:r>
-              <a:rPr lang="it-IT" dirty="0" err="1"/>
-              <a:t>extremely</a:t>
-            </a:r>
-            <a:r>
-              <a:rPr lang="it-IT" dirty="0"/>
-              <a:t> slow for </a:t>
-            </a:r>
-            <a:r>
-              <a:rPr lang="it-IT" dirty="0" err="1"/>
-              <a:t>any</a:t>
-            </a:r>
-            <a:r>
-              <a:rPr lang="it-IT" dirty="0"/>
-              <a:t> </a:t>
-            </a:r>
-            <a:r>
-              <a:rPr lang="it-IT" dirty="0" err="1"/>
-              <a:t>sequence</a:t>
-            </a:r>
-            <a:r>
-              <a:rPr lang="it-IT" dirty="0"/>
-              <a:t> </a:t>
-            </a:r>
-            <a:r>
-              <a:rPr lang="it-IT" dirty="0" err="1"/>
-              <a:t>longer</a:t>
-            </a:r>
-            <a:r>
-              <a:rPr lang="it-IT" dirty="0"/>
-              <a:t> </a:t>
-            </a:r>
-            <a:r>
-              <a:rPr lang="it-IT" dirty="0" err="1"/>
-              <a:t>than</a:t>
-            </a:r>
-            <a:r>
-              <a:rPr lang="it-IT" dirty="0"/>
-              <a:t> 4 </a:t>
-            </a:r>
-            <a:r>
-              <a:rPr lang="it-IT" dirty="0" err="1"/>
-              <a:t>chords</a:t>
-            </a:r>
-            <a:r>
-              <a:rPr lang="it-IT" dirty="0"/>
-              <a:t>.</a:t>
-            </a:r>
-          </a:p>
-          <a:p>
-            <a:endParaRPr lang="it-IT" dirty="0"/>
-          </a:p>
-          <a:p>
-            <a:r>
-              <a:rPr lang="it-IT" dirty="0" err="1"/>
-              <a:t>Instead</a:t>
-            </a:r>
-            <a:r>
-              <a:rPr lang="it-IT" dirty="0"/>
-              <a:t> </a:t>
-            </a:r>
-            <a:r>
-              <a:rPr lang="it-IT" dirty="0" err="1"/>
-              <a:t>we</a:t>
-            </a:r>
-            <a:r>
-              <a:rPr lang="it-IT" dirty="0"/>
-              <a:t> </a:t>
-            </a:r>
-            <a:r>
-              <a:rPr lang="it-IT" dirty="0" err="1"/>
-              <a:t>have</a:t>
-            </a:r>
-            <a:r>
-              <a:rPr lang="it-IT" dirty="0"/>
-              <a:t> a sliding window of 4 </a:t>
-            </a:r>
-            <a:r>
-              <a:rPr lang="it-IT" dirty="0" err="1"/>
-              <a:t>chords</a:t>
-            </a:r>
-            <a:r>
-              <a:rPr lang="it-IT" dirty="0"/>
-              <a:t>, </a:t>
-            </a:r>
-            <a:r>
-              <a:rPr lang="it-IT" dirty="0" err="1"/>
-              <a:t>which</a:t>
-            </a:r>
-            <a:r>
-              <a:rPr lang="it-IT" dirty="0"/>
-              <a:t> are </a:t>
-            </a:r>
-            <a:r>
-              <a:rPr lang="it-IT" dirty="0" err="1"/>
-              <a:t>considered</a:t>
-            </a:r>
-            <a:r>
-              <a:rPr lang="it-IT" dirty="0"/>
-              <a:t> </a:t>
-            </a:r>
-            <a:r>
-              <a:rPr lang="it-IT" dirty="0" err="1"/>
-              <a:t>when</a:t>
-            </a:r>
-            <a:r>
-              <a:rPr lang="it-IT" dirty="0"/>
-              <a:t> building the </a:t>
-            </a:r>
-            <a:r>
-              <a:rPr lang="it-IT" dirty="0" err="1"/>
-              <a:t>sequence</a:t>
-            </a:r>
-            <a:r>
-              <a:rPr lang="it-IT" dirty="0"/>
-              <a:t>, and </a:t>
-            </a:r>
-            <a:r>
-              <a:rPr lang="it-IT" dirty="0" err="1"/>
-              <a:t>chords</a:t>
-            </a:r>
-            <a:r>
-              <a:rPr lang="it-IT" dirty="0"/>
-              <a:t> </a:t>
-            </a:r>
-            <a:r>
-              <a:rPr lang="it-IT" dirty="0" err="1"/>
-              <a:t>which</a:t>
-            </a:r>
-            <a:r>
-              <a:rPr lang="it-IT" dirty="0"/>
-              <a:t> come after </a:t>
-            </a:r>
-            <a:r>
-              <a:rPr lang="it-IT" dirty="0" err="1"/>
-              <a:t>this</a:t>
-            </a:r>
-            <a:r>
-              <a:rPr lang="it-IT" dirty="0"/>
-              <a:t> windows are </a:t>
-            </a:r>
-            <a:r>
-              <a:rPr lang="it-IT" dirty="0" err="1"/>
-              <a:t>not</a:t>
-            </a:r>
-            <a:r>
-              <a:rPr lang="it-IT" dirty="0"/>
-              <a:t> </a:t>
-            </a:r>
-            <a:r>
-              <a:rPr lang="it-IT" dirty="0" err="1"/>
-              <a:t>considered</a:t>
-            </a:r>
-            <a:r>
-              <a:rPr lang="it-IT" dirty="0"/>
-              <a:t>. </a:t>
-            </a:r>
-            <a:r>
-              <a:rPr lang="it-IT" dirty="0" err="1"/>
-              <a:t>This</a:t>
-            </a:r>
-            <a:r>
-              <a:rPr lang="it-IT" dirty="0"/>
-              <a:t> «sliding windows» </a:t>
-            </a:r>
-            <a:r>
-              <a:rPr lang="it-IT" dirty="0" err="1"/>
-              <a:t>also</a:t>
-            </a:r>
-            <a:r>
-              <a:rPr lang="it-IT" dirty="0"/>
-              <a:t> </a:t>
-            </a:r>
-            <a:r>
-              <a:rPr lang="it-IT" dirty="0" err="1"/>
-              <a:t>have</a:t>
-            </a:r>
-            <a:r>
-              <a:rPr lang="it-IT" dirty="0"/>
-              <a:t> an </a:t>
-            </a:r>
-            <a:r>
-              <a:rPr lang="it-IT" dirty="0" err="1"/>
-              <a:t>overlap</a:t>
-            </a:r>
-            <a:r>
-              <a:rPr lang="it-IT" dirty="0"/>
-              <a:t> of one </a:t>
-            </a:r>
-            <a:r>
-              <a:rPr lang="it-IT" dirty="0" err="1"/>
-              <a:t>chord</a:t>
-            </a:r>
-            <a:r>
-              <a:rPr lang="it-IT" dirty="0"/>
-              <a:t>, </a:t>
-            </a:r>
-            <a:r>
-              <a:rPr lang="it-IT" dirty="0" err="1"/>
-              <a:t>meaning</a:t>
-            </a:r>
-            <a:r>
-              <a:rPr lang="it-IT" dirty="0"/>
-              <a:t> </a:t>
-            </a:r>
-            <a:r>
-              <a:rPr lang="it-IT" dirty="0" err="1"/>
-              <a:t>that</a:t>
-            </a:r>
-            <a:r>
-              <a:rPr lang="it-IT" dirty="0"/>
-              <a:t> </a:t>
-            </a:r>
-            <a:r>
-              <a:rPr lang="it-IT" dirty="0" err="1"/>
-              <a:t>each</a:t>
-            </a:r>
-            <a:r>
-              <a:rPr lang="it-IT" dirty="0"/>
-              <a:t> window </a:t>
-            </a:r>
-            <a:r>
-              <a:rPr lang="it-IT" dirty="0" err="1"/>
-              <a:t>will</a:t>
-            </a:r>
-            <a:r>
-              <a:rPr lang="it-IT" dirty="0"/>
-              <a:t> </a:t>
-            </a:r>
-            <a:r>
-              <a:rPr lang="it-IT" dirty="0" err="1"/>
-              <a:t>also</a:t>
-            </a:r>
-            <a:r>
-              <a:rPr lang="it-IT" dirty="0"/>
-              <a:t> </a:t>
-            </a:r>
-            <a:r>
-              <a:rPr lang="it-IT" dirty="0" err="1"/>
-              <a:t>consider</a:t>
-            </a:r>
-            <a:r>
-              <a:rPr lang="it-IT" dirty="0"/>
-              <a:t> the last </a:t>
-            </a:r>
-            <a:r>
-              <a:rPr lang="it-IT" dirty="0" err="1"/>
-              <a:t>chord</a:t>
-            </a:r>
-            <a:r>
-              <a:rPr lang="it-IT" dirty="0"/>
-              <a:t> coming from the </a:t>
-            </a:r>
-            <a:r>
-              <a:rPr lang="it-IT" dirty="0" err="1"/>
-              <a:t>previous</a:t>
-            </a:r>
-            <a:r>
-              <a:rPr lang="it-IT" dirty="0"/>
-              <a:t> window </a:t>
-            </a:r>
-            <a:r>
-              <a:rPr lang="it-IT" dirty="0" err="1"/>
-              <a:t>when</a:t>
-            </a:r>
-            <a:r>
-              <a:rPr lang="it-IT" dirty="0"/>
-              <a:t> building the </a:t>
-            </a:r>
-            <a:r>
-              <a:rPr lang="it-IT" dirty="0" err="1"/>
-              <a:t>sequence</a:t>
-            </a:r>
-            <a:r>
-              <a:rPr lang="it-IT" dirty="0"/>
-              <a:t>, to </a:t>
-            </a:r>
-            <a:r>
-              <a:rPr lang="it-IT" dirty="0" err="1"/>
-              <a:t>avoid</a:t>
-            </a:r>
-            <a:r>
-              <a:rPr lang="it-IT" dirty="0"/>
-              <a:t> «ugly» </a:t>
-            </a:r>
-            <a:r>
-              <a:rPr lang="it-IT" dirty="0" err="1"/>
-              <a:t>transitions</a:t>
-            </a:r>
-            <a:r>
-              <a:rPr lang="it-IT" dirty="0"/>
-              <a:t> </a:t>
-            </a:r>
-            <a:r>
-              <a:rPr lang="it-IT" dirty="0" err="1"/>
-              <a:t>between</a:t>
-            </a:r>
-            <a:r>
-              <a:rPr lang="it-IT" dirty="0"/>
-              <a:t> </a:t>
-            </a:r>
-            <a:r>
-              <a:rPr lang="it-IT" dirty="0" err="1"/>
-              <a:t>two</a:t>
-            </a:r>
-            <a:r>
-              <a:rPr lang="it-IT" dirty="0"/>
-              <a:t> windows.</a:t>
-            </a:r>
-          </a:p>
-          <a:p>
-            <a:r>
-              <a:rPr lang="it-IT" dirty="0"/>
-              <a:t>To be more </a:t>
-            </a:r>
-            <a:r>
-              <a:rPr lang="it-IT" dirty="0" err="1"/>
-              <a:t>specific</a:t>
-            </a:r>
-            <a:r>
-              <a:rPr lang="it-IT" dirty="0"/>
-              <a:t>, the </a:t>
-            </a:r>
-            <a:r>
-              <a:rPr lang="it-IT" dirty="0" err="1"/>
-              <a:t>length</a:t>
-            </a:r>
-            <a:r>
-              <a:rPr lang="it-IT" dirty="0"/>
-              <a:t> of </a:t>
-            </a:r>
-            <a:r>
-              <a:rPr lang="it-IT" dirty="0" err="1"/>
-              <a:t>this</a:t>
-            </a:r>
-            <a:r>
-              <a:rPr lang="it-IT" dirty="0"/>
-              <a:t> window </a:t>
-            </a:r>
-            <a:r>
-              <a:rPr lang="it-IT" dirty="0" err="1"/>
-              <a:t>is</a:t>
-            </a:r>
-            <a:r>
-              <a:rPr lang="it-IT" dirty="0"/>
-              <a:t> </a:t>
-            </a:r>
-            <a:r>
-              <a:rPr lang="it-IT" dirty="0" err="1"/>
-              <a:t>what</a:t>
-            </a:r>
-            <a:r>
-              <a:rPr lang="it-IT" dirty="0"/>
-              <a:t> </a:t>
-            </a:r>
-            <a:r>
-              <a:rPr lang="it-IT" dirty="0" err="1"/>
-              <a:t>we</a:t>
-            </a:r>
-            <a:r>
-              <a:rPr lang="it-IT" dirty="0"/>
-              <a:t> call the «</a:t>
-            </a:r>
-            <a:r>
-              <a:rPr lang="it-IT" dirty="0" err="1"/>
-              <a:t>recursiveDepth</a:t>
-            </a:r>
-            <a:r>
-              <a:rPr lang="it-IT" dirty="0"/>
-              <a:t>» in the </a:t>
-            </a:r>
-            <a:r>
-              <a:rPr lang="it-IT" dirty="0" err="1"/>
-              <a:t>algorithm</a:t>
-            </a:r>
-            <a:r>
-              <a:rPr lang="it-IT" dirty="0"/>
-              <a:t>, </a:t>
-            </a:r>
-            <a:r>
-              <a:rPr lang="it-IT" dirty="0" err="1"/>
-              <a:t>since</a:t>
-            </a:r>
-            <a:r>
-              <a:rPr lang="it-IT" dirty="0"/>
-              <a:t> </a:t>
-            </a:r>
-            <a:r>
-              <a:rPr lang="it-IT" dirty="0" err="1"/>
-              <a:t>it</a:t>
-            </a:r>
-            <a:r>
-              <a:rPr lang="it-IT" dirty="0"/>
-              <a:t> bounds the </a:t>
-            </a:r>
-            <a:r>
-              <a:rPr lang="it-IT" dirty="0" err="1"/>
-              <a:t>level</a:t>
-            </a:r>
-            <a:r>
-              <a:rPr lang="it-IT" dirty="0"/>
-              <a:t> of </a:t>
-            </a:r>
-            <a:r>
-              <a:rPr lang="it-IT" dirty="0" err="1"/>
-              <a:t>recursion</a:t>
-            </a:r>
-            <a:r>
-              <a:rPr lang="it-IT" dirty="0"/>
-              <a:t> </a:t>
-            </a:r>
-            <a:r>
-              <a:rPr lang="it-IT" dirty="0" err="1"/>
-              <a:t>that</a:t>
-            </a:r>
-            <a:r>
-              <a:rPr lang="it-IT" dirty="0"/>
-              <a:t> the </a:t>
-            </a:r>
-            <a:r>
-              <a:rPr lang="it-IT" dirty="0" err="1"/>
-              <a:t>function</a:t>
-            </a:r>
-            <a:r>
-              <a:rPr lang="it-IT" dirty="0"/>
-              <a:t> can </a:t>
-            </a:r>
-            <a:r>
-              <a:rPr lang="it-IT" dirty="0" err="1"/>
-              <a:t>reach</a:t>
-            </a:r>
-            <a:r>
-              <a:rPr lang="it-IT" dirty="0"/>
-              <a:t>.</a:t>
-            </a:r>
-          </a:p>
-          <a:p>
-            <a:r>
-              <a:rPr lang="it-IT" dirty="0"/>
-              <a:t>In </a:t>
-            </a:r>
-            <a:r>
-              <a:rPr lang="it-IT" dirty="0" err="1"/>
-              <a:t>pratice</a:t>
-            </a:r>
-            <a:r>
-              <a:rPr lang="it-IT" dirty="0"/>
-              <a:t>, </a:t>
-            </a:r>
-            <a:r>
-              <a:rPr lang="it-IT" dirty="0" err="1"/>
-              <a:t>we</a:t>
-            </a:r>
-            <a:r>
-              <a:rPr lang="it-IT" dirty="0"/>
-              <a:t> </a:t>
-            </a:r>
-            <a:r>
-              <a:rPr lang="it-IT" dirty="0" err="1"/>
-              <a:t>found</a:t>
-            </a:r>
-            <a:r>
-              <a:rPr lang="it-IT" dirty="0"/>
-              <a:t> 4 to be the best recursive Depth, </a:t>
-            </a:r>
-            <a:r>
-              <a:rPr lang="it-IT" dirty="0" err="1"/>
-              <a:t>as</a:t>
-            </a:r>
-            <a:r>
-              <a:rPr lang="it-IT" dirty="0"/>
-              <a:t> </a:t>
-            </a:r>
-            <a:r>
-              <a:rPr lang="it-IT" dirty="0" err="1"/>
-              <a:t>it</a:t>
-            </a:r>
-            <a:r>
-              <a:rPr lang="it-IT" dirty="0"/>
-              <a:t> </a:t>
-            </a:r>
-            <a:r>
-              <a:rPr lang="it-IT" dirty="0" err="1"/>
-              <a:t>allows</a:t>
-            </a:r>
-            <a:r>
-              <a:rPr lang="it-IT" dirty="0"/>
-              <a:t> for </a:t>
-            </a:r>
-            <a:r>
-              <a:rPr lang="it-IT" dirty="0" err="1"/>
-              <a:t>quick</a:t>
-            </a:r>
-            <a:r>
-              <a:rPr lang="it-IT" dirty="0"/>
-              <a:t> </a:t>
-            </a:r>
-            <a:r>
-              <a:rPr lang="it-IT" dirty="0" err="1"/>
-              <a:t>computation</a:t>
-            </a:r>
-            <a:r>
-              <a:rPr lang="it-IT" dirty="0"/>
-              <a:t> </a:t>
-            </a:r>
-            <a:r>
-              <a:rPr lang="it-IT" dirty="0" err="1"/>
-              <a:t>while</a:t>
-            </a:r>
-            <a:r>
-              <a:rPr lang="it-IT" dirty="0"/>
-              <a:t> </a:t>
-            </a:r>
-            <a:r>
-              <a:rPr lang="it-IT" dirty="0" err="1"/>
-              <a:t>returning</a:t>
-            </a:r>
-            <a:r>
-              <a:rPr lang="it-IT" dirty="0"/>
-              <a:t> good </a:t>
-            </a:r>
-            <a:r>
-              <a:rPr lang="it-IT" dirty="0" err="1"/>
-              <a:t>results</a:t>
-            </a:r>
-            <a:r>
-              <a:rPr lang="it-IT" dirty="0"/>
-              <a:t>, and </a:t>
-            </a:r>
-            <a:r>
-              <a:rPr lang="it-IT" dirty="0" err="1"/>
-              <a:t>generally</a:t>
-            </a:r>
-            <a:r>
-              <a:rPr lang="it-IT" dirty="0"/>
-              <a:t> </a:t>
-            </a:r>
-            <a:r>
-              <a:rPr lang="it-IT" dirty="0" err="1"/>
-              <a:t>increasing</a:t>
-            </a:r>
-            <a:r>
-              <a:rPr lang="it-IT" dirty="0"/>
-              <a:t> </a:t>
-            </a:r>
-            <a:r>
-              <a:rPr lang="it-IT" dirty="0" err="1"/>
-              <a:t>this</a:t>
-            </a:r>
-            <a:r>
-              <a:rPr lang="it-IT" dirty="0"/>
-              <a:t> </a:t>
-            </a:r>
-            <a:r>
-              <a:rPr lang="it-IT" dirty="0" err="1"/>
-              <a:t>beyond</a:t>
-            </a:r>
-            <a:r>
-              <a:rPr lang="it-IT" dirty="0"/>
-              <a:t> 4 </a:t>
-            </a:r>
-            <a:r>
-              <a:rPr lang="it-IT" dirty="0" err="1"/>
-              <a:t>will</a:t>
-            </a:r>
-            <a:r>
-              <a:rPr lang="it-IT" dirty="0"/>
-              <a:t> </a:t>
-            </a:r>
-            <a:r>
-              <a:rPr lang="it-IT" dirty="0" err="1"/>
-              <a:t>not</a:t>
-            </a:r>
-            <a:r>
-              <a:rPr lang="it-IT" dirty="0"/>
-              <a:t> </a:t>
-            </a:r>
-            <a:r>
-              <a:rPr lang="it-IT" dirty="0" err="1"/>
-              <a:t>improve</a:t>
-            </a:r>
-            <a:r>
-              <a:rPr lang="it-IT" dirty="0"/>
-              <a:t> the </a:t>
-            </a:r>
-            <a:r>
-              <a:rPr lang="it-IT" dirty="0" err="1"/>
-              <a:t>result</a:t>
-            </a:r>
-            <a:r>
-              <a:rPr lang="it-IT" dirty="0"/>
-              <a:t> </a:t>
-            </a:r>
-            <a:r>
-              <a:rPr lang="it-IT" dirty="0" err="1"/>
-              <a:t>significantly</a:t>
-            </a:r>
-            <a:r>
-              <a:rPr lang="it-IT" dirty="0"/>
-              <a:t>.</a:t>
-            </a:r>
-          </a:p>
-          <a:p>
-            <a:endParaRPr lang="it-IT" dirty="0"/>
-          </a:p>
-          <a:p>
-            <a:endParaRPr lang="it-IT" dirty="0"/>
           </a:p>
         </p:txBody>
       </p:sp>
@@ -11620,7 +11370,7 @@
           <a:p>
             <a:fld id="{B9177E53-FA8F-42AF-9113-372B0C83F087}" type="slidenum">
               <a:rPr lang="it-IT" smtClean="0"/>
-              <a:t>14</a:t>
+              <a:t>13</a:t>
             </a:fld>
             <a:endParaRPr lang="it-IT"/>
           </a:p>
@@ -11629,7 +11379,7 @@
     </p:spTree>
     <p:extLst>
       <p:ext uri="{BB962C8B-B14F-4D97-AF65-F5344CB8AC3E}">
-        <p14:creationId xmlns:p14="http://schemas.microsoft.com/office/powerpoint/2010/main" val="2157933395"/>
+        <p14:creationId xmlns:p14="http://schemas.microsoft.com/office/powerpoint/2010/main" val="3103472270"/>
       </p:ext>
     </p:extLst>
   </p:cSld>
@@ -12443,148 +12193,6 @@
               <a:buChar char="-"/>
             </a:pPr>
             <a:r>
-              <a:rPr lang="it-IT" dirty="0" err="1"/>
-              <a:t>Adding</a:t>
-            </a:r>
-            <a:r>
-              <a:rPr lang="it-IT" dirty="0"/>
-              <a:t> some </a:t>
-            </a:r>
-            <a:r>
-              <a:rPr lang="it-IT" dirty="0" err="1"/>
-              <a:t>other</a:t>
-            </a:r>
-            <a:r>
-              <a:rPr lang="it-IT" dirty="0"/>
-              <a:t> way for the user to input the </a:t>
-            </a:r>
-            <a:r>
-              <a:rPr lang="it-IT" dirty="0" err="1"/>
-              <a:t>chords</a:t>
-            </a:r>
-            <a:r>
-              <a:rPr lang="it-IT" dirty="0"/>
-              <a:t>, </a:t>
-            </a:r>
-            <a:r>
-              <a:rPr lang="it-IT" dirty="0" err="1"/>
-              <a:t>perhaps</a:t>
-            </a:r>
-            <a:r>
-              <a:rPr lang="it-IT" dirty="0"/>
-              <a:t> by </a:t>
-            </a:r>
-            <a:r>
-              <a:rPr lang="it-IT" dirty="0" err="1"/>
-              <a:t>feeding</a:t>
-            </a:r>
-            <a:r>
-              <a:rPr lang="it-IT" dirty="0"/>
-              <a:t> </a:t>
-            </a:r>
-            <a:r>
-              <a:rPr lang="it-IT" dirty="0" err="1"/>
-              <a:t>directly</a:t>
-            </a:r>
-            <a:r>
-              <a:rPr lang="it-IT" dirty="0"/>
-              <a:t> MIDI data and </a:t>
-            </a:r>
-            <a:r>
-              <a:rPr lang="it-IT" dirty="0" err="1"/>
-              <a:t>using</a:t>
-            </a:r>
-            <a:r>
-              <a:rPr lang="it-IT" dirty="0"/>
-              <a:t> some </a:t>
-            </a:r>
-            <a:r>
-              <a:rPr lang="it-IT" dirty="0" err="1"/>
-              <a:t>form</a:t>
-            </a:r>
-            <a:r>
-              <a:rPr lang="it-IT" dirty="0"/>
-              <a:t> of </a:t>
-            </a:r>
-            <a:r>
-              <a:rPr lang="it-IT" dirty="0" err="1"/>
-              <a:t>chord</a:t>
-            </a:r>
-            <a:r>
-              <a:rPr lang="it-IT" dirty="0"/>
-              <a:t> </a:t>
-            </a:r>
-            <a:r>
-              <a:rPr lang="it-IT" dirty="0" err="1"/>
-              <a:t>recognition</a:t>
-            </a:r>
-            <a:r>
-              <a:rPr lang="it-IT" dirty="0"/>
-              <a:t> on the incoming data stream, </a:t>
-            </a:r>
-            <a:r>
-              <a:rPr lang="it-IT" dirty="0" err="1"/>
-              <a:t>something</a:t>
-            </a:r>
-            <a:r>
-              <a:rPr lang="it-IT" dirty="0"/>
-              <a:t> </a:t>
-            </a:r>
-            <a:r>
-              <a:rPr lang="it-IT" dirty="0" err="1"/>
-              <a:t>which</a:t>
-            </a:r>
-            <a:r>
-              <a:rPr lang="it-IT" dirty="0"/>
-              <a:t> can work like a «</a:t>
-            </a:r>
-            <a:r>
-              <a:rPr lang="it-IT" dirty="0" err="1"/>
-              <a:t>keyboard</a:t>
-            </a:r>
-            <a:r>
-              <a:rPr lang="it-IT" dirty="0"/>
-              <a:t>-to-</a:t>
-            </a:r>
-            <a:r>
-              <a:rPr lang="it-IT" dirty="0" err="1"/>
-              <a:t>guitar</a:t>
-            </a:r>
-            <a:r>
-              <a:rPr lang="it-IT" dirty="0"/>
-              <a:t>» </a:t>
-            </a:r>
-            <a:r>
-              <a:rPr lang="it-IT" dirty="0" err="1"/>
-              <a:t>voicing</a:t>
-            </a:r>
-            <a:r>
-              <a:rPr lang="it-IT" dirty="0"/>
-              <a:t> </a:t>
-            </a:r>
-            <a:r>
-              <a:rPr lang="it-IT" dirty="0" err="1"/>
-              <a:t>converter</a:t>
-            </a:r>
-            <a:r>
-              <a:rPr lang="it-IT" dirty="0"/>
-              <a:t> for </a:t>
-            </a:r>
-            <a:r>
-              <a:rPr lang="it-IT" dirty="0" err="1"/>
-              <a:t>example</a:t>
-            </a:r>
-            <a:r>
-              <a:rPr lang="it-IT" dirty="0"/>
-              <a:t>.</a:t>
-            </a:r>
-          </a:p>
-          <a:p>
-            <a:pPr marL="171450" indent="-171450">
-              <a:buFontTx/>
-              <a:buChar char="-"/>
-            </a:pPr>
-            <a:r>
               <a:rPr lang="it-IT" dirty="0"/>
               <a:t>Or </a:t>
             </a:r>
@@ -12648,103 +12256,6 @@
               <a:buChar char="-"/>
             </a:pPr>
             <a:endParaRPr lang="it-IT" dirty="0"/>
-          </a:p>
-          <a:p>
-            <a:pPr marL="0" indent="0">
-              <a:buFontTx/>
-              <a:buNone/>
-            </a:pPr>
-            <a:r>
-              <a:rPr lang="it-IT" dirty="0"/>
-              <a:t>(Last </a:t>
-            </a:r>
-            <a:r>
-              <a:rPr lang="it-IT" dirty="0" err="1"/>
-              <a:t>block</a:t>
-            </a:r>
-            <a:r>
-              <a:rPr lang="it-IT" dirty="0"/>
-              <a:t> </a:t>
-            </a:r>
-            <a:r>
-              <a:rPr lang="it-IT" dirty="0" err="1"/>
-              <a:t>is</a:t>
-            </a:r>
-            <a:r>
-              <a:rPr lang="it-IT" dirty="0"/>
-              <a:t> </a:t>
-            </a:r>
-            <a:r>
-              <a:rPr lang="it-IT" dirty="0" err="1"/>
-              <a:t>around</a:t>
-            </a:r>
-            <a:r>
-              <a:rPr lang="it-IT" dirty="0"/>
-              <a:t> 4:26 minutes, a bit </a:t>
-            </a:r>
-            <a:r>
-              <a:rPr lang="it-IT" dirty="0" err="1"/>
-              <a:t>longer</a:t>
-            </a:r>
-            <a:r>
-              <a:rPr lang="it-IT" dirty="0"/>
-              <a:t> </a:t>
-            </a:r>
-            <a:r>
-              <a:rPr lang="it-IT" dirty="0" err="1"/>
-              <a:t>then</a:t>
-            </a:r>
-            <a:r>
-              <a:rPr lang="it-IT" dirty="0"/>
-              <a:t> </a:t>
-            </a:r>
-            <a:r>
-              <a:rPr lang="it-IT" dirty="0" err="1"/>
-              <a:t>others</a:t>
-            </a:r>
-            <a:r>
-              <a:rPr lang="it-IT" dirty="0"/>
-              <a:t>)</a:t>
-            </a:r>
-          </a:p>
-          <a:p>
-            <a:pPr marL="171450" indent="-171450">
-              <a:buFontTx/>
-              <a:buChar char="-"/>
-            </a:pPr>
-            <a:endParaRPr lang="it-IT" dirty="0"/>
-          </a:p>
-          <a:p>
-            <a:pPr marL="171450" indent="-171450">
-              <a:buFontTx/>
-              <a:buChar char="-"/>
-            </a:pPr>
-            <a:endParaRPr lang="it-IT" dirty="0"/>
-          </a:p>
-          <a:p>
-            <a:pPr marL="171450" indent="-171450">
-              <a:buFontTx/>
-              <a:buChar char="-"/>
-            </a:pPr>
-            <a:endParaRPr lang="it-IT" dirty="0"/>
-          </a:p>
-          <a:p>
-            <a:pPr marL="0" indent="0">
-              <a:buFontTx/>
-              <a:buNone/>
-            </a:pPr>
-            <a:r>
-              <a:rPr lang="it-IT" dirty="0"/>
-              <a:t>Total: </a:t>
-            </a:r>
-            <a:r>
-              <a:rPr lang="it-IT" dirty="0" err="1"/>
-              <a:t>around</a:t>
-            </a:r>
-            <a:r>
-              <a:rPr lang="it-IT" dirty="0"/>
-              <a:t> 12 minutes</a:t>
-            </a:r>
           </a:p>
         </p:txBody>
       </p:sp>
@@ -12765,7 +12276,7 @@
           <a:p>
             <a:fld id="{B9177E53-FA8F-42AF-9113-372B0C83F087}" type="slidenum">
               <a:rPr lang="it-IT" smtClean="0"/>
-              <a:t>16</a:t>
+              <a:t>14</a:t>
             </a:fld>
             <a:endParaRPr lang="it-IT"/>
           </a:p>
@@ -15704,12 +15215,8 @@
               <a:buChar char="•"/>
             </a:pPr>
             <a:r>
-              <a:rPr lang="it-IT" dirty="0" err="1"/>
-              <a:t>FretboardModel.j</a:t>
-            </a:r>
-            <a:r>
-              <a:rPr lang="it-IT" dirty="0"/>
-              <a:t> </a:t>
+              <a:rPr lang="it-IT" dirty="0"/>
+              <a:t>FretboardModel.js </a:t>
             </a:r>
             <a:r>
               <a:rPr lang="it-IT" dirty="0" err="1"/>
@@ -18375,7 +17882,7 @@
           <a:p>
             <a:fld id="{02AC24A9-CCB6-4F8D-B8DB-C2F3692CFA5A}" type="datetimeFigureOut">
               <a:rPr lang="en-US" smtClean="0"/>
-              <a:t>7/22/2023</a:t>
+              <a:t>7/23/2023</a:t>
             </a:fld>
             <a:endParaRPr lang="en-US"/>
           </a:p>
@@ -18650,7 +18157,7 @@
           <a:p>
             <a:fld id="{02AC24A9-CCB6-4F8D-B8DB-C2F3692CFA5A}" type="datetimeFigureOut">
               <a:rPr lang="en-US" smtClean="0"/>
-              <a:t>7/22/2023</a:t>
+              <a:t>7/23/2023</a:t>
             </a:fld>
             <a:endParaRPr lang="en-US"/>
           </a:p>
@@ -18844,7 +18351,7 @@
           <a:p>
             <a:fld id="{02AC24A9-CCB6-4F8D-B8DB-C2F3692CFA5A}" type="datetimeFigureOut">
               <a:rPr lang="en-US" smtClean="0"/>
-              <a:t>7/22/2023</a:t>
+              <a:t>7/23/2023</a:t>
             </a:fld>
             <a:endParaRPr lang="en-US"/>
           </a:p>
@@ -19117,7 +18624,7 @@
           <a:p>
             <a:fld id="{02AC24A9-CCB6-4F8D-B8DB-C2F3692CFA5A}" type="datetimeFigureOut">
               <a:rPr lang="en-US" smtClean="0"/>
-              <a:t>7/22/2023</a:t>
+              <a:t>7/23/2023</a:t>
             </a:fld>
             <a:endParaRPr lang="en-US"/>
           </a:p>
@@ -19458,7 +18965,7 @@
           <a:p>
             <a:fld id="{02AC24A9-CCB6-4F8D-B8DB-C2F3692CFA5A}" type="datetimeFigureOut">
               <a:rPr lang="en-US" smtClean="0"/>
-              <a:t>7/22/2023</a:t>
+              <a:t>7/23/2023</a:t>
             </a:fld>
             <a:endParaRPr lang="en-US"/>
           </a:p>
@@ -20081,7 +19588,7 @@
           <a:p>
             <a:fld id="{02AC24A9-CCB6-4F8D-B8DB-C2F3692CFA5A}" type="datetimeFigureOut">
               <a:rPr lang="en-US" smtClean="0"/>
-              <a:t>7/22/2023</a:t>
+              <a:t>7/23/2023</a:t>
             </a:fld>
             <a:endParaRPr lang="en-US"/>
           </a:p>
@@ -20941,7 +20448,7 @@
           <a:p>
             <a:fld id="{02AC24A9-CCB6-4F8D-B8DB-C2F3692CFA5A}" type="datetimeFigureOut">
               <a:rPr lang="en-US" smtClean="0"/>
-              <a:t>7/22/2023</a:t>
+              <a:t>7/23/2023</a:t>
             </a:fld>
             <a:endParaRPr lang="en-US"/>
           </a:p>
@@ -21111,7 +20618,7 @@
           <a:p>
             <a:fld id="{02AC24A9-CCB6-4F8D-B8DB-C2F3692CFA5A}" type="datetimeFigureOut">
               <a:rPr lang="en-US" smtClean="0"/>
-              <a:t>7/22/2023</a:t>
+              <a:t>7/23/2023</a:t>
             </a:fld>
             <a:endParaRPr lang="en-US"/>
           </a:p>
@@ -21291,7 +20798,7 @@
           <a:p>
             <a:fld id="{02AC24A9-CCB6-4F8D-B8DB-C2F3692CFA5A}" type="datetimeFigureOut">
               <a:rPr lang="en-US" smtClean="0"/>
-              <a:t>7/22/2023</a:t>
+              <a:t>7/23/2023</a:t>
             </a:fld>
             <a:endParaRPr lang="en-US"/>
           </a:p>
@@ -21461,7 +20968,7 @@
           <a:p>
             <a:fld id="{02AC24A9-CCB6-4F8D-B8DB-C2F3692CFA5A}" type="datetimeFigureOut">
               <a:rPr lang="en-US" smtClean="0"/>
-              <a:t>7/22/2023</a:t>
+              <a:t>7/23/2023</a:t>
             </a:fld>
             <a:endParaRPr lang="en-US"/>
           </a:p>
@@ -21708,7 +21215,7 @@
           <a:p>
             <a:fld id="{02AC24A9-CCB6-4F8D-B8DB-C2F3692CFA5A}" type="datetimeFigureOut">
               <a:rPr lang="en-US" smtClean="0"/>
-              <a:t>7/22/2023</a:t>
+              <a:t>7/23/2023</a:t>
             </a:fld>
             <a:endParaRPr lang="en-US"/>
           </a:p>
@@ -22000,7 +21507,7 @@
           <a:p>
             <a:fld id="{02AC24A9-CCB6-4F8D-B8DB-C2F3692CFA5A}" type="datetimeFigureOut">
               <a:rPr lang="en-US" smtClean="0"/>
-              <a:t>7/22/2023</a:t>
+              <a:t>7/23/2023</a:t>
             </a:fld>
             <a:endParaRPr lang="en-US"/>
           </a:p>
@@ -22444,7 +21951,7 @@
           <a:p>
             <a:fld id="{02AC24A9-CCB6-4F8D-B8DB-C2F3692CFA5A}" type="datetimeFigureOut">
               <a:rPr lang="en-US" smtClean="0"/>
-              <a:t>7/22/2023</a:t>
+              <a:t>7/23/2023</a:t>
             </a:fld>
             <a:endParaRPr lang="en-US"/>
           </a:p>
@@ -22562,7 +22069,7 @@
           <a:p>
             <a:fld id="{02AC24A9-CCB6-4F8D-B8DB-C2F3692CFA5A}" type="datetimeFigureOut">
               <a:rPr lang="en-US" smtClean="0"/>
-              <a:t>7/22/2023</a:t>
+              <a:t>7/23/2023</a:t>
             </a:fld>
             <a:endParaRPr lang="en-US"/>
           </a:p>
@@ -22657,7 +22164,7 @@
           <a:p>
             <a:fld id="{02AC24A9-CCB6-4F8D-B8DB-C2F3692CFA5A}" type="datetimeFigureOut">
               <a:rPr lang="en-US" smtClean="0"/>
-              <a:t>7/22/2023</a:t>
+              <a:t>7/23/2023</a:t>
             </a:fld>
             <a:endParaRPr lang="en-US"/>
           </a:p>
@@ -22936,7 +22443,7 @@
           <a:p>
             <a:fld id="{02AC24A9-CCB6-4F8D-B8DB-C2F3692CFA5A}" type="datetimeFigureOut">
               <a:rPr lang="en-US" smtClean="0"/>
-              <a:t>7/22/2023</a:t>
+              <a:t>7/23/2023</a:t>
             </a:fld>
             <a:endParaRPr lang="en-US"/>
           </a:p>
@@ -23211,7 +22718,7 @@
           <a:p>
             <a:fld id="{02AC24A9-CCB6-4F8D-B8DB-C2F3692CFA5A}" type="datetimeFigureOut">
               <a:rPr lang="en-US" smtClean="0"/>
-              <a:t>7/22/2023</a:t>
+              <a:t>7/23/2023</a:t>
             </a:fld>
             <a:endParaRPr lang="en-US"/>
           </a:p>
@@ -23640,7 +23147,7 @@
           <a:p>
             <a:fld id="{02AC24A9-CCB6-4F8D-B8DB-C2F3692CFA5A}" type="datetimeFigureOut">
               <a:rPr lang="en-US" smtClean="0"/>
-              <a:t>7/22/2023</a:t>
+              <a:t>7/23/2023</a:t>
             </a:fld>
             <a:endParaRPr lang="en-US"/>
           </a:p>
@@ -26673,8 +26180,12 @@
           <a:lstStyle/>
           <a:p>
             <a:r>
-              <a:rPr lang="it-IT" dirty="0"/>
-              <a:t>Voicing.js – positions </a:t>
+              <a:rPr lang="it-IT" b="1" dirty="0"/>
+              <a:t>voicing.js </a:t>
+            </a:r>
+            <a:r>
+              <a:rPr lang="it-IT" dirty="0"/>
+              <a:t>– positions </a:t>
             </a:r>
             <a:r>
               <a:rPr lang="it-IT" dirty="0" err="1"/>
@@ -27930,86 +27441,6 @@
 <file path=ppt/slides/slide12.xml><?xml version="1.0" encoding="utf-8"?>
 <p:sld xmlns:a="http://schemas.openxmlformats.org/drawingml/2006/main" xmlns:r="http://schemas.openxmlformats.org/officeDocument/2006/relationships" xmlns:p="http://schemas.openxmlformats.org/presentationml/2006/main">
   <p:cSld>
-    <p:spTree>
-      <p:nvGrpSpPr>
-        <p:cNvPr id="1" name=""/>
-        <p:cNvGrpSpPr/>
-        <p:nvPr/>
-      </p:nvGrpSpPr>
-      <p:grpSpPr>
-        <a:xfrm>
-          <a:off x="0" y="0"/>
-          <a:ext cx="0" cy="0"/>
-          <a:chOff x="0" y="0"/>
-          <a:chExt cx="0" cy="0"/>
-        </a:xfrm>
-      </p:grpSpPr>
-      <p:sp>
-        <p:nvSpPr>
-          <p:cNvPr id="2" name="Titolo 1">
-            <a:extLst>
-              <a:ext uri="{FF2B5EF4-FFF2-40B4-BE49-F238E27FC236}">
-                <a16:creationId xmlns:a16="http://schemas.microsoft.com/office/drawing/2014/main" id="{FFF8B902-F46B-7BB5-7774-D1FABBC2B98F}"/>
-              </a:ext>
-            </a:extLst>
-          </p:cNvPr>
-          <p:cNvSpPr>
-            <a:spLocks noGrp="1"/>
-          </p:cNvSpPr>
-          <p:nvPr>
-            <p:ph type="title"/>
-          </p:nvPr>
-        </p:nvSpPr>
-        <p:spPr/>
-        <p:txBody>
-          <a:bodyPr/>
-          <a:lstStyle/>
-          <a:p>
-            <a:endParaRPr lang="it-IT" dirty="0"/>
-          </a:p>
-        </p:txBody>
-      </p:sp>
-      <p:sp>
-        <p:nvSpPr>
-          <p:cNvPr id="3" name="Segnaposto contenuto 2">
-            <a:extLst>
-              <a:ext uri="{FF2B5EF4-FFF2-40B4-BE49-F238E27FC236}">
-                <a16:creationId xmlns:a16="http://schemas.microsoft.com/office/drawing/2014/main" id="{10116D1D-D3C0-0260-D084-9869297EEF93}"/>
-              </a:ext>
-            </a:extLst>
-          </p:cNvPr>
-          <p:cNvSpPr>
-            <a:spLocks noGrp="1"/>
-          </p:cNvSpPr>
-          <p:nvPr>
-            <p:ph idx="1"/>
-          </p:nvPr>
-        </p:nvSpPr>
-        <p:spPr/>
-        <p:txBody>
-          <a:bodyPr/>
-          <a:lstStyle/>
-          <a:p>
-            <a:endParaRPr lang="it-IT"/>
-          </a:p>
-        </p:txBody>
-      </p:sp>
-    </p:spTree>
-    <p:extLst>
-      <p:ext uri="{BB962C8B-B14F-4D97-AF65-F5344CB8AC3E}">
-        <p14:creationId xmlns:p14="http://schemas.microsoft.com/office/powerpoint/2010/main" val="4160911933"/>
-      </p:ext>
-    </p:extLst>
-  </p:cSld>
-  <p:clrMapOvr>
-    <a:masterClrMapping/>
-  </p:clrMapOvr>
-</p:sld>
-</file>
-
-<file path=ppt/slides/slide13.xml><?xml version="1.0" encoding="utf-8"?>
-<p:sld xmlns:a="http://schemas.openxmlformats.org/drawingml/2006/main" xmlns:r="http://schemas.openxmlformats.org/officeDocument/2006/relationships" xmlns:p="http://schemas.openxmlformats.org/presentationml/2006/main">
-  <p:cSld>
     <p:bg>
       <p:bgPr>
         <a:solidFill>
@@ -29097,15 +28528,20 @@
               </a:spcAft>
             </a:pPr>
             <a:r>
-              <a:rPr lang="en-US" b="0" i="0" kern="1200" dirty="0">
+              <a:rPr lang="en-US" b="1" dirty="0">
                 <a:solidFill>
                   <a:srgbClr val="FFFFFF"/>
                 </a:solidFill>
-                <a:latin typeface="+mj-lt"/>
-                <a:ea typeface="+mj-ea"/>
-                <a:cs typeface="+mj-cs"/>
               </a:rPr>
-              <a:t>CONSTRAINTS AND VOICING BUILDING</a:t>
+              <a:t>voicing.js </a:t>
+            </a:r>
+            <a:r>
+              <a:rPr lang="en-US" dirty="0">
+                <a:solidFill>
+                  <a:srgbClr val="FFFFFF"/>
+                </a:solidFill>
+              </a:rPr>
+              <a:t>– Voicing Sequence Building</a:t>
             </a:r>
           </a:p>
         </p:txBody>
@@ -29128,1455 +28564,6 @@
           <a:xfrm>
             <a:off x="5204109" y="1645920"/>
             <a:ext cx="5919503" cy="4470821"/>
-          </a:xfrm>
-          <a:prstGeom prst="rect">
-            <a:avLst/>
-          </a:prstGeom>
-        </p:spPr>
-        <p:txBody>
-          <a:bodyPr vert="horz" lIns="91440" tIns="45720" rIns="91440" bIns="45720" rtlCol="0">
-            <a:normAutofit lnSpcReduction="10000"/>
-          </a:bodyPr>
-          <a:lstStyle>
-            <a:lvl1pPr marL="342900" indent="-342900" algn="l" defTabSz="457200" rtl="0" eaLnBrk="1" latinLnBrk="0" hangingPunct="1">
-              <a:spcBef>
-                <a:spcPts val="1000"/>
-              </a:spcBef>
-              <a:spcAft>
-                <a:spcPts val="0"/>
-              </a:spcAft>
-              <a:buClr>
-                <a:schemeClr val="bg2">
-                  <a:lumMod val="40000"/>
-                  <a:lumOff val="60000"/>
-                </a:schemeClr>
-              </a:buClr>
-              <a:buSzPct val="80000"/>
-              <a:buFont typeface="Wingdings 3" charset="2"/>
-              <a:buChar char=""/>
-              <a:defRPr sz="2000" b="0" i="0" kern="1200">
-                <a:solidFill>
-                  <a:schemeClr val="tx1"/>
-                </a:solidFill>
-                <a:latin typeface="+mj-lt"/>
-                <a:ea typeface="+mj-ea"/>
-                <a:cs typeface="+mj-cs"/>
-              </a:defRPr>
-            </a:lvl1pPr>
-            <a:lvl2pPr marL="742950" indent="-285750" algn="l" defTabSz="457200" rtl="0" eaLnBrk="1" latinLnBrk="0" hangingPunct="1">
-              <a:spcBef>
-                <a:spcPts val="1000"/>
-              </a:spcBef>
-              <a:spcAft>
-                <a:spcPts val="0"/>
-              </a:spcAft>
-              <a:buClr>
-                <a:schemeClr val="bg2">
-                  <a:lumMod val="40000"/>
-                  <a:lumOff val="60000"/>
-                </a:schemeClr>
-              </a:buClr>
-              <a:buSzPct val="80000"/>
-              <a:buFont typeface="Wingdings 3" charset="2"/>
-              <a:buChar char=""/>
-              <a:defRPr sz="1800" b="0" i="0" kern="1200">
-                <a:solidFill>
-                  <a:schemeClr val="tx1"/>
-                </a:solidFill>
-                <a:latin typeface="+mj-lt"/>
-                <a:ea typeface="+mj-ea"/>
-                <a:cs typeface="+mj-cs"/>
-              </a:defRPr>
-            </a:lvl2pPr>
-            <a:lvl3pPr marL="1143000" indent="-228600" algn="l" defTabSz="457200" rtl="0" eaLnBrk="1" latinLnBrk="0" hangingPunct="1">
-              <a:spcBef>
-                <a:spcPts val="1000"/>
-              </a:spcBef>
-              <a:spcAft>
-                <a:spcPts val="0"/>
-              </a:spcAft>
-              <a:buClr>
-                <a:schemeClr val="bg2">
-                  <a:lumMod val="40000"/>
-                  <a:lumOff val="60000"/>
-                </a:schemeClr>
-              </a:buClr>
-              <a:buSzPct val="80000"/>
-              <a:buFont typeface="Wingdings 3" charset="2"/>
-              <a:buChar char=""/>
-              <a:defRPr sz="1600" b="0" i="0" kern="1200">
-                <a:solidFill>
-                  <a:schemeClr val="tx1"/>
-                </a:solidFill>
-                <a:latin typeface="+mj-lt"/>
-                <a:ea typeface="+mj-ea"/>
-                <a:cs typeface="+mj-cs"/>
-              </a:defRPr>
-            </a:lvl3pPr>
-            <a:lvl4pPr marL="1600200" indent="-228600" algn="l" defTabSz="457200" rtl="0" eaLnBrk="1" latinLnBrk="0" hangingPunct="1">
-              <a:spcBef>
-                <a:spcPts val="1000"/>
-              </a:spcBef>
-              <a:spcAft>
-                <a:spcPts val="0"/>
-              </a:spcAft>
-              <a:buClr>
-                <a:schemeClr val="bg2">
-                  <a:lumMod val="40000"/>
-                  <a:lumOff val="60000"/>
-                </a:schemeClr>
-              </a:buClr>
-              <a:buSzPct val="80000"/>
-              <a:buFont typeface="Wingdings 3" charset="2"/>
-              <a:buChar char=""/>
-              <a:defRPr sz="1400" b="0" i="0" kern="1200">
-                <a:solidFill>
-                  <a:schemeClr val="tx1"/>
-                </a:solidFill>
-                <a:latin typeface="+mj-lt"/>
-                <a:ea typeface="+mj-ea"/>
-                <a:cs typeface="+mj-cs"/>
-              </a:defRPr>
-            </a:lvl4pPr>
-            <a:lvl5pPr marL="2057400" indent="-228600" algn="l" defTabSz="457200" rtl="0" eaLnBrk="1" latinLnBrk="0" hangingPunct="1">
-              <a:spcBef>
-                <a:spcPts val="1000"/>
-              </a:spcBef>
-              <a:spcAft>
-                <a:spcPts val="0"/>
-              </a:spcAft>
-              <a:buClr>
-                <a:schemeClr val="bg2">
-                  <a:lumMod val="40000"/>
-                  <a:lumOff val="60000"/>
-                </a:schemeClr>
-              </a:buClr>
-              <a:buSzPct val="80000"/>
-              <a:buFont typeface="Wingdings 3" charset="2"/>
-              <a:buChar char=""/>
-              <a:defRPr sz="1400" b="0" i="0" kern="1200">
-                <a:solidFill>
-                  <a:schemeClr val="tx1"/>
-                </a:solidFill>
-                <a:latin typeface="+mj-lt"/>
-                <a:ea typeface="+mj-ea"/>
-                <a:cs typeface="+mj-cs"/>
-              </a:defRPr>
-            </a:lvl5pPr>
-            <a:lvl6pPr marL="2506000" indent="-228600" algn="l" defTabSz="457200" rtl="0" eaLnBrk="1" latinLnBrk="0" hangingPunct="1">
-              <a:spcBef>
-                <a:spcPts val="1000"/>
-              </a:spcBef>
-              <a:spcAft>
-                <a:spcPts val="0"/>
-              </a:spcAft>
-              <a:buClr>
-                <a:schemeClr val="bg2">
-                  <a:lumMod val="40000"/>
-                  <a:lumOff val="60000"/>
-                </a:schemeClr>
-              </a:buClr>
-              <a:buSzPct val="80000"/>
-              <a:buFont typeface="Wingdings 3" charset="2"/>
-              <a:buChar char=""/>
-              <a:defRPr sz="1400" b="0" i="0" kern="1200">
-                <a:solidFill>
-                  <a:schemeClr val="tx1"/>
-                </a:solidFill>
-                <a:latin typeface="+mj-lt"/>
-                <a:ea typeface="+mj-ea"/>
-                <a:cs typeface="+mj-cs"/>
-              </a:defRPr>
-            </a:lvl6pPr>
-            <a:lvl7pPr marL="2971800" indent="-228600" algn="l" defTabSz="457200" rtl="0" eaLnBrk="1" latinLnBrk="0" hangingPunct="1">
-              <a:spcBef>
-                <a:spcPts val="1000"/>
-              </a:spcBef>
-              <a:spcAft>
-                <a:spcPts val="0"/>
-              </a:spcAft>
-              <a:buClr>
-                <a:schemeClr val="bg2">
-                  <a:lumMod val="40000"/>
-                  <a:lumOff val="60000"/>
-                </a:schemeClr>
-              </a:buClr>
-              <a:buSzPct val="80000"/>
-              <a:buFont typeface="Wingdings 3" charset="2"/>
-              <a:buChar char=""/>
-              <a:defRPr sz="1400" b="0" i="0" kern="1200">
-                <a:solidFill>
-                  <a:schemeClr val="tx1"/>
-                </a:solidFill>
-                <a:latin typeface="+mj-lt"/>
-                <a:ea typeface="+mj-ea"/>
-                <a:cs typeface="+mj-cs"/>
-              </a:defRPr>
-            </a:lvl7pPr>
-            <a:lvl8pPr marL="3429000" indent="-228600" algn="l" defTabSz="457200" rtl="0" eaLnBrk="1" latinLnBrk="0" hangingPunct="1">
-              <a:spcBef>
-                <a:spcPts val="1000"/>
-              </a:spcBef>
-              <a:spcAft>
-                <a:spcPts val="0"/>
-              </a:spcAft>
-              <a:buClr>
-                <a:schemeClr val="bg2">
-                  <a:lumMod val="40000"/>
-                  <a:lumOff val="60000"/>
-                </a:schemeClr>
-              </a:buClr>
-              <a:buSzPct val="80000"/>
-              <a:buFont typeface="Wingdings 3" charset="2"/>
-              <a:buChar char=""/>
-              <a:defRPr sz="1400" b="0" i="0" kern="1200">
-                <a:solidFill>
-                  <a:schemeClr val="tx1"/>
-                </a:solidFill>
-                <a:latin typeface="+mj-lt"/>
-                <a:ea typeface="+mj-ea"/>
-                <a:cs typeface="+mj-cs"/>
-              </a:defRPr>
-            </a:lvl8pPr>
-            <a:lvl9pPr marL="3886200" indent="-228600" algn="l" defTabSz="457200" rtl="0" eaLnBrk="1" latinLnBrk="0" hangingPunct="1">
-              <a:spcBef>
-                <a:spcPts val="1000"/>
-              </a:spcBef>
-              <a:spcAft>
-                <a:spcPts val="0"/>
-              </a:spcAft>
-              <a:buClr>
-                <a:schemeClr val="bg2">
-                  <a:lumMod val="40000"/>
-                  <a:lumOff val="60000"/>
-                </a:schemeClr>
-              </a:buClr>
-              <a:buSzPct val="80000"/>
-              <a:buFont typeface="Wingdings 3" charset="2"/>
-              <a:buChar char=""/>
-              <a:defRPr sz="1400" b="0" i="0" kern="1200">
-                <a:solidFill>
-                  <a:schemeClr val="tx1"/>
-                </a:solidFill>
-                <a:latin typeface="+mj-lt"/>
-                <a:ea typeface="+mj-ea"/>
-                <a:cs typeface="+mj-cs"/>
-              </a:defRPr>
-            </a:lvl9pPr>
-          </a:lstStyle>
-          <a:p>
-            <a:r>
-              <a:rPr lang="en-US" dirty="0"/>
-              <a:t>The </a:t>
-            </a:r>
-            <a:r>
-              <a:rPr lang="en-US" b="1" dirty="0"/>
-              <a:t>doubling of the 3rd</a:t>
-            </a:r>
-            <a:r>
-              <a:rPr lang="en-US" dirty="0"/>
-              <a:t> is avoided if the chord has a dominant function</a:t>
-            </a:r>
-          </a:p>
-          <a:p>
-            <a:endParaRPr lang="en-US" dirty="0"/>
-          </a:p>
-          <a:p>
-            <a:r>
-              <a:rPr lang="en-US" dirty="0"/>
-              <a:t>Having </a:t>
-            </a:r>
-            <a:r>
-              <a:rPr lang="en-US" b="1" dirty="0"/>
-              <a:t>two perfect 4th </a:t>
-            </a:r>
-            <a:r>
-              <a:rPr lang="en-US" dirty="0"/>
-              <a:t>intervals is avoided when chords are inverted</a:t>
-            </a:r>
-          </a:p>
-          <a:p>
-            <a:endParaRPr lang="en-US" dirty="0"/>
-          </a:p>
-          <a:p>
-            <a:r>
-              <a:rPr lang="en-US" dirty="0"/>
-              <a:t>Avoid two </a:t>
-            </a:r>
-            <a:r>
-              <a:rPr lang="en-US" b="1" dirty="0"/>
-              <a:t>stacked tritones</a:t>
-            </a:r>
-          </a:p>
-          <a:p>
-            <a:endParaRPr lang="en-US" dirty="0"/>
-          </a:p>
-          <a:p>
-            <a:r>
-              <a:rPr lang="en-US" b="1" dirty="0"/>
-              <a:t>Open chords </a:t>
-            </a:r>
-            <a:r>
-              <a:rPr lang="en-US" dirty="0"/>
-              <a:t>(at least one unfretted open string) are preferred whenever possible</a:t>
-            </a:r>
-          </a:p>
-          <a:p>
-            <a:endParaRPr lang="en-US" dirty="0"/>
-          </a:p>
-          <a:p>
-            <a:r>
-              <a:rPr lang="en-US" dirty="0"/>
-              <a:t>Chord with </a:t>
-            </a:r>
-            <a:r>
-              <a:rPr lang="en-US" b="1" dirty="0"/>
-              <a:t>more notes </a:t>
-            </a:r>
-            <a:r>
-              <a:rPr lang="en-US" dirty="0"/>
-              <a:t>are preferred</a:t>
-            </a:r>
-          </a:p>
-          <a:p>
-            <a:endParaRPr lang="en-US" dirty="0"/>
-          </a:p>
-        </p:txBody>
-      </p:sp>
-    </p:spTree>
-    <p:extLst>
-      <p:ext uri="{BB962C8B-B14F-4D97-AF65-F5344CB8AC3E}">
-        <p14:creationId xmlns:p14="http://schemas.microsoft.com/office/powerpoint/2010/main" val="294773980"/>
-      </p:ext>
-    </p:extLst>
-  </p:cSld>
-  <p:clrMapOvr>
-    <a:overrideClrMapping bg1="lt1" tx1="dk1" bg2="lt2" tx2="dk2" accent1="accent1" accent2="accent2" accent3="accent3" accent4="accent4" accent5="accent5" accent6="accent6" hlink="hlink" folHlink="folHlink"/>
-  </p:clrMapOvr>
-</p:sld>
-</file>
-
-<file path=ppt/slides/slide14.xml><?xml version="1.0" encoding="utf-8"?>
-<p:sld xmlns:a="http://schemas.openxmlformats.org/drawingml/2006/main" xmlns:r="http://schemas.openxmlformats.org/officeDocument/2006/relationships" xmlns:p="http://schemas.openxmlformats.org/presentationml/2006/main">
-  <p:cSld>
-    <p:bg>
-      <p:bgPr>
-        <a:solidFill>
-          <a:schemeClr val="bg2"/>
-        </a:solidFill>
-        <a:effectLst/>
-      </p:bgPr>
-    </p:bg>
-    <p:spTree>
-      <p:nvGrpSpPr>
-        <p:cNvPr id="1" name=""/>
-        <p:cNvGrpSpPr/>
-        <p:nvPr/>
-      </p:nvGrpSpPr>
-      <p:grpSpPr>
-        <a:xfrm>
-          <a:off x="0" y="0"/>
-          <a:ext cx="0" cy="0"/>
-          <a:chOff x="0" y="0"/>
-          <a:chExt cx="0" cy="0"/>
-        </a:xfrm>
-      </p:grpSpPr>
-      <p:sp useBgFill="1">
-        <p:nvSpPr>
-          <p:cNvPr id="16" name="Rectangle 15">
-            <a:extLst>
-              <a:ext uri="{FF2B5EF4-FFF2-40B4-BE49-F238E27FC236}">
-                <a16:creationId xmlns:a16="http://schemas.microsoft.com/office/drawing/2014/main" id="{052BEFF1-896C-45B1-B02C-96A6A1BC389A}"/>
-              </a:ext>
-              <a:ext uri="{C183D7F6-B498-43B3-948B-1728B52AA6E4}">
-                <adec:decorative xmlns:adec="http://schemas.microsoft.com/office/drawing/2017/decorative" val="1"/>
-              </a:ext>
-            </a:extLst>
-          </p:cNvPr>
-          <p:cNvSpPr>
-            <a:spLocks noGrp="1" noRot="1" noChangeAspect="1" noMove="1" noResize="1" noEditPoints="1" noAdjustHandles="1" noChangeArrowheads="1" noChangeShapeType="1" noTextEdit="1"/>
-          </p:cNvSpPr>
-          <p:nvPr>
-            <p:extLst>
-              <p:ext uri="{386F3935-93C4-4BCD-93E2-E3B085C9AB24}">
-                <p16:designElem xmlns:p16="http://schemas.microsoft.com/office/powerpoint/2015/main" val="1"/>
-              </p:ext>
-            </p:extLst>
-          </p:nvPr>
-        </p:nvSpPr>
-        <p:spPr>
-          <a:xfrm>
-            <a:off x="1" y="0"/>
-            <a:ext cx="12192000" cy="6858000"/>
-          </a:xfrm>
-          <a:prstGeom prst="rect">
-            <a:avLst/>
-          </a:prstGeom>
-          <a:ln>
-            <a:noFill/>
-          </a:ln>
-        </p:spPr>
-        <p:style>
-          <a:lnRef idx="2">
-            <a:schemeClr val="accent1">
-              <a:shade val="50000"/>
-            </a:schemeClr>
-          </a:lnRef>
-          <a:fillRef idx="1003">
-            <a:schemeClr val="dk2"/>
-          </a:fillRef>
-          <a:effectRef idx="0">
-            <a:schemeClr val="accent1"/>
-          </a:effectRef>
-          <a:fontRef idx="minor">
-            <a:schemeClr val="lt1"/>
-          </a:fontRef>
-        </p:style>
-        <p:txBody>
-          <a:bodyPr rtlCol="0" anchor="ctr"/>
-          <a:lstStyle/>
-          <a:p>
-            <a:pPr algn="ctr"/>
-            <a:endParaRPr lang="en-US"/>
-          </a:p>
-        </p:txBody>
-      </p:sp>
-      <p:sp>
-        <p:nvSpPr>
-          <p:cNvPr id="18" name="Freeform 36">
-            <a:extLst>
-              <a:ext uri="{FF2B5EF4-FFF2-40B4-BE49-F238E27FC236}">
-                <a16:creationId xmlns:a16="http://schemas.microsoft.com/office/drawing/2014/main" id="{BB237A14-61B1-4C00-A670-5D8D68A8668E}"/>
-              </a:ext>
-              <a:ext uri="{C183D7F6-B498-43B3-948B-1728B52AA6E4}">
-                <adec:decorative xmlns:adec="http://schemas.microsoft.com/office/drawing/2017/decorative" val="1"/>
-              </a:ext>
-            </a:extLst>
-          </p:cNvPr>
-          <p:cNvSpPr>
-            <a:spLocks noGrp="1" noRot="1" noChangeAspect="1" noMove="1" noResize="1" noEditPoints="1" noAdjustHandles="1" noChangeArrowheads="1" noChangeShapeType="1" noTextEdit="1"/>
-          </p:cNvSpPr>
-          <p:nvPr>
-            <p:extLst>
-              <p:ext uri="{386F3935-93C4-4BCD-93E2-E3B085C9AB24}">
-                <p16:designElem xmlns:p16="http://schemas.microsoft.com/office/powerpoint/2015/main" val="1"/>
-              </p:ext>
-            </p:extLst>
-          </p:nvPr>
-        </p:nvSpPr>
-        <p:spPr>
-          <a:xfrm flipH="1">
-            <a:off x="4644637" y="0"/>
-            <a:ext cx="559472" cy="3709642"/>
-          </a:xfrm>
-          <a:custGeom>
-            <a:avLst/>
-            <a:gdLst>
-              <a:gd name="connsiteX0" fmla="*/ 0 w 559472"/>
-              <a:gd name="connsiteY0" fmla="*/ 0 h 3709642"/>
-              <a:gd name="connsiteX1" fmla="*/ 473952 w 559472"/>
-              <a:gd name="connsiteY1" fmla="*/ 0 h 3709642"/>
-              <a:gd name="connsiteX2" fmla="*/ 485840 w 559472"/>
-              <a:gd name="connsiteY2" fmla="*/ 161194 h 3709642"/>
-              <a:gd name="connsiteX3" fmla="*/ 523949 w 559472"/>
-              <a:gd name="connsiteY3" fmla="*/ 3672197 h 3709642"/>
-              <a:gd name="connsiteX4" fmla="*/ 454748 w 559472"/>
-              <a:gd name="connsiteY4" fmla="*/ 3709642 h 3709642"/>
-              <a:gd name="connsiteX5" fmla="*/ 448224 w 559472"/>
-              <a:gd name="connsiteY5" fmla="*/ 3510471 h 3709642"/>
-              <a:gd name="connsiteX6" fmla="*/ 443564 w 559472"/>
-              <a:gd name="connsiteY6" fmla="*/ 3408563 h 3709642"/>
-              <a:gd name="connsiteX7" fmla="*/ 438902 w 559472"/>
-              <a:gd name="connsiteY7" fmla="*/ 3304407 h 3709642"/>
-              <a:gd name="connsiteX8" fmla="*/ 433941 w 559472"/>
-              <a:gd name="connsiteY8" fmla="*/ 3198777 h 3709642"/>
-              <a:gd name="connsiteX9" fmla="*/ 427584 w 559472"/>
-              <a:gd name="connsiteY9" fmla="*/ 3092510 h 3709642"/>
-              <a:gd name="connsiteX10" fmla="*/ 420988 w 559472"/>
-              <a:gd name="connsiteY10" fmla="*/ 2984390 h 3709642"/>
-              <a:gd name="connsiteX11" fmla="*/ 414330 w 559472"/>
-              <a:gd name="connsiteY11" fmla="*/ 2874401 h 3709642"/>
-              <a:gd name="connsiteX12" fmla="*/ 406840 w 559472"/>
-              <a:gd name="connsiteY12" fmla="*/ 2762980 h 3709642"/>
-              <a:gd name="connsiteX13" fmla="*/ 397745 w 559472"/>
-              <a:gd name="connsiteY13" fmla="*/ 2650566 h 3709642"/>
-              <a:gd name="connsiteX14" fmla="*/ 389154 w 559472"/>
-              <a:gd name="connsiteY14" fmla="*/ 2536612 h 3709642"/>
-              <a:gd name="connsiteX15" fmla="*/ 379225 w 559472"/>
-              <a:gd name="connsiteY15" fmla="*/ 2421642 h 3709642"/>
-              <a:gd name="connsiteX16" fmla="*/ 368316 w 559472"/>
-              <a:gd name="connsiteY16" fmla="*/ 2305627 h 3709642"/>
-              <a:gd name="connsiteX17" fmla="*/ 357466 w 559472"/>
-              <a:gd name="connsiteY17" fmla="*/ 2189233 h 3709642"/>
-              <a:gd name="connsiteX18" fmla="*/ 344982 w 559472"/>
-              <a:gd name="connsiteY18" fmla="*/ 2071473 h 3709642"/>
-              <a:gd name="connsiteX19" fmla="*/ 332466 w 559472"/>
-              <a:gd name="connsiteY19" fmla="*/ 1952216 h 3709642"/>
-              <a:gd name="connsiteX20" fmla="*/ 319121 w 559472"/>
-              <a:gd name="connsiteY20" fmla="*/ 1833776 h 3709642"/>
-              <a:gd name="connsiteX21" fmla="*/ 304408 w 559472"/>
-              <a:gd name="connsiteY21" fmla="*/ 1713948 h 3709642"/>
-              <a:gd name="connsiteX22" fmla="*/ 288685 w 559472"/>
-              <a:gd name="connsiteY22" fmla="*/ 1592703 h 3709642"/>
-              <a:gd name="connsiteX23" fmla="*/ 273050 w 559472"/>
-              <a:gd name="connsiteY23" fmla="*/ 1471451 h 3709642"/>
-              <a:gd name="connsiteX24" fmla="*/ 255813 w 559472"/>
-              <a:gd name="connsiteY24" fmla="*/ 1350328 h 3709642"/>
-              <a:gd name="connsiteX25" fmla="*/ 237060 w 559472"/>
-              <a:gd name="connsiteY25" fmla="*/ 1227080 h 3709642"/>
-              <a:gd name="connsiteX26" fmla="*/ 218488 w 559472"/>
-              <a:gd name="connsiteY26" fmla="*/ 1106065 h 3709642"/>
-              <a:gd name="connsiteX27" fmla="*/ 198221 w 559472"/>
-              <a:gd name="connsiteY27" fmla="*/ 982940 h 3709642"/>
-              <a:gd name="connsiteX28" fmla="*/ 177152 w 559472"/>
-              <a:gd name="connsiteY28" fmla="*/ 858755 h 3709642"/>
-              <a:gd name="connsiteX29" fmla="*/ 155551 w 559472"/>
-              <a:gd name="connsiteY29" fmla="*/ 736861 h 3709642"/>
-              <a:gd name="connsiteX30" fmla="*/ 131782 w 559472"/>
-              <a:gd name="connsiteY30" fmla="*/ 613645 h 3709642"/>
-              <a:gd name="connsiteX31" fmla="*/ 107123 w 559472"/>
-              <a:gd name="connsiteY31" fmla="*/ 490500 h 3709642"/>
-              <a:gd name="connsiteX32" fmla="*/ 82552 w 559472"/>
-              <a:gd name="connsiteY32" fmla="*/ 367348 h 3709642"/>
-              <a:gd name="connsiteX33" fmla="*/ 55608 w 559472"/>
-              <a:gd name="connsiteY33" fmla="*/ 244762 h 3709642"/>
-              <a:gd name="connsiteX34" fmla="*/ 28130 w 559472"/>
-              <a:gd name="connsiteY34" fmla="*/ 122220 h 3709642"/>
-              <a:gd name="connsiteX35" fmla="*/ 0 w 559472"/>
-              <a:gd name="connsiteY35" fmla="*/ 0 h 3709642"/>
-            </a:gdLst>
-            <a:ahLst/>
-            <a:cxnLst>
-              <a:cxn ang="0">
-                <a:pos x="connsiteX0" y="connsiteY0"/>
-              </a:cxn>
-              <a:cxn ang="0">
-                <a:pos x="connsiteX1" y="connsiteY1"/>
-              </a:cxn>
-              <a:cxn ang="0">
-                <a:pos x="connsiteX2" y="connsiteY2"/>
-              </a:cxn>
-              <a:cxn ang="0">
-                <a:pos x="connsiteX3" y="connsiteY3"/>
-              </a:cxn>
-              <a:cxn ang="0">
-                <a:pos x="connsiteX4" y="connsiteY4"/>
-              </a:cxn>
-              <a:cxn ang="0">
-                <a:pos x="connsiteX5" y="connsiteY5"/>
-              </a:cxn>
-              <a:cxn ang="0">
-                <a:pos x="connsiteX6" y="connsiteY6"/>
-              </a:cxn>
-              <a:cxn ang="0">
-                <a:pos x="connsiteX7" y="connsiteY7"/>
-              </a:cxn>
-              <a:cxn ang="0">
-                <a:pos x="connsiteX8" y="connsiteY8"/>
-              </a:cxn>
-              <a:cxn ang="0">
-                <a:pos x="connsiteX9" y="connsiteY9"/>
-              </a:cxn>
-              <a:cxn ang="0">
-                <a:pos x="connsiteX10" y="connsiteY10"/>
-              </a:cxn>
-              <a:cxn ang="0">
-                <a:pos x="connsiteX11" y="connsiteY11"/>
-              </a:cxn>
-              <a:cxn ang="0">
-                <a:pos x="connsiteX12" y="connsiteY12"/>
-              </a:cxn>
-              <a:cxn ang="0">
-                <a:pos x="connsiteX13" y="connsiteY13"/>
-              </a:cxn>
-              <a:cxn ang="0">
-                <a:pos x="connsiteX14" y="connsiteY14"/>
-              </a:cxn>
-              <a:cxn ang="0">
-                <a:pos x="connsiteX15" y="connsiteY15"/>
-              </a:cxn>
-              <a:cxn ang="0">
-                <a:pos x="connsiteX16" y="connsiteY16"/>
-              </a:cxn>
-              <a:cxn ang="0">
-                <a:pos x="connsiteX17" y="connsiteY17"/>
-              </a:cxn>
-              <a:cxn ang="0">
-                <a:pos x="connsiteX18" y="connsiteY18"/>
-              </a:cxn>
-              <a:cxn ang="0">
-                <a:pos x="connsiteX19" y="connsiteY19"/>
-              </a:cxn>
-              <a:cxn ang="0">
-                <a:pos x="connsiteX20" y="connsiteY20"/>
-              </a:cxn>
-              <a:cxn ang="0">
-                <a:pos x="connsiteX21" y="connsiteY21"/>
-              </a:cxn>
-              <a:cxn ang="0">
-                <a:pos x="connsiteX22" y="connsiteY22"/>
-              </a:cxn>
-              <a:cxn ang="0">
-                <a:pos x="connsiteX23" y="connsiteY23"/>
-              </a:cxn>
-              <a:cxn ang="0">
-                <a:pos x="connsiteX24" y="connsiteY24"/>
-              </a:cxn>
-              <a:cxn ang="0">
-                <a:pos x="connsiteX25" y="connsiteY25"/>
-              </a:cxn>
-              <a:cxn ang="0">
-                <a:pos x="connsiteX26" y="connsiteY26"/>
-              </a:cxn>
-              <a:cxn ang="0">
-                <a:pos x="connsiteX27" y="connsiteY27"/>
-              </a:cxn>
-              <a:cxn ang="0">
-                <a:pos x="connsiteX28" y="connsiteY28"/>
-              </a:cxn>
-              <a:cxn ang="0">
-                <a:pos x="connsiteX29" y="connsiteY29"/>
-              </a:cxn>
-              <a:cxn ang="0">
-                <a:pos x="connsiteX30" y="connsiteY30"/>
-              </a:cxn>
-              <a:cxn ang="0">
-                <a:pos x="connsiteX31" y="connsiteY31"/>
-              </a:cxn>
-              <a:cxn ang="0">
-                <a:pos x="connsiteX32" y="connsiteY32"/>
-              </a:cxn>
-              <a:cxn ang="0">
-                <a:pos x="connsiteX33" y="connsiteY33"/>
-              </a:cxn>
-              <a:cxn ang="0">
-                <a:pos x="connsiteX34" y="connsiteY34"/>
-              </a:cxn>
-              <a:cxn ang="0">
-                <a:pos x="connsiteX35" y="connsiteY35"/>
-              </a:cxn>
-            </a:cxnLst>
-            <a:rect l="l" t="t" r="r" b="b"/>
-            <a:pathLst>
-              <a:path w="559472" h="3709642">
-                <a:moveTo>
-                  <a:pt x="0" y="0"/>
-                </a:moveTo>
-                <a:lnTo>
-                  <a:pt x="473952" y="0"/>
-                </a:lnTo>
-                <a:lnTo>
-                  <a:pt x="485840" y="161194"/>
-                </a:lnTo>
-                <a:cubicBezTo>
-                  <a:pt x="552063" y="1147770"/>
-                  <a:pt x="592441" y="3086737"/>
-                  <a:pt x="523949" y="3672197"/>
-                </a:cubicBezTo>
-                <a:cubicBezTo>
-                  <a:pt x="500842" y="3684557"/>
-                  <a:pt x="477855" y="3697282"/>
-                  <a:pt x="454748" y="3709642"/>
-                </a:cubicBezTo>
-                <a:lnTo>
-                  <a:pt x="448224" y="3510471"/>
-                </a:lnTo>
-                <a:lnTo>
-                  <a:pt x="443564" y="3408563"/>
-                </a:lnTo>
-                <a:lnTo>
-                  <a:pt x="438902" y="3304407"/>
-                </a:lnTo>
-                <a:lnTo>
-                  <a:pt x="433941" y="3198777"/>
-                </a:lnTo>
-                <a:lnTo>
-                  <a:pt x="427584" y="3092510"/>
-                </a:lnTo>
-                <a:lnTo>
-                  <a:pt x="420988" y="2984390"/>
-                </a:lnTo>
-                <a:lnTo>
-                  <a:pt x="414330" y="2874401"/>
-                </a:lnTo>
-                <a:lnTo>
-                  <a:pt x="406840" y="2762980"/>
-                </a:lnTo>
-                <a:lnTo>
-                  <a:pt x="397745" y="2650566"/>
-                </a:lnTo>
-                <a:lnTo>
-                  <a:pt x="389154" y="2536612"/>
-                </a:lnTo>
-                <a:lnTo>
-                  <a:pt x="379225" y="2421642"/>
-                </a:lnTo>
-                <a:lnTo>
-                  <a:pt x="368316" y="2305627"/>
-                </a:lnTo>
-                <a:lnTo>
-                  <a:pt x="357466" y="2189233"/>
-                </a:lnTo>
-                <a:lnTo>
-                  <a:pt x="344982" y="2071473"/>
-                </a:lnTo>
-                <a:lnTo>
-                  <a:pt x="332466" y="1952216"/>
-                </a:lnTo>
-                <a:lnTo>
-                  <a:pt x="319121" y="1833776"/>
-                </a:lnTo>
-                <a:lnTo>
-                  <a:pt x="304408" y="1713948"/>
-                </a:lnTo>
-                <a:lnTo>
-                  <a:pt x="288685" y="1592703"/>
-                </a:lnTo>
-                <a:lnTo>
-                  <a:pt x="273050" y="1471451"/>
-                </a:lnTo>
-                <a:lnTo>
-                  <a:pt x="255813" y="1350328"/>
-                </a:lnTo>
-                <a:lnTo>
-                  <a:pt x="237060" y="1227080"/>
-                </a:lnTo>
-                <a:lnTo>
-                  <a:pt x="218488" y="1106065"/>
-                </a:lnTo>
-                <a:lnTo>
-                  <a:pt x="198221" y="982940"/>
-                </a:lnTo>
-                <a:lnTo>
-                  <a:pt x="177152" y="858755"/>
-                </a:lnTo>
-                <a:lnTo>
-                  <a:pt x="155551" y="736861"/>
-                </a:lnTo>
-                <a:lnTo>
-                  <a:pt x="131782" y="613645"/>
-                </a:lnTo>
-                <a:lnTo>
-                  <a:pt x="107123" y="490500"/>
-                </a:lnTo>
-                <a:lnTo>
-                  <a:pt x="82552" y="367348"/>
-                </a:lnTo>
-                <a:lnTo>
-                  <a:pt x="55608" y="244762"/>
-                </a:lnTo>
-                <a:lnTo>
-                  <a:pt x="28130" y="122220"/>
-                </a:lnTo>
-                <a:lnTo>
-                  <a:pt x="0" y="0"/>
-                </a:lnTo>
-                <a:close/>
-              </a:path>
-            </a:pathLst>
-          </a:custGeom>
-          <a:solidFill>
-            <a:schemeClr val="tx2">
-              <a:alpha val="20000"/>
-            </a:schemeClr>
-          </a:solidFill>
-          <a:ln>
-            <a:noFill/>
-          </a:ln>
-        </p:spPr>
-        <p:txBody>
-          <a:bodyPr rtlCol="0" anchor="ctr"/>
-          <a:lstStyle/>
-          <a:p>
-            <a:pPr algn="ctr"/>
-            <a:endParaRPr lang="en-US"/>
-          </a:p>
-        </p:txBody>
-      </p:sp>
-      <p:sp>
-        <p:nvSpPr>
-          <p:cNvPr id="20" name="Freeform: Shape 19">
-            <a:extLst>
-              <a:ext uri="{FF2B5EF4-FFF2-40B4-BE49-F238E27FC236}">
-                <a16:creationId xmlns:a16="http://schemas.microsoft.com/office/drawing/2014/main" id="{8598F259-6F54-47A3-8D13-1603D786A328}"/>
-              </a:ext>
-              <a:ext uri="{C183D7F6-B498-43B3-948B-1728B52AA6E4}">
-                <adec:decorative xmlns:adec="http://schemas.microsoft.com/office/drawing/2017/decorative" val="1"/>
-              </a:ext>
-            </a:extLst>
-          </p:cNvPr>
-          <p:cNvSpPr>
-            <a:spLocks noGrp="1" noRot="1" noChangeAspect="1" noMove="1" noResize="1" noEditPoints="1" noAdjustHandles="1" noChangeArrowheads="1" noChangeShapeType="1" noTextEdit="1"/>
-          </p:cNvSpPr>
-          <p:nvPr>
-            <p:extLst>
-              <p:ext uri="{386F3935-93C4-4BCD-93E2-E3B085C9AB24}">
-                <p16:designElem xmlns:p16="http://schemas.microsoft.com/office/powerpoint/2015/main" val="1"/>
-              </p:ext>
-            </p:extLst>
-          </p:nvPr>
-        </p:nvSpPr>
-        <p:spPr>
-          <a:xfrm>
-            <a:off x="1" y="1"/>
-            <a:ext cx="4990911" cy="6858001"/>
-          </a:xfrm>
-          <a:custGeom>
-            <a:avLst/>
-            <a:gdLst>
-              <a:gd name="connsiteX0" fmla="*/ 3646196 w 4990911"/>
-              <a:gd name="connsiteY0" fmla="*/ 0 h 6858001"/>
-              <a:gd name="connsiteX1" fmla="*/ 4989734 w 4990911"/>
-              <a:gd name="connsiteY1" fmla="*/ 0 h 6858001"/>
-              <a:gd name="connsiteX2" fmla="*/ 4964689 w 4990911"/>
-              <a:gd name="connsiteY2" fmla="*/ 155677 h 6858001"/>
-              <a:gd name="connsiteX3" fmla="*/ 4940820 w 4990911"/>
-              <a:gd name="connsiteY3" fmla="*/ 310668 h 6858001"/>
-              <a:gd name="connsiteX4" fmla="*/ 4917456 w 4990911"/>
-              <a:gd name="connsiteY4" fmla="*/ 466344 h 6858001"/>
-              <a:gd name="connsiteX5" fmla="*/ 4897453 w 4990911"/>
-              <a:gd name="connsiteY5" fmla="*/ 622707 h 6858001"/>
-              <a:gd name="connsiteX6" fmla="*/ 4877282 w 4990911"/>
-              <a:gd name="connsiteY6" fmla="*/ 778383 h 6858001"/>
-              <a:gd name="connsiteX7" fmla="*/ 4858456 w 4990911"/>
-              <a:gd name="connsiteY7" fmla="*/ 934746 h 6858001"/>
-              <a:gd name="connsiteX8" fmla="*/ 4842320 w 4990911"/>
-              <a:gd name="connsiteY8" fmla="*/ 1089051 h 6858001"/>
-              <a:gd name="connsiteX9" fmla="*/ 4827024 w 4990911"/>
-              <a:gd name="connsiteY9" fmla="*/ 1245413 h 6858001"/>
-              <a:gd name="connsiteX10" fmla="*/ 4813072 w 4990911"/>
-              <a:gd name="connsiteY10" fmla="*/ 1401090 h 6858001"/>
-              <a:gd name="connsiteX11" fmla="*/ 4800970 w 4990911"/>
-              <a:gd name="connsiteY11" fmla="*/ 1554023 h 6858001"/>
-              <a:gd name="connsiteX12" fmla="*/ 4788867 w 4990911"/>
-              <a:gd name="connsiteY12" fmla="*/ 1709014 h 6858001"/>
-              <a:gd name="connsiteX13" fmla="*/ 4778782 w 4990911"/>
-              <a:gd name="connsiteY13" fmla="*/ 1861947 h 6858001"/>
-              <a:gd name="connsiteX14" fmla="*/ 4770882 w 4990911"/>
-              <a:gd name="connsiteY14" fmla="*/ 2014881 h 6858001"/>
-              <a:gd name="connsiteX15" fmla="*/ 4762645 w 4990911"/>
-              <a:gd name="connsiteY15" fmla="*/ 2167128 h 6858001"/>
-              <a:gd name="connsiteX16" fmla="*/ 4755754 w 4990911"/>
-              <a:gd name="connsiteY16" fmla="*/ 2318004 h 6858001"/>
-              <a:gd name="connsiteX17" fmla="*/ 4750879 w 4990911"/>
-              <a:gd name="connsiteY17" fmla="*/ 2467509 h 6858001"/>
-              <a:gd name="connsiteX18" fmla="*/ 4746677 w 4990911"/>
-              <a:gd name="connsiteY18" fmla="*/ 2617013 h 6858001"/>
-              <a:gd name="connsiteX19" fmla="*/ 4742643 w 4990911"/>
-              <a:gd name="connsiteY19" fmla="*/ 2765146 h 6858001"/>
-              <a:gd name="connsiteX20" fmla="*/ 4740794 w 4990911"/>
-              <a:gd name="connsiteY20" fmla="*/ 2911221 h 6858001"/>
-              <a:gd name="connsiteX21" fmla="*/ 4738777 w 4990911"/>
-              <a:gd name="connsiteY21" fmla="*/ 3057297 h 6858001"/>
-              <a:gd name="connsiteX22" fmla="*/ 4737768 w 4990911"/>
-              <a:gd name="connsiteY22" fmla="*/ 3201315 h 6858001"/>
-              <a:gd name="connsiteX23" fmla="*/ 4738777 w 4990911"/>
-              <a:gd name="connsiteY23" fmla="*/ 3343961 h 6858001"/>
-              <a:gd name="connsiteX24" fmla="*/ 4738777 w 4990911"/>
-              <a:gd name="connsiteY24" fmla="*/ 3485236 h 6858001"/>
-              <a:gd name="connsiteX25" fmla="*/ 4740794 w 4990911"/>
-              <a:gd name="connsiteY25" fmla="*/ 3625139 h 6858001"/>
-              <a:gd name="connsiteX26" fmla="*/ 4743819 w 4990911"/>
-              <a:gd name="connsiteY26" fmla="*/ 3762299 h 6858001"/>
-              <a:gd name="connsiteX27" fmla="*/ 4746677 w 4990911"/>
-              <a:gd name="connsiteY27" fmla="*/ 3898087 h 6858001"/>
-              <a:gd name="connsiteX28" fmla="*/ 4749871 w 4990911"/>
-              <a:gd name="connsiteY28" fmla="*/ 4031133 h 6858001"/>
-              <a:gd name="connsiteX29" fmla="*/ 4754745 w 4990911"/>
-              <a:gd name="connsiteY29" fmla="*/ 4163492 h 6858001"/>
-              <a:gd name="connsiteX30" fmla="*/ 4759956 w 4990911"/>
-              <a:gd name="connsiteY30" fmla="*/ 4293793 h 6858001"/>
-              <a:gd name="connsiteX31" fmla="*/ 4764662 w 4990911"/>
-              <a:gd name="connsiteY31" fmla="*/ 4421352 h 6858001"/>
-              <a:gd name="connsiteX32" fmla="*/ 4777942 w 4990911"/>
-              <a:gd name="connsiteY32" fmla="*/ 4670298 h 6858001"/>
-              <a:gd name="connsiteX33" fmla="*/ 4792061 w 4990911"/>
-              <a:gd name="connsiteY33" fmla="*/ 4908956 h 6858001"/>
-              <a:gd name="connsiteX34" fmla="*/ 4806853 w 4990911"/>
-              <a:gd name="connsiteY34" fmla="*/ 5138013 h 6858001"/>
-              <a:gd name="connsiteX35" fmla="*/ 4823158 w 4990911"/>
-              <a:gd name="connsiteY35" fmla="*/ 5354726 h 6858001"/>
-              <a:gd name="connsiteX36" fmla="*/ 4840135 w 4990911"/>
-              <a:gd name="connsiteY36" fmla="*/ 5561838 h 6858001"/>
-              <a:gd name="connsiteX37" fmla="*/ 4858456 w 4990911"/>
-              <a:gd name="connsiteY37" fmla="*/ 5753862 h 6858001"/>
-              <a:gd name="connsiteX38" fmla="*/ 4876442 w 4990911"/>
-              <a:gd name="connsiteY38" fmla="*/ 5934227 h 6858001"/>
-              <a:gd name="connsiteX39" fmla="*/ 4894427 w 4990911"/>
-              <a:gd name="connsiteY39" fmla="*/ 6100191 h 6858001"/>
-              <a:gd name="connsiteX40" fmla="*/ 4911404 w 4990911"/>
-              <a:gd name="connsiteY40" fmla="*/ 6252438 h 6858001"/>
-              <a:gd name="connsiteX41" fmla="*/ 4927541 w 4990911"/>
-              <a:gd name="connsiteY41" fmla="*/ 6387541 h 6858001"/>
-              <a:gd name="connsiteX42" fmla="*/ 4942837 w 4990911"/>
-              <a:gd name="connsiteY42" fmla="*/ 6509613 h 6858001"/>
-              <a:gd name="connsiteX43" fmla="*/ 4955612 w 4990911"/>
-              <a:gd name="connsiteY43" fmla="*/ 6612483 h 6858001"/>
-              <a:gd name="connsiteX44" fmla="*/ 4967714 w 4990911"/>
-              <a:gd name="connsiteY44" fmla="*/ 6698894 h 6858001"/>
-              <a:gd name="connsiteX45" fmla="*/ 4985028 w 4990911"/>
-              <a:gd name="connsiteY45" fmla="*/ 6817538 h 6858001"/>
-              <a:gd name="connsiteX46" fmla="*/ 4990911 w 4990911"/>
-              <a:gd name="connsiteY46" fmla="*/ 6858000 h 6858001"/>
-              <a:gd name="connsiteX47" fmla="*/ 4085557 w 4990911"/>
-              <a:gd name="connsiteY47" fmla="*/ 6858000 h 6858001"/>
-              <a:gd name="connsiteX48" fmla="*/ 4085557 w 4990911"/>
-              <a:gd name="connsiteY48" fmla="*/ 6858001 h 6858001"/>
-              <a:gd name="connsiteX49" fmla="*/ 0 w 4990911"/>
-              <a:gd name="connsiteY49" fmla="*/ 6858001 h 6858001"/>
-              <a:gd name="connsiteX50" fmla="*/ 0 w 4990911"/>
-              <a:gd name="connsiteY50" fmla="*/ 1 h 6858001"/>
-              <a:gd name="connsiteX51" fmla="*/ 3646196 w 4990911"/>
-              <a:gd name="connsiteY51" fmla="*/ 1 h 6858001"/>
-            </a:gdLst>
-            <a:ahLst/>
-            <a:cxnLst>
-              <a:cxn ang="0">
-                <a:pos x="connsiteX0" y="connsiteY0"/>
-              </a:cxn>
-              <a:cxn ang="0">
-                <a:pos x="connsiteX1" y="connsiteY1"/>
-              </a:cxn>
-              <a:cxn ang="0">
-                <a:pos x="connsiteX2" y="connsiteY2"/>
-              </a:cxn>
-              <a:cxn ang="0">
-                <a:pos x="connsiteX3" y="connsiteY3"/>
-              </a:cxn>
-              <a:cxn ang="0">
-                <a:pos x="connsiteX4" y="connsiteY4"/>
-              </a:cxn>
-              <a:cxn ang="0">
-                <a:pos x="connsiteX5" y="connsiteY5"/>
-              </a:cxn>
-              <a:cxn ang="0">
-                <a:pos x="connsiteX6" y="connsiteY6"/>
-              </a:cxn>
-              <a:cxn ang="0">
-                <a:pos x="connsiteX7" y="connsiteY7"/>
-              </a:cxn>
-              <a:cxn ang="0">
-                <a:pos x="connsiteX8" y="connsiteY8"/>
-              </a:cxn>
-              <a:cxn ang="0">
-                <a:pos x="connsiteX9" y="connsiteY9"/>
-              </a:cxn>
-              <a:cxn ang="0">
-                <a:pos x="connsiteX10" y="connsiteY10"/>
-              </a:cxn>
-              <a:cxn ang="0">
-                <a:pos x="connsiteX11" y="connsiteY11"/>
-              </a:cxn>
-              <a:cxn ang="0">
-                <a:pos x="connsiteX12" y="connsiteY12"/>
-              </a:cxn>
-              <a:cxn ang="0">
-                <a:pos x="connsiteX13" y="connsiteY13"/>
-              </a:cxn>
-              <a:cxn ang="0">
-                <a:pos x="connsiteX14" y="connsiteY14"/>
-              </a:cxn>
-              <a:cxn ang="0">
-                <a:pos x="connsiteX15" y="connsiteY15"/>
-              </a:cxn>
-              <a:cxn ang="0">
-                <a:pos x="connsiteX16" y="connsiteY16"/>
-              </a:cxn>
-              <a:cxn ang="0">
-                <a:pos x="connsiteX17" y="connsiteY17"/>
-              </a:cxn>
-              <a:cxn ang="0">
-                <a:pos x="connsiteX18" y="connsiteY18"/>
-              </a:cxn>
-              <a:cxn ang="0">
-                <a:pos x="connsiteX19" y="connsiteY19"/>
-              </a:cxn>
-              <a:cxn ang="0">
-                <a:pos x="connsiteX20" y="connsiteY20"/>
-              </a:cxn>
-              <a:cxn ang="0">
-                <a:pos x="connsiteX21" y="connsiteY21"/>
-              </a:cxn>
-              <a:cxn ang="0">
-                <a:pos x="connsiteX22" y="connsiteY22"/>
-              </a:cxn>
-              <a:cxn ang="0">
-                <a:pos x="connsiteX23" y="connsiteY23"/>
-              </a:cxn>
-              <a:cxn ang="0">
-                <a:pos x="connsiteX24" y="connsiteY24"/>
-              </a:cxn>
-              <a:cxn ang="0">
-                <a:pos x="connsiteX25" y="connsiteY25"/>
-              </a:cxn>
-              <a:cxn ang="0">
-                <a:pos x="connsiteX26" y="connsiteY26"/>
-              </a:cxn>
-              <a:cxn ang="0">
-                <a:pos x="connsiteX27" y="connsiteY27"/>
-              </a:cxn>
-              <a:cxn ang="0">
-                <a:pos x="connsiteX28" y="connsiteY28"/>
-              </a:cxn>
-              <a:cxn ang="0">
-                <a:pos x="connsiteX29" y="connsiteY29"/>
-              </a:cxn>
-              <a:cxn ang="0">
-                <a:pos x="connsiteX30" y="connsiteY30"/>
-              </a:cxn>
-              <a:cxn ang="0">
-                <a:pos x="connsiteX31" y="connsiteY31"/>
-              </a:cxn>
-              <a:cxn ang="0">
-                <a:pos x="connsiteX32" y="connsiteY32"/>
-              </a:cxn>
-              <a:cxn ang="0">
-                <a:pos x="connsiteX33" y="connsiteY33"/>
-              </a:cxn>
-              <a:cxn ang="0">
-                <a:pos x="connsiteX34" y="connsiteY34"/>
-              </a:cxn>
-              <a:cxn ang="0">
-                <a:pos x="connsiteX35" y="connsiteY35"/>
-              </a:cxn>
-              <a:cxn ang="0">
-                <a:pos x="connsiteX36" y="connsiteY36"/>
-              </a:cxn>
-              <a:cxn ang="0">
-                <a:pos x="connsiteX37" y="connsiteY37"/>
-              </a:cxn>
-              <a:cxn ang="0">
-                <a:pos x="connsiteX38" y="connsiteY38"/>
-              </a:cxn>
-              <a:cxn ang="0">
-                <a:pos x="connsiteX39" y="connsiteY39"/>
-              </a:cxn>
-              <a:cxn ang="0">
-                <a:pos x="connsiteX40" y="connsiteY40"/>
-              </a:cxn>
-              <a:cxn ang="0">
-                <a:pos x="connsiteX41" y="connsiteY41"/>
-              </a:cxn>
-              <a:cxn ang="0">
-                <a:pos x="connsiteX42" y="connsiteY42"/>
-              </a:cxn>
-              <a:cxn ang="0">
-                <a:pos x="connsiteX43" y="connsiteY43"/>
-              </a:cxn>
-              <a:cxn ang="0">
-                <a:pos x="connsiteX44" y="connsiteY44"/>
-              </a:cxn>
-              <a:cxn ang="0">
-                <a:pos x="connsiteX45" y="connsiteY45"/>
-              </a:cxn>
-              <a:cxn ang="0">
-                <a:pos x="connsiteX46" y="connsiteY46"/>
-              </a:cxn>
-              <a:cxn ang="0">
-                <a:pos x="connsiteX47" y="connsiteY47"/>
-              </a:cxn>
-              <a:cxn ang="0">
-                <a:pos x="connsiteX48" y="connsiteY48"/>
-              </a:cxn>
-              <a:cxn ang="0">
-                <a:pos x="connsiteX49" y="connsiteY49"/>
-              </a:cxn>
-              <a:cxn ang="0">
-                <a:pos x="connsiteX50" y="connsiteY50"/>
-              </a:cxn>
-              <a:cxn ang="0">
-                <a:pos x="connsiteX51" y="connsiteY51"/>
-              </a:cxn>
-            </a:cxnLst>
-            <a:rect l="l" t="t" r="r" b="b"/>
-            <a:pathLst>
-              <a:path w="4990911" h="6858001">
-                <a:moveTo>
-                  <a:pt x="3646196" y="0"/>
-                </a:moveTo>
-                <a:lnTo>
-                  <a:pt x="4989734" y="0"/>
-                </a:lnTo>
-                <a:lnTo>
-                  <a:pt x="4964689" y="155677"/>
-                </a:lnTo>
-                <a:lnTo>
-                  <a:pt x="4940820" y="310668"/>
-                </a:lnTo>
-                <a:lnTo>
-                  <a:pt x="4917456" y="466344"/>
-                </a:lnTo>
-                <a:lnTo>
-                  <a:pt x="4897453" y="622707"/>
-                </a:lnTo>
-                <a:lnTo>
-                  <a:pt x="4877282" y="778383"/>
-                </a:lnTo>
-                <a:lnTo>
-                  <a:pt x="4858456" y="934746"/>
-                </a:lnTo>
-                <a:lnTo>
-                  <a:pt x="4842320" y="1089051"/>
-                </a:lnTo>
-                <a:lnTo>
-                  <a:pt x="4827024" y="1245413"/>
-                </a:lnTo>
-                <a:lnTo>
-                  <a:pt x="4813072" y="1401090"/>
-                </a:lnTo>
-                <a:lnTo>
-                  <a:pt x="4800970" y="1554023"/>
-                </a:lnTo>
-                <a:lnTo>
-                  <a:pt x="4788867" y="1709014"/>
-                </a:lnTo>
-                <a:lnTo>
-                  <a:pt x="4778782" y="1861947"/>
-                </a:lnTo>
-                <a:lnTo>
-                  <a:pt x="4770882" y="2014881"/>
-                </a:lnTo>
-                <a:lnTo>
-                  <a:pt x="4762645" y="2167128"/>
-                </a:lnTo>
-                <a:lnTo>
-                  <a:pt x="4755754" y="2318004"/>
-                </a:lnTo>
-                <a:lnTo>
-                  <a:pt x="4750879" y="2467509"/>
-                </a:lnTo>
-                <a:lnTo>
-                  <a:pt x="4746677" y="2617013"/>
-                </a:lnTo>
-                <a:lnTo>
-                  <a:pt x="4742643" y="2765146"/>
-                </a:lnTo>
-                <a:lnTo>
-                  <a:pt x="4740794" y="2911221"/>
-                </a:lnTo>
-                <a:lnTo>
-                  <a:pt x="4738777" y="3057297"/>
-                </a:lnTo>
-                <a:lnTo>
-                  <a:pt x="4737768" y="3201315"/>
-                </a:lnTo>
-                <a:lnTo>
-                  <a:pt x="4738777" y="3343961"/>
-                </a:lnTo>
-                <a:lnTo>
-                  <a:pt x="4738777" y="3485236"/>
-                </a:lnTo>
-                <a:lnTo>
-                  <a:pt x="4740794" y="3625139"/>
-                </a:lnTo>
-                <a:lnTo>
-                  <a:pt x="4743819" y="3762299"/>
-                </a:lnTo>
-                <a:lnTo>
-                  <a:pt x="4746677" y="3898087"/>
-                </a:lnTo>
-                <a:lnTo>
-                  <a:pt x="4749871" y="4031133"/>
-                </a:lnTo>
-                <a:lnTo>
-                  <a:pt x="4754745" y="4163492"/>
-                </a:lnTo>
-                <a:lnTo>
-                  <a:pt x="4759956" y="4293793"/>
-                </a:lnTo>
-                <a:lnTo>
-                  <a:pt x="4764662" y="4421352"/>
-                </a:lnTo>
-                <a:lnTo>
-                  <a:pt x="4777942" y="4670298"/>
-                </a:lnTo>
-                <a:lnTo>
-                  <a:pt x="4792061" y="4908956"/>
-                </a:lnTo>
-                <a:lnTo>
-                  <a:pt x="4806853" y="5138013"/>
-                </a:lnTo>
-                <a:lnTo>
-                  <a:pt x="4823158" y="5354726"/>
-                </a:lnTo>
-                <a:lnTo>
-                  <a:pt x="4840135" y="5561838"/>
-                </a:lnTo>
-                <a:lnTo>
-                  <a:pt x="4858456" y="5753862"/>
-                </a:lnTo>
-                <a:lnTo>
-                  <a:pt x="4876442" y="5934227"/>
-                </a:lnTo>
-                <a:lnTo>
-                  <a:pt x="4894427" y="6100191"/>
-                </a:lnTo>
-                <a:lnTo>
-                  <a:pt x="4911404" y="6252438"/>
-                </a:lnTo>
-                <a:lnTo>
-                  <a:pt x="4927541" y="6387541"/>
-                </a:lnTo>
-                <a:lnTo>
-                  <a:pt x="4942837" y="6509613"/>
-                </a:lnTo>
-                <a:lnTo>
-                  <a:pt x="4955612" y="6612483"/>
-                </a:lnTo>
-                <a:lnTo>
-                  <a:pt x="4967714" y="6698894"/>
-                </a:lnTo>
-                <a:lnTo>
-                  <a:pt x="4985028" y="6817538"/>
-                </a:lnTo>
-                <a:lnTo>
-                  <a:pt x="4990911" y="6858000"/>
-                </a:lnTo>
-                <a:lnTo>
-                  <a:pt x="4085557" y="6858000"/>
-                </a:lnTo>
-                <a:lnTo>
-                  <a:pt x="4085557" y="6858001"/>
-                </a:lnTo>
-                <a:lnTo>
-                  <a:pt x="0" y="6858001"/>
-                </a:lnTo>
-                <a:lnTo>
-                  <a:pt x="0" y="1"/>
-                </a:lnTo>
-                <a:lnTo>
-                  <a:pt x="3646196" y="1"/>
-                </a:lnTo>
-                <a:close/>
-              </a:path>
-            </a:pathLst>
-          </a:custGeom>
-          <a:ln>
-            <a:noFill/>
-          </a:ln>
-        </p:spPr>
-        <p:style>
-          <a:lnRef idx="2">
-            <a:schemeClr val="accent1">
-              <a:shade val="50000"/>
-            </a:schemeClr>
-          </a:lnRef>
-          <a:fillRef idx="1003">
-            <a:schemeClr val="dk2"/>
-          </a:fillRef>
-          <a:effectRef idx="0">
-            <a:schemeClr val="accent1"/>
-          </a:effectRef>
-          <a:fontRef idx="minor">
-            <a:schemeClr val="lt1"/>
-          </a:fontRef>
-        </p:style>
-        <p:txBody>
-          <a:bodyPr rtlCol="0" anchor="ctr"/>
-          <a:lstStyle/>
-          <a:p>
-            <a:pPr algn="ctr"/>
-            <a:endParaRPr lang="en-US"/>
-          </a:p>
-        </p:txBody>
-      </p:sp>
-      <p:sp>
-        <p:nvSpPr>
-          <p:cNvPr id="22" name="Rectangle 21">
-            <a:extLst>
-              <a:ext uri="{FF2B5EF4-FFF2-40B4-BE49-F238E27FC236}">
-                <a16:creationId xmlns:a16="http://schemas.microsoft.com/office/drawing/2014/main" id="{0BA768A8-4FED-4ED8-9E46-6BE72188ECD2}"/>
-              </a:ext>
-              <a:ext uri="{C183D7F6-B498-43B3-948B-1728B52AA6E4}">
-                <adec:decorative xmlns:adec="http://schemas.microsoft.com/office/drawing/2017/decorative" val="1"/>
-              </a:ext>
-            </a:extLst>
-          </p:cNvPr>
-          <p:cNvSpPr>
-            <a:spLocks noGrp="1" noRot="1" noChangeAspect="1" noMove="1" noResize="1" noEditPoints="1" noAdjustHandles="1" noChangeArrowheads="1" noChangeShapeType="1" noTextEdit="1"/>
-          </p:cNvSpPr>
-          <p:nvPr>
-            <p:extLst>
-              <p:ext uri="{386F3935-93C4-4BCD-93E2-E3B085C9AB24}">
-                <p16:designElem xmlns:p16="http://schemas.microsoft.com/office/powerpoint/2015/main" val="1"/>
-              </p:ext>
-            </p:extLst>
-          </p:nvPr>
-        </p:nvSpPr>
-        <p:spPr>
-          <a:xfrm>
-            <a:off x="10437812" y="0"/>
-            <a:ext cx="685800" cy="1143000"/>
-          </a:xfrm>
-          <a:prstGeom prst="rect">
-            <a:avLst/>
-          </a:prstGeom>
-          <a:solidFill>
-            <a:schemeClr val="accent1"/>
-          </a:solidFill>
-          <a:ln>
-            <a:noFill/>
-          </a:ln>
-        </p:spPr>
-        <p:style>
-          <a:lnRef idx="1">
-            <a:schemeClr val="accent1"/>
-          </a:lnRef>
-          <a:fillRef idx="3">
-            <a:schemeClr val="accent1"/>
-          </a:fillRef>
-          <a:effectRef idx="2">
-            <a:schemeClr val="accent1"/>
-          </a:effectRef>
-          <a:fontRef idx="minor">
-            <a:schemeClr val="lt1"/>
-          </a:fontRef>
-        </p:style>
-        <p:txBody>
-          <a:bodyPr/>
-          <a:lstStyle/>
-          <a:p>
-            <a:endParaRPr lang="it-IT"/>
-          </a:p>
-        </p:txBody>
-      </p:sp>
-      <p:sp>
-        <p:nvSpPr>
-          <p:cNvPr id="5" name="Titolo 1">
-            <a:extLst>
-              <a:ext uri="{FF2B5EF4-FFF2-40B4-BE49-F238E27FC236}">
-                <a16:creationId xmlns:a16="http://schemas.microsoft.com/office/drawing/2014/main" id="{F5D2C3A1-02AF-DBFB-BB2B-697A10406D42}"/>
-              </a:ext>
-            </a:extLst>
-          </p:cNvPr>
-          <p:cNvSpPr txBox="1">
-            <a:spLocks/>
-          </p:cNvSpPr>
-          <p:nvPr/>
-        </p:nvSpPr>
-        <p:spPr>
-          <a:xfrm>
-            <a:off x="653143" y="1645920"/>
-            <a:ext cx="3522879" cy="4470821"/>
-          </a:xfrm>
-          <a:prstGeom prst="rect">
-            <a:avLst/>
-          </a:prstGeom>
-        </p:spPr>
-        <p:txBody>
-          <a:bodyPr vert="horz" lIns="91440" tIns="45720" rIns="91440" bIns="45720" rtlCol="0" anchor="t">
-            <a:normAutofit/>
-          </a:bodyPr>
-          <a:lstStyle>
-            <a:lvl1pPr algn="l" defTabSz="457200" rtl="0" eaLnBrk="1" latinLnBrk="0" hangingPunct="1">
-              <a:spcBef>
-                <a:spcPct val="0"/>
-              </a:spcBef>
-              <a:buNone/>
-              <a:defRPr sz="4200" b="0" i="0" kern="1200">
-                <a:solidFill>
-                  <a:schemeClr val="tx2"/>
-                </a:solidFill>
-                <a:latin typeface="+mj-lt"/>
-                <a:ea typeface="+mj-ea"/>
-                <a:cs typeface="+mj-cs"/>
-              </a:defRPr>
-            </a:lvl1pPr>
-            <a:lvl2pPr eaLnBrk="1" hangingPunct="1">
-              <a:defRPr>
-                <a:solidFill>
-                  <a:schemeClr val="tx2"/>
-                </a:solidFill>
-              </a:defRPr>
-            </a:lvl2pPr>
-            <a:lvl3pPr eaLnBrk="1" hangingPunct="1">
-              <a:defRPr>
-                <a:solidFill>
-                  <a:schemeClr val="tx2"/>
-                </a:solidFill>
-              </a:defRPr>
-            </a:lvl3pPr>
-            <a:lvl4pPr eaLnBrk="1" hangingPunct="1">
-              <a:defRPr>
-                <a:solidFill>
-                  <a:schemeClr val="tx2"/>
-                </a:solidFill>
-              </a:defRPr>
-            </a:lvl4pPr>
-            <a:lvl5pPr eaLnBrk="1" hangingPunct="1">
-              <a:defRPr>
-                <a:solidFill>
-                  <a:schemeClr val="tx2"/>
-                </a:solidFill>
-              </a:defRPr>
-            </a:lvl5pPr>
-            <a:lvl6pPr eaLnBrk="1" hangingPunct="1">
-              <a:defRPr>
-                <a:solidFill>
-                  <a:schemeClr val="tx2"/>
-                </a:solidFill>
-              </a:defRPr>
-            </a:lvl6pPr>
-            <a:lvl7pPr eaLnBrk="1" hangingPunct="1">
-              <a:defRPr>
-                <a:solidFill>
-                  <a:schemeClr val="tx2"/>
-                </a:solidFill>
-              </a:defRPr>
-            </a:lvl7pPr>
-            <a:lvl8pPr eaLnBrk="1" hangingPunct="1">
-              <a:defRPr>
-                <a:solidFill>
-                  <a:schemeClr val="tx2"/>
-                </a:solidFill>
-              </a:defRPr>
-            </a:lvl8pPr>
-            <a:lvl9pPr eaLnBrk="1" hangingPunct="1">
-              <a:defRPr>
-                <a:solidFill>
-                  <a:schemeClr val="tx2"/>
-                </a:solidFill>
-              </a:defRPr>
-            </a:lvl9pPr>
-          </a:lstStyle>
-          <a:p>
-            <a:pPr algn="r">
-              <a:spcAft>
-                <a:spcPts val="600"/>
-              </a:spcAft>
-            </a:pPr>
-            <a:r>
-              <a:rPr lang="en-US" b="0" i="0" kern="1200">
-                <a:solidFill>
-                  <a:srgbClr val="FFFFFF"/>
-                </a:solidFill>
-                <a:latin typeface="+mj-lt"/>
-                <a:ea typeface="+mj-ea"/>
-                <a:cs typeface="+mj-cs"/>
-              </a:rPr>
-              <a:t>SEQUENCE BUILDING</a:t>
-            </a:r>
-          </a:p>
-        </p:txBody>
-      </p:sp>
-      <p:sp>
-        <p:nvSpPr>
-          <p:cNvPr id="11" name="Segnaposto contenuto 2">
-            <a:extLst>
-              <a:ext uri="{FF2B5EF4-FFF2-40B4-BE49-F238E27FC236}">
-                <a16:creationId xmlns:a16="http://schemas.microsoft.com/office/drawing/2014/main" id="{BD2F2C92-46DD-1023-9BD7-DF6F99967984}"/>
-              </a:ext>
-            </a:extLst>
-          </p:cNvPr>
-          <p:cNvSpPr txBox="1">
-            <a:spLocks/>
-          </p:cNvSpPr>
-          <p:nvPr/>
-        </p:nvSpPr>
-        <p:spPr>
-          <a:xfrm>
-            <a:off x="5204108" y="1415845"/>
-            <a:ext cx="6520859" cy="5029199"/>
           </a:xfrm>
           <a:prstGeom prst="rect">
             <a:avLst/>
@@ -30814,12 +28801,9 @@
             </a:lvl9pPr>
           </a:lstStyle>
           <a:p>
-            <a:r>
-              <a:rPr lang="en-US" sz="2800" dirty="0"/>
-              <a:t>First chord can not be inverted (generally unpleasant results)</a:t>
-            </a:r>
-          </a:p>
-          <a:p>
+            <a:pPr marL="0" indent="0">
+              <a:buNone/>
+            </a:pPr>
             <a:endParaRPr lang="en-US" sz="2800" dirty="0"/>
           </a:p>
           <a:p>
@@ -30881,7 +28865,7 @@
     </p:spTree>
     <p:extLst>
       <p:ext uri="{BB962C8B-B14F-4D97-AF65-F5344CB8AC3E}">
-        <p14:creationId xmlns:p14="http://schemas.microsoft.com/office/powerpoint/2010/main" val="1471898618"/>
+        <p14:creationId xmlns:p14="http://schemas.microsoft.com/office/powerpoint/2010/main" val="294773980"/>
       </p:ext>
     </p:extLst>
   </p:cSld>
@@ -30891,7 +28875,7 @@
 </p:sld>
 </file>
 
-<file path=ppt/slides/slide15.xml><?xml version="1.0" encoding="utf-8"?>
+<file path=ppt/slides/slide13.xml><?xml version="1.0" encoding="utf-8"?>
 <p:sld xmlns:a="http://schemas.openxmlformats.org/drawingml/2006/main" xmlns:r="http://schemas.openxmlformats.org/officeDocument/2006/relationships" xmlns:p="http://schemas.openxmlformats.org/presentationml/2006/main">
   <p:cSld>
     <p:spTree>
@@ -30929,7 +28913,10 @@
           <a:bodyPr/>
           <a:lstStyle/>
           <a:p>
-            <a:endParaRPr lang="it-IT" dirty="0"/>
+            <a:r>
+              <a:rPr lang="it-IT" dirty="0"/>
+              <a:t>midiInput.js – Handle MIDI input</a:t>
+            </a:r>
           </a:p>
         </p:txBody>
       </p:sp>
@@ -30951,10 +28938,184 @@
         </p:nvSpPr>
         <p:spPr/>
         <p:txBody>
-          <a:bodyPr/>
+          <a:bodyPr>
+            <a:normAutofit/>
+          </a:bodyPr>
           <a:lstStyle/>
           <a:p>
-            <a:endParaRPr lang="it-IT"/>
+            <a:r>
+              <a:rPr lang="it-IT" sz="3200" dirty="0" err="1"/>
+              <a:t>Chord</a:t>
+            </a:r>
+            <a:r>
+              <a:rPr lang="it-IT" sz="3200" dirty="0"/>
+              <a:t> </a:t>
+            </a:r>
+            <a:r>
+              <a:rPr lang="it-IT" sz="3200" dirty="0" err="1"/>
+              <a:t>recognition</a:t>
+            </a:r>
+            <a:r>
+              <a:rPr lang="it-IT" sz="3200" dirty="0"/>
+              <a:t>:</a:t>
+            </a:r>
+          </a:p>
+          <a:p>
+            <a:pPr lvl="1"/>
+            <a:r>
+              <a:rPr lang="it-IT" sz="2800" dirty="0" err="1"/>
+              <a:t>Consider</a:t>
+            </a:r>
+            <a:r>
+              <a:rPr lang="it-IT" sz="2800" dirty="0"/>
+              <a:t> notes </a:t>
+            </a:r>
+            <a:r>
+              <a:rPr lang="it-IT" sz="2800" dirty="0" err="1"/>
+              <a:t>within</a:t>
+            </a:r>
+            <a:r>
+              <a:rPr lang="it-IT" sz="2800" dirty="0"/>
+              <a:t> a 200 </a:t>
+            </a:r>
+            <a:r>
+              <a:rPr lang="it-IT" sz="2800" dirty="0" err="1"/>
+              <a:t>ms</a:t>
+            </a:r>
+            <a:r>
+              <a:rPr lang="it-IT" sz="2800" dirty="0"/>
+              <a:t> window</a:t>
+            </a:r>
+          </a:p>
+          <a:p>
+            <a:pPr lvl="1"/>
+            <a:r>
+              <a:rPr lang="it-IT" sz="2800" dirty="0" err="1"/>
+              <a:t>When</a:t>
+            </a:r>
+            <a:r>
+              <a:rPr lang="it-IT" sz="2800" dirty="0"/>
+              <a:t> </a:t>
+            </a:r>
+            <a:r>
+              <a:rPr lang="it-IT" sz="2800" dirty="0" err="1"/>
+              <a:t>we</a:t>
+            </a:r>
+            <a:r>
+              <a:rPr lang="it-IT" sz="2800" dirty="0"/>
+              <a:t> </a:t>
+            </a:r>
+            <a:r>
+              <a:rPr lang="it-IT" sz="2800" dirty="0" err="1"/>
+              <a:t>have</a:t>
+            </a:r>
+            <a:r>
+              <a:rPr lang="it-IT" sz="2800" dirty="0"/>
+              <a:t> </a:t>
+            </a:r>
+            <a:r>
+              <a:rPr lang="it-IT" sz="2800" dirty="0" err="1"/>
+              <a:t>at</a:t>
+            </a:r>
+            <a:r>
+              <a:rPr lang="it-IT" sz="2800" dirty="0"/>
+              <a:t> </a:t>
+            </a:r>
+            <a:r>
+              <a:rPr lang="it-IT" sz="2800" dirty="0" err="1"/>
+              <a:t>least</a:t>
+            </a:r>
+            <a:r>
+              <a:rPr lang="it-IT" sz="2800" dirty="0"/>
+              <a:t> 3 notes</a:t>
+            </a:r>
+          </a:p>
+          <a:p>
+            <a:pPr lvl="2"/>
+            <a:r>
+              <a:rPr lang="it-IT" sz="2400" dirty="0" err="1"/>
+              <a:t>Recognize</a:t>
+            </a:r>
+            <a:r>
+              <a:rPr lang="it-IT" sz="2400" dirty="0"/>
+              <a:t> </a:t>
+            </a:r>
+            <a:r>
+              <a:rPr lang="it-IT" sz="2400" dirty="0" err="1"/>
+              <a:t>chord</a:t>
+            </a:r>
+            <a:r>
+              <a:rPr lang="it-IT" sz="2400" dirty="0"/>
+              <a:t> </a:t>
+            </a:r>
+            <a:r>
+              <a:rPr lang="it-IT" sz="2400" dirty="0" err="1"/>
+              <a:t>using</a:t>
+            </a:r>
+            <a:r>
+              <a:rPr lang="it-IT" sz="2400" dirty="0"/>
+              <a:t> </a:t>
+            </a:r>
+            <a:r>
+              <a:rPr lang="it-IT" sz="2400" b="1" i="1" dirty="0" err="1"/>
+              <a:t>Chord.detect</a:t>
+            </a:r>
+            <a:r>
+              <a:rPr lang="it-IT" sz="2400" b="1" i="1" dirty="0"/>
+              <a:t>(notes)</a:t>
+            </a:r>
+            <a:r>
+              <a:rPr lang="it-IT" sz="2400" i="1" dirty="0"/>
+              <a:t> from tonal.js library</a:t>
+            </a:r>
+          </a:p>
+          <a:p>
+            <a:pPr lvl="2"/>
+            <a:r>
+              <a:rPr lang="it-IT" sz="2400" i="1" dirty="0"/>
+              <a:t>Use </a:t>
+            </a:r>
+            <a:r>
+              <a:rPr lang="it-IT" sz="2400" b="1" i="1" dirty="0" err="1"/>
+              <a:t>callback</a:t>
+            </a:r>
+            <a:r>
+              <a:rPr lang="it-IT" sz="2400" i="1" dirty="0"/>
+              <a:t> to </a:t>
+            </a:r>
+            <a:r>
+              <a:rPr lang="it-IT" sz="2400" i="1" dirty="0" err="1"/>
+              <a:t>App.vue</a:t>
+            </a:r>
+            <a:r>
+              <a:rPr lang="it-IT" sz="2400" i="1" dirty="0"/>
+              <a:t> to </a:t>
+            </a:r>
+            <a:r>
+              <a:rPr lang="it-IT" sz="2400" i="1" dirty="0" err="1"/>
+              <a:t>append</a:t>
+            </a:r>
+            <a:r>
+              <a:rPr lang="it-IT" sz="2400" i="1" dirty="0"/>
+              <a:t> </a:t>
+            </a:r>
+            <a:r>
+              <a:rPr lang="it-IT" sz="2400" i="1" dirty="0" err="1"/>
+              <a:t>chord</a:t>
+            </a:r>
+            <a:r>
+              <a:rPr lang="it-IT" sz="2400" i="1" dirty="0"/>
+              <a:t> to </a:t>
+            </a:r>
+            <a:r>
+              <a:rPr lang="it-IT" sz="2400" i="1" dirty="0" err="1"/>
+              <a:t>sequence</a:t>
+            </a:r>
+            <a:endParaRPr lang="it-IT" sz="2400" dirty="0"/>
+          </a:p>
+          <a:p>
+            <a:pPr lvl="1"/>
+            <a:endParaRPr lang="it-IT" sz="2800" dirty="0"/>
           </a:p>
         </p:txBody>
       </p:sp>
@@ -30971,7 +29132,7 @@
 </p:sld>
 </file>
 
-<file path=ppt/slides/slide16.xml><?xml version="1.0" encoding="utf-8"?>
+<file path=ppt/slides/slide14.xml><?xml version="1.0" encoding="utf-8"?>
 <p:sld xmlns:a="http://schemas.openxmlformats.org/drawingml/2006/main" xmlns:r="http://schemas.openxmlformats.org/officeDocument/2006/relationships" xmlns:p="http://schemas.openxmlformats.org/presentationml/2006/main">
   <p:cSld>
     <p:bg>
@@ -32087,7 +30248,7 @@
           <p:nvPr>
             <p:extLst>
               <p:ext uri="{D42A27DB-BD31-4B8C-83A1-F6EECF244321}">
-                <p14:modId xmlns:p14="http://schemas.microsoft.com/office/powerpoint/2010/main" val="1816731960"/>
+                <p14:modId xmlns:p14="http://schemas.microsoft.com/office/powerpoint/2010/main" val="3788031132"/>
               </p:ext>
             </p:extLst>
           </p:nvPr>

--- a/TabMaker_compact.pptx
+++ b/TabMaker_compact.pptx
@@ -8128,6 +8128,24 @@
             <a:endParaRPr lang="it-IT" dirty="0"/>
           </a:p>
           <a:p>
+            <a:r>
+              <a:rPr lang="it-IT" dirty="0" err="1"/>
+              <a:t>Approx</a:t>
+            </a:r>
+            <a:r>
+              <a:rPr lang="it-IT" dirty="0"/>
+              <a:t> 10 minutes </a:t>
+            </a:r>
+            <a:r>
+              <a:rPr lang="it-IT" dirty="0" err="1"/>
+              <a:t>here</a:t>
+            </a:r>
+            <a:endParaRPr lang="it-IT" dirty="0"/>
+          </a:p>
+          <a:p>
+            <a:endParaRPr lang="it-IT" dirty="0"/>
+          </a:p>
+          <a:p>
             <a:endParaRPr lang="it-IT" dirty="0"/>
           </a:p>
         </p:txBody>
@@ -12257,6 +12275,162 @@
             </a:pPr>
             <a:endParaRPr lang="it-IT" dirty="0"/>
           </a:p>
+          <a:p>
+            <a:pPr marL="0" indent="0">
+              <a:buFontTx/>
+              <a:buNone/>
+            </a:pPr>
+            <a:r>
+              <a:rPr lang="it-IT" dirty="0" err="1"/>
+              <a:t>If</a:t>
+            </a:r>
+            <a:r>
+              <a:rPr lang="it-IT" dirty="0"/>
+              <a:t> </a:t>
+            </a:r>
+            <a:r>
+              <a:rPr lang="it-IT" dirty="0" err="1"/>
+              <a:t>we</a:t>
+            </a:r>
+            <a:r>
+              <a:rPr lang="it-IT" dirty="0"/>
+              <a:t> </a:t>
+            </a:r>
+            <a:r>
+              <a:rPr lang="it-IT" dirty="0" err="1"/>
+              <a:t>don’t</a:t>
+            </a:r>
+            <a:r>
+              <a:rPr lang="it-IT" dirty="0"/>
+              <a:t> </a:t>
+            </a:r>
+            <a:r>
+              <a:rPr lang="it-IT" dirty="0" err="1"/>
+              <a:t>add</a:t>
+            </a:r>
+            <a:r>
+              <a:rPr lang="it-IT" dirty="0"/>
+              <a:t> the swap </a:t>
+            </a:r>
+            <a:r>
+              <a:rPr lang="it-IT" dirty="0" err="1"/>
+              <a:t>chord</a:t>
+            </a:r>
+            <a:r>
+              <a:rPr lang="it-IT" dirty="0"/>
+              <a:t> and clear </a:t>
+            </a:r>
+            <a:r>
+              <a:rPr lang="it-IT" dirty="0" err="1"/>
+              <a:t>sequence</a:t>
+            </a:r>
+            <a:r>
+              <a:rPr lang="it-IT" dirty="0"/>
+              <a:t> </a:t>
+            </a:r>
+            <a:r>
+              <a:rPr lang="it-IT" dirty="0" err="1"/>
+              <a:t>buttons</a:t>
+            </a:r>
+            <a:r>
+              <a:rPr lang="it-IT" dirty="0"/>
+              <a:t>, I </a:t>
+            </a:r>
+            <a:r>
+              <a:rPr lang="it-IT" dirty="0" err="1"/>
+              <a:t>would</a:t>
+            </a:r>
+            <a:r>
+              <a:rPr lang="it-IT" dirty="0"/>
+              <a:t> </a:t>
+            </a:r>
+            <a:r>
+              <a:rPr lang="it-IT" dirty="0" err="1"/>
+              <a:t>suggest</a:t>
+            </a:r>
+            <a:r>
+              <a:rPr lang="it-IT" dirty="0"/>
+              <a:t> </a:t>
+            </a:r>
+            <a:r>
+              <a:rPr lang="it-IT" dirty="0" err="1"/>
+              <a:t>adding</a:t>
+            </a:r>
+            <a:r>
+              <a:rPr lang="it-IT" dirty="0"/>
+              <a:t> </a:t>
+            </a:r>
+            <a:r>
+              <a:rPr lang="it-IT" dirty="0" err="1"/>
+              <a:t>them</a:t>
+            </a:r>
+            <a:r>
+              <a:rPr lang="it-IT" dirty="0"/>
+              <a:t> </a:t>
+            </a:r>
+            <a:r>
+              <a:rPr lang="it-IT" dirty="0" err="1"/>
+              <a:t>as</a:t>
+            </a:r>
+            <a:r>
+              <a:rPr lang="it-IT" dirty="0"/>
+              <a:t> </a:t>
+            </a:r>
+            <a:r>
+              <a:rPr lang="it-IT" dirty="0" err="1"/>
+              <a:t>further</a:t>
+            </a:r>
+            <a:r>
+              <a:rPr lang="it-IT" dirty="0"/>
+              <a:t> </a:t>
+            </a:r>
+            <a:r>
+              <a:rPr lang="it-IT" dirty="0" err="1"/>
+              <a:t>developments</a:t>
+            </a:r>
+            <a:r>
+              <a:rPr lang="it-IT" dirty="0"/>
+              <a:t> </a:t>
+            </a:r>
+            <a:r>
+              <a:rPr lang="it-IT" dirty="0" err="1"/>
+              <a:t>here</a:t>
+            </a:r>
+            <a:r>
+              <a:rPr lang="it-IT" dirty="0"/>
+              <a:t>.</a:t>
+            </a:r>
+          </a:p>
+          <a:p>
+            <a:pPr marL="0" indent="0">
+              <a:buFontTx/>
+              <a:buNone/>
+            </a:pPr>
+            <a:endParaRPr lang="it-IT" dirty="0"/>
+          </a:p>
+          <a:p>
+            <a:pPr marL="0" indent="0">
+              <a:buFontTx/>
+              <a:buNone/>
+            </a:pPr>
+            <a:r>
+              <a:rPr lang="it-IT" dirty="0"/>
+              <a:t>Total time: </a:t>
+            </a:r>
+            <a:r>
+              <a:rPr lang="it-IT" dirty="0" err="1"/>
+              <a:t>around</a:t>
+            </a:r>
+            <a:r>
+              <a:rPr lang="it-IT" dirty="0"/>
+              <a:t> 14:30 </a:t>
+            </a:r>
+            <a:r>
+              <a:rPr lang="it-IT" dirty="0" err="1"/>
+              <a:t>mins</a:t>
+            </a:r>
+            <a:endParaRPr lang="it-IT" dirty="0"/>
+          </a:p>
         </p:txBody>
       </p:sp>
       <p:sp>
@@ -14466,6 +14640,35 @@
               <a:t> sound for the player</a:t>
             </a:r>
           </a:p>
+          <a:p>
+            <a:endParaRPr lang="it-IT" dirty="0"/>
+          </a:p>
+          <a:p>
+            <a:endParaRPr lang="it-IT" dirty="0"/>
+          </a:p>
+          <a:p>
+            <a:r>
+              <a:rPr lang="it-IT" dirty="0" err="1"/>
+              <a:t>Approx</a:t>
+            </a:r>
+            <a:r>
+              <a:rPr lang="it-IT" dirty="0"/>
+              <a:t> 4 minutes up </a:t>
+            </a:r>
+            <a:r>
+              <a:rPr lang="it-IT" dirty="0" err="1"/>
+              <a:t>until</a:t>
+            </a:r>
+            <a:r>
+              <a:rPr lang="it-IT" dirty="0"/>
+              <a:t> </a:t>
+            </a:r>
+            <a:r>
+              <a:rPr lang="it-IT" dirty="0" err="1"/>
+              <a:t>here</a:t>
+            </a:r>
+            <a:endParaRPr lang="it-IT" dirty="0"/>
+          </a:p>
         </p:txBody>
       </p:sp>
       <p:sp>
@@ -14778,7 +14981,7 @@
             </a:r>
             <a:r>
               <a:rPr lang="it-IT" dirty="0"/>
-              <a:t>, for the input </a:t>
+              <a:t>, for the output </a:t>
             </a:r>
             <a:r>
               <a:rPr lang="it-IT" dirty="0" err="1"/>
@@ -14850,6 +15053,36 @@
             <a:endParaRPr lang="it-IT" dirty="0"/>
           </a:p>
           <a:p>
+            <a:pPr marL="0" lvl="0" indent="0">
+              <a:buFont typeface="Arial" panose="020B0604020202020204" pitchFamily="34" charset="0"/>
+              <a:buNone/>
+            </a:pPr>
+            <a:r>
+              <a:rPr lang="it-IT" dirty="0" err="1"/>
+              <a:t>While</a:t>
+            </a:r>
+            <a:r>
+              <a:rPr lang="it-IT" dirty="0"/>
+              <a:t> for the output </a:t>
+            </a:r>
+            <a:r>
+              <a:rPr lang="it-IT" dirty="0" err="1"/>
+              <a:t>we</a:t>
+            </a:r>
+            <a:r>
+              <a:rPr lang="it-IT" dirty="0"/>
+              <a:t> </a:t>
+            </a:r>
+            <a:r>
+              <a:rPr lang="it-IT" dirty="0" err="1"/>
+              <a:t>have</a:t>
+            </a:r>
+            <a:r>
+              <a:rPr lang="it-IT" dirty="0"/>
+              <a:t>:</a:t>
+            </a:r>
+          </a:p>
+          <a:p>
             <a:pPr marL="628650" lvl="1" indent="-171450">
               <a:buFont typeface="Arial" panose="020B0604020202020204" pitchFamily="34" charset="0"/>
               <a:buChar char="•"/>
@@ -14991,6 +15224,77 @@
               <a:buFont typeface="Arial" panose="020B0604020202020204" pitchFamily="34" charset="0"/>
               <a:buChar char="•"/>
             </a:pPr>
+            <a:endParaRPr lang="it-IT" dirty="0"/>
+          </a:p>
+          <a:p>
+            <a:pPr marL="0" lvl="0" indent="0">
+              <a:buFont typeface="Arial" panose="020B0604020202020204" pitchFamily="34" charset="0"/>
+              <a:buNone/>
+            </a:pPr>
+            <a:r>
+              <a:rPr lang="it-IT" dirty="0"/>
+              <a:t>----</a:t>
+            </a:r>
+            <a:r>
+              <a:rPr lang="it-IT" dirty="0" err="1"/>
+              <a:t>We</a:t>
+            </a:r>
+            <a:r>
+              <a:rPr lang="it-IT" dirty="0"/>
+              <a:t> </a:t>
+            </a:r>
+            <a:r>
+              <a:rPr lang="it-IT" dirty="0" err="1"/>
+              <a:t>could</a:t>
+            </a:r>
+            <a:r>
+              <a:rPr lang="it-IT" dirty="0"/>
+              <a:t> split </a:t>
+            </a:r>
+            <a:r>
+              <a:rPr lang="it-IT" dirty="0" err="1"/>
+              <a:t>around</a:t>
+            </a:r>
+            <a:r>
+              <a:rPr lang="it-IT" dirty="0"/>
+              <a:t> </a:t>
+            </a:r>
+            <a:r>
+              <a:rPr lang="it-IT" dirty="0" err="1"/>
+              <a:t>here</a:t>
+            </a:r>
+            <a:r>
+              <a:rPr lang="it-IT" dirty="0"/>
+              <a:t> to </a:t>
+            </a:r>
+            <a:r>
+              <a:rPr lang="it-IT" dirty="0" err="1"/>
+              <a:t>have</a:t>
+            </a:r>
+            <a:r>
+              <a:rPr lang="it-IT" dirty="0"/>
+              <a:t> a first 5 minutes part</a:t>
+            </a:r>
+          </a:p>
+          <a:p>
+            <a:pPr marL="171450" lvl="0" indent="-171450">
+              <a:buFont typeface="Arial" panose="020B0604020202020204" pitchFamily="34" charset="0"/>
+              <a:buChar char="•"/>
+            </a:pPr>
+            <a:endParaRPr lang="it-IT" dirty="0"/>
+          </a:p>
+          <a:p>
+            <a:pPr marL="171450" lvl="0" indent="-171450">
+              <a:buFont typeface="Arial" panose="020B0604020202020204" pitchFamily="34" charset="0"/>
+              <a:buChar char="•"/>
+            </a:pPr>
+            <a:endParaRPr lang="it-IT" dirty="0"/>
+          </a:p>
+          <a:p>
+            <a:pPr marL="171450" lvl="0" indent="-171450">
+              <a:buFont typeface="Arial" panose="020B0604020202020204" pitchFamily="34" charset="0"/>
+              <a:buChar char="•"/>
+            </a:pPr>
             <a:r>
               <a:rPr lang="it-IT" dirty="0" err="1"/>
               <a:t>Then</a:t>
@@ -15394,6 +15698,32 @@
             <a:r>
               <a:rPr lang="it-IT" dirty="0" err="1"/>
               <a:t>synthesis</a:t>
+            </a:r>
+            <a:endParaRPr lang="it-IT" dirty="0"/>
+          </a:p>
+          <a:p>
+            <a:pPr marL="628650" lvl="1" indent="-171450">
+              <a:buFont typeface="Arial" panose="020B0604020202020204" pitchFamily="34" charset="0"/>
+              <a:buChar char="•"/>
+            </a:pPr>
+            <a:endParaRPr lang="it-IT" dirty="0"/>
+          </a:p>
+          <a:p>
+            <a:pPr marL="0" lvl="0" indent="0">
+              <a:buFont typeface="Arial" panose="020B0604020202020204" pitchFamily="34" charset="0"/>
+              <a:buNone/>
+            </a:pPr>
+            <a:r>
+              <a:rPr lang="it-IT" dirty="0" err="1"/>
+              <a:t>Around</a:t>
+            </a:r>
+            <a:r>
+              <a:rPr lang="it-IT" dirty="0"/>
+              <a:t> 6 minutes </a:t>
+            </a:r>
+            <a:r>
+              <a:rPr lang="it-IT" dirty="0" err="1"/>
+              <a:t>here</a:t>
             </a:r>
             <a:endParaRPr lang="it-IT" dirty="0"/>
           </a:p>
@@ -16769,7 +17099,23 @@
             </a:r>
             <a:r>
               <a:rPr lang="it-IT" dirty="0"/>
-              <a:t>. </a:t>
+              <a:t>, </a:t>
+            </a:r>
+            <a:r>
+              <a:rPr lang="it-IT" dirty="0" err="1"/>
+              <a:t>removing</a:t>
+            </a:r>
+            <a:r>
+              <a:rPr lang="it-IT" dirty="0"/>
+              <a:t> </a:t>
+            </a:r>
+            <a:r>
+              <a:rPr lang="it-IT" dirty="0" err="1"/>
+              <a:t>it</a:t>
+            </a:r>
+            <a:r>
+              <a:rPr lang="it-IT" dirty="0"/>
+              <a:t> from the list.</a:t>
             </a:r>
           </a:p>
           <a:p>
@@ -16923,7 +17269,7 @@
             </a:r>
             <a:r>
               <a:rPr lang="it-IT" dirty="0" err="1"/>
-              <a:t>usedFingers</a:t>
+              <a:t>usedFinger</a:t>
             </a:r>
             <a:r>
               <a:rPr lang="it-IT" dirty="0"/>
@@ -36519,7 +36865,7 @@
         </p:nvSpPr>
         <p:spPr>
           <a:xfrm>
-            <a:off x="643855" y="1447799"/>
+            <a:off x="643855" y="420624"/>
             <a:ext cx="3108626" cy="1444752"/>
           </a:xfrm>
         </p:spPr>
@@ -36530,7 +36876,7 @@
           <a:lstStyle/>
           <a:p>
             <a:r>
-              <a:rPr lang="it-IT" sz="3200" dirty="0">
+              <a:rPr lang="it-IT" sz="4000" dirty="0">
                 <a:solidFill>
                   <a:srgbClr val="EBEBEB"/>
                 </a:solidFill>
@@ -36538,14 +36884,14 @@
               <a:t>Code </a:t>
             </a:r>
             <a:r>
-              <a:rPr lang="it-IT" sz="3200" dirty="0" err="1">
+              <a:rPr lang="it-IT" sz="4000" dirty="0" err="1">
                 <a:solidFill>
                   <a:srgbClr val="EBEBEB"/>
                 </a:solidFill>
               </a:rPr>
               <a:t>Structure</a:t>
             </a:r>
-            <a:endParaRPr lang="it-IT" sz="3200" dirty="0">
+            <a:endParaRPr lang="it-IT" sz="4000" dirty="0">
               <a:solidFill>
                 <a:srgbClr val="EBEBEB"/>
               </a:solidFill>
@@ -37453,13 +37799,13 @@
         </p:nvSpPr>
         <p:spPr>
           <a:xfrm>
-            <a:off x="643855" y="3072385"/>
-            <a:ext cx="3108057" cy="2947415"/>
+            <a:off x="643855" y="2235933"/>
+            <a:ext cx="3517454" cy="4317267"/>
           </a:xfrm>
         </p:spPr>
         <p:txBody>
           <a:bodyPr>
-            <a:normAutofit lnSpcReduction="10000"/>
+            <a:normAutofit/>
           </a:bodyPr>
           <a:lstStyle/>
           <a:p>
@@ -37469,7 +37815,7 @@
               </a:lnSpc>
             </a:pPr>
             <a:r>
-              <a:rPr lang="it-IT" sz="1000" dirty="0" err="1">
+              <a:rPr lang="it-IT" sz="1400" dirty="0" err="1">
                 <a:solidFill>
                   <a:srgbClr val="FFFFFF"/>
                 </a:solidFill>
@@ -37477,7 +37823,7 @@
               <a:t>Main</a:t>
             </a:r>
             <a:r>
-              <a:rPr lang="it-IT" sz="1000" dirty="0">
+              <a:rPr lang="it-IT" sz="1400" dirty="0">
                 <a:solidFill>
                   <a:srgbClr val="FFFFFF"/>
                 </a:solidFill>
@@ -37485,14 +37831,14 @@
               <a:t> component: </a:t>
             </a:r>
             <a:r>
-              <a:rPr lang="it-IT" sz="1000" dirty="0" err="1">
+              <a:rPr lang="it-IT" sz="1400" dirty="0" err="1">
                 <a:solidFill>
                   <a:srgbClr val="FFFFFF"/>
                 </a:solidFill>
               </a:rPr>
               <a:t>App.vue</a:t>
             </a:r>
-            <a:endParaRPr lang="it-IT" sz="1000" dirty="0">
+            <a:endParaRPr lang="it-IT" sz="1400" dirty="0">
               <a:solidFill>
                 <a:srgbClr val="FFFFFF"/>
               </a:solidFill>
@@ -37505,7 +37851,7 @@
               </a:lnSpc>
             </a:pPr>
             <a:r>
-              <a:rPr lang="it-IT" sz="1000" dirty="0">
+              <a:rPr lang="it-IT" sz="1400" dirty="0">
                 <a:solidFill>
                   <a:srgbClr val="FFFFFF"/>
                 </a:solidFill>
@@ -37513,7 +37859,7 @@
               <a:t>Child </a:t>
             </a:r>
             <a:r>
-              <a:rPr lang="it-IT" sz="1000" dirty="0" err="1">
+              <a:rPr lang="it-IT" sz="1400" dirty="0" err="1">
                 <a:solidFill>
                   <a:srgbClr val="FFFFFF"/>
                 </a:solidFill>
@@ -37521,7 +37867,7 @@
               <a:t>components</a:t>
             </a:r>
             <a:r>
-              <a:rPr lang="it-IT" sz="1000" dirty="0">
+              <a:rPr lang="it-IT" sz="1400" dirty="0">
                 <a:solidFill>
                   <a:srgbClr val="FFFFFF"/>
                 </a:solidFill>
@@ -37536,7 +37882,7 @@
               </a:lnSpc>
             </a:pPr>
             <a:r>
-              <a:rPr lang="it-IT" sz="1000" dirty="0">
+              <a:rPr lang="it-IT" sz="1400" dirty="0">
                 <a:solidFill>
                   <a:srgbClr val="FFFFFF"/>
                 </a:solidFill>
@@ -37544,7 +37890,7 @@
               <a:t>Input: </a:t>
             </a:r>
             <a:r>
-              <a:rPr lang="it-IT" sz="1000" dirty="0" err="1">
+              <a:rPr lang="it-IT" sz="1400" dirty="0" err="1">
                 <a:solidFill>
                   <a:srgbClr val="FFFFFF"/>
                 </a:solidFill>
@@ -37552,7 +37898,7 @@
               <a:t>Tuning.vue</a:t>
             </a:r>
             <a:r>
-              <a:rPr lang="it-IT" sz="1000" dirty="0">
+              <a:rPr lang="it-IT" sz="1400" dirty="0">
                 <a:solidFill>
                   <a:srgbClr val="FFFFFF"/>
                 </a:solidFill>
@@ -37560,7 +37906,7 @@
               <a:t>, </a:t>
             </a:r>
             <a:r>
-              <a:rPr lang="it-IT" sz="1000" dirty="0" err="1">
+              <a:rPr lang="it-IT" sz="1400" dirty="0" err="1">
                 <a:solidFill>
                   <a:srgbClr val="FFFFFF"/>
                 </a:solidFill>
@@ -37568,7 +37914,7 @@
               <a:t>Options.vue</a:t>
             </a:r>
             <a:r>
-              <a:rPr lang="it-IT" sz="1000" dirty="0">
+              <a:rPr lang="it-IT" sz="1400" dirty="0">
                 <a:solidFill>
                   <a:srgbClr val="FFFFFF"/>
                 </a:solidFill>
@@ -37576,14 +37922,14 @@
               <a:t>, </a:t>
             </a:r>
             <a:r>
-              <a:rPr lang="it-IT" sz="1000" dirty="0" err="1">
+              <a:rPr lang="it-IT" sz="1400" dirty="0" err="1">
                 <a:solidFill>
                   <a:srgbClr val="FFFFFF"/>
                 </a:solidFill>
               </a:rPr>
               <a:t>ToggleButton.vue</a:t>
             </a:r>
-            <a:endParaRPr lang="it-IT" sz="1000" dirty="0">
+            <a:endParaRPr lang="it-IT" sz="1400" dirty="0">
               <a:solidFill>
                 <a:srgbClr val="FFFFFF"/>
               </a:solidFill>
@@ -37596,7 +37942,7 @@
               </a:lnSpc>
             </a:pPr>
             <a:r>
-              <a:rPr lang="it-IT" sz="1000" dirty="0">
+              <a:rPr lang="it-IT" sz="1400" dirty="0">
                 <a:solidFill>
                   <a:srgbClr val="FFFFFF"/>
                 </a:solidFill>
@@ -37604,7 +37950,7 @@
               <a:t>Output: </a:t>
             </a:r>
             <a:r>
-              <a:rPr lang="it-IT" sz="1000" dirty="0" err="1">
+              <a:rPr lang="it-IT" sz="1400" dirty="0" err="1">
                 <a:solidFill>
                   <a:srgbClr val="FFFFFF"/>
                 </a:solidFill>
@@ -37612,7 +37958,7 @@
               <a:t>Fretboard.vue</a:t>
             </a:r>
             <a:r>
-              <a:rPr lang="it-IT" sz="1000" dirty="0">
+              <a:rPr lang="it-IT" sz="1400" dirty="0">
                 <a:solidFill>
                   <a:srgbClr val="FFFFFF"/>
                 </a:solidFill>
@@ -37620,14 +37966,14 @@
               <a:t>, </a:t>
             </a:r>
             <a:r>
-              <a:rPr lang="it-IT" sz="1000" dirty="0" err="1">
+              <a:rPr lang="it-IT" sz="1400" dirty="0" err="1">
                 <a:solidFill>
                   <a:srgbClr val="FFFFFF"/>
                 </a:solidFill>
               </a:rPr>
               <a:t>Tablature.vue</a:t>
             </a:r>
-            <a:endParaRPr lang="it-IT" sz="1000" dirty="0">
+            <a:endParaRPr lang="it-IT" sz="1400" dirty="0">
               <a:solidFill>
                 <a:srgbClr val="FFFFFF"/>
               </a:solidFill>
@@ -37640,7 +37986,7 @@
               </a:lnSpc>
             </a:pPr>
             <a:r>
-              <a:rPr lang="it-IT" sz="1000" dirty="0">
+              <a:rPr lang="it-IT" sz="1400" dirty="0">
                 <a:solidFill>
                   <a:srgbClr val="FFFFFF"/>
                 </a:solidFill>
@@ -37648,7 +37994,7 @@
               <a:t>Utility </a:t>
             </a:r>
             <a:r>
-              <a:rPr lang="it-IT" sz="1000" dirty="0" err="1">
+              <a:rPr lang="it-IT" sz="1400" dirty="0" err="1">
                 <a:solidFill>
                   <a:srgbClr val="FFFFFF"/>
                 </a:solidFill>
@@ -37656,7 +38002,7 @@
               <a:t>functions</a:t>
             </a:r>
             <a:r>
-              <a:rPr lang="it-IT" sz="1000" dirty="0">
+              <a:rPr lang="it-IT" sz="1400" dirty="0">
                 <a:solidFill>
                   <a:srgbClr val="FFFFFF"/>
                 </a:solidFill>
@@ -37671,12 +38017,12 @@
               </a:lnSpc>
             </a:pPr>
             <a:r>
-              <a:rPr lang="it-IT" sz="1000" dirty="0">
+              <a:rPr lang="it-IT" sz="1400" dirty="0">
                 <a:solidFill>
                   <a:srgbClr val="FFFFFF"/>
                 </a:solidFill>
               </a:rPr>
-              <a:t>Voicing.js</a:t>
+              <a:t>voicing.js</a:t>
             </a:r>
           </a:p>
           <a:p>
@@ -37686,12 +38032,12 @@
               </a:lnSpc>
             </a:pPr>
             <a:r>
-              <a:rPr lang="it-IT" sz="1000" dirty="0">
+              <a:rPr lang="it-IT" sz="1400" dirty="0">
                 <a:solidFill>
                   <a:srgbClr val="FFFFFF"/>
                 </a:solidFill>
               </a:rPr>
-              <a:t>Feasibility.js</a:t>
+              <a:t>feasibility.js</a:t>
             </a:r>
           </a:p>
           <a:p>
@@ -37701,7 +38047,7 @@
               </a:lnSpc>
             </a:pPr>
             <a:r>
-              <a:rPr lang="it-IT" sz="1000" dirty="0">
+              <a:rPr lang="it-IT" sz="1400" dirty="0">
                 <a:solidFill>
                   <a:srgbClr val="FFFFFF"/>
                 </a:solidFill>
@@ -37716,12 +38062,12 @@
               </a:lnSpc>
             </a:pPr>
             <a:r>
-              <a:rPr lang="it-IT" sz="1000" dirty="0">
+              <a:rPr lang="it-IT" sz="1400" dirty="0">
                 <a:solidFill>
                   <a:srgbClr val="FFFFFF"/>
                 </a:solidFill>
               </a:rPr>
-              <a:t>MidiInput.js</a:t>
+              <a:t>midiInput.js</a:t>
             </a:r>
           </a:p>
           <a:p>
@@ -37731,12 +38077,12 @@
               </a:lnSpc>
             </a:pPr>
             <a:r>
-              <a:rPr lang="it-IT" sz="1000" dirty="0">
+              <a:rPr lang="it-IT" sz="1400" dirty="0">
                 <a:solidFill>
                   <a:srgbClr val="FFFFFF"/>
                 </a:solidFill>
               </a:rPr>
-              <a:t>Note.js</a:t>
+              <a:t>note.js</a:t>
             </a:r>
           </a:p>
           <a:p>
@@ -37746,12 +38092,12 @@
               </a:lnSpc>
             </a:pPr>
             <a:r>
-              <a:rPr lang="it-IT" sz="1000" dirty="0">
+              <a:rPr lang="it-IT" sz="1400" dirty="0">
                 <a:solidFill>
                   <a:srgbClr val="FFFFFF"/>
                 </a:solidFill>
               </a:rPr>
-              <a:t>Sound.js </a:t>
+              <a:t>sound.js </a:t>
             </a:r>
           </a:p>
           <a:p>
@@ -37760,7 +38106,7 @@
                 <a:spcPct val="90000"/>
               </a:lnSpc>
             </a:pPr>
-            <a:endParaRPr lang="it-IT" sz="1000" dirty="0">
+            <a:endParaRPr lang="it-IT" sz="1400" dirty="0">
               <a:solidFill>
                 <a:srgbClr val="FFFFFF"/>
               </a:solidFill>
@@ -37772,7 +38118,7 @@
                 <a:spcPct val="90000"/>
               </a:lnSpc>
             </a:pPr>
-            <a:endParaRPr lang="it-IT" sz="1000" dirty="0">
+            <a:endParaRPr lang="it-IT" sz="1400" dirty="0">
               <a:solidFill>
                 <a:srgbClr val="FFFFFF"/>
               </a:solidFill>

--- a/TabMaker_compact.pptx
+++ b/TabMaker_compact.pptx
@@ -13594,6 +13594,61 @@
           </a:p>
           <a:p>
             <a:r>
+              <a:rPr lang="it-IT" dirty="0"/>
+              <a:t>The clear </a:t>
+            </a:r>
+            <a:r>
+              <a:rPr lang="it-IT" dirty="0" err="1"/>
+              <a:t>sequence</a:t>
+            </a:r>
+            <a:r>
+              <a:rPr lang="it-IT" dirty="0"/>
+              <a:t> </a:t>
+            </a:r>
+            <a:r>
+              <a:rPr lang="it-IT" dirty="0" err="1"/>
+              <a:t>button</a:t>
+            </a:r>
+            <a:r>
+              <a:rPr lang="it-IT" dirty="0"/>
+              <a:t> </a:t>
+            </a:r>
+            <a:r>
+              <a:rPr lang="it-IT" dirty="0" err="1"/>
+              <a:t>simply</a:t>
+            </a:r>
+            <a:r>
+              <a:rPr lang="it-IT" dirty="0"/>
+              <a:t> </a:t>
+            </a:r>
+            <a:r>
+              <a:rPr lang="it-IT" dirty="0" err="1"/>
+              <a:t>empties</a:t>
+            </a:r>
+            <a:r>
+              <a:rPr lang="it-IT" dirty="0"/>
+              <a:t> the </a:t>
+            </a:r>
+            <a:r>
+              <a:rPr lang="it-IT" dirty="0" err="1"/>
+              <a:t>chord</a:t>
+            </a:r>
+            <a:r>
+              <a:rPr lang="it-IT" dirty="0"/>
+              <a:t> </a:t>
+            </a:r>
+            <a:r>
+              <a:rPr lang="it-IT" dirty="0" err="1"/>
+              <a:t>sequence</a:t>
+            </a:r>
+            <a:r>
+              <a:rPr lang="it-IT"/>
+              <a:t>.</a:t>
+            </a:r>
+            <a:endParaRPr lang="it-IT" dirty="0"/>
+          </a:p>
+          <a:p>
+            <a:r>
               <a:rPr lang="it-IT" dirty="0" err="1"/>
               <a:t>Finally</a:t>
             </a:r>
@@ -32794,7 +32849,7 @@
       </p:grpSpPr>
       <p:sp>
         <p:nvSpPr>
-          <p:cNvPr id="59" name="Rectangle 58">
+          <p:cNvPr id="70" name="Rectangle 69">
             <a:extLst>
               <a:ext uri="{FF2B5EF4-FFF2-40B4-BE49-F238E27FC236}">
                 <a16:creationId xmlns:a16="http://schemas.microsoft.com/office/drawing/2014/main" id="{B4AAD3FD-83A5-4B89-9F8F-01B8870865BE}"/>
@@ -32973,7 +33028,7 @@
       </p:sp>
       <p:sp>
         <p:nvSpPr>
-          <p:cNvPr id="61" name="Freeform 31">
+          <p:cNvPr id="72" name="Freeform 31">
             <a:extLst>
               <a:ext uri="{FF2B5EF4-FFF2-40B4-BE49-F238E27FC236}">
                 <a16:creationId xmlns:a16="http://schemas.microsoft.com/office/drawing/2014/main" id="{61752F1D-FC0F-4103-9584-630E643CCDA6}"/>
@@ -33325,7 +33380,7 @@
       </p:sp>
       <p:sp useBgFill="1">
         <p:nvSpPr>
-          <p:cNvPr id="63" name="Freeform: Shape 62">
+          <p:cNvPr id="74" name="Freeform: Shape 73">
             <a:extLst>
               <a:ext uri="{FF2B5EF4-FFF2-40B4-BE49-F238E27FC236}">
                 <a16:creationId xmlns:a16="http://schemas.microsoft.com/office/drawing/2014/main" id="{70151CB7-E7DE-4917-B831-01DF9CE01306}"/>
@@ -33795,10 +33850,10 @@
       </p:sp>
       <p:pic>
         <p:nvPicPr>
-          <p:cNvPr id="6" name="Picture 5">
+          <p:cNvPr id="3" name="Immagine 2">
             <a:extLst>
               <a:ext uri="{FF2B5EF4-FFF2-40B4-BE49-F238E27FC236}">
-                <a16:creationId xmlns:a16="http://schemas.microsoft.com/office/drawing/2014/main" id="{777A2F08-EBCA-B78D-0B63-F9045710A398}"/>
+                <a16:creationId xmlns:a16="http://schemas.microsoft.com/office/drawing/2014/main" id="{2EC79445-ACD7-1CFE-75F6-C74FCA0578F0}"/>
               </a:ext>
             </a:extLst>
           </p:cNvPr>
@@ -33815,8 +33870,8 @@
         </p:blipFill>
         <p:spPr>
           <a:xfrm>
-            <a:off x="6093992" y="2686452"/>
-            <a:ext cx="5449889" cy="1485093"/>
+            <a:off x="6093992" y="2645577"/>
+            <a:ext cx="5449889" cy="1566843"/>
           </a:xfrm>
           <a:prstGeom prst="rect">
             <a:avLst/>
@@ -33826,7 +33881,7 @@
       </p:pic>
       <p:sp>
         <p:nvSpPr>
-          <p:cNvPr id="65" name="Rectangle 64">
+          <p:cNvPr id="76" name="Rectangle 75">
             <a:extLst>
               <a:ext uri="{FF2B5EF4-FFF2-40B4-BE49-F238E27FC236}">
                 <a16:creationId xmlns:a16="http://schemas.microsoft.com/office/drawing/2014/main" id="{A92A1116-1C84-41DF-B803-1F7B0883EC82}"/>
@@ -33900,7 +33955,7 @@
         </p:nvSpPr>
         <p:spPr>
           <a:xfrm>
-            <a:off x="720911" y="1669447"/>
+            <a:off x="648932" y="1536288"/>
             <a:ext cx="4166509" cy="3785419"/>
           </a:xfrm>
           <a:prstGeom prst="rect">
@@ -34143,10 +34198,9 @@
               <a:lnSpc>
                 <a:spcPct val="90000"/>
               </a:lnSpc>
-              <a:buNone/>
             </a:pPr>
             <a:r>
-              <a:rPr lang="en-US" dirty="0">
+              <a:rPr lang="en-US" sz="1600" dirty="0">
                 <a:solidFill>
                   <a:srgbClr val="EBEBEB"/>
                 </a:solidFill>
@@ -34160,7 +34214,7 @@
                 <a:spcPct val="90000"/>
               </a:lnSpc>
             </a:pPr>
-            <a:endParaRPr lang="en-US" dirty="0">
+            <a:endParaRPr lang="en-US" sz="1600" dirty="0">
               <a:solidFill>
                 <a:srgbClr val="EBEBEB"/>
               </a:solidFill>
@@ -34173,7 +34227,7 @@
               </a:lnSpc>
             </a:pPr>
             <a:r>
-              <a:rPr lang="en-US" dirty="0">
+              <a:rPr lang="en-US" sz="1600" dirty="0">
                 <a:solidFill>
                   <a:srgbClr val="EBEBEB"/>
                 </a:solidFill>
@@ -34188,7 +34242,7 @@
               </a:lnSpc>
             </a:pPr>
             <a:r>
-              <a:rPr lang="en-US" sz="2000" dirty="0">
+              <a:rPr lang="en-US" sz="1600" dirty="0">
                 <a:solidFill>
                   <a:srgbClr val="EBEBEB"/>
                 </a:solidFill>
@@ -34196,23 +34250,23 @@
               <a:t>Specify </a:t>
             </a:r>
             <a:r>
-              <a:rPr lang="en-US" sz="2000" b="1" dirty="0">
+              <a:rPr lang="en-US" sz="1600" b="1" dirty="0">
                 <a:solidFill>
                   <a:srgbClr val="EBEBEB"/>
                 </a:solidFill>
               </a:rPr>
-              <a:t>root </a:t>
-            </a:r>
-            <a:r>
-              <a:rPr lang="en-US" sz="2000" dirty="0">
+              <a:t>root</a:t>
+            </a:r>
+            <a:r>
+              <a:rPr lang="en-US" sz="1600" dirty="0">
                 <a:solidFill>
                   <a:srgbClr val="EBEBEB"/>
                 </a:solidFill>
               </a:rPr>
-              <a:t>and </a:t>
-            </a:r>
-            <a:r>
-              <a:rPr lang="en-US" sz="2000" b="1" dirty="0">
+              <a:t> and </a:t>
+            </a:r>
+            <a:r>
+              <a:rPr lang="en-US" sz="1600" b="1" dirty="0">
                 <a:solidFill>
                   <a:srgbClr val="EBEBEB"/>
                 </a:solidFill>
@@ -34226,7 +34280,7 @@
                 <a:spcPct val="90000"/>
               </a:lnSpc>
             </a:pPr>
-            <a:endParaRPr lang="en-US" dirty="0">
+            <a:endParaRPr lang="en-US" sz="1600" dirty="0">
               <a:solidFill>
                 <a:srgbClr val="EBEBEB"/>
               </a:solidFill>
@@ -34239,7 +34293,7 @@
               </a:lnSpc>
             </a:pPr>
             <a:r>
-              <a:rPr lang="en-US" b="1" dirty="0">
+              <a:rPr lang="en-US" sz="1600" b="1" dirty="0">
                 <a:solidFill>
                   <a:srgbClr val="EBEBEB"/>
                 </a:solidFill>
@@ -34247,7 +34301,7 @@
               <a:t>Submit</a:t>
             </a:r>
             <a:r>
-              <a:rPr lang="en-US" dirty="0">
+              <a:rPr lang="en-US" sz="1600" dirty="0">
                 <a:solidFill>
                   <a:srgbClr val="EBEBEB"/>
                 </a:solidFill>
@@ -34261,7 +34315,7 @@
                 <a:spcPct val="90000"/>
               </a:lnSpc>
             </a:pPr>
-            <a:endParaRPr lang="en-US" dirty="0">
+            <a:endParaRPr lang="en-US" sz="1600" dirty="0">
               <a:solidFill>
                 <a:srgbClr val="EBEBEB"/>
               </a:solidFill>
@@ -34274,7 +34328,7 @@
               </a:lnSpc>
             </a:pPr>
             <a:r>
-              <a:rPr lang="en-US" b="1" dirty="0">
+              <a:rPr lang="en-US" sz="1600" b="1" dirty="0">
                 <a:solidFill>
                   <a:srgbClr val="EBEBEB"/>
                 </a:solidFill>
@@ -34282,7 +34336,7 @@
               <a:t>Options</a:t>
             </a:r>
             <a:r>
-              <a:rPr lang="en-US" dirty="0">
+              <a:rPr lang="en-US" sz="1600" dirty="0">
                 <a:solidFill>
                   <a:srgbClr val="EBEBEB"/>
                 </a:solidFill>
@@ -34296,7 +34350,7 @@
                 <a:spcPct val="90000"/>
               </a:lnSpc>
             </a:pPr>
-            <a:endParaRPr lang="en-US" dirty="0">
+            <a:endParaRPr lang="en-US" sz="1600" dirty="0">
               <a:solidFill>
                 <a:srgbClr val="EBEBEB"/>
               </a:solidFill>
@@ -34309,7 +34363,7 @@
               </a:lnSpc>
             </a:pPr>
             <a:r>
-              <a:rPr lang="en-US" b="1" dirty="0">
+              <a:rPr lang="en-US" sz="1600" b="1" dirty="0">
                 <a:solidFill>
                   <a:srgbClr val="EBEBEB"/>
                 </a:solidFill>
@@ -34317,7 +34371,42 @@
               <a:t>Enable MIDI </a:t>
             </a:r>
             <a:r>
-              <a:rPr lang="en-US" dirty="0">
+              <a:rPr lang="en-US" sz="1600" dirty="0">
+                <a:solidFill>
+                  <a:srgbClr val="EBEBEB"/>
+                </a:solidFill>
+              </a:rPr>
+              <a:t>button</a:t>
+            </a:r>
+          </a:p>
+          <a:p>
+            <a:pPr>
+              <a:lnSpc>
+                <a:spcPct val="90000"/>
+              </a:lnSpc>
+            </a:pPr>
+            <a:endParaRPr lang="en-US" sz="1600" b="1" dirty="0">
+              <a:solidFill>
+                <a:srgbClr val="EBEBEB"/>
+              </a:solidFill>
+            </a:endParaRPr>
+          </a:p>
+          <a:p>
+            <a:pPr>
+              <a:lnSpc>
+                <a:spcPct val="90000"/>
+              </a:lnSpc>
+            </a:pPr>
+            <a:r>
+              <a:rPr lang="en-US" sz="1600" b="1" dirty="0">
+                <a:solidFill>
+                  <a:srgbClr val="EBEBEB"/>
+                </a:solidFill>
+              </a:rPr>
+              <a:t>Clear sequence </a:t>
+            </a:r>
+            <a:r>
+              <a:rPr lang="en-US" sz="1600" dirty="0">
                 <a:solidFill>
                   <a:srgbClr val="EBEBEB"/>
                 </a:solidFill>
@@ -37831,14 +37920,14 @@
               <a:t> component: </a:t>
             </a:r>
             <a:r>
-              <a:rPr lang="it-IT" sz="1400" dirty="0" err="1">
+              <a:rPr lang="it-IT" sz="1400" b="1" dirty="0" err="1">
                 <a:solidFill>
                   <a:srgbClr val="FFFFFF"/>
                 </a:solidFill>
               </a:rPr>
               <a:t>App.vue</a:t>
             </a:r>
-            <a:endParaRPr lang="it-IT" sz="1400" dirty="0">
+            <a:endParaRPr lang="it-IT" sz="1400" b="1" dirty="0">
               <a:solidFill>
                 <a:srgbClr val="FFFFFF"/>
               </a:solidFill>
@@ -37890,12 +37979,72 @@
               <a:t>Input: </a:t>
             </a:r>
             <a:r>
-              <a:rPr lang="it-IT" sz="1400" dirty="0" err="1">
+              <a:rPr lang="it-IT" sz="1400" b="1" dirty="0" err="1">
                 <a:solidFill>
                   <a:srgbClr val="FFFFFF"/>
                 </a:solidFill>
               </a:rPr>
               <a:t>Tuning.vue</a:t>
+            </a:r>
+            <a:r>
+              <a:rPr lang="it-IT" sz="1400" b="1" dirty="0">
+                <a:solidFill>
+                  <a:srgbClr val="FFFFFF"/>
+                </a:solidFill>
+              </a:rPr>
+              <a:t>, </a:t>
+            </a:r>
+            <a:r>
+              <a:rPr lang="it-IT" sz="1400" b="1" dirty="0" err="1">
+                <a:solidFill>
+                  <a:srgbClr val="FFFFFF"/>
+                </a:solidFill>
+              </a:rPr>
+              <a:t>Options.vue</a:t>
+            </a:r>
+            <a:r>
+              <a:rPr lang="it-IT" sz="1400" b="1" dirty="0">
+                <a:solidFill>
+                  <a:srgbClr val="FFFFFF"/>
+                </a:solidFill>
+              </a:rPr>
+              <a:t>, </a:t>
+            </a:r>
+            <a:r>
+              <a:rPr lang="it-IT" sz="1400" b="1" dirty="0" err="1">
+                <a:solidFill>
+                  <a:srgbClr val="FFFFFF"/>
+                </a:solidFill>
+              </a:rPr>
+              <a:t>ToggleButton.vue</a:t>
+            </a:r>
+            <a:endParaRPr lang="it-IT" sz="1400" b="1" dirty="0">
+              <a:solidFill>
+                <a:srgbClr val="FFFFFF"/>
+              </a:solidFill>
+            </a:endParaRPr>
+          </a:p>
+          <a:p>
+            <a:pPr lvl="1">
+              <a:lnSpc>
+                <a:spcPct val="90000"/>
+              </a:lnSpc>
+            </a:pPr>
+            <a:r>
+              <a:rPr lang="it-IT" sz="1400" dirty="0">
+                <a:solidFill>
+                  <a:srgbClr val="FFFFFF"/>
+                </a:solidFill>
+              </a:rPr>
+              <a:t>Output: </a:t>
+            </a:r>
+            <a:r>
+              <a:rPr lang="it-IT" sz="1400" b="1" dirty="0" err="1">
+                <a:solidFill>
+                  <a:srgbClr val="FFFFFF"/>
+                </a:solidFill>
+              </a:rPr>
+              <a:t>Fretboard.vue</a:t>
             </a:r>
             <a:r>
               <a:rPr lang="it-IT" sz="1400" dirty="0">
@@ -37906,74 +38055,14 @@
               <a:t>, </a:t>
             </a:r>
             <a:r>
-              <a:rPr lang="it-IT" sz="1400" dirty="0" err="1">
-                <a:solidFill>
-                  <a:srgbClr val="FFFFFF"/>
-                </a:solidFill>
-              </a:rPr>
-              <a:t>Options.vue</a:t>
-            </a:r>
-            <a:r>
-              <a:rPr lang="it-IT" sz="1400" dirty="0">
-                <a:solidFill>
-                  <a:srgbClr val="FFFFFF"/>
-                </a:solidFill>
-              </a:rPr>
-              <a:t>, </a:t>
-            </a:r>
-            <a:r>
-              <a:rPr lang="it-IT" sz="1400" dirty="0" err="1">
-                <a:solidFill>
-                  <a:srgbClr val="FFFFFF"/>
-                </a:solidFill>
-              </a:rPr>
-              <a:t>ToggleButton.vue</a:t>
-            </a:r>
-            <a:endParaRPr lang="it-IT" sz="1400" dirty="0">
-              <a:solidFill>
-                <a:srgbClr val="FFFFFF"/>
-              </a:solidFill>
-            </a:endParaRPr>
-          </a:p>
-          <a:p>
-            <a:pPr lvl="1">
-              <a:lnSpc>
-                <a:spcPct val="90000"/>
-              </a:lnSpc>
-            </a:pPr>
-            <a:r>
-              <a:rPr lang="it-IT" sz="1400" dirty="0">
-                <a:solidFill>
-                  <a:srgbClr val="FFFFFF"/>
-                </a:solidFill>
-              </a:rPr>
-              <a:t>Output: </a:t>
-            </a:r>
-            <a:r>
-              <a:rPr lang="it-IT" sz="1400" dirty="0" err="1">
-                <a:solidFill>
-                  <a:srgbClr val="FFFFFF"/>
-                </a:solidFill>
-              </a:rPr>
-              <a:t>Fretboard.vue</a:t>
-            </a:r>
-            <a:r>
-              <a:rPr lang="it-IT" sz="1400" dirty="0">
-                <a:solidFill>
-                  <a:srgbClr val="FFFFFF"/>
-                </a:solidFill>
-              </a:rPr>
-              <a:t>, </a:t>
-            </a:r>
-            <a:r>
-              <a:rPr lang="it-IT" sz="1400" dirty="0" err="1">
+              <a:rPr lang="it-IT" sz="1400" b="1" dirty="0" err="1">
                 <a:solidFill>
                   <a:srgbClr val="FFFFFF"/>
                 </a:solidFill>
               </a:rPr>
               <a:t>Tablature.vue</a:t>
             </a:r>
-            <a:endParaRPr lang="it-IT" sz="1400" dirty="0">
+            <a:endParaRPr lang="it-IT" sz="1400" b="1" dirty="0">
               <a:solidFill>
                 <a:srgbClr val="FFFFFF"/>
               </a:solidFill>
@@ -38017,7 +38106,7 @@
               </a:lnSpc>
             </a:pPr>
             <a:r>
-              <a:rPr lang="it-IT" sz="1400" dirty="0">
+              <a:rPr lang="it-IT" sz="1400" b="1" dirty="0">
                 <a:solidFill>
                   <a:srgbClr val="FFFFFF"/>
                 </a:solidFill>
@@ -38032,7 +38121,7 @@
               </a:lnSpc>
             </a:pPr>
             <a:r>
-              <a:rPr lang="it-IT" sz="1400" dirty="0">
+              <a:rPr lang="it-IT" sz="1400" b="1" dirty="0">
                 <a:solidFill>
                   <a:srgbClr val="FFFFFF"/>
                 </a:solidFill>
@@ -38047,7 +38136,7 @@
               </a:lnSpc>
             </a:pPr>
             <a:r>
-              <a:rPr lang="it-IT" sz="1400" dirty="0">
+              <a:rPr lang="it-IT" sz="1400" b="1" dirty="0">
                 <a:solidFill>
                   <a:srgbClr val="FFFFFF"/>
                 </a:solidFill>
@@ -38062,7 +38151,7 @@
               </a:lnSpc>
             </a:pPr>
             <a:r>
-              <a:rPr lang="it-IT" sz="1400" dirty="0">
+              <a:rPr lang="it-IT" sz="1400" b="1" dirty="0">
                 <a:solidFill>
                   <a:srgbClr val="FFFFFF"/>
                 </a:solidFill>
@@ -38077,7 +38166,7 @@
               </a:lnSpc>
             </a:pPr>
             <a:r>
-              <a:rPr lang="it-IT" sz="1400" dirty="0">
+              <a:rPr lang="it-IT" sz="1400" b="1" dirty="0">
                 <a:solidFill>
                   <a:srgbClr val="FFFFFF"/>
                 </a:solidFill>
@@ -38092,7 +38181,7 @@
               </a:lnSpc>
             </a:pPr>
             <a:r>
-              <a:rPr lang="it-IT" sz="1400" dirty="0">
+              <a:rPr lang="it-IT" sz="1400" b="1" dirty="0">
                 <a:solidFill>
                   <a:srgbClr val="FFFFFF"/>
                 </a:solidFill>
@@ -38154,8 +38243,8 @@
         </p:blipFill>
         <p:spPr>
           <a:xfrm>
-            <a:off x="5048451" y="3051735"/>
-            <a:ext cx="6495847" cy="1364128"/>
+            <a:off x="4944295" y="2861443"/>
+            <a:ext cx="6756647" cy="1418896"/>
           </a:xfrm>
           <a:prstGeom prst="rect">
             <a:avLst/>
@@ -38294,6 +38383,38 @@
               <a:rPr lang="it-IT" dirty="0"/>
               <a:t> (note.js)</a:t>
             </a:r>
+          </a:p>
+          <a:p>
+            <a:pPr lvl="1"/>
+            <a:r>
+              <a:rPr lang="it-IT" dirty="0"/>
+              <a:t>Note: pitch class and </a:t>
+            </a:r>
+            <a:r>
+              <a:rPr lang="it-IT" dirty="0" err="1"/>
+              <a:t>octave</a:t>
+            </a:r>
+            <a:endParaRPr lang="it-IT" dirty="0"/>
+          </a:p>
+          <a:p>
+            <a:pPr lvl="1"/>
+            <a:r>
+              <a:rPr lang="it-IT" dirty="0"/>
+              <a:t>Equality supports </a:t>
+            </a:r>
+            <a:r>
+              <a:rPr lang="it-IT" dirty="0" err="1"/>
+              <a:t>enharmonic</a:t>
+            </a:r>
+            <a:r>
+              <a:rPr lang="it-IT" dirty="0"/>
+              <a:t> </a:t>
+            </a:r>
+            <a:r>
+              <a:rPr lang="it-IT" dirty="0" err="1"/>
+              <a:t>representations</a:t>
+            </a:r>
+            <a:endParaRPr lang="it-IT" dirty="0"/>
           </a:p>
           <a:p>
             <a:r>
@@ -39237,7 +39358,23 @@
                   <a:srgbClr val="FFFFFF"/>
                 </a:solidFill>
               </a:rPr>
-              <a:t> finger =&gt; </a:t>
+              <a:t> finger </a:t>
+            </a:r>
+            <a:r>
+              <a:rPr lang="it-IT" sz="2400" i="1" dirty="0">
+                <a:solidFill>
+                  <a:srgbClr val="FFFFFF"/>
+                </a:solidFill>
+              </a:rPr>
+              <a:t>→</a:t>
+            </a:r>
+            <a:r>
+              <a:rPr lang="it-IT" sz="2400" dirty="0">
+                <a:solidFill>
+                  <a:srgbClr val="FFFFFF"/>
+                </a:solidFill>
+              </a:rPr>
+              <a:t> </a:t>
             </a:r>
             <a:r>
               <a:rPr lang="it-IT" sz="2400" b="1" dirty="0">
@@ -39367,7 +39504,7 @@
                   <a:srgbClr val="FFFFFF"/>
                 </a:solidFill>
               </a:rPr>
-              <a:t>-&gt; </a:t>
+              <a:t>→</a:t>
             </a:r>
             <a:r>
               <a:rPr lang="it-IT" sz="1800" i="1" dirty="0">

--- a/TabMaker_compact.pptx
+++ b/TabMaker_compact.pptx
@@ -13642,10 +13642,67 @@
               <a:t>sequence</a:t>
             </a:r>
             <a:r>
-              <a:rPr lang="it-IT"/>
+              <a:rPr lang="it-IT" dirty="0"/>
               <a:t>.</a:t>
             </a:r>
-            <a:endParaRPr lang="it-IT" dirty="0"/>
+          </a:p>
+          <a:p>
+            <a:r>
+              <a:rPr lang="it-IT" dirty="0" err="1"/>
+              <a:t>We</a:t>
+            </a:r>
+            <a:r>
+              <a:rPr lang="it-IT" dirty="0"/>
+              <a:t> can </a:t>
+            </a:r>
+            <a:r>
+              <a:rPr lang="it-IT" dirty="0" err="1"/>
+              <a:t>also</a:t>
+            </a:r>
+            <a:r>
+              <a:rPr lang="it-IT" dirty="0"/>
+              <a:t> click on the </a:t>
+            </a:r>
+            <a:r>
+              <a:rPr lang="it-IT" dirty="0" err="1"/>
+              <a:t>chord</a:t>
+            </a:r>
+            <a:r>
+              <a:rPr lang="it-IT" dirty="0"/>
+              <a:t> cards to </a:t>
+            </a:r>
+            <a:r>
+              <a:rPr lang="it-IT" dirty="0" err="1"/>
+              <a:t>reorder</a:t>
+            </a:r>
+            <a:r>
+              <a:rPr lang="it-IT" dirty="0"/>
+              <a:t> the way </a:t>
+            </a:r>
+            <a:r>
+              <a:rPr lang="it-IT" dirty="0" err="1"/>
+              <a:t>they</a:t>
+            </a:r>
+            <a:r>
+              <a:rPr lang="it-IT" dirty="0"/>
+              <a:t> </a:t>
+            </a:r>
+            <a:r>
+              <a:rPr lang="it-IT" dirty="0" err="1"/>
+              <a:t>appear</a:t>
+            </a:r>
+            <a:r>
+              <a:rPr lang="it-IT" dirty="0"/>
+              <a:t> in the </a:t>
+            </a:r>
+            <a:r>
+              <a:rPr lang="it-IT" dirty="0" err="1"/>
+              <a:t>sequence</a:t>
+            </a:r>
+            <a:r>
+              <a:rPr lang="it-IT" dirty="0"/>
+              <a:t>.</a:t>
+            </a:r>
           </a:p>
           <a:p>
             <a:r>
@@ -33956,7 +34013,7 @@
         <p:spPr>
           <a:xfrm>
             <a:off x="648932" y="1536288"/>
-            <a:ext cx="4166509" cy="3785419"/>
+            <a:ext cx="4166509" cy="4898379"/>
           </a:xfrm>
           <a:prstGeom prst="rect">
             <a:avLst/>
@@ -33964,7 +34021,7 @@
         </p:spPr>
         <p:txBody>
           <a:bodyPr vert="horz" lIns="91440" tIns="45720" rIns="91440" bIns="45720" rtlCol="0">
-            <a:normAutofit fontScale="92500" lnSpcReduction="20000"/>
+            <a:normAutofit lnSpcReduction="10000"/>
           </a:bodyPr>
           <a:lstStyle>
             <a:lvl1pPr marL="342900" indent="-342900" algn="l" defTabSz="457200" rtl="0" eaLnBrk="1" latinLnBrk="0" hangingPunct="1">
@@ -34413,6 +34470,45 @@
               </a:rPr>
               <a:t>button</a:t>
             </a:r>
+          </a:p>
+          <a:p>
+            <a:pPr>
+              <a:lnSpc>
+                <a:spcPct val="90000"/>
+              </a:lnSpc>
+            </a:pPr>
+            <a:endParaRPr lang="en-US" sz="1600" dirty="0">
+              <a:solidFill>
+                <a:srgbClr val="EBEBEB"/>
+              </a:solidFill>
+            </a:endParaRPr>
+          </a:p>
+          <a:p>
+            <a:pPr>
+              <a:lnSpc>
+                <a:spcPct val="90000"/>
+              </a:lnSpc>
+            </a:pPr>
+            <a:r>
+              <a:rPr lang="en-US" sz="1600" dirty="0">
+                <a:solidFill>
+                  <a:srgbClr val="EBEBEB"/>
+                </a:solidFill>
+              </a:rPr>
+              <a:t>Chord cards can be moved around</a:t>
+            </a:r>
+          </a:p>
+          <a:p>
+            <a:pPr>
+              <a:lnSpc>
+                <a:spcPct val="90000"/>
+              </a:lnSpc>
+            </a:pPr>
+            <a:endParaRPr lang="en-US" sz="1600" dirty="0">
+              <a:solidFill>
+                <a:srgbClr val="EBEBEB"/>
+              </a:solidFill>
+            </a:endParaRPr>
           </a:p>
         </p:txBody>
       </p:sp>
